--- a/ICT-171 Documentation.pptx
+++ b/ICT-171 Documentation.pptx
@@ -6,12 +6,13 @@
   </p:sldMasterIdLst>
   <p:sldIdLst>
     <p:sldId id="257" r:id="rId2"/>
-    <p:sldId id="258" r:id="rId3"/>
-    <p:sldId id="259" r:id="rId4"/>
-    <p:sldId id="260" r:id="rId5"/>
-    <p:sldId id="261" r:id="rId6"/>
-    <p:sldId id="262" r:id="rId7"/>
-    <p:sldId id="263" r:id="rId8"/>
+    <p:sldId id="264" r:id="rId3"/>
+    <p:sldId id="258" r:id="rId4"/>
+    <p:sldId id="259" r:id="rId5"/>
+    <p:sldId id="260" r:id="rId6"/>
+    <p:sldId id="261" r:id="rId7"/>
+    <p:sldId id="262" r:id="rId8"/>
+    <p:sldId id="263" r:id="rId9"/>
   </p:sldIdLst>
   <p:sldSz cx="6858000" cy="9906000" type="A4"/>
   <p:notesSz cx="6858000" cy="9144000"/>
@@ -3945,6 +3946,702 @@
         <p:spPr>
           <a:xfrm>
             <a:off x="132399" y="184239"/>
+            <a:ext cx="6593205" cy="8433078"/>
+          </a:xfrm>
+          <a:prstGeom prst="rect">
+            <a:avLst/>
+          </a:prstGeom>
+          <a:noFill/>
+        </p:spPr>
+        <p:txBody>
+          <a:bodyPr wrap="square" rtlCol="0">
+            <a:spAutoFit/>
+          </a:bodyPr>
+          <a:lstStyle/>
+          <a:p>
+            <a:pPr marL="342900" indent="-342900">
+              <a:buFont typeface="+mj-lt"/>
+              <a:buAutoNum type="arabicParenR" startAt="4"/>
+            </a:pPr>
+            <a:r>
+              <a:rPr lang="en-US" sz="1400" dirty="0">
+                <a:solidFill>
+                  <a:schemeClr val="accent1"/>
+                </a:solidFill>
+                <a:latin typeface="Noto Sans" panose="020B0502040504020204" pitchFamily="34" charset="0"/>
+                <a:ea typeface="Noto Sans" panose="020B0502040504020204" pitchFamily="34" charset="0"/>
+                <a:cs typeface="Noto Sans" panose="020B0502040504020204" pitchFamily="34" charset="0"/>
+              </a:rPr>
+              <a:t>Creating the domain</a:t>
+            </a:r>
+          </a:p>
+          <a:p>
+            <a:pPr marL="342900" indent="-342900">
+              <a:buFont typeface="+mj-lt"/>
+              <a:buAutoNum type="arabicParenR" startAt="4"/>
+            </a:pPr>
+            <a:endParaRPr lang="en-US" sz="1200" dirty="0">
+              <a:latin typeface="Noto Sans" panose="020B0502040504020204" pitchFamily="34" charset="0"/>
+              <a:ea typeface="Noto Sans" panose="020B0502040504020204" pitchFamily="34" charset="0"/>
+              <a:cs typeface="Noto Sans" panose="020B0502040504020204" pitchFamily="34" charset="0"/>
+            </a:endParaRPr>
+          </a:p>
+          <a:p>
+            <a:pPr marL="800100" lvl="1" indent="-342900" algn="just">
+              <a:buFont typeface="Arial" panose="020B0604020202020204" pitchFamily="34" charset="0"/>
+              <a:buChar char="•"/>
+            </a:pPr>
+            <a:r>
+              <a:rPr lang="en-US" sz="1200" dirty="0">
+                <a:latin typeface="Noto Sans" panose="020B0502040504020204" pitchFamily="34" charset="0"/>
+                <a:ea typeface="Noto Sans" panose="020B0502040504020204" pitchFamily="34" charset="0"/>
+                <a:cs typeface="Noto Sans" panose="020B0502040504020204" pitchFamily="34" charset="0"/>
+              </a:rPr>
+              <a:t>I have decided to use name.com for this project, but the procedure should be similar across all DNS providers</a:t>
+            </a:r>
+          </a:p>
+          <a:p>
+            <a:pPr marL="800100" lvl="1" indent="-342900" algn="just">
+              <a:buFont typeface="Arial" panose="020B0604020202020204" pitchFamily="34" charset="0"/>
+              <a:buChar char="•"/>
+            </a:pPr>
+            <a:r>
+              <a:rPr lang="en-US" sz="1200" dirty="0">
+                <a:latin typeface="Noto Sans" panose="020B0502040504020204" pitchFamily="34" charset="0"/>
+                <a:ea typeface="Noto Sans" panose="020B0502040504020204" pitchFamily="34" charset="0"/>
+                <a:cs typeface="Noto Sans" panose="020B0502040504020204" pitchFamily="34" charset="0"/>
+              </a:rPr>
+              <a:t>Go to name.com, search for the desired domain, and purchase it </a:t>
+            </a:r>
+          </a:p>
+          <a:p>
+            <a:pPr marL="800100" lvl="1" indent="-342900" algn="just">
+              <a:buFont typeface="Arial" panose="020B0604020202020204" pitchFamily="34" charset="0"/>
+              <a:buChar char="•"/>
+            </a:pPr>
+            <a:endParaRPr lang="en-US" sz="1200" dirty="0">
+              <a:latin typeface="Noto Sans" panose="020B0502040504020204" pitchFamily="34" charset="0"/>
+              <a:ea typeface="Noto Sans" panose="020B0502040504020204" pitchFamily="34" charset="0"/>
+              <a:cs typeface="Noto Sans" panose="020B0502040504020204" pitchFamily="34" charset="0"/>
+            </a:endParaRPr>
+          </a:p>
+          <a:p>
+            <a:pPr marL="800100" lvl="1" indent="-342900" algn="just">
+              <a:buFont typeface="Arial" panose="020B0604020202020204" pitchFamily="34" charset="0"/>
+              <a:buChar char="•"/>
+            </a:pPr>
+            <a:endParaRPr lang="en-US" sz="1200" dirty="0">
+              <a:latin typeface="Noto Sans" panose="020B0502040504020204" pitchFamily="34" charset="0"/>
+              <a:ea typeface="Noto Sans" panose="020B0502040504020204" pitchFamily="34" charset="0"/>
+              <a:cs typeface="Noto Sans" panose="020B0502040504020204" pitchFamily="34" charset="0"/>
+            </a:endParaRPr>
+          </a:p>
+          <a:p>
+            <a:pPr marL="800100" lvl="1" indent="-342900" algn="just">
+              <a:buFont typeface="Arial" panose="020B0604020202020204" pitchFamily="34" charset="0"/>
+              <a:buChar char="•"/>
+            </a:pPr>
+            <a:endParaRPr lang="en-US" sz="1200" dirty="0">
+              <a:latin typeface="Noto Sans" panose="020B0502040504020204" pitchFamily="34" charset="0"/>
+              <a:ea typeface="Noto Sans" panose="020B0502040504020204" pitchFamily="34" charset="0"/>
+              <a:cs typeface="Noto Sans" panose="020B0502040504020204" pitchFamily="34" charset="0"/>
+            </a:endParaRPr>
+          </a:p>
+          <a:p>
+            <a:pPr marL="800100" lvl="1" indent="-342900" algn="just">
+              <a:buFont typeface="Arial" panose="020B0604020202020204" pitchFamily="34" charset="0"/>
+              <a:buChar char="•"/>
+            </a:pPr>
+            <a:endParaRPr lang="en-US" sz="1200" dirty="0">
+              <a:latin typeface="Noto Sans" panose="020B0502040504020204" pitchFamily="34" charset="0"/>
+              <a:ea typeface="Noto Sans" panose="020B0502040504020204" pitchFamily="34" charset="0"/>
+              <a:cs typeface="Noto Sans" panose="020B0502040504020204" pitchFamily="34" charset="0"/>
+            </a:endParaRPr>
+          </a:p>
+          <a:p>
+            <a:pPr marL="800100" lvl="1" indent="-342900" algn="just">
+              <a:buFont typeface="Arial" panose="020B0604020202020204" pitchFamily="34" charset="0"/>
+              <a:buChar char="•"/>
+            </a:pPr>
+            <a:endParaRPr lang="en-US" sz="1200" dirty="0">
+              <a:latin typeface="Noto Sans" panose="020B0502040504020204" pitchFamily="34" charset="0"/>
+              <a:ea typeface="Noto Sans" panose="020B0502040504020204" pitchFamily="34" charset="0"/>
+              <a:cs typeface="Noto Sans" panose="020B0502040504020204" pitchFamily="34" charset="0"/>
+            </a:endParaRPr>
+          </a:p>
+          <a:p>
+            <a:pPr marL="800100" lvl="1" indent="-342900" algn="just">
+              <a:buFont typeface="Arial" panose="020B0604020202020204" pitchFamily="34" charset="0"/>
+              <a:buChar char="•"/>
+            </a:pPr>
+            <a:endParaRPr lang="en-US" sz="1200" dirty="0">
+              <a:latin typeface="Noto Sans" panose="020B0502040504020204" pitchFamily="34" charset="0"/>
+              <a:ea typeface="Noto Sans" panose="020B0502040504020204" pitchFamily="34" charset="0"/>
+              <a:cs typeface="Noto Sans" panose="020B0502040504020204" pitchFamily="34" charset="0"/>
+            </a:endParaRPr>
+          </a:p>
+          <a:p>
+            <a:pPr marL="800100" lvl="1" indent="-342900" algn="just">
+              <a:buFont typeface="Arial" panose="020B0604020202020204" pitchFamily="34" charset="0"/>
+              <a:buChar char="•"/>
+            </a:pPr>
+            <a:endParaRPr lang="en-US" sz="1200" dirty="0">
+              <a:latin typeface="Noto Sans" panose="020B0502040504020204" pitchFamily="34" charset="0"/>
+              <a:ea typeface="Noto Sans" panose="020B0502040504020204" pitchFamily="34" charset="0"/>
+              <a:cs typeface="Noto Sans" panose="020B0502040504020204" pitchFamily="34" charset="0"/>
+            </a:endParaRPr>
+          </a:p>
+          <a:p>
+            <a:pPr marL="800100" lvl="1" indent="-342900" algn="just">
+              <a:buFont typeface="Arial" panose="020B0604020202020204" pitchFamily="34" charset="0"/>
+              <a:buChar char="•"/>
+            </a:pPr>
+            <a:endParaRPr lang="en-US" sz="1200" dirty="0">
+              <a:latin typeface="Noto Sans" panose="020B0502040504020204" pitchFamily="34" charset="0"/>
+              <a:ea typeface="Noto Sans" panose="020B0502040504020204" pitchFamily="34" charset="0"/>
+              <a:cs typeface="Noto Sans" panose="020B0502040504020204" pitchFamily="34" charset="0"/>
+            </a:endParaRPr>
+          </a:p>
+          <a:p>
+            <a:pPr marL="800100" lvl="1" indent="-342900" algn="just">
+              <a:buFont typeface="Arial" panose="020B0604020202020204" pitchFamily="34" charset="0"/>
+              <a:buChar char="•"/>
+            </a:pPr>
+            <a:endParaRPr lang="en-US" sz="1200" dirty="0">
+              <a:latin typeface="Noto Sans" panose="020B0502040504020204" pitchFamily="34" charset="0"/>
+              <a:ea typeface="Noto Sans" panose="020B0502040504020204" pitchFamily="34" charset="0"/>
+              <a:cs typeface="Noto Sans" panose="020B0502040504020204" pitchFamily="34" charset="0"/>
+            </a:endParaRPr>
+          </a:p>
+          <a:p>
+            <a:pPr marL="800100" lvl="1" indent="-342900" algn="just">
+              <a:buFont typeface="Arial" panose="020B0604020202020204" pitchFamily="34" charset="0"/>
+              <a:buChar char="•"/>
+            </a:pPr>
+            <a:endParaRPr lang="en-US" sz="1200" dirty="0">
+              <a:latin typeface="Noto Sans" panose="020B0502040504020204" pitchFamily="34" charset="0"/>
+              <a:ea typeface="Noto Sans" panose="020B0502040504020204" pitchFamily="34" charset="0"/>
+              <a:cs typeface="Noto Sans" panose="020B0502040504020204" pitchFamily="34" charset="0"/>
+            </a:endParaRPr>
+          </a:p>
+          <a:p>
+            <a:pPr marL="800100" lvl="1" indent="-342900" algn="just">
+              <a:buFont typeface="Arial" panose="020B0604020202020204" pitchFamily="34" charset="0"/>
+              <a:buChar char="•"/>
+            </a:pPr>
+            <a:endParaRPr lang="en-US" sz="1200" dirty="0">
+              <a:latin typeface="Noto Sans" panose="020B0502040504020204" pitchFamily="34" charset="0"/>
+              <a:ea typeface="Noto Sans" panose="020B0502040504020204" pitchFamily="34" charset="0"/>
+              <a:cs typeface="Noto Sans" panose="020B0502040504020204" pitchFamily="34" charset="0"/>
+            </a:endParaRPr>
+          </a:p>
+          <a:p>
+            <a:pPr marL="800100" lvl="1" indent="-342900" algn="just">
+              <a:buFont typeface="Arial" panose="020B0604020202020204" pitchFamily="34" charset="0"/>
+              <a:buChar char="•"/>
+            </a:pPr>
+            <a:endParaRPr lang="en-US" sz="1200" dirty="0">
+              <a:latin typeface="Noto Sans" panose="020B0502040504020204" pitchFamily="34" charset="0"/>
+              <a:ea typeface="Noto Sans" panose="020B0502040504020204" pitchFamily="34" charset="0"/>
+              <a:cs typeface="Noto Sans" panose="020B0502040504020204" pitchFamily="34" charset="0"/>
+            </a:endParaRPr>
+          </a:p>
+          <a:p>
+            <a:pPr marL="800100" lvl="1" indent="-342900" algn="just">
+              <a:buFont typeface="Arial" panose="020B0604020202020204" pitchFamily="34" charset="0"/>
+              <a:buChar char="•"/>
+            </a:pPr>
+            <a:endParaRPr lang="en-US" sz="1200" dirty="0">
+              <a:latin typeface="Noto Sans" panose="020B0502040504020204" pitchFamily="34" charset="0"/>
+              <a:ea typeface="Noto Sans" panose="020B0502040504020204" pitchFamily="34" charset="0"/>
+              <a:cs typeface="Noto Sans" panose="020B0502040504020204" pitchFamily="34" charset="0"/>
+            </a:endParaRPr>
+          </a:p>
+          <a:p>
+            <a:pPr marL="800100" lvl="1" indent="-342900" algn="just">
+              <a:buFont typeface="Arial" panose="020B0604020202020204" pitchFamily="34" charset="0"/>
+              <a:buChar char="•"/>
+            </a:pPr>
+            <a:endParaRPr lang="en-US" sz="1200" dirty="0">
+              <a:latin typeface="Noto Sans" panose="020B0502040504020204" pitchFamily="34" charset="0"/>
+              <a:ea typeface="Noto Sans" panose="020B0502040504020204" pitchFamily="34" charset="0"/>
+              <a:cs typeface="Noto Sans" panose="020B0502040504020204" pitchFamily="34" charset="0"/>
+            </a:endParaRPr>
+          </a:p>
+          <a:p>
+            <a:pPr marL="800100" lvl="1" indent="-342900" algn="just">
+              <a:buFont typeface="Arial" panose="020B0604020202020204" pitchFamily="34" charset="0"/>
+              <a:buChar char="•"/>
+            </a:pPr>
+            <a:endParaRPr lang="en-US" sz="1200" dirty="0">
+              <a:latin typeface="Noto Sans" panose="020B0502040504020204" pitchFamily="34" charset="0"/>
+              <a:ea typeface="Noto Sans" panose="020B0502040504020204" pitchFamily="34" charset="0"/>
+              <a:cs typeface="Noto Sans" panose="020B0502040504020204" pitchFamily="34" charset="0"/>
+            </a:endParaRPr>
+          </a:p>
+          <a:p>
+            <a:pPr marL="800100" lvl="1" indent="-342900" algn="just">
+              <a:buFont typeface="Arial" panose="020B0604020202020204" pitchFamily="34" charset="0"/>
+              <a:buChar char="•"/>
+            </a:pPr>
+            <a:endParaRPr lang="en-US" sz="1200" dirty="0">
+              <a:latin typeface="Noto Sans" panose="020B0502040504020204" pitchFamily="34" charset="0"/>
+              <a:ea typeface="Noto Sans" panose="020B0502040504020204" pitchFamily="34" charset="0"/>
+              <a:cs typeface="Noto Sans" panose="020B0502040504020204" pitchFamily="34" charset="0"/>
+            </a:endParaRPr>
+          </a:p>
+          <a:p>
+            <a:pPr marL="800100" lvl="1" indent="-342900" algn="just">
+              <a:buFont typeface="Arial" panose="020B0604020202020204" pitchFamily="34" charset="0"/>
+              <a:buChar char="•"/>
+            </a:pPr>
+            <a:endParaRPr lang="en-US" sz="1200" dirty="0">
+              <a:latin typeface="Noto Sans" panose="020B0502040504020204" pitchFamily="34" charset="0"/>
+              <a:ea typeface="Noto Sans" panose="020B0502040504020204" pitchFamily="34" charset="0"/>
+              <a:cs typeface="Noto Sans" panose="020B0502040504020204" pitchFamily="34" charset="0"/>
+            </a:endParaRPr>
+          </a:p>
+          <a:p>
+            <a:pPr marL="800100" lvl="1" indent="-342900" algn="just">
+              <a:buFont typeface="Arial" panose="020B0604020202020204" pitchFamily="34" charset="0"/>
+              <a:buChar char="•"/>
+            </a:pPr>
+            <a:endParaRPr lang="en-US" sz="1200" dirty="0">
+              <a:latin typeface="Noto Sans" panose="020B0502040504020204" pitchFamily="34" charset="0"/>
+              <a:ea typeface="Noto Sans" panose="020B0502040504020204" pitchFamily="34" charset="0"/>
+              <a:cs typeface="Noto Sans" panose="020B0502040504020204" pitchFamily="34" charset="0"/>
+            </a:endParaRPr>
+          </a:p>
+          <a:p>
+            <a:pPr marL="800100" lvl="1" indent="-342900" algn="just">
+              <a:buFont typeface="Arial" panose="020B0604020202020204" pitchFamily="34" charset="0"/>
+              <a:buChar char="•"/>
+            </a:pPr>
+            <a:endParaRPr lang="en-US" sz="1200" dirty="0">
+              <a:latin typeface="Noto Sans" panose="020B0502040504020204" pitchFamily="34" charset="0"/>
+              <a:ea typeface="Noto Sans" panose="020B0502040504020204" pitchFamily="34" charset="0"/>
+              <a:cs typeface="Noto Sans" panose="020B0502040504020204" pitchFamily="34" charset="0"/>
+            </a:endParaRPr>
+          </a:p>
+          <a:p>
+            <a:pPr marL="800100" lvl="1" indent="-342900" algn="just">
+              <a:buFont typeface="Arial" panose="020B0604020202020204" pitchFamily="34" charset="0"/>
+              <a:buChar char="•"/>
+            </a:pPr>
+            <a:r>
+              <a:rPr lang="en-US" sz="1200" dirty="0">
+                <a:latin typeface="Noto Sans" panose="020B0502040504020204" pitchFamily="34" charset="0"/>
+                <a:ea typeface="Noto Sans" panose="020B0502040504020204" pitchFamily="34" charset="0"/>
+                <a:cs typeface="Noto Sans" panose="020B0502040504020204" pitchFamily="34" charset="0"/>
+              </a:rPr>
+              <a:t>After purchasing the domain, go to </a:t>
+            </a:r>
+            <a:r>
+              <a:rPr lang="en-US" sz="1200" dirty="0">
+                <a:latin typeface="Noto Sans" panose="020B0502040504020204" pitchFamily="34" charset="0"/>
+                <a:ea typeface="Noto Sans" panose="020B0502040504020204" pitchFamily="34" charset="0"/>
+                <a:cs typeface="Noto Sans" panose="020B0502040504020204" pitchFamily="34" charset="0"/>
+                <a:hlinkClick r:id="rId2"/>
+              </a:rPr>
+              <a:t>My Domains</a:t>
+            </a:r>
+            <a:endParaRPr lang="en-US" sz="1200" dirty="0">
+              <a:latin typeface="Noto Sans" panose="020B0502040504020204" pitchFamily="34" charset="0"/>
+              <a:ea typeface="Noto Sans" panose="020B0502040504020204" pitchFamily="34" charset="0"/>
+              <a:cs typeface="Noto Sans" panose="020B0502040504020204" pitchFamily="34" charset="0"/>
+            </a:endParaRPr>
+          </a:p>
+          <a:p>
+            <a:pPr marL="800100" lvl="1" indent="-342900" algn="just">
+              <a:buFont typeface="Arial" panose="020B0604020202020204" pitchFamily="34" charset="0"/>
+              <a:buChar char="•"/>
+            </a:pPr>
+            <a:endParaRPr lang="en-US" sz="1200" dirty="0">
+              <a:latin typeface="Noto Sans" panose="020B0502040504020204" pitchFamily="34" charset="0"/>
+              <a:ea typeface="Noto Sans" panose="020B0502040504020204" pitchFamily="34" charset="0"/>
+              <a:cs typeface="Noto Sans" panose="020B0502040504020204" pitchFamily="34" charset="0"/>
+            </a:endParaRPr>
+          </a:p>
+          <a:p>
+            <a:pPr marL="800100" lvl="1" indent="-342900" algn="just">
+              <a:buFont typeface="Arial" panose="020B0604020202020204" pitchFamily="34" charset="0"/>
+              <a:buChar char="•"/>
+            </a:pPr>
+            <a:endParaRPr lang="en-US" sz="1200" dirty="0">
+              <a:latin typeface="Noto Sans" panose="020B0502040504020204" pitchFamily="34" charset="0"/>
+              <a:ea typeface="Noto Sans" panose="020B0502040504020204" pitchFamily="34" charset="0"/>
+              <a:cs typeface="Noto Sans" panose="020B0502040504020204" pitchFamily="34" charset="0"/>
+            </a:endParaRPr>
+          </a:p>
+          <a:p>
+            <a:pPr marL="800100" lvl="1" indent="-342900" algn="just">
+              <a:buFont typeface="Arial" panose="020B0604020202020204" pitchFamily="34" charset="0"/>
+              <a:buChar char="•"/>
+            </a:pPr>
+            <a:endParaRPr lang="en-US" sz="1200" dirty="0">
+              <a:latin typeface="Noto Sans" panose="020B0502040504020204" pitchFamily="34" charset="0"/>
+              <a:ea typeface="Noto Sans" panose="020B0502040504020204" pitchFamily="34" charset="0"/>
+              <a:cs typeface="Noto Sans" panose="020B0502040504020204" pitchFamily="34" charset="0"/>
+            </a:endParaRPr>
+          </a:p>
+          <a:p>
+            <a:pPr marL="800100" lvl="1" indent="-342900" algn="just">
+              <a:buFont typeface="Arial" panose="020B0604020202020204" pitchFamily="34" charset="0"/>
+              <a:buChar char="•"/>
+            </a:pPr>
+            <a:endParaRPr lang="en-US" sz="1200" dirty="0">
+              <a:latin typeface="Noto Sans" panose="020B0502040504020204" pitchFamily="34" charset="0"/>
+              <a:ea typeface="Noto Sans" panose="020B0502040504020204" pitchFamily="34" charset="0"/>
+              <a:cs typeface="Noto Sans" panose="020B0502040504020204" pitchFamily="34" charset="0"/>
+            </a:endParaRPr>
+          </a:p>
+          <a:p>
+            <a:pPr marL="800100" lvl="1" indent="-342900" algn="just">
+              <a:buFont typeface="Arial" panose="020B0604020202020204" pitchFamily="34" charset="0"/>
+              <a:buChar char="•"/>
+            </a:pPr>
+            <a:endParaRPr lang="en-US" sz="1200" dirty="0">
+              <a:latin typeface="Noto Sans" panose="020B0502040504020204" pitchFamily="34" charset="0"/>
+              <a:ea typeface="Noto Sans" panose="020B0502040504020204" pitchFamily="34" charset="0"/>
+              <a:cs typeface="Noto Sans" panose="020B0502040504020204" pitchFamily="34" charset="0"/>
+            </a:endParaRPr>
+          </a:p>
+          <a:p>
+            <a:pPr marL="800100" lvl="1" indent="-342900" algn="just">
+              <a:buFont typeface="Arial" panose="020B0604020202020204" pitchFamily="34" charset="0"/>
+              <a:buChar char="•"/>
+            </a:pPr>
+            <a:r>
+              <a:rPr lang="en-US" sz="1200" dirty="0">
+                <a:latin typeface="Noto Sans" panose="020B0502040504020204" pitchFamily="34" charset="0"/>
+                <a:ea typeface="Noto Sans" panose="020B0502040504020204" pitchFamily="34" charset="0"/>
+                <a:cs typeface="Noto Sans" panose="020B0502040504020204" pitchFamily="34" charset="0"/>
+              </a:rPr>
+              <a:t>Go to your domain settings &gt; Manage DNS records</a:t>
+            </a:r>
+          </a:p>
+          <a:p>
+            <a:pPr marL="800100" lvl="1" indent="-342900" algn="just">
+              <a:buFont typeface="Arial" panose="020B0604020202020204" pitchFamily="34" charset="0"/>
+              <a:buChar char="•"/>
+            </a:pPr>
+            <a:endParaRPr lang="en-US" sz="1200" dirty="0">
+              <a:latin typeface="Noto Sans" panose="020B0502040504020204" pitchFamily="34" charset="0"/>
+              <a:ea typeface="Noto Sans" panose="020B0502040504020204" pitchFamily="34" charset="0"/>
+              <a:cs typeface="Noto Sans" panose="020B0502040504020204" pitchFamily="34" charset="0"/>
+            </a:endParaRPr>
+          </a:p>
+          <a:p>
+            <a:pPr marL="800100" lvl="1" indent="-342900" algn="just">
+              <a:buFont typeface="Arial" panose="020B0604020202020204" pitchFamily="34" charset="0"/>
+              <a:buChar char="•"/>
+            </a:pPr>
+            <a:r>
+              <a:rPr lang="en-US" sz="1200" dirty="0">
+                <a:latin typeface="Noto Sans" panose="020B0502040504020204" pitchFamily="34" charset="0"/>
+                <a:ea typeface="Noto Sans" panose="020B0502040504020204" pitchFamily="34" charset="0"/>
+                <a:cs typeface="Noto Sans" panose="020B0502040504020204" pitchFamily="34" charset="0"/>
+              </a:rPr>
+              <a:t>Add a type A record, leaving the host field blank, and enter your IP in the answer field </a:t>
+            </a:r>
+          </a:p>
+          <a:p>
+            <a:pPr marL="800100" lvl="1" indent="-342900" algn="just">
+              <a:buFont typeface="Arial" panose="020B0604020202020204" pitchFamily="34" charset="0"/>
+              <a:buChar char="•"/>
+            </a:pPr>
+            <a:endParaRPr lang="en-US" sz="1200" dirty="0">
+              <a:latin typeface="Noto Sans" panose="020B0502040504020204" pitchFamily="34" charset="0"/>
+              <a:ea typeface="Noto Sans" panose="020B0502040504020204" pitchFamily="34" charset="0"/>
+              <a:cs typeface="Noto Sans" panose="020B0502040504020204" pitchFamily="34" charset="0"/>
+            </a:endParaRPr>
+          </a:p>
+          <a:p>
+            <a:pPr marL="800100" lvl="1" indent="-342900" algn="just">
+              <a:buFont typeface="Arial" panose="020B0604020202020204" pitchFamily="34" charset="0"/>
+              <a:buChar char="•"/>
+            </a:pPr>
+            <a:endParaRPr lang="en-US" sz="1200" dirty="0">
+              <a:latin typeface="Noto Sans" panose="020B0502040504020204" pitchFamily="34" charset="0"/>
+              <a:ea typeface="Noto Sans" panose="020B0502040504020204" pitchFamily="34" charset="0"/>
+              <a:cs typeface="Noto Sans" panose="020B0502040504020204" pitchFamily="34" charset="0"/>
+            </a:endParaRPr>
+          </a:p>
+          <a:p>
+            <a:pPr marL="800100" lvl="1" indent="-342900" algn="just">
+              <a:buFont typeface="Arial" panose="020B0604020202020204" pitchFamily="34" charset="0"/>
+              <a:buChar char="•"/>
+            </a:pPr>
+            <a:endParaRPr lang="en-US" sz="1200" dirty="0">
+              <a:latin typeface="Noto Sans" panose="020B0502040504020204" pitchFamily="34" charset="0"/>
+              <a:ea typeface="Noto Sans" panose="020B0502040504020204" pitchFamily="34" charset="0"/>
+              <a:cs typeface="Noto Sans" panose="020B0502040504020204" pitchFamily="34" charset="0"/>
+            </a:endParaRPr>
+          </a:p>
+          <a:p>
+            <a:pPr marL="800100" lvl="1" indent="-342900" algn="just">
+              <a:buFont typeface="Arial" panose="020B0604020202020204" pitchFamily="34" charset="0"/>
+              <a:buChar char="•"/>
+            </a:pPr>
+            <a:endParaRPr lang="en-US" sz="1200" dirty="0">
+              <a:latin typeface="Noto Sans" panose="020B0502040504020204" pitchFamily="34" charset="0"/>
+              <a:ea typeface="Noto Sans" panose="020B0502040504020204" pitchFamily="34" charset="0"/>
+              <a:cs typeface="Noto Sans" panose="020B0502040504020204" pitchFamily="34" charset="0"/>
+            </a:endParaRPr>
+          </a:p>
+          <a:p>
+            <a:pPr marL="800100" lvl="1" indent="-342900" algn="just">
+              <a:buFont typeface="Arial" panose="020B0604020202020204" pitchFamily="34" charset="0"/>
+              <a:buChar char="•"/>
+            </a:pPr>
+            <a:endParaRPr lang="en-US" sz="1200" dirty="0">
+              <a:latin typeface="Noto Sans" panose="020B0502040504020204" pitchFamily="34" charset="0"/>
+              <a:ea typeface="Noto Sans" panose="020B0502040504020204" pitchFamily="34" charset="0"/>
+              <a:cs typeface="Noto Sans" panose="020B0502040504020204" pitchFamily="34" charset="0"/>
+            </a:endParaRPr>
+          </a:p>
+          <a:p>
+            <a:pPr marL="800100" lvl="1" indent="-342900" algn="just">
+              <a:buFont typeface="Arial" panose="020B0604020202020204" pitchFamily="34" charset="0"/>
+              <a:buChar char="•"/>
+            </a:pPr>
+            <a:r>
+              <a:rPr lang="en-US" sz="1200" dirty="0">
+                <a:latin typeface="Noto Sans" panose="020B0502040504020204" pitchFamily="34" charset="0"/>
+                <a:ea typeface="Noto Sans" panose="020B0502040504020204" pitchFamily="34" charset="0"/>
+                <a:cs typeface="Noto Sans" panose="020B0502040504020204" pitchFamily="34" charset="0"/>
+                <a:hlinkClick r:id="rId3"/>
+              </a:rPr>
+              <a:t>www.gilfoodiehub.live</a:t>
+            </a:r>
+            <a:r>
+              <a:rPr lang="en-US" sz="1200" dirty="0">
+                <a:latin typeface="Noto Sans" panose="020B0502040504020204" pitchFamily="34" charset="0"/>
+                <a:ea typeface="Noto Sans" panose="020B0502040504020204" pitchFamily="34" charset="0"/>
+                <a:cs typeface="Noto Sans" panose="020B0502040504020204" pitchFamily="34" charset="0"/>
+              </a:rPr>
+              <a:t> will now point to our IP (52.166.192.249)</a:t>
+            </a:r>
+          </a:p>
+          <a:p>
+            <a:pPr marL="800100" lvl="1" indent="-342900" algn="just">
+              <a:buFont typeface="Arial" panose="020B0604020202020204" pitchFamily="34" charset="0"/>
+              <a:buChar char="•"/>
+            </a:pPr>
+            <a:endParaRPr lang="en-US" sz="1200" dirty="0">
+              <a:latin typeface="Noto Sans" panose="020B0502040504020204" pitchFamily="34" charset="0"/>
+              <a:ea typeface="Noto Sans" panose="020B0502040504020204" pitchFamily="34" charset="0"/>
+              <a:cs typeface="Noto Sans" panose="020B0502040504020204" pitchFamily="34" charset="0"/>
+            </a:endParaRPr>
+          </a:p>
+          <a:p>
+            <a:pPr marL="800100" lvl="1" indent="-342900" algn="just">
+              <a:buFont typeface="Arial" panose="020B0604020202020204" pitchFamily="34" charset="0"/>
+              <a:buChar char="•"/>
+            </a:pPr>
+            <a:r>
+              <a:rPr lang="en-US" sz="1200" dirty="0">
+                <a:latin typeface="Noto Sans" panose="020B0502040504020204" pitchFamily="34" charset="0"/>
+                <a:ea typeface="Noto Sans" panose="020B0502040504020204" pitchFamily="34" charset="0"/>
+                <a:cs typeface="Noto Sans" panose="020B0502040504020204" pitchFamily="34" charset="0"/>
+              </a:rPr>
+              <a:t>DNS records can take up to a few hours to update. We can use </a:t>
+            </a:r>
+            <a:r>
+              <a:rPr lang="en-US" sz="1200" dirty="0">
+                <a:latin typeface="Noto Sans" panose="020B0502040504020204" pitchFamily="34" charset="0"/>
+                <a:ea typeface="Noto Sans" panose="020B0502040504020204" pitchFamily="34" charset="0"/>
+                <a:cs typeface="Noto Sans" panose="020B0502040504020204" pitchFamily="34" charset="0"/>
+                <a:hlinkClick r:id="rId4"/>
+              </a:rPr>
+              <a:t>www.whatismydnsnet</a:t>
+            </a:r>
+            <a:r>
+              <a:rPr lang="en-US" sz="1200" dirty="0">
+                <a:latin typeface="Noto Sans" panose="020B0502040504020204" pitchFamily="34" charset="0"/>
+                <a:ea typeface="Noto Sans" panose="020B0502040504020204" pitchFamily="34" charset="0"/>
+                <a:cs typeface="Noto Sans" panose="020B0502040504020204" pitchFamily="34" charset="0"/>
+              </a:rPr>
+              <a:t> to perform lookup on multiple name servers</a:t>
+            </a:r>
+          </a:p>
+          <a:p>
+            <a:pPr marL="342900" indent="-342900" algn="just">
+              <a:buFont typeface="+mj-lt"/>
+              <a:buAutoNum type="arabicParenR" startAt="4"/>
+            </a:pPr>
+            <a:endParaRPr lang="en-US" sz="1200" dirty="0">
+              <a:latin typeface="Noto Sans" panose="020B0502040504020204" pitchFamily="34" charset="0"/>
+              <a:ea typeface="Noto Sans" panose="020B0502040504020204" pitchFamily="34" charset="0"/>
+              <a:cs typeface="Noto Sans" panose="020B0502040504020204" pitchFamily="34" charset="0"/>
+            </a:endParaRPr>
+          </a:p>
+        </p:txBody>
+      </p:sp>
+      <p:pic>
+        <p:nvPicPr>
+          <p:cNvPr id="4" name="Picture 3">
+            <a:extLst>
+              <a:ext uri="{FF2B5EF4-FFF2-40B4-BE49-F238E27FC236}">
+                <a16:creationId xmlns:a16="http://schemas.microsoft.com/office/drawing/2014/main" id="{C50E9670-A43F-1357-424E-193213FF8E3A}"/>
+              </a:ext>
+            </a:extLst>
+          </p:cNvPr>
+          <p:cNvPicPr>
+            <a:picLocks noChangeAspect="1"/>
+          </p:cNvPicPr>
+          <p:nvPr/>
+        </p:nvPicPr>
+        <p:blipFill rotWithShape="1">
+          <a:blip r:embed="rId5"/>
+          <a:srcRect r="7674"/>
+          <a:stretch/>
+        </p:blipFill>
+        <p:spPr>
+          <a:xfrm>
+            <a:off x="393855" y="5011488"/>
+            <a:ext cx="6331743" cy="492628"/>
+          </a:xfrm>
+          <a:prstGeom prst="rect">
+            <a:avLst/>
+          </a:prstGeom>
+        </p:spPr>
+      </p:pic>
+      <p:pic>
+        <p:nvPicPr>
+          <p:cNvPr id="8" name="Picture 7">
+            <a:extLst>
+              <a:ext uri="{FF2B5EF4-FFF2-40B4-BE49-F238E27FC236}">
+                <a16:creationId xmlns:a16="http://schemas.microsoft.com/office/drawing/2014/main" id="{5B186D3D-5B74-5CEB-F5CE-38420B2C9E5E}"/>
+              </a:ext>
+            </a:extLst>
+          </p:cNvPr>
+          <p:cNvPicPr>
+            <a:picLocks noChangeAspect="1"/>
+          </p:cNvPicPr>
+          <p:nvPr/>
+        </p:nvPicPr>
+        <p:blipFill>
+          <a:blip r:embed="rId6"/>
+          <a:stretch>
+            <a:fillRect/>
+          </a:stretch>
+        </p:blipFill>
+        <p:spPr>
+          <a:xfrm>
+            <a:off x="285825" y="6638111"/>
+            <a:ext cx="6547801" cy="622387"/>
+          </a:xfrm>
+          <a:prstGeom prst="rect">
+            <a:avLst/>
+          </a:prstGeom>
+        </p:spPr>
+      </p:pic>
+      <p:pic>
+        <p:nvPicPr>
+          <p:cNvPr id="12" name="Picture 11">
+            <a:extLst>
+              <a:ext uri="{FF2B5EF4-FFF2-40B4-BE49-F238E27FC236}">
+                <a16:creationId xmlns:a16="http://schemas.microsoft.com/office/drawing/2014/main" id="{F593F361-0F57-8170-B6ED-6F61F03351E0}"/>
+              </a:ext>
+            </a:extLst>
+          </p:cNvPr>
+          <p:cNvPicPr>
+            <a:picLocks noChangeAspect="1"/>
+          </p:cNvPicPr>
+          <p:nvPr/>
+        </p:nvPicPr>
+        <p:blipFill>
+          <a:blip r:embed="rId7"/>
+          <a:stretch>
+            <a:fillRect/>
+          </a:stretch>
+        </p:blipFill>
+        <p:spPr>
+          <a:xfrm>
+            <a:off x="465162" y="1298322"/>
+            <a:ext cx="6189133" cy="3128970"/>
+          </a:xfrm>
+          <a:prstGeom prst="rect">
+            <a:avLst/>
+          </a:prstGeom>
+        </p:spPr>
+      </p:pic>
+      <p:pic>
+        <p:nvPicPr>
+          <p:cNvPr id="14" name="Picture 13">
+            <a:extLst>
+              <a:ext uri="{FF2B5EF4-FFF2-40B4-BE49-F238E27FC236}">
+                <a16:creationId xmlns:a16="http://schemas.microsoft.com/office/drawing/2014/main" id="{5CD61C5A-5CC9-9A34-E1D0-5F3BF513936E}"/>
+              </a:ext>
+            </a:extLst>
+          </p:cNvPr>
+          <p:cNvPicPr>
+            <a:picLocks noChangeAspect="1"/>
+          </p:cNvPicPr>
+          <p:nvPr/>
+        </p:nvPicPr>
+        <p:blipFill>
+          <a:blip r:embed="rId8"/>
+          <a:stretch>
+            <a:fillRect/>
+          </a:stretch>
+        </p:blipFill>
+        <p:spPr>
+          <a:xfrm>
+            <a:off x="1443693" y="8272702"/>
+            <a:ext cx="3970614" cy="1449059"/>
+          </a:xfrm>
+          <a:prstGeom prst="rect">
+            <a:avLst/>
+          </a:prstGeom>
+        </p:spPr>
+      </p:pic>
+    </p:spTree>
+    <p:extLst>
+      <p:ext uri="{BB962C8B-B14F-4D97-AF65-F5344CB8AC3E}">
+        <p14:creationId xmlns:p14="http://schemas.microsoft.com/office/powerpoint/2010/main" val="2012541042"/>
+      </p:ext>
+    </p:extLst>
+  </p:cSld>
+  <p:clrMapOvr>
+    <a:masterClrMapping/>
+  </p:clrMapOvr>
+</p:sld>
+</file>
+
+<file path=ppt/slides/slide3.xml><?xml version="1.0" encoding="utf-8"?>
+<p:sld xmlns:a="http://schemas.openxmlformats.org/drawingml/2006/main" xmlns:r="http://schemas.openxmlformats.org/officeDocument/2006/relationships" xmlns:p="http://schemas.openxmlformats.org/presentationml/2006/main">
+  <p:cSld>
+    <p:spTree>
+      <p:nvGrpSpPr>
+        <p:cNvPr id="1" name=""/>
+        <p:cNvGrpSpPr/>
+        <p:nvPr/>
+      </p:nvGrpSpPr>
+      <p:grpSpPr>
+        <a:xfrm>
+          <a:off x="0" y="0"/>
+          <a:ext cx="0" cy="0"/>
+          <a:chOff x="0" y="0"/>
+          <a:chExt cx="0" cy="0"/>
+        </a:xfrm>
+      </p:grpSpPr>
+      <p:sp>
+        <p:nvSpPr>
+          <p:cNvPr id="2" name="TextBox 1">
+            <a:extLst>
+              <a:ext uri="{FF2B5EF4-FFF2-40B4-BE49-F238E27FC236}">
+                <a16:creationId xmlns:a16="http://schemas.microsoft.com/office/drawing/2014/main" id="{63A20924-FA2B-3EA5-7150-886A7F095C02}"/>
+              </a:ext>
+            </a:extLst>
+          </p:cNvPr>
+          <p:cNvSpPr txBox="1"/>
+          <p:nvPr/>
+        </p:nvSpPr>
+        <p:spPr>
+          <a:xfrm>
+            <a:off x="132399" y="184239"/>
             <a:ext cx="6593205" cy="9541073"/>
           </a:xfrm>
           <a:prstGeom prst="rect">
@@ -3960,10 +4657,10 @@
           <a:p>
             <a:pPr marL="342900" indent="-342900">
               <a:buFont typeface="+mj-lt"/>
-              <a:buAutoNum type="arabicParenR" startAt="4"/>
-            </a:pPr>
-            <a:r>
-              <a:rPr lang="en-US" sz="1400">
+              <a:buAutoNum type="arabicParenR" startAt="5"/>
+            </a:pPr>
+            <a:r>
+              <a:rPr lang="en-US" sz="1400" dirty="0">
                 <a:solidFill>
                   <a:schemeClr val="accent1"/>
                 </a:solidFill>
@@ -3977,21 +4674,21 @@
           <a:p>
             <a:pPr marL="342900" indent="-342900">
               <a:buFont typeface="+mj-lt"/>
-              <a:buAutoNum type="arabicParenR" startAt="4"/>
-            </a:pPr>
-            <a:endParaRPr lang="en-US" sz="1200">
-              <a:latin typeface="Noto Sans" panose="020B0502040504020204" pitchFamily="34" charset="0"/>
-              <a:ea typeface="Noto Sans" panose="020B0502040504020204" pitchFamily="34" charset="0"/>
-              <a:cs typeface="Noto Sans" panose="020B0502040504020204" pitchFamily="34" charset="0"/>
-            </a:endParaRPr>
-          </a:p>
-          <a:p>
-            <a:pPr marL="800100" lvl="1" indent="-342900" algn="just">
-              <a:buFont typeface="Arial" panose="020B0604020202020204" pitchFamily="34" charset="0"/>
-              <a:buChar char="•"/>
-            </a:pPr>
-            <a:r>
-              <a:rPr lang="en-US" sz="1200">
+              <a:buAutoNum type="arabicParenR" startAt="5"/>
+            </a:pPr>
+            <a:endParaRPr lang="en-US" sz="1200" dirty="0">
+              <a:latin typeface="Noto Sans" panose="020B0502040504020204" pitchFamily="34" charset="0"/>
+              <a:ea typeface="Noto Sans" panose="020B0502040504020204" pitchFamily="34" charset="0"/>
+              <a:cs typeface="Noto Sans" panose="020B0502040504020204" pitchFamily="34" charset="0"/>
+            </a:endParaRPr>
+          </a:p>
+          <a:p>
+            <a:pPr marL="800100" lvl="1" indent="-342900" algn="just">
+              <a:buFont typeface="Arial" panose="020B0604020202020204" pitchFamily="34" charset="0"/>
+              <a:buChar char="•"/>
+            </a:pPr>
+            <a:r>
+              <a:rPr lang="en-US" sz="1200" dirty="0">
                 <a:latin typeface="Noto Sans" panose="020B0502040504020204" pitchFamily="34" charset="0"/>
                 <a:ea typeface="Noto Sans" panose="020B0502040504020204" pitchFamily="34" charset="0"/>
                 <a:cs typeface="Noto Sans" panose="020B0502040504020204" pitchFamily="34" charset="0"/>
@@ -4005,7 +4702,7 @@
               <a:buChar char="•"/>
             </a:pPr>
             <a:r>
-              <a:rPr lang="en-US" sz="1200">
+              <a:rPr lang="en-US" sz="1200" dirty="0">
                 <a:latin typeface="Noto Sans" panose="020B0502040504020204" pitchFamily="34" charset="0"/>
                 <a:ea typeface="Noto Sans" panose="020B0502040504020204" pitchFamily="34" charset="0"/>
                 <a:cs typeface="Noto Sans" panose="020B0502040504020204" pitchFamily="34" charset="0"/>
@@ -4019,7 +4716,7 @@
               <a:buChar char="•"/>
             </a:pPr>
             <a:r>
-              <a:rPr lang="en-US" sz="1200">
+              <a:rPr lang="en-US" sz="1200" dirty="0">
                 <a:latin typeface="Noto Sans" panose="020B0502040504020204" pitchFamily="34" charset="0"/>
                 <a:ea typeface="Noto Sans" panose="020B0502040504020204" pitchFamily="34" charset="0"/>
                 <a:cs typeface="Noto Sans" panose="020B0502040504020204" pitchFamily="34" charset="0"/>
@@ -4032,103 +4729,116 @@
               <a:buFont typeface="Arial" panose="020B0604020202020204" pitchFamily="34" charset="0"/>
               <a:buChar char="•"/>
             </a:pPr>
-            <a:endParaRPr lang="en-US" sz="1200">
-              <a:latin typeface="Noto Sans" panose="020B0502040504020204" pitchFamily="34" charset="0"/>
-              <a:ea typeface="Noto Sans" panose="020B0502040504020204" pitchFamily="34" charset="0"/>
-              <a:cs typeface="Noto Sans" panose="020B0502040504020204" pitchFamily="34" charset="0"/>
-            </a:endParaRPr>
-          </a:p>
-          <a:p>
-            <a:pPr marL="800100" lvl="1" indent="-342900" algn="just">
-              <a:buFont typeface="Arial" panose="020B0604020202020204" pitchFamily="34" charset="0"/>
-              <a:buChar char="•"/>
-            </a:pPr>
-            <a:endParaRPr lang="en-US" sz="1200">
-              <a:latin typeface="Noto Sans" panose="020B0502040504020204" pitchFamily="34" charset="0"/>
-              <a:ea typeface="Noto Sans" panose="020B0502040504020204" pitchFamily="34" charset="0"/>
-              <a:cs typeface="Noto Sans" panose="020B0502040504020204" pitchFamily="34" charset="0"/>
-            </a:endParaRPr>
-          </a:p>
-          <a:p>
-            <a:pPr marL="800100" lvl="1" indent="-342900" algn="just">
-              <a:buFont typeface="Arial" panose="020B0604020202020204" pitchFamily="34" charset="0"/>
-              <a:buChar char="•"/>
-            </a:pPr>
-            <a:endParaRPr lang="en-US" sz="1200">
-              <a:latin typeface="Noto Sans" panose="020B0502040504020204" pitchFamily="34" charset="0"/>
-              <a:ea typeface="Noto Sans" panose="020B0502040504020204" pitchFamily="34" charset="0"/>
-              <a:cs typeface="Noto Sans" panose="020B0502040504020204" pitchFamily="34" charset="0"/>
-            </a:endParaRPr>
-          </a:p>
-          <a:p>
-            <a:pPr marL="800100" lvl="1" indent="-342900" algn="just">
-              <a:buFont typeface="Arial" panose="020B0604020202020204" pitchFamily="34" charset="0"/>
-              <a:buChar char="•"/>
-            </a:pPr>
-            <a:endParaRPr lang="en-US" sz="1200">
-              <a:latin typeface="Noto Sans" panose="020B0502040504020204" pitchFamily="34" charset="0"/>
-              <a:ea typeface="Noto Sans" panose="020B0502040504020204" pitchFamily="34" charset="0"/>
-              <a:cs typeface="Noto Sans" panose="020B0502040504020204" pitchFamily="34" charset="0"/>
-            </a:endParaRPr>
-          </a:p>
-          <a:p>
-            <a:pPr marL="800100" lvl="1" indent="-342900" algn="just">
-              <a:buFont typeface="Arial" panose="020B0604020202020204" pitchFamily="34" charset="0"/>
-              <a:buChar char="•"/>
-            </a:pPr>
-            <a:endParaRPr lang="en-US" sz="1200">
-              <a:latin typeface="Noto Sans" panose="020B0502040504020204" pitchFamily="34" charset="0"/>
-              <a:ea typeface="Noto Sans" panose="020B0502040504020204" pitchFamily="34" charset="0"/>
-              <a:cs typeface="Noto Sans" panose="020B0502040504020204" pitchFamily="34" charset="0"/>
-            </a:endParaRPr>
-          </a:p>
-          <a:p>
-            <a:pPr marL="800100" lvl="1" indent="-342900" algn="just">
-              <a:buFont typeface="Arial" panose="020B0604020202020204" pitchFamily="34" charset="0"/>
-              <a:buChar char="•"/>
-            </a:pPr>
-            <a:endParaRPr lang="en-US" sz="1200">
-              <a:latin typeface="Noto Sans" panose="020B0502040504020204" pitchFamily="34" charset="0"/>
-              <a:ea typeface="Noto Sans" panose="020B0502040504020204" pitchFamily="34" charset="0"/>
-              <a:cs typeface="Noto Sans" panose="020B0502040504020204" pitchFamily="34" charset="0"/>
-            </a:endParaRPr>
-          </a:p>
-          <a:p>
-            <a:pPr marL="800100" lvl="1" indent="-342900" algn="just">
-              <a:buFont typeface="Arial" panose="020B0604020202020204" pitchFamily="34" charset="0"/>
-              <a:buChar char="•"/>
-            </a:pPr>
-            <a:endParaRPr lang="en-US" sz="1200">
-              <a:latin typeface="Noto Sans" panose="020B0502040504020204" pitchFamily="34" charset="0"/>
-              <a:ea typeface="Noto Sans" panose="020B0502040504020204" pitchFamily="34" charset="0"/>
-              <a:cs typeface="Noto Sans" panose="020B0502040504020204" pitchFamily="34" charset="0"/>
-            </a:endParaRPr>
-          </a:p>
-          <a:p>
-            <a:pPr marL="800100" lvl="1" indent="-342900" algn="just">
-              <a:buFont typeface="Arial" panose="020B0604020202020204" pitchFamily="34" charset="0"/>
-              <a:buChar char="•"/>
-            </a:pPr>
-            <a:r>
-              <a:rPr lang="en-US" sz="1200">
+            <a:endParaRPr lang="en-US" sz="1200" dirty="0">
+              <a:latin typeface="Noto Sans" panose="020B0502040504020204" pitchFamily="34" charset="0"/>
+              <a:ea typeface="Noto Sans" panose="020B0502040504020204" pitchFamily="34" charset="0"/>
+              <a:cs typeface="Noto Sans" panose="020B0502040504020204" pitchFamily="34" charset="0"/>
+            </a:endParaRPr>
+          </a:p>
+          <a:p>
+            <a:pPr marL="800100" lvl="1" indent="-342900" algn="just">
+              <a:buFont typeface="Arial" panose="020B0604020202020204" pitchFamily="34" charset="0"/>
+              <a:buChar char="•"/>
+            </a:pPr>
+            <a:endParaRPr lang="en-US" sz="1200" dirty="0">
+              <a:latin typeface="Noto Sans" panose="020B0502040504020204" pitchFamily="34" charset="0"/>
+              <a:ea typeface="Noto Sans" panose="020B0502040504020204" pitchFamily="34" charset="0"/>
+              <a:cs typeface="Noto Sans" panose="020B0502040504020204" pitchFamily="34" charset="0"/>
+            </a:endParaRPr>
+          </a:p>
+          <a:p>
+            <a:pPr marL="800100" lvl="1" indent="-342900" algn="just">
+              <a:buFont typeface="Arial" panose="020B0604020202020204" pitchFamily="34" charset="0"/>
+              <a:buChar char="•"/>
+            </a:pPr>
+            <a:endParaRPr lang="en-US" sz="1200" dirty="0">
+              <a:latin typeface="Noto Sans" panose="020B0502040504020204" pitchFamily="34" charset="0"/>
+              <a:ea typeface="Noto Sans" panose="020B0502040504020204" pitchFamily="34" charset="0"/>
+              <a:cs typeface="Noto Sans" panose="020B0502040504020204" pitchFamily="34" charset="0"/>
+            </a:endParaRPr>
+          </a:p>
+          <a:p>
+            <a:pPr marL="800100" lvl="1" indent="-342900" algn="just">
+              <a:buFont typeface="Arial" panose="020B0604020202020204" pitchFamily="34" charset="0"/>
+              <a:buChar char="•"/>
+            </a:pPr>
+            <a:endParaRPr lang="en-US" sz="1200" dirty="0">
+              <a:latin typeface="Noto Sans" panose="020B0502040504020204" pitchFamily="34" charset="0"/>
+              <a:ea typeface="Noto Sans" panose="020B0502040504020204" pitchFamily="34" charset="0"/>
+              <a:cs typeface="Noto Sans" panose="020B0502040504020204" pitchFamily="34" charset="0"/>
+            </a:endParaRPr>
+          </a:p>
+          <a:p>
+            <a:pPr marL="800100" lvl="1" indent="-342900" algn="just">
+              <a:buFont typeface="Arial" panose="020B0604020202020204" pitchFamily="34" charset="0"/>
+              <a:buChar char="•"/>
+            </a:pPr>
+            <a:endParaRPr lang="en-US" sz="1200" dirty="0">
+              <a:latin typeface="Noto Sans" panose="020B0502040504020204" pitchFamily="34" charset="0"/>
+              <a:ea typeface="Noto Sans" panose="020B0502040504020204" pitchFamily="34" charset="0"/>
+              <a:cs typeface="Noto Sans" panose="020B0502040504020204" pitchFamily="34" charset="0"/>
+            </a:endParaRPr>
+          </a:p>
+          <a:p>
+            <a:pPr marL="800100" lvl="1" indent="-342900" algn="just">
+              <a:buFont typeface="Arial" panose="020B0604020202020204" pitchFamily="34" charset="0"/>
+              <a:buChar char="•"/>
+            </a:pPr>
+            <a:endParaRPr lang="en-US" sz="1200" dirty="0">
+              <a:latin typeface="Noto Sans" panose="020B0502040504020204" pitchFamily="34" charset="0"/>
+              <a:ea typeface="Noto Sans" panose="020B0502040504020204" pitchFamily="34" charset="0"/>
+              <a:cs typeface="Noto Sans" panose="020B0502040504020204" pitchFamily="34" charset="0"/>
+            </a:endParaRPr>
+          </a:p>
+          <a:p>
+            <a:pPr marL="800100" lvl="1" indent="-342900" algn="just">
+              <a:buFont typeface="Arial" panose="020B0604020202020204" pitchFamily="34" charset="0"/>
+              <a:buChar char="•"/>
+            </a:pPr>
+            <a:endParaRPr lang="en-US" sz="1200" dirty="0">
+              <a:latin typeface="Noto Sans" panose="020B0502040504020204" pitchFamily="34" charset="0"/>
+              <a:ea typeface="Noto Sans" panose="020B0502040504020204" pitchFamily="34" charset="0"/>
+              <a:cs typeface="Noto Sans" panose="020B0502040504020204" pitchFamily="34" charset="0"/>
+            </a:endParaRPr>
+          </a:p>
+          <a:p>
+            <a:pPr marL="800100" lvl="1" indent="-342900" algn="just">
+              <a:buFont typeface="Arial" panose="020B0604020202020204" pitchFamily="34" charset="0"/>
+              <a:buChar char="•"/>
+            </a:pPr>
+            <a:r>
+              <a:rPr lang="en-US" sz="1200" dirty="0">
                 <a:latin typeface="Noto Sans" panose="020B0502040504020204" pitchFamily="34" charset="0"/>
                 <a:ea typeface="Noto Sans" panose="020B0502040504020204" pitchFamily="34" charset="0"/>
                 <a:cs typeface="Noto Sans" panose="020B0502040504020204" pitchFamily="34" charset="0"/>
               </a:rPr>
-              <a:t>Using the cat command, you need to copy the contents of domain.csr</a:t>
-            </a:r>
-          </a:p>
-          <a:p>
-            <a:pPr marL="800100" lvl="1" indent="-342900" algn="just">
-              <a:buFont typeface="Arial" panose="020B0604020202020204" pitchFamily="34" charset="0"/>
-              <a:buChar char="•"/>
-            </a:pPr>
-            <a:r>
-              <a:rPr lang="en-US" sz="1200">
+              <a:t>Using the cat command, you need to copy the contents of </a:t>
+            </a:r>
+            <a:r>
+              <a:rPr lang="en-US" sz="1200" dirty="0" err="1">
                 <a:latin typeface="Noto Sans" panose="020B0502040504020204" pitchFamily="34" charset="0"/>
                 <a:ea typeface="Noto Sans" panose="020B0502040504020204" pitchFamily="34" charset="0"/>
                 <a:cs typeface="Noto Sans" panose="020B0502040504020204" pitchFamily="34" charset="0"/>
               </a:rPr>
+              <a:t>domain.csr</a:t>
+            </a:r>
+            <a:endParaRPr lang="en-US" sz="1200" dirty="0">
+              <a:latin typeface="Noto Sans" panose="020B0502040504020204" pitchFamily="34" charset="0"/>
+              <a:ea typeface="Noto Sans" panose="020B0502040504020204" pitchFamily="34" charset="0"/>
+              <a:cs typeface="Noto Sans" panose="020B0502040504020204" pitchFamily="34" charset="0"/>
+            </a:endParaRPr>
+          </a:p>
+          <a:p>
+            <a:pPr marL="800100" lvl="1" indent="-342900" algn="just">
+              <a:buFont typeface="Arial" panose="020B0604020202020204" pitchFamily="34" charset="0"/>
+              <a:buChar char="•"/>
+            </a:pPr>
+            <a:r>
+              <a:rPr lang="en-US" sz="1200" dirty="0">
+                <a:latin typeface="Noto Sans" panose="020B0502040504020204" pitchFamily="34" charset="0"/>
+                <a:ea typeface="Noto Sans" panose="020B0502040504020204" pitchFamily="34" charset="0"/>
+                <a:cs typeface="Noto Sans" panose="020B0502040504020204" pitchFamily="34" charset="0"/>
+              </a:rPr>
               <a:t>For this project, I was using Name.com, which offers an option to generate SSL certificates</a:t>
             </a:r>
           </a:p>
@@ -4138,300 +4848,316 @@
               <a:buChar char="•"/>
             </a:pPr>
             <a:r>
-              <a:rPr lang="en-US" sz="1200">
+              <a:rPr lang="en-US" sz="1200" dirty="0">
                 <a:latin typeface="Noto Sans" panose="020B0502040504020204" pitchFamily="34" charset="0"/>
                 <a:ea typeface="Noto Sans" panose="020B0502040504020204" pitchFamily="34" charset="0"/>
                 <a:cs typeface="Noto Sans" panose="020B0502040504020204" pitchFamily="34" charset="0"/>
               </a:rPr>
-              <a:t>Paste the contents of domain.csr in the form and fill in the details</a:t>
-            </a:r>
-          </a:p>
-          <a:p>
-            <a:pPr marL="800100" lvl="1" indent="-342900" algn="just">
-              <a:buFont typeface="Arial" panose="020B0604020202020204" pitchFamily="34" charset="0"/>
-              <a:buChar char="•"/>
-            </a:pPr>
-            <a:endParaRPr lang="en-US" sz="1200">
-              <a:latin typeface="Noto Sans" panose="020B0502040504020204" pitchFamily="34" charset="0"/>
-              <a:ea typeface="Noto Sans" panose="020B0502040504020204" pitchFamily="34" charset="0"/>
-              <a:cs typeface="Noto Sans" panose="020B0502040504020204" pitchFamily="34" charset="0"/>
-            </a:endParaRPr>
-          </a:p>
-          <a:p>
-            <a:pPr marL="800100" lvl="1" indent="-342900" algn="just">
-              <a:buFont typeface="Arial" panose="020B0604020202020204" pitchFamily="34" charset="0"/>
-              <a:buChar char="•"/>
-            </a:pPr>
-            <a:endParaRPr lang="en-US" sz="1200">
-              <a:latin typeface="Noto Sans" panose="020B0502040504020204" pitchFamily="34" charset="0"/>
-              <a:ea typeface="Noto Sans" panose="020B0502040504020204" pitchFamily="34" charset="0"/>
-              <a:cs typeface="Noto Sans" panose="020B0502040504020204" pitchFamily="34" charset="0"/>
-            </a:endParaRPr>
-          </a:p>
-          <a:p>
-            <a:pPr marL="800100" lvl="1" indent="-342900" algn="just">
-              <a:buFont typeface="Arial" panose="020B0604020202020204" pitchFamily="34" charset="0"/>
-              <a:buChar char="•"/>
-            </a:pPr>
-            <a:endParaRPr lang="en-US" sz="1200">
-              <a:latin typeface="Noto Sans" panose="020B0502040504020204" pitchFamily="34" charset="0"/>
-              <a:ea typeface="Noto Sans" panose="020B0502040504020204" pitchFamily="34" charset="0"/>
-              <a:cs typeface="Noto Sans" panose="020B0502040504020204" pitchFamily="34" charset="0"/>
-            </a:endParaRPr>
-          </a:p>
-          <a:p>
-            <a:pPr marL="800100" lvl="1" indent="-342900" algn="just">
-              <a:buFont typeface="Arial" panose="020B0604020202020204" pitchFamily="34" charset="0"/>
-              <a:buChar char="•"/>
-            </a:pPr>
-            <a:endParaRPr lang="en-US" sz="1200">
-              <a:latin typeface="Noto Sans" panose="020B0502040504020204" pitchFamily="34" charset="0"/>
-              <a:ea typeface="Noto Sans" panose="020B0502040504020204" pitchFamily="34" charset="0"/>
-              <a:cs typeface="Noto Sans" panose="020B0502040504020204" pitchFamily="34" charset="0"/>
-            </a:endParaRPr>
-          </a:p>
-          <a:p>
-            <a:pPr marL="800100" lvl="1" indent="-342900" algn="just">
-              <a:buFont typeface="Arial" panose="020B0604020202020204" pitchFamily="34" charset="0"/>
-              <a:buChar char="•"/>
-            </a:pPr>
-            <a:endParaRPr lang="en-US" sz="1200">
-              <a:latin typeface="Noto Sans" panose="020B0502040504020204" pitchFamily="34" charset="0"/>
-              <a:ea typeface="Noto Sans" panose="020B0502040504020204" pitchFamily="34" charset="0"/>
-              <a:cs typeface="Noto Sans" panose="020B0502040504020204" pitchFamily="34" charset="0"/>
-            </a:endParaRPr>
-          </a:p>
-          <a:p>
-            <a:pPr marL="800100" lvl="1" indent="-342900" algn="just">
-              <a:buFont typeface="Arial" panose="020B0604020202020204" pitchFamily="34" charset="0"/>
-              <a:buChar char="•"/>
-            </a:pPr>
-            <a:endParaRPr lang="en-US" sz="1200">
-              <a:latin typeface="Noto Sans" panose="020B0502040504020204" pitchFamily="34" charset="0"/>
-              <a:ea typeface="Noto Sans" panose="020B0502040504020204" pitchFamily="34" charset="0"/>
-              <a:cs typeface="Noto Sans" panose="020B0502040504020204" pitchFamily="34" charset="0"/>
-            </a:endParaRPr>
-          </a:p>
-          <a:p>
-            <a:pPr marL="800100" lvl="1" indent="-342900" algn="just">
-              <a:buFont typeface="Arial" panose="020B0604020202020204" pitchFamily="34" charset="0"/>
-              <a:buChar char="•"/>
-            </a:pPr>
-            <a:endParaRPr lang="en-US" sz="1200">
-              <a:latin typeface="Noto Sans" panose="020B0502040504020204" pitchFamily="34" charset="0"/>
-              <a:ea typeface="Noto Sans" panose="020B0502040504020204" pitchFamily="34" charset="0"/>
-              <a:cs typeface="Noto Sans" panose="020B0502040504020204" pitchFamily="34" charset="0"/>
-            </a:endParaRPr>
-          </a:p>
-          <a:p>
-            <a:pPr marL="800100" lvl="1" indent="-342900" algn="just">
-              <a:buFont typeface="Arial" panose="020B0604020202020204" pitchFamily="34" charset="0"/>
-              <a:buChar char="•"/>
-            </a:pPr>
-            <a:endParaRPr lang="en-US" sz="1200">
-              <a:latin typeface="Noto Sans" panose="020B0502040504020204" pitchFamily="34" charset="0"/>
-              <a:ea typeface="Noto Sans" panose="020B0502040504020204" pitchFamily="34" charset="0"/>
-              <a:cs typeface="Noto Sans" panose="020B0502040504020204" pitchFamily="34" charset="0"/>
-            </a:endParaRPr>
-          </a:p>
-          <a:p>
-            <a:pPr marL="800100" lvl="1" indent="-342900" algn="just">
-              <a:buFont typeface="Arial" panose="020B0604020202020204" pitchFamily="34" charset="0"/>
-              <a:buChar char="•"/>
-            </a:pPr>
-            <a:endParaRPr lang="en-US" sz="1200">
-              <a:latin typeface="Noto Sans" panose="020B0502040504020204" pitchFamily="34" charset="0"/>
-              <a:ea typeface="Noto Sans" panose="020B0502040504020204" pitchFamily="34" charset="0"/>
-              <a:cs typeface="Noto Sans" panose="020B0502040504020204" pitchFamily="34" charset="0"/>
-            </a:endParaRPr>
-          </a:p>
-          <a:p>
-            <a:pPr marL="800100" lvl="1" indent="-342900" algn="just">
-              <a:buFont typeface="Arial" panose="020B0604020202020204" pitchFamily="34" charset="0"/>
-              <a:buChar char="•"/>
-            </a:pPr>
-            <a:endParaRPr lang="en-US" sz="1200">
-              <a:latin typeface="Noto Sans" panose="020B0502040504020204" pitchFamily="34" charset="0"/>
-              <a:ea typeface="Noto Sans" panose="020B0502040504020204" pitchFamily="34" charset="0"/>
-              <a:cs typeface="Noto Sans" panose="020B0502040504020204" pitchFamily="34" charset="0"/>
-            </a:endParaRPr>
-          </a:p>
-          <a:p>
-            <a:pPr marL="800100" lvl="1" indent="-342900" algn="just">
-              <a:buFont typeface="Arial" panose="020B0604020202020204" pitchFamily="34" charset="0"/>
-              <a:buChar char="•"/>
-            </a:pPr>
-            <a:endParaRPr lang="en-US" sz="1200">
-              <a:latin typeface="Noto Sans" panose="020B0502040504020204" pitchFamily="34" charset="0"/>
-              <a:ea typeface="Noto Sans" panose="020B0502040504020204" pitchFamily="34" charset="0"/>
-              <a:cs typeface="Noto Sans" panose="020B0502040504020204" pitchFamily="34" charset="0"/>
-            </a:endParaRPr>
-          </a:p>
-          <a:p>
-            <a:pPr marL="800100" lvl="1" indent="-342900" algn="just">
-              <a:buFont typeface="Arial" panose="020B0604020202020204" pitchFamily="34" charset="0"/>
-              <a:buChar char="•"/>
-            </a:pPr>
-            <a:endParaRPr lang="en-US" sz="1200">
-              <a:latin typeface="Noto Sans" panose="020B0502040504020204" pitchFamily="34" charset="0"/>
-              <a:ea typeface="Noto Sans" panose="020B0502040504020204" pitchFamily="34" charset="0"/>
-              <a:cs typeface="Noto Sans" panose="020B0502040504020204" pitchFamily="34" charset="0"/>
-            </a:endParaRPr>
-          </a:p>
-          <a:p>
-            <a:pPr marL="800100" lvl="1" indent="-342900" algn="just">
-              <a:buFont typeface="Arial" panose="020B0604020202020204" pitchFamily="34" charset="0"/>
-              <a:buChar char="•"/>
-            </a:pPr>
-            <a:endParaRPr lang="en-US" sz="1200">
-              <a:latin typeface="Noto Sans" panose="020B0502040504020204" pitchFamily="34" charset="0"/>
-              <a:ea typeface="Noto Sans" panose="020B0502040504020204" pitchFamily="34" charset="0"/>
-              <a:cs typeface="Noto Sans" panose="020B0502040504020204" pitchFamily="34" charset="0"/>
-            </a:endParaRPr>
-          </a:p>
-          <a:p>
-            <a:pPr marL="800100" lvl="1" indent="-342900" algn="just">
-              <a:buFont typeface="Arial" panose="020B0604020202020204" pitchFamily="34" charset="0"/>
-              <a:buChar char="•"/>
-            </a:pPr>
-            <a:endParaRPr lang="en-US" sz="1200">
-              <a:latin typeface="Noto Sans" panose="020B0502040504020204" pitchFamily="34" charset="0"/>
-              <a:ea typeface="Noto Sans" panose="020B0502040504020204" pitchFamily="34" charset="0"/>
-              <a:cs typeface="Noto Sans" panose="020B0502040504020204" pitchFamily="34" charset="0"/>
-            </a:endParaRPr>
-          </a:p>
-          <a:p>
-            <a:pPr marL="800100" lvl="1" indent="-342900" algn="just">
-              <a:buFont typeface="Arial" panose="020B0604020202020204" pitchFamily="34" charset="0"/>
-              <a:buChar char="•"/>
-            </a:pPr>
-            <a:endParaRPr lang="en-US" sz="1200">
-              <a:latin typeface="Noto Sans" panose="020B0502040504020204" pitchFamily="34" charset="0"/>
-              <a:ea typeface="Noto Sans" panose="020B0502040504020204" pitchFamily="34" charset="0"/>
-              <a:cs typeface="Noto Sans" panose="020B0502040504020204" pitchFamily="34" charset="0"/>
-            </a:endParaRPr>
-          </a:p>
-          <a:p>
-            <a:pPr marL="800100" lvl="1" indent="-342900" algn="just">
-              <a:buFont typeface="Arial" panose="020B0604020202020204" pitchFamily="34" charset="0"/>
-              <a:buChar char="•"/>
-            </a:pPr>
-            <a:endParaRPr lang="en-US" sz="1200">
-              <a:latin typeface="Noto Sans" panose="020B0502040504020204" pitchFamily="34" charset="0"/>
-              <a:ea typeface="Noto Sans" panose="020B0502040504020204" pitchFamily="34" charset="0"/>
-              <a:cs typeface="Noto Sans" panose="020B0502040504020204" pitchFamily="34" charset="0"/>
-            </a:endParaRPr>
-          </a:p>
-          <a:p>
-            <a:pPr marL="800100" lvl="1" indent="-342900" algn="just">
-              <a:buFont typeface="Arial" panose="020B0604020202020204" pitchFamily="34" charset="0"/>
-              <a:buChar char="•"/>
-            </a:pPr>
-            <a:endParaRPr lang="en-US" sz="1200">
-              <a:latin typeface="Noto Sans" panose="020B0502040504020204" pitchFamily="34" charset="0"/>
-              <a:ea typeface="Noto Sans" panose="020B0502040504020204" pitchFamily="34" charset="0"/>
-              <a:cs typeface="Noto Sans" panose="020B0502040504020204" pitchFamily="34" charset="0"/>
-            </a:endParaRPr>
-          </a:p>
-          <a:p>
-            <a:pPr marL="800100" lvl="1" indent="-342900" algn="just">
-              <a:buFont typeface="Arial" panose="020B0604020202020204" pitchFamily="34" charset="0"/>
-              <a:buChar char="•"/>
-            </a:pPr>
-            <a:endParaRPr lang="en-US" sz="1200">
-              <a:latin typeface="Noto Sans" panose="020B0502040504020204" pitchFamily="34" charset="0"/>
-              <a:ea typeface="Noto Sans" panose="020B0502040504020204" pitchFamily="34" charset="0"/>
-              <a:cs typeface="Noto Sans" panose="020B0502040504020204" pitchFamily="34" charset="0"/>
-            </a:endParaRPr>
-          </a:p>
-          <a:p>
-            <a:pPr marL="800100" lvl="1" indent="-342900" algn="just">
-              <a:buFont typeface="Arial" panose="020B0604020202020204" pitchFamily="34" charset="0"/>
-              <a:buChar char="•"/>
-            </a:pPr>
-            <a:endParaRPr lang="en-US" sz="1200">
-              <a:latin typeface="Noto Sans" panose="020B0502040504020204" pitchFamily="34" charset="0"/>
-              <a:ea typeface="Noto Sans" panose="020B0502040504020204" pitchFamily="34" charset="0"/>
-              <a:cs typeface="Noto Sans" panose="020B0502040504020204" pitchFamily="34" charset="0"/>
-            </a:endParaRPr>
-          </a:p>
-          <a:p>
-            <a:pPr marL="800100" lvl="1" indent="-342900" algn="just">
-              <a:buFont typeface="Arial" panose="020B0604020202020204" pitchFamily="34" charset="0"/>
-              <a:buChar char="•"/>
-            </a:pPr>
-            <a:endParaRPr lang="en-US" sz="1200">
-              <a:latin typeface="Noto Sans" panose="020B0502040504020204" pitchFamily="34" charset="0"/>
-              <a:ea typeface="Noto Sans" panose="020B0502040504020204" pitchFamily="34" charset="0"/>
-              <a:cs typeface="Noto Sans" panose="020B0502040504020204" pitchFamily="34" charset="0"/>
-            </a:endParaRPr>
-          </a:p>
-          <a:p>
-            <a:pPr marL="800100" lvl="1" indent="-342900" algn="just">
-              <a:buFont typeface="Arial" panose="020B0604020202020204" pitchFamily="34" charset="0"/>
-              <a:buChar char="•"/>
-            </a:pPr>
-            <a:endParaRPr lang="en-US" sz="1200">
-              <a:latin typeface="Noto Sans" panose="020B0502040504020204" pitchFamily="34" charset="0"/>
-              <a:ea typeface="Noto Sans" panose="020B0502040504020204" pitchFamily="34" charset="0"/>
-              <a:cs typeface="Noto Sans" panose="020B0502040504020204" pitchFamily="34" charset="0"/>
-            </a:endParaRPr>
-          </a:p>
-          <a:p>
-            <a:pPr marL="800100" lvl="1" indent="-342900" algn="just">
-              <a:buFont typeface="Arial" panose="020B0604020202020204" pitchFamily="34" charset="0"/>
-              <a:buChar char="•"/>
-            </a:pPr>
-            <a:endParaRPr lang="en-US" sz="1200">
-              <a:latin typeface="Noto Sans" panose="020B0502040504020204" pitchFamily="34" charset="0"/>
-              <a:ea typeface="Noto Sans" panose="020B0502040504020204" pitchFamily="34" charset="0"/>
-              <a:cs typeface="Noto Sans" panose="020B0502040504020204" pitchFamily="34" charset="0"/>
-            </a:endParaRPr>
-          </a:p>
-          <a:p>
-            <a:pPr marL="800100" lvl="1" indent="-342900" algn="just">
-              <a:buFont typeface="Arial" panose="020B0604020202020204" pitchFamily="34" charset="0"/>
-              <a:buChar char="•"/>
-            </a:pPr>
-            <a:endParaRPr lang="en-US" sz="1200">
-              <a:latin typeface="Noto Sans" panose="020B0502040504020204" pitchFamily="34" charset="0"/>
-              <a:ea typeface="Noto Sans" panose="020B0502040504020204" pitchFamily="34" charset="0"/>
-              <a:cs typeface="Noto Sans" panose="020B0502040504020204" pitchFamily="34" charset="0"/>
-            </a:endParaRPr>
-          </a:p>
-          <a:p>
-            <a:pPr marL="800100" lvl="1" indent="-342900" algn="just">
-              <a:buFont typeface="Arial" panose="020B0604020202020204" pitchFamily="34" charset="0"/>
-              <a:buChar char="•"/>
-            </a:pPr>
-            <a:endParaRPr lang="en-US" sz="1200">
-              <a:latin typeface="Noto Sans" panose="020B0502040504020204" pitchFamily="34" charset="0"/>
-              <a:ea typeface="Noto Sans" panose="020B0502040504020204" pitchFamily="34" charset="0"/>
-              <a:cs typeface="Noto Sans" panose="020B0502040504020204" pitchFamily="34" charset="0"/>
-            </a:endParaRPr>
-          </a:p>
-          <a:p>
-            <a:pPr marL="800100" lvl="1" indent="-342900" algn="just">
-              <a:buFont typeface="Arial" panose="020B0604020202020204" pitchFamily="34" charset="0"/>
-              <a:buChar char="•"/>
-            </a:pPr>
-            <a:endParaRPr lang="en-US" sz="1200">
-              <a:latin typeface="Noto Sans" panose="020B0502040504020204" pitchFamily="34" charset="0"/>
-              <a:ea typeface="Noto Sans" panose="020B0502040504020204" pitchFamily="34" charset="0"/>
-              <a:cs typeface="Noto Sans" panose="020B0502040504020204" pitchFamily="34" charset="0"/>
-            </a:endParaRPr>
-          </a:p>
-          <a:p>
-            <a:pPr marL="800100" lvl="1" indent="-342900" algn="just">
-              <a:buFont typeface="Arial" panose="020B0604020202020204" pitchFamily="34" charset="0"/>
-              <a:buChar char="•"/>
-            </a:pPr>
-            <a:r>
-              <a:rPr lang="en-US" sz="1200">
+              <a:t>Paste the contents of </a:t>
+            </a:r>
+            <a:r>
+              <a:rPr lang="en-US" sz="1200" dirty="0" err="1">
                 <a:latin typeface="Noto Sans" panose="020B0502040504020204" pitchFamily="34" charset="0"/>
                 <a:ea typeface="Noto Sans" panose="020B0502040504020204" pitchFamily="34" charset="0"/>
                 <a:cs typeface="Noto Sans" panose="020B0502040504020204" pitchFamily="34" charset="0"/>
               </a:rPr>
+              <a:t>domain.csr</a:t>
+            </a:r>
+            <a:r>
+              <a:rPr lang="en-US" sz="1200" dirty="0">
+                <a:latin typeface="Noto Sans" panose="020B0502040504020204" pitchFamily="34" charset="0"/>
+                <a:ea typeface="Noto Sans" panose="020B0502040504020204" pitchFamily="34" charset="0"/>
+                <a:cs typeface="Noto Sans" panose="020B0502040504020204" pitchFamily="34" charset="0"/>
+              </a:rPr>
+              <a:t> in the form and fill in the details</a:t>
+            </a:r>
+          </a:p>
+          <a:p>
+            <a:pPr marL="800100" lvl="1" indent="-342900" algn="just">
+              <a:buFont typeface="Arial" panose="020B0604020202020204" pitchFamily="34" charset="0"/>
+              <a:buChar char="•"/>
+            </a:pPr>
+            <a:endParaRPr lang="en-US" sz="1200" dirty="0">
+              <a:latin typeface="Noto Sans" panose="020B0502040504020204" pitchFamily="34" charset="0"/>
+              <a:ea typeface="Noto Sans" panose="020B0502040504020204" pitchFamily="34" charset="0"/>
+              <a:cs typeface="Noto Sans" panose="020B0502040504020204" pitchFamily="34" charset="0"/>
+            </a:endParaRPr>
+          </a:p>
+          <a:p>
+            <a:pPr marL="800100" lvl="1" indent="-342900" algn="just">
+              <a:buFont typeface="Arial" panose="020B0604020202020204" pitchFamily="34" charset="0"/>
+              <a:buChar char="•"/>
+            </a:pPr>
+            <a:endParaRPr lang="en-US" sz="1200" dirty="0">
+              <a:latin typeface="Noto Sans" panose="020B0502040504020204" pitchFamily="34" charset="0"/>
+              <a:ea typeface="Noto Sans" panose="020B0502040504020204" pitchFamily="34" charset="0"/>
+              <a:cs typeface="Noto Sans" panose="020B0502040504020204" pitchFamily="34" charset="0"/>
+            </a:endParaRPr>
+          </a:p>
+          <a:p>
+            <a:pPr marL="800100" lvl="1" indent="-342900" algn="just">
+              <a:buFont typeface="Arial" panose="020B0604020202020204" pitchFamily="34" charset="0"/>
+              <a:buChar char="•"/>
+            </a:pPr>
+            <a:endParaRPr lang="en-US" sz="1200" dirty="0">
+              <a:latin typeface="Noto Sans" panose="020B0502040504020204" pitchFamily="34" charset="0"/>
+              <a:ea typeface="Noto Sans" panose="020B0502040504020204" pitchFamily="34" charset="0"/>
+              <a:cs typeface="Noto Sans" panose="020B0502040504020204" pitchFamily="34" charset="0"/>
+            </a:endParaRPr>
+          </a:p>
+          <a:p>
+            <a:pPr marL="800100" lvl="1" indent="-342900" algn="just">
+              <a:buFont typeface="Arial" panose="020B0604020202020204" pitchFamily="34" charset="0"/>
+              <a:buChar char="•"/>
+            </a:pPr>
+            <a:endParaRPr lang="en-US" sz="1200" dirty="0">
+              <a:latin typeface="Noto Sans" panose="020B0502040504020204" pitchFamily="34" charset="0"/>
+              <a:ea typeface="Noto Sans" panose="020B0502040504020204" pitchFamily="34" charset="0"/>
+              <a:cs typeface="Noto Sans" panose="020B0502040504020204" pitchFamily="34" charset="0"/>
+            </a:endParaRPr>
+          </a:p>
+          <a:p>
+            <a:pPr marL="800100" lvl="1" indent="-342900" algn="just">
+              <a:buFont typeface="Arial" panose="020B0604020202020204" pitchFamily="34" charset="0"/>
+              <a:buChar char="•"/>
+            </a:pPr>
+            <a:endParaRPr lang="en-US" sz="1200" dirty="0">
+              <a:latin typeface="Noto Sans" panose="020B0502040504020204" pitchFamily="34" charset="0"/>
+              <a:ea typeface="Noto Sans" panose="020B0502040504020204" pitchFamily="34" charset="0"/>
+              <a:cs typeface="Noto Sans" panose="020B0502040504020204" pitchFamily="34" charset="0"/>
+            </a:endParaRPr>
+          </a:p>
+          <a:p>
+            <a:pPr marL="800100" lvl="1" indent="-342900" algn="just">
+              <a:buFont typeface="Arial" panose="020B0604020202020204" pitchFamily="34" charset="0"/>
+              <a:buChar char="•"/>
+            </a:pPr>
+            <a:endParaRPr lang="en-US" sz="1200" dirty="0">
+              <a:latin typeface="Noto Sans" panose="020B0502040504020204" pitchFamily="34" charset="0"/>
+              <a:ea typeface="Noto Sans" panose="020B0502040504020204" pitchFamily="34" charset="0"/>
+              <a:cs typeface="Noto Sans" panose="020B0502040504020204" pitchFamily="34" charset="0"/>
+            </a:endParaRPr>
+          </a:p>
+          <a:p>
+            <a:pPr marL="800100" lvl="1" indent="-342900" algn="just">
+              <a:buFont typeface="Arial" panose="020B0604020202020204" pitchFamily="34" charset="0"/>
+              <a:buChar char="•"/>
+            </a:pPr>
+            <a:endParaRPr lang="en-US" sz="1200" dirty="0">
+              <a:latin typeface="Noto Sans" panose="020B0502040504020204" pitchFamily="34" charset="0"/>
+              <a:ea typeface="Noto Sans" panose="020B0502040504020204" pitchFamily="34" charset="0"/>
+              <a:cs typeface="Noto Sans" panose="020B0502040504020204" pitchFamily="34" charset="0"/>
+            </a:endParaRPr>
+          </a:p>
+          <a:p>
+            <a:pPr marL="800100" lvl="1" indent="-342900" algn="just">
+              <a:buFont typeface="Arial" panose="020B0604020202020204" pitchFamily="34" charset="0"/>
+              <a:buChar char="•"/>
+            </a:pPr>
+            <a:endParaRPr lang="en-US" sz="1200" dirty="0">
+              <a:latin typeface="Noto Sans" panose="020B0502040504020204" pitchFamily="34" charset="0"/>
+              <a:ea typeface="Noto Sans" panose="020B0502040504020204" pitchFamily="34" charset="0"/>
+              <a:cs typeface="Noto Sans" panose="020B0502040504020204" pitchFamily="34" charset="0"/>
+            </a:endParaRPr>
+          </a:p>
+          <a:p>
+            <a:pPr marL="800100" lvl="1" indent="-342900" algn="just">
+              <a:buFont typeface="Arial" panose="020B0604020202020204" pitchFamily="34" charset="0"/>
+              <a:buChar char="•"/>
+            </a:pPr>
+            <a:endParaRPr lang="en-US" sz="1200" dirty="0">
+              <a:latin typeface="Noto Sans" panose="020B0502040504020204" pitchFamily="34" charset="0"/>
+              <a:ea typeface="Noto Sans" panose="020B0502040504020204" pitchFamily="34" charset="0"/>
+              <a:cs typeface="Noto Sans" panose="020B0502040504020204" pitchFamily="34" charset="0"/>
+            </a:endParaRPr>
+          </a:p>
+          <a:p>
+            <a:pPr marL="800100" lvl="1" indent="-342900" algn="just">
+              <a:buFont typeface="Arial" panose="020B0604020202020204" pitchFamily="34" charset="0"/>
+              <a:buChar char="•"/>
+            </a:pPr>
+            <a:endParaRPr lang="en-US" sz="1200" dirty="0">
+              <a:latin typeface="Noto Sans" panose="020B0502040504020204" pitchFamily="34" charset="0"/>
+              <a:ea typeface="Noto Sans" panose="020B0502040504020204" pitchFamily="34" charset="0"/>
+              <a:cs typeface="Noto Sans" panose="020B0502040504020204" pitchFamily="34" charset="0"/>
+            </a:endParaRPr>
+          </a:p>
+          <a:p>
+            <a:pPr marL="800100" lvl="1" indent="-342900" algn="just">
+              <a:buFont typeface="Arial" panose="020B0604020202020204" pitchFamily="34" charset="0"/>
+              <a:buChar char="•"/>
+            </a:pPr>
+            <a:endParaRPr lang="en-US" sz="1200" dirty="0">
+              <a:latin typeface="Noto Sans" panose="020B0502040504020204" pitchFamily="34" charset="0"/>
+              <a:ea typeface="Noto Sans" panose="020B0502040504020204" pitchFamily="34" charset="0"/>
+              <a:cs typeface="Noto Sans" panose="020B0502040504020204" pitchFamily="34" charset="0"/>
+            </a:endParaRPr>
+          </a:p>
+          <a:p>
+            <a:pPr marL="800100" lvl="1" indent="-342900" algn="just">
+              <a:buFont typeface="Arial" panose="020B0604020202020204" pitchFamily="34" charset="0"/>
+              <a:buChar char="•"/>
+            </a:pPr>
+            <a:endParaRPr lang="en-US" sz="1200" dirty="0">
+              <a:latin typeface="Noto Sans" panose="020B0502040504020204" pitchFamily="34" charset="0"/>
+              <a:ea typeface="Noto Sans" panose="020B0502040504020204" pitchFamily="34" charset="0"/>
+              <a:cs typeface="Noto Sans" panose="020B0502040504020204" pitchFamily="34" charset="0"/>
+            </a:endParaRPr>
+          </a:p>
+          <a:p>
+            <a:pPr marL="800100" lvl="1" indent="-342900" algn="just">
+              <a:buFont typeface="Arial" panose="020B0604020202020204" pitchFamily="34" charset="0"/>
+              <a:buChar char="•"/>
+            </a:pPr>
+            <a:endParaRPr lang="en-US" sz="1200" dirty="0">
+              <a:latin typeface="Noto Sans" panose="020B0502040504020204" pitchFamily="34" charset="0"/>
+              <a:ea typeface="Noto Sans" panose="020B0502040504020204" pitchFamily="34" charset="0"/>
+              <a:cs typeface="Noto Sans" panose="020B0502040504020204" pitchFamily="34" charset="0"/>
+            </a:endParaRPr>
+          </a:p>
+          <a:p>
+            <a:pPr marL="800100" lvl="1" indent="-342900" algn="just">
+              <a:buFont typeface="Arial" panose="020B0604020202020204" pitchFamily="34" charset="0"/>
+              <a:buChar char="•"/>
+            </a:pPr>
+            <a:endParaRPr lang="en-US" sz="1200" dirty="0">
+              <a:latin typeface="Noto Sans" panose="020B0502040504020204" pitchFamily="34" charset="0"/>
+              <a:ea typeface="Noto Sans" panose="020B0502040504020204" pitchFamily="34" charset="0"/>
+              <a:cs typeface="Noto Sans" panose="020B0502040504020204" pitchFamily="34" charset="0"/>
+            </a:endParaRPr>
+          </a:p>
+          <a:p>
+            <a:pPr marL="800100" lvl="1" indent="-342900" algn="just">
+              <a:buFont typeface="Arial" panose="020B0604020202020204" pitchFamily="34" charset="0"/>
+              <a:buChar char="•"/>
+            </a:pPr>
+            <a:endParaRPr lang="en-US" sz="1200" dirty="0">
+              <a:latin typeface="Noto Sans" panose="020B0502040504020204" pitchFamily="34" charset="0"/>
+              <a:ea typeface="Noto Sans" panose="020B0502040504020204" pitchFamily="34" charset="0"/>
+              <a:cs typeface="Noto Sans" panose="020B0502040504020204" pitchFamily="34" charset="0"/>
+            </a:endParaRPr>
+          </a:p>
+          <a:p>
+            <a:pPr marL="800100" lvl="1" indent="-342900" algn="just">
+              <a:buFont typeface="Arial" panose="020B0604020202020204" pitchFamily="34" charset="0"/>
+              <a:buChar char="•"/>
+            </a:pPr>
+            <a:endParaRPr lang="en-US" sz="1200" dirty="0">
+              <a:latin typeface="Noto Sans" panose="020B0502040504020204" pitchFamily="34" charset="0"/>
+              <a:ea typeface="Noto Sans" panose="020B0502040504020204" pitchFamily="34" charset="0"/>
+              <a:cs typeface="Noto Sans" panose="020B0502040504020204" pitchFamily="34" charset="0"/>
+            </a:endParaRPr>
+          </a:p>
+          <a:p>
+            <a:pPr marL="800100" lvl="1" indent="-342900" algn="just">
+              <a:buFont typeface="Arial" panose="020B0604020202020204" pitchFamily="34" charset="0"/>
+              <a:buChar char="•"/>
+            </a:pPr>
+            <a:endParaRPr lang="en-US" sz="1200" dirty="0">
+              <a:latin typeface="Noto Sans" panose="020B0502040504020204" pitchFamily="34" charset="0"/>
+              <a:ea typeface="Noto Sans" panose="020B0502040504020204" pitchFamily="34" charset="0"/>
+              <a:cs typeface="Noto Sans" panose="020B0502040504020204" pitchFamily="34" charset="0"/>
+            </a:endParaRPr>
+          </a:p>
+          <a:p>
+            <a:pPr marL="800100" lvl="1" indent="-342900" algn="just">
+              <a:buFont typeface="Arial" panose="020B0604020202020204" pitchFamily="34" charset="0"/>
+              <a:buChar char="•"/>
+            </a:pPr>
+            <a:endParaRPr lang="en-US" sz="1200" dirty="0">
+              <a:latin typeface="Noto Sans" panose="020B0502040504020204" pitchFamily="34" charset="0"/>
+              <a:ea typeface="Noto Sans" panose="020B0502040504020204" pitchFamily="34" charset="0"/>
+              <a:cs typeface="Noto Sans" panose="020B0502040504020204" pitchFamily="34" charset="0"/>
+            </a:endParaRPr>
+          </a:p>
+          <a:p>
+            <a:pPr marL="800100" lvl="1" indent="-342900" algn="just">
+              <a:buFont typeface="Arial" panose="020B0604020202020204" pitchFamily="34" charset="0"/>
+              <a:buChar char="•"/>
+            </a:pPr>
+            <a:endParaRPr lang="en-US" sz="1200" dirty="0">
+              <a:latin typeface="Noto Sans" panose="020B0502040504020204" pitchFamily="34" charset="0"/>
+              <a:ea typeface="Noto Sans" panose="020B0502040504020204" pitchFamily="34" charset="0"/>
+              <a:cs typeface="Noto Sans" panose="020B0502040504020204" pitchFamily="34" charset="0"/>
+            </a:endParaRPr>
+          </a:p>
+          <a:p>
+            <a:pPr marL="800100" lvl="1" indent="-342900" algn="just">
+              <a:buFont typeface="Arial" panose="020B0604020202020204" pitchFamily="34" charset="0"/>
+              <a:buChar char="•"/>
+            </a:pPr>
+            <a:endParaRPr lang="en-US" sz="1200" dirty="0">
+              <a:latin typeface="Noto Sans" panose="020B0502040504020204" pitchFamily="34" charset="0"/>
+              <a:ea typeface="Noto Sans" panose="020B0502040504020204" pitchFamily="34" charset="0"/>
+              <a:cs typeface="Noto Sans" panose="020B0502040504020204" pitchFamily="34" charset="0"/>
+            </a:endParaRPr>
+          </a:p>
+          <a:p>
+            <a:pPr marL="800100" lvl="1" indent="-342900" algn="just">
+              <a:buFont typeface="Arial" panose="020B0604020202020204" pitchFamily="34" charset="0"/>
+              <a:buChar char="•"/>
+            </a:pPr>
+            <a:endParaRPr lang="en-US" sz="1200" dirty="0">
+              <a:latin typeface="Noto Sans" panose="020B0502040504020204" pitchFamily="34" charset="0"/>
+              <a:ea typeface="Noto Sans" panose="020B0502040504020204" pitchFamily="34" charset="0"/>
+              <a:cs typeface="Noto Sans" panose="020B0502040504020204" pitchFamily="34" charset="0"/>
+            </a:endParaRPr>
+          </a:p>
+          <a:p>
+            <a:pPr marL="800100" lvl="1" indent="-342900" algn="just">
+              <a:buFont typeface="Arial" panose="020B0604020202020204" pitchFamily="34" charset="0"/>
+              <a:buChar char="•"/>
+            </a:pPr>
+            <a:endParaRPr lang="en-US" sz="1200" dirty="0">
+              <a:latin typeface="Noto Sans" panose="020B0502040504020204" pitchFamily="34" charset="0"/>
+              <a:ea typeface="Noto Sans" panose="020B0502040504020204" pitchFamily="34" charset="0"/>
+              <a:cs typeface="Noto Sans" panose="020B0502040504020204" pitchFamily="34" charset="0"/>
+            </a:endParaRPr>
+          </a:p>
+          <a:p>
+            <a:pPr marL="800100" lvl="1" indent="-342900" algn="just">
+              <a:buFont typeface="Arial" panose="020B0604020202020204" pitchFamily="34" charset="0"/>
+              <a:buChar char="•"/>
+            </a:pPr>
+            <a:endParaRPr lang="en-US" sz="1200" dirty="0">
+              <a:latin typeface="Noto Sans" panose="020B0502040504020204" pitchFamily="34" charset="0"/>
+              <a:ea typeface="Noto Sans" panose="020B0502040504020204" pitchFamily="34" charset="0"/>
+              <a:cs typeface="Noto Sans" panose="020B0502040504020204" pitchFamily="34" charset="0"/>
+            </a:endParaRPr>
+          </a:p>
+          <a:p>
+            <a:pPr marL="800100" lvl="1" indent="-342900" algn="just">
+              <a:buFont typeface="Arial" panose="020B0604020202020204" pitchFamily="34" charset="0"/>
+              <a:buChar char="•"/>
+            </a:pPr>
+            <a:endParaRPr lang="en-US" sz="1200" dirty="0">
+              <a:latin typeface="Noto Sans" panose="020B0502040504020204" pitchFamily="34" charset="0"/>
+              <a:ea typeface="Noto Sans" panose="020B0502040504020204" pitchFamily="34" charset="0"/>
+              <a:cs typeface="Noto Sans" panose="020B0502040504020204" pitchFamily="34" charset="0"/>
+            </a:endParaRPr>
+          </a:p>
+          <a:p>
+            <a:pPr marL="800100" lvl="1" indent="-342900" algn="just">
+              <a:buFont typeface="Arial" panose="020B0604020202020204" pitchFamily="34" charset="0"/>
+              <a:buChar char="•"/>
+            </a:pPr>
+            <a:endParaRPr lang="en-US" sz="1200" dirty="0">
+              <a:latin typeface="Noto Sans" panose="020B0502040504020204" pitchFamily="34" charset="0"/>
+              <a:ea typeface="Noto Sans" panose="020B0502040504020204" pitchFamily="34" charset="0"/>
+              <a:cs typeface="Noto Sans" panose="020B0502040504020204" pitchFamily="34" charset="0"/>
+            </a:endParaRPr>
+          </a:p>
+          <a:p>
+            <a:pPr marL="800100" lvl="1" indent="-342900" algn="just">
+              <a:buFont typeface="Arial" panose="020B0604020202020204" pitchFamily="34" charset="0"/>
+              <a:buChar char="•"/>
+            </a:pPr>
+            <a:r>
+              <a:rPr lang="en-US" sz="1200" dirty="0">
+                <a:latin typeface="Noto Sans" panose="020B0502040504020204" pitchFamily="34" charset="0"/>
+                <a:ea typeface="Noto Sans" panose="020B0502040504020204" pitchFamily="34" charset="0"/>
+                <a:cs typeface="Noto Sans" panose="020B0502040504020204" pitchFamily="34" charset="0"/>
+              </a:rPr>
               <a:t>Name.com will provide you with the contents of your certificate file , you need to copy it and paste it into our server</a:t>
             </a:r>
           </a:p>
@@ -4440,18 +5166,18 @@
               <a:buFont typeface="Arial" panose="020B0604020202020204" pitchFamily="34" charset="0"/>
               <a:buChar char="•"/>
             </a:pPr>
-            <a:endParaRPr lang="en-US" sz="1200">
-              <a:latin typeface="Noto Sans" panose="020B0502040504020204" pitchFamily="34" charset="0"/>
-              <a:ea typeface="Noto Sans" panose="020B0502040504020204" pitchFamily="34" charset="0"/>
-              <a:cs typeface="Noto Sans" panose="020B0502040504020204" pitchFamily="34" charset="0"/>
-            </a:endParaRPr>
-          </a:p>
-          <a:p>
-            <a:pPr marL="800100" lvl="1" indent="-342900" algn="just">
-              <a:buFont typeface="Arial" panose="020B0604020202020204" pitchFamily="34" charset="0"/>
-              <a:buChar char="•"/>
-            </a:pPr>
-            <a:endParaRPr lang="en-US" sz="1200">
+            <a:endParaRPr lang="en-US" sz="1200" dirty="0">
+              <a:latin typeface="Noto Sans" panose="020B0502040504020204" pitchFamily="34" charset="0"/>
+              <a:ea typeface="Noto Sans" panose="020B0502040504020204" pitchFamily="34" charset="0"/>
+              <a:cs typeface="Noto Sans" panose="020B0502040504020204" pitchFamily="34" charset="0"/>
+            </a:endParaRPr>
+          </a:p>
+          <a:p>
+            <a:pPr marL="800100" lvl="1" indent="-342900" algn="just">
+              <a:buFont typeface="Arial" panose="020B0604020202020204" pitchFamily="34" charset="0"/>
+              <a:buChar char="•"/>
+            </a:pPr>
+            <a:endParaRPr lang="en-US" sz="1200" dirty="0">
               <a:latin typeface="Noto Sans" panose="020B0502040504020204" pitchFamily="34" charset="0"/>
               <a:ea typeface="Noto Sans" panose="020B0502040504020204" pitchFamily="34" charset="0"/>
               <a:cs typeface="Noto Sans" panose="020B0502040504020204" pitchFamily="34" charset="0"/>
@@ -4459,7 +5185,7 @@
           </a:p>
           <a:p>
             <a:pPr lvl="1" algn="just"/>
-            <a:endParaRPr lang="en-US" sz="1200">
+            <a:endParaRPr lang="en-US" sz="1200" dirty="0">
               <a:latin typeface="Noto Sans" panose="020B0502040504020204" pitchFamily="34" charset="0"/>
               <a:ea typeface="Noto Sans" panose="020B0502040504020204" pitchFamily="34" charset="0"/>
               <a:cs typeface="Noto Sans" panose="020B0502040504020204" pitchFamily="34" charset="0"/>
@@ -4467,18 +5193,18 @@
           </a:p>
           <a:p>
             <a:pPr lvl="1" algn="just"/>
-            <a:endParaRPr lang="en-US" sz="1200">
-              <a:latin typeface="Noto Sans" panose="020B0502040504020204" pitchFamily="34" charset="0"/>
-              <a:ea typeface="Noto Sans" panose="020B0502040504020204" pitchFamily="34" charset="0"/>
-              <a:cs typeface="Noto Sans" panose="020B0502040504020204" pitchFamily="34" charset="0"/>
-            </a:endParaRPr>
-          </a:p>
-          <a:p>
-            <a:pPr marL="800100" lvl="1" indent="-342900" algn="just">
-              <a:buFont typeface="Arial" panose="020B0604020202020204" pitchFamily="34" charset="0"/>
-              <a:buChar char="•"/>
-            </a:pPr>
-            <a:endParaRPr lang="en-US" sz="1200">
+            <a:endParaRPr lang="en-US" sz="1200" dirty="0">
+              <a:latin typeface="Noto Sans" panose="020B0502040504020204" pitchFamily="34" charset="0"/>
+              <a:ea typeface="Noto Sans" panose="020B0502040504020204" pitchFamily="34" charset="0"/>
+              <a:cs typeface="Noto Sans" panose="020B0502040504020204" pitchFamily="34" charset="0"/>
+            </a:endParaRPr>
+          </a:p>
+          <a:p>
+            <a:pPr marL="800100" lvl="1" indent="-342900" algn="just">
+              <a:buFont typeface="Arial" panose="020B0604020202020204" pitchFamily="34" charset="0"/>
+              <a:buChar char="•"/>
+            </a:pPr>
+            <a:endParaRPr lang="en-US" sz="1200" dirty="0">
               <a:latin typeface="Noto Sans" panose="020B0502040504020204" pitchFamily="34" charset="0"/>
               <a:ea typeface="Noto Sans" panose="020B0502040504020204" pitchFamily="34" charset="0"/>
               <a:cs typeface="Noto Sans" panose="020B0502040504020204" pitchFamily="34" charset="0"/>
@@ -4487,9 +5213,9 @@
           <a:p>
             <a:pPr marL="342900" indent="-342900" algn="just">
               <a:buFont typeface="+mj-lt"/>
-              <a:buAutoNum type="arabicParenR" startAt="4"/>
-            </a:pPr>
-            <a:endParaRPr lang="en-US" sz="1200">
+              <a:buAutoNum type="arabicParenR" startAt="5"/>
+            </a:pPr>
+            <a:endParaRPr lang="en-US" sz="1200" dirty="0">
               <a:latin typeface="Noto Sans" panose="020B0502040504020204" pitchFamily="34" charset="0"/>
               <a:ea typeface="Noto Sans" panose="020B0502040504020204" pitchFamily="34" charset="0"/>
               <a:cs typeface="Noto Sans" panose="020B0502040504020204" pitchFamily="34" charset="0"/>
@@ -4694,7 +5420,7 @@
 </p:sld>
 </file>
 
-<file path=ppt/slides/slide3.xml><?xml version="1.0" encoding="utf-8"?>
+<file path=ppt/slides/slide4.xml><?xml version="1.0" encoding="utf-8"?>
 <p:sld xmlns:a="http://schemas.openxmlformats.org/drawingml/2006/main" xmlns:r="http://schemas.openxmlformats.org/officeDocument/2006/relationships" xmlns:p="http://schemas.openxmlformats.org/presentationml/2006/main">
   <p:cSld>
     <p:spTree>
@@ -4741,10 +5467,10 @@
           <a:p>
             <a:pPr marL="342900" indent="-342900">
               <a:buFont typeface="+mj-lt"/>
-              <a:buAutoNum type="arabicParenR" startAt="4"/>
-            </a:pPr>
-            <a:r>
-              <a:rPr lang="en-US" sz="1400">
+              <a:buAutoNum type="arabicParenR" startAt="5"/>
+            </a:pPr>
+            <a:r>
+              <a:rPr lang="en-US" sz="1400" dirty="0">
                 <a:solidFill>
                   <a:schemeClr val="accent1"/>
                 </a:solidFill>
@@ -4757,19 +5483,19 @@
           </a:p>
           <a:p>
             <a:pPr lvl="1" algn="just"/>
-            <a:endParaRPr lang="en-US" sz="1200">
-              <a:latin typeface="Noto Sans" panose="020B0502040504020204" pitchFamily="34" charset="0"/>
-              <a:ea typeface="Noto Sans" panose="020B0502040504020204" pitchFamily="34" charset="0"/>
-              <a:cs typeface="Noto Sans" panose="020B0502040504020204" pitchFamily="34" charset="0"/>
-            </a:endParaRPr>
-          </a:p>
-          <a:p>
-            <a:pPr marL="800100" lvl="1" indent="-342900" algn="just">
-              <a:buFont typeface="Arial" panose="020B0604020202020204" pitchFamily="34" charset="0"/>
-              <a:buChar char="•"/>
-            </a:pPr>
-            <a:r>
-              <a:rPr lang="en-US" sz="1200">
+            <a:endParaRPr lang="en-US" sz="1200" dirty="0">
+              <a:latin typeface="Noto Sans" panose="020B0502040504020204" pitchFamily="34" charset="0"/>
+              <a:ea typeface="Noto Sans" panose="020B0502040504020204" pitchFamily="34" charset="0"/>
+              <a:cs typeface="Noto Sans" panose="020B0502040504020204" pitchFamily="34" charset="0"/>
+            </a:endParaRPr>
+          </a:p>
+          <a:p>
+            <a:pPr marL="800100" lvl="1" indent="-342900" algn="just">
+              <a:buFont typeface="Arial" panose="020B0604020202020204" pitchFamily="34" charset="0"/>
+              <a:buChar char="•"/>
+            </a:pPr>
+            <a:r>
+              <a:rPr lang="en-US" sz="1200" dirty="0">
                 <a:latin typeface="Noto Sans" panose="020B0502040504020204" pitchFamily="34" charset="0"/>
                 <a:ea typeface="Noto Sans" panose="020B0502040504020204" pitchFamily="34" charset="0"/>
                 <a:cs typeface="Noto Sans" panose="020B0502040504020204" pitchFamily="34" charset="0"/>
@@ -4782,360 +5508,360 @@
               <a:buFont typeface="Arial" panose="020B0604020202020204" pitchFamily="34" charset="0"/>
               <a:buChar char="•"/>
             </a:pPr>
-            <a:endParaRPr lang="en-US" sz="1200">
-              <a:latin typeface="Noto Sans" panose="020B0502040504020204" pitchFamily="34" charset="0"/>
-              <a:ea typeface="Noto Sans" panose="020B0502040504020204" pitchFamily="34" charset="0"/>
-              <a:cs typeface="Noto Sans" panose="020B0502040504020204" pitchFamily="34" charset="0"/>
-            </a:endParaRPr>
-          </a:p>
-          <a:p>
-            <a:pPr marL="800100" lvl="1" indent="-342900" algn="just">
-              <a:buFont typeface="Arial" panose="020B0604020202020204" pitchFamily="34" charset="0"/>
-              <a:buChar char="•"/>
-            </a:pPr>
-            <a:endParaRPr lang="en-US" sz="1200">
-              <a:latin typeface="Noto Sans" panose="020B0502040504020204" pitchFamily="34" charset="0"/>
-              <a:ea typeface="Noto Sans" panose="020B0502040504020204" pitchFamily="34" charset="0"/>
-              <a:cs typeface="Noto Sans" panose="020B0502040504020204" pitchFamily="34" charset="0"/>
-            </a:endParaRPr>
-          </a:p>
-          <a:p>
-            <a:pPr marL="800100" lvl="1" indent="-342900" algn="just">
-              <a:buFont typeface="Arial" panose="020B0604020202020204" pitchFamily="34" charset="0"/>
-              <a:buChar char="•"/>
-            </a:pPr>
-            <a:endParaRPr lang="en-US" sz="1200">
-              <a:latin typeface="Noto Sans" panose="020B0502040504020204" pitchFamily="34" charset="0"/>
-              <a:ea typeface="Noto Sans" panose="020B0502040504020204" pitchFamily="34" charset="0"/>
-              <a:cs typeface="Noto Sans" panose="020B0502040504020204" pitchFamily="34" charset="0"/>
-            </a:endParaRPr>
-          </a:p>
-          <a:p>
-            <a:pPr marL="800100" lvl="1" indent="-342900" algn="just">
-              <a:buFont typeface="Arial" panose="020B0604020202020204" pitchFamily="34" charset="0"/>
-              <a:buChar char="•"/>
-            </a:pPr>
-            <a:endParaRPr lang="en-US" sz="1200">
-              <a:latin typeface="Noto Sans" panose="020B0502040504020204" pitchFamily="34" charset="0"/>
-              <a:ea typeface="Noto Sans" panose="020B0502040504020204" pitchFamily="34" charset="0"/>
-              <a:cs typeface="Noto Sans" panose="020B0502040504020204" pitchFamily="34" charset="0"/>
-            </a:endParaRPr>
-          </a:p>
-          <a:p>
-            <a:pPr marL="800100" lvl="1" indent="-342900" algn="just">
-              <a:buFont typeface="Arial" panose="020B0604020202020204" pitchFamily="34" charset="0"/>
-              <a:buChar char="•"/>
-            </a:pPr>
-            <a:endParaRPr lang="en-US" sz="1200">
-              <a:latin typeface="Noto Sans" panose="020B0502040504020204" pitchFamily="34" charset="0"/>
-              <a:ea typeface="Noto Sans" panose="020B0502040504020204" pitchFamily="34" charset="0"/>
-              <a:cs typeface="Noto Sans" panose="020B0502040504020204" pitchFamily="34" charset="0"/>
-            </a:endParaRPr>
-          </a:p>
-          <a:p>
-            <a:pPr marL="800100" lvl="1" indent="-342900" algn="just">
-              <a:buFont typeface="Arial" panose="020B0604020202020204" pitchFamily="34" charset="0"/>
-              <a:buChar char="•"/>
-            </a:pPr>
-            <a:endParaRPr lang="en-US" sz="1200">
-              <a:latin typeface="Noto Sans" panose="020B0502040504020204" pitchFamily="34" charset="0"/>
-              <a:ea typeface="Noto Sans" panose="020B0502040504020204" pitchFamily="34" charset="0"/>
-              <a:cs typeface="Noto Sans" panose="020B0502040504020204" pitchFamily="34" charset="0"/>
-            </a:endParaRPr>
-          </a:p>
-          <a:p>
-            <a:pPr marL="800100" lvl="1" indent="-342900" algn="just">
-              <a:buFont typeface="Arial" panose="020B0604020202020204" pitchFamily="34" charset="0"/>
-              <a:buChar char="•"/>
-            </a:pPr>
-            <a:endParaRPr lang="en-US" sz="1200">
-              <a:latin typeface="Noto Sans" panose="020B0502040504020204" pitchFamily="34" charset="0"/>
-              <a:ea typeface="Noto Sans" panose="020B0502040504020204" pitchFamily="34" charset="0"/>
-              <a:cs typeface="Noto Sans" panose="020B0502040504020204" pitchFamily="34" charset="0"/>
-            </a:endParaRPr>
-          </a:p>
-          <a:p>
-            <a:pPr marL="800100" lvl="1" indent="-342900" algn="just">
-              <a:buFont typeface="Arial" panose="020B0604020202020204" pitchFamily="34" charset="0"/>
-              <a:buChar char="•"/>
-            </a:pPr>
-            <a:endParaRPr lang="en-US" sz="1200">
-              <a:latin typeface="Noto Sans" panose="020B0502040504020204" pitchFamily="34" charset="0"/>
-              <a:ea typeface="Noto Sans" panose="020B0502040504020204" pitchFamily="34" charset="0"/>
-              <a:cs typeface="Noto Sans" panose="020B0502040504020204" pitchFamily="34" charset="0"/>
-            </a:endParaRPr>
-          </a:p>
-          <a:p>
-            <a:pPr marL="800100" lvl="1" indent="-342900" algn="just">
-              <a:buFont typeface="Arial" panose="020B0604020202020204" pitchFamily="34" charset="0"/>
-              <a:buChar char="•"/>
-            </a:pPr>
-            <a:endParaRPr lang="en-US" sz="1200">
-              <a:latin typeface="Noto Sans" panose="020B0502040504020204" pitchFamily="34" charset="0"/>
-              <a:ea typeface="Noto Sans" panose="020B0502040504020204" pitchFamily="34" charset="0"/>
-              <a:cs typeface="Noto Sans" panose="020B0502040504020204" pitchFamily="34" charset="0"/>
-            </a:endParaRPr>
-          </a:p>
-          <a:p>
-            <a:pPr marL="800100" lvl="1" indent="-342900" algn="just">
-              <a:buFont typeface="Arial" panose="020B0604020202020204" pitchFamily="34" charset="0"/>
-              <a:buChar char="•"/>
-            </a:pPr>
-            <a:endParaRPr lang="en-US" sz="1200">
-              <a:latin typeface="Noto Sans" panose="020B0502040504020204" pitchFamily="34" charset="0"/>
-              <a:ea typeface="Noto Sans" panose="020B0502040504020204" pitchFamily="34" charset="0"/>
-              <a:cs typeface="Noto Sans" panose="020B0502040504020204" pitchFamily="34" charset="0"/>
-            </a:endParaRPr>
-          </a:p>
-          <a:p>
-            <a:pPr marL="800100" lvl="1" indent="-342900" algn="just">
-              <a:buFont typeface="Arial" panose="020B0604020202020204" pitchFamily="34" charset="0"/>
-              <a:buChar char="•"/>
-            </a:pPr>
-            <a:endParaRPr lang="en-US" sz="1200">
-              <a:latin typeface="Noto Sans" panose="020B0502040504020204" pitchFamily="34" charset="0"/>
-              <a:ea typeface="Noto Sans" panose="020B0502040504020204" pitchFamily="34" charset="0"/>
-              <a:cs typeface="Noto Sans" panose="020B0502040504020204" pitchFamily="34" charset="0"/>
-            </a:endParaRPr>
-          </a:p>
-          <a:p>
-            <a:pPr marL="800100" lvl="1" indent="-342900" algn="just">
-              <a:buFont typeface="Arial" panose="020B0604020202020204" pitchFamily="34" charset="0"/>
-              <a:buChar char="•"/>
-            </a:pPr>
-            <a:endParaRPr lang="en-US" sz="1200">
-              <a:latin typeface="Noto Sans" panose="020B0502040504020204" pitchFamily="34" charset="0"/>
-              <a:ea typeface="Noto Sans" panose="020B0502040504020204" pitchFamily="34" charset="0"/>
-              <a:cs typeface="Noto Sans" panose="020B0502040504020204" pitchFamily="34" charset="0"/>
-            </a:endParaRPr>
-          </a:p>
-          <a:p>
-            <a:pPr marL="800100" lvl="1" indent="-342900" algn="just">
-              <a:buFont typeface="Arial" panose="020B0604020202020204" pitchFamily="34" charset="0"/>
-              <a:buChar char="•"/>
-            </a:pPr>
-            <a:endParaRPr lang="en-US" sz="1200">
-              <a:latin typeface="Noto Sans" panose="020B0502040504020204" pitchFamily="34" charset="0"/>
-              <a:ea typeface="Noto Sans" panose="020B0502040504020204" pitchFamily="34" charset="0"/>
-              <a:cs typeface="Noto Sans" panose="020B0502040504020204" pitchFamily="34" charset="0"/>
-            </a:endParaRPr>
-          </a:p>
-          <a:p>
-            <a:pPr marL="800100" lvl="1" indent="-342900" algn="just">
-              <a:buFont typeface="Arial" panose="020B0604020202020204" pitchFamily="34" charset="0"/>
-              <a:buChar char="•"/>
-            </a:pPr>
-            <a:endParaRPr lang="en-US" sz="1200">
-              <a:latin typeface="Noto Sans" panose="020B0502040504020204" pitchFamily="34" charset="0"/>
-              <a:ea typeface="Noto Sans" panose="020B0502040504020204" pitchFamily="34" charset="0"/>
-              <a:cs typeface="Noto Sans" panose="020B0502040504020204" pitchFamily="34" charset="0"/>
-            </a:endParaRPr>
-          </a:p>
-          <a:p>
-            <a:pPr marL="800100" lvl="1" indent="-342900" algn="just">
-              <a:buFont typeface="Arial" panose="020B0604020202020204" pitchFamily="34" charset="0"/>
-              <a:buChar char="•"/>
-            </a:pPr>
-            <a:endParaRPr lang="en-US" sz="1200">
-              <a:latin typeface="Noto Sans" panose="020B0502040504020204" pitchFamily="34" charset="0"/>
-              <a:ea typeface="Noto Sans" panose="020B0502040504020204" pitchFamily="34" charset="0"/>
-              <a:cs typeface="Noto Sans" panose="020B0502040504020204" pitchFamily="34" charset="0"/>
-            </a:endParaRPr>
-          </a:p>
-          <a:p>
-            <a:pPr marL="800100" lvl="1" indent="-342900" algn="just">
-              <a:buFont typeface="Arial" panose="020B0604020202020204" pitchFamily="34" charset="0"/>
-              <a:buChar char="•"/>
-            </a:pPr>
-            <a:endParaRPr lang="en-US" sz="1200">
-              <a:latin typeface="Noto Sans" panose="020B0502040504020204" pitchFamily="34" charset="0"/>
-              <a:ea typeface="Noto Sans" panose="020B0502040504020204" pitchFamily="34" charset="0"/>
-              <a:cs typeface="Noto Sans" panose="020B0502040504020204" pitchFamily="34" charset="0"/>
-            </a:endParaRPr>
-          </a:p>
-          <a:p>
-            <a:pPr marL="800100" lvl="1" indent="-342900" algn="just">
-              <a:buFont typeface="Arial" panose="020B0604020202020204" pitchFamily="34" charset="0"/>
-              <a:buChar char="•"/>
-            </a:pPr>
-            <a:endParaRPr lang="en-US" sz="1200">
-              <a:latin typeface="Noto Sans" panose="020B0502040504020204" pitchFamily="34" charset="0"/>
-              <a:ea typeface="Noto Sans" panose="020B0502040504020204" pitchFamily="34" charset="0"/>
-              <a:cs typeface="Noto Sans" panose="020B0502040504020204" pitchFamily="34" charset="0"/>
-            </a:endParaRPr>
-          </a:p>
-          <a:p>
-            <a:pPr marL="800100" lvl="1" indent="-342900" algn="just">
-              <a:buFont typeface="Arial" panose="020B0604020202020204" pitchFamily="34" charset="0"/>
-              <a:buChar char="•"/>
-            </a:pPr>
-            <a:endParaRPr lang="en-US" sz="1200">
-              <a:latin typeface="Noto Sans" panose="020B0502040504020204" pitchFamily="34" charset="0"/>
-              <a:ea typeface="Noto Sans" panose="020B0502040504020204" pitchFamily="34" charset="0"/>
-              <a:cs typeface="Noto Sans" panose="020B0502040504020204" pitchFamily="34" charset="0"/>
-            </a:endParaRPr>
-          </a:p>
-          <a:p>
-            <a:pPr marL="800100" lvl="1" indent="-342900" algn="just">
-              <a:buFont typeface="Arial" panose="020B0604020202020204" pitchFamily="34" charset="0"/>
-              <a:buChar char="•"/>
-            </a:pPr>
-            <a:endParaRPr lang="en-US" sz="1200">
-              <a:latin typeface="Noto Sans" panose="020B0502040504020204" pitchFamily="34" charset="0"/>
-              <a:ea typeface="Noto Sans" panose="020B0502040504020204" pitchFamily="34" charset="0"/>
-              <a:cs typeface="Noto Sans" panose="020B0502040504020204" pitchFamily="34" charset="0"/>
-            </a:endParaRPr>
-          </a:p>
-          <a:p>
-            <a:pPr marL="800100" lvl="1" indent="-342900" algn="just">
-              <a:buFont typeface="Arial" panose="020B0604020202020204" pitchFamily="34" charset="0"/>
-              <a:buChar char="•"/>
-            </a:pPr>
-            <a:endParaRPr lang="en-US" sz="1200">
-              <a:latin typeface="Noto Sans" panose="020B0502040504020204" pitchFamily="34" charset="0"/>
-              <a:ea typeface="Noto Sans" panose="020B0502040504020204" pitchFamily="34" charset="0"/>
-              <a:cs typeface="Noto Sans" panose="020B0502040504020204" pitchFamily="34" charset="0"/>
-            </a:endParaRPr>
-          </a:p>
-          <a:p>
-            <a:pPr marL="800100" lvl="1" indent="-342900" algn="just">
-              <a:buFont typeface="Arial" panose="020B0604020202020204" pitchFamily="34" charset="0"/>
-              <a:buChar char="•"/>
-            </a:pPr>
-            <a:endParaRPr lang="en-US" sz="1200">
-              <a:latin typeface="Noto Sans" panose="020B0502040504020204" pitchFamily="34" charset="0"/>
-              <a:ea typeface="Noto Sans" panose="020B0502040504020204" pitchFamily="34" charset="0"/>
-              <a:cs typeface="Noto Sans" panose="020B0502040504020204" pitchFamily="34" charset="0"/>
-            </a:endParaRPr>
-          </a:p>
-          <a:p>
-            <a:pPr marL="800100" lvl="1" indent="-342900" algn="just">
-              <a:buFont typeface="Arial" panose="020B0604020202020204" pitchFamily="34" charset="0"/>
-              <a:buChar char="•"/>
-            </a:pPr>
-            <a:endParaRPr lang="en-US" sz="1200">
-              <a:latin typeface="Noto Sans" panose="020B0502040504020204" pitchFamily="34" charset="0"/>
-              <a:ea typeface="Noto Sans" panose="020B0502040504020204" pitchFamily="34" charset="0"/>
-              <a:cs typeface="Noto Sans" panose="020B0502040504020204" pitchFamily="34" charset="0"/>
-            </a:endParaRPr>
-          </a:p>
-          <a:p>
-            <a:pPr marL="800100" lvl="1" indent="-342900" algn="just">
-              <a:buFont typeface="Arial" panose="020B0604020202020204" pitchFamily="34" charset="0"/>
-              <a:buChar char="•"/>
-            </a:pPr>
-            <a:endParaRPr lang="en-US" sz="1200">
-              <a:latin typeface="Noto Sans" panose="020B0502040504020204" pitchFamily="34" charset="0"/>
-              <a:ea typeface="Noto Sans" panose="020B0502040504020204" pitchFamily="34" charset="0"/>
-              <a:cs typeface="Noto Sans" panose="020B0502040504020204" pitchFamily="34" charset="0"/>
-            </a:endParaRPr>
-          </a:p>
-          <a:p>
-            <a:pPr marL="800100" lvl="1" indent="-342900" algn="just">
-              <a:buFont typeface="Arial" panose="020B0604020202020204" pitchFamily="34" charset="0"/>
-              <a:buChar char="•"/>
-            </a:pPr>
-            <a:endParaRPr lang="en-US" sz="1200">
-              <a:latin typeface="Noto Sans" panose="020B0502040504020204" pitchFamily="34" charset="0"/>
-              <a:ea typeface="Noto Sans" panose="020B0502040504020204" pitchFamily="34" charset="0"/>
-              <a:cs typeface="Noto Sans" panose="020B0502040504020204" pitchFamily="34" charset="0"/>
-            </a:endParaRPr>
-          </a:p>
-          <a:p>
-            <a:pPr marL="800100" lvl="1" indent="-342900" algn="just">
-              <a:buFont typeface="Arial" panose="020B0604020202020204" pitchFamily="34" charset="0"/>
-              <a:buChar char="•"/>
-            </a:pPr>
-            <a:endParaRPr lang="en-US" sz="1200">
-              <a:latin typeface="Noto Sans" panose="020B0502040504020204" pitchFamily="34" charset="0"/>
-              <a:ea typeface="Noto Sans" panose="020B0502040504020204" pitchFamily="34" charset="0"/>
-              <a:cs typeface="Noto Sans" panose="020B0502040504020204" pitchFamily="34" charset="0"/>
-            </a:endParaRPr>
-          </a:p>
-          <a:p>
-            <a:pPr marL="800100" lvl="1" indent="-342900" algn="just">
-              <a:buFont typeface="Arial" panose="020B0604020202020204" pitchFamily="34" charset="0"/>
-              <a:buChar char="•"/>
-            </a:pPr>
-            <a:endParaRPr lang="en-US" sz="1200">
-              <a:latin typeface="Noto Sans" panose="020B0502040504020204" pitchFamily="34" charset="0"/>
-              <a:ea typeface="Noto Sans" panose="020B0502040504020204" pitchFamily="34" charset="0"/>
-              <a:cs typeface="Noto Sans" panose="020B0502040504020204" pitchFamily="34" charset="0"/>
-            </a:endParaRPr>
-          </a:p>
-          <a:p>
-            <a:pPr marL="800100" lvl="1" indent="-342900" algn="just">
-              <a:buFont typeface="Arial" panose="020B0604020202020204" pitchFamily="34" charset="0"/>
-              <a:buChar char="•"/>
-            </a:pPr>
-            <a:endParaRPr lang="en-US" sz="1200">
-              <a:latin typeface="Noto Sans" panose="020B0502040504020204" pitchFamily="34" charset="0"/>
-              <a:ea typeface="Noto Sans" panose="020B0502040504020204" pitchFamily="34" charset="0"/>
-              <a:cs typeface="Noto Sans" panose="020B0502040504020204" pitchFamily="34" charset="0"/>
-            </a:endParaRPr>
-          </a:p>
-          <a:p>
-            <a:pPr marL="800100" lvl="1" indent="-342900" algn="just">
-              <a:buFont typeface="Arial" panose="020B0604020202020204" pitchFamily="34" charset="0"/>
-              <a:buChar char="•"/>
-            </a:pPr>
-            <a:endParaRPr lang="en-US" sz="1200">
-              <a:latin typeface="Noto Sans" panose="020B0502040504020204" pitchFamily="34" charset="0"/>
-              <a:ea typeface="Noto Sans" panose="020B0502040504020204" pitchFamily="34" charset="0"/>
-              <a:cs typeface="Noto Sans" panose="020B0502040504020204" pitchFamily="34" charset="0"/>
-            </a:endParaRPr>
-          </a:p>
-          <a:p>
-            <a:pPr marL="800100" lvl="1" indent="-342900" algn="just">
-              <a:buFont typeface="Arial" panose="020B0604020202020204" pitchFamily="34" charset="0"/>
-              <a:buChar char="•"/>
-            </a:pPr>
-            <a:endParaRPr lang="en-US" sz="1200">
-              <a:latin typeface="Noto Sans" panose="020B0502040504020204" pitchFamily="34" charset="0"/>
-              <a:ea typeface="Noto Sans" panose="020B0502040504020204" pitchFamily="34" charset="0"/>
-              <a:cs typeface="Noto Sans" panose="020B0502040504020204" pitchFamily="34" charset="0"/>
-            </a:endParaRPr>
-          </a:p>
-          <a:p>
-            <a:pPr marL="800100" lvl="1" indent="-342900" algn="just">
-              <a:buFont typeface="Arial" panose="020B0604020202020204" pitchFamily="34" charset="0"/>
-              <a:buChar char="•"/>
-            </a:pPr>
-            <a:endParaRPr lang="en-US" sz="1200">
-              <a:latin typeface="Noto Sans" panose="020B0502040504020204" pitchFamily="34" charset="0"/>
-              <a:ea typeface="Noto Sans" panose="020B0502040504020204" pitchFamily="34" charset="0"/>
-              <a:cs typeface="Noto Sans" panose="020B0502040504020204" pitchFamily="34" charset="0"/>
-            </a:endParaRPr>
-          </a:p>
-          <a:p>
-            <a:pPr marL="800100" lvl="1" indent="-342900" algn="just">
-              <a:buFont typeface="Arial" panose="020B0604020202020204" pitchFamily="34" charset="0"/>
-              <a:buChar char="•"/>
-            </a:pPr>
-            <a:endParaRPr lang="en-US" sz="1200">
-              <a:latin typeface="Noto Sans" panose="020B0502040504020204" pitchFamily="34" charset="0"/>
-              <a:ea typeface="Noto Sans" panose="020B0502040504020204" pitchFamily="34" charset="0"/>
-              <a:cs typeface="Noto Sans" panose="020B0502040504020204" pitchFamily="34" charset="0"/>
-            </a:endParaRPr>
-          </a:p>
-          <a:p>
-            <a:pPr marL="800100" lvl="1" indent="-342900" algn="just">
-              <a:buFont typeface="Arial" panose="020B0604020202020204" pitchFamily="34" charset="0"/>
-              <a:buChar char="•"/>
-            </a:pPr>
-            <a:endParaRPr lang="en-US" sz="1200">
-              <a:latin typeface="Noto Sans" panose="020B0502040504020204" pitchFamily="34" charset="0"/>
-              <a:ea typeface="Noto Sans" panose="020B0502040504020204" pitchFamily="34" charset="0"/>
-              <a:cs typeface="Noto Sans" panose="020B0502040504020204" pitchFamily="34" charset="0"/>
-            </a:endParaRPr>
-          </a:p>
-          <a:p>
-            <a:pPr marL="800100" lvl="1" indent="-342900" algn="just">
-              <a:buFont typeface="Arial" panose="020B0604020202020204" pitchFamily="34" charset="0"/>
-              <a:buChar char="•"/>
-            </a:pPr>
-            <a:r>
-              <a:rPr lang="en-US" sz="1200">
+            <a:endParaRPr lang="en-US" sz="1200" dirty="0">
+              <a:latin typeface="Noto Sans" panose="020B0502040504020204" pitchFamily="34" charset="0"/>
+              <a:ea typeface="Noto Sans" panose="020B0502040504020204" pitchFamily="34" charset="0"/>
+              <a:cs typeface="Noto Sans" panose="020B0502040504020204" pitchFamily="34" charset="0"/>
+            </a:endParaRPr>
+          </a:p>
+          <a:p>
+            <a:pPr marL="800100" lvl="1" indent="-342900" algn="just">
+              <a:buFont typeface="Arial" panose="020B0604020202020204" pitchFamily="34" charset="0"/>
+              <a:buChar char="•"/>
+            </a:pPr>
+            <a:endParaRPr lang="en-US" sz="1200" dirty="0">
+              <a:latin typeface="Noto Sans" panose="020B0502040504020204" pitchFamily="34" charset="0"/>
+              <a:ea typeface="Noto Sans" panose="020B0502040504020204" pitchFamily="34" charset="0"/>
+              <a:cs typeface="Noto Sans" panose="020B0502040504020204" pitchFamily="34" charset="0"/>
+            </a:endParaRPr>
+          </a:p>
+          <a:p>
+            <a:pPr marL="800100" lvl="1" indent="-342900" algn="just">
+              <a:buFont typeface="Arial" panose="020B0604020202020204" pitchFamily="34" charset="0"/>
+              <a:buChar char="•"/>
+            </a:pPr>
+            <a:endParaRPr lang="en-US" sz="1200" dirty="0">
+              <a:latin typeface="Noto Sans" panose="020B0502040504020204" pitchFamily="34" charset="0"/>
+              <a:ea typeface="Noto Sans" panose="020B0502040504020204" pitchFamily="34" charset="0"/>
+              <a:cs typeface="Noto Sans" panose="020B0502040504020204" pitchFamily="34" charset="0"/>
+            </a:endParaRPr>
+          </a:p>
+          <a:p>
+            <a:pPr marL="800100" lvl="1" indent="-342900" algn="just">
+              <a:buFont typeface="Arial" panose="020B0604020202020204" pitchFamily="34" charset="0"/>
+              <a:buChar char="•"/>
+            </a:pPr>
+            <a:endParaRPr lang="en-US" sz="1200" dirty="0">
+              <a:latin typeface="Noto Sans" panose="020B0502040504020204" pitchFamily="34" charset="0"/>
+              <a:ea typeface="Noto Sans" panose="020B0502040504020204" pitchFamily="34" charset="0"/>
+              <a:cs typeface="Noto Sans" panose="020B0502040504020204" pitchFamily="34" charset="0"/>
+            </a:endParaRPr>
+          </a:p>
+          <a:p>
+            <a:pPr marL="800100" lvl="1" indent="-342900" algn="just">
+              <a:buFont typeface="Arial" panose="020B0604020202020204" pitchFamily="34" charset="0"/>
+              <a:buChar char="•"/>
+            </a:pPr>
+            <a:endParaRPr lang="en-US" sz="1200" dirty="0">
+              <a:latin typeface="Noto Sans" panose="020B0502040504020204" pitchFamily="34" charset="0"/>
+              <a:ea typeface="Noto Sans" panose="020B0502040504020204" pitchFamily="34" charset="0"/>
+              <a:cs typeface="Noto Sans" panose="020B0502040504020204" pitchFamily="34" charset="0"/>
+            </a:endParaRPr>
+          </a:p>
+          <a:p>
+            <a:pPr marL="800100" lvl="1" indent="-342900" algn="just">
+              <a:buFont typeface="Arial" panose="020B0604020202020204" pitchFamily="34" charset="0"/>
+              <a:buChar char="•"/>
+            </a:pPr>
+            <a:endParaRPr lang="en-US" sz="1200" dirty="0">
+              <a:latin typeface="Noto Sans" panose="020B0502040504020204" pitchFamily="34" charset="0"/>
+              <a:ea typeface="Noto Sans" panose="020B0502040504020204" pitchFamily="34" charset="0"/>
+              <a:cs typeface="Noto Sans" panose="020B0502040504020204" pitchFamily="34" charset="0"/>
+            </a:endParaRPr>
+          </a:p>
+          <a:p>
+            <a:pPr marL="800100" lvl="1" indent="-342900" algn="just">
+              <a:buFont typeface="Arial" panose="020B0604020202020204" pitchFamily="34" charset="0"/>
+              <a:buChar char="•"/>
+            </a:pPr>
+            <a:endParaRPr lang="en-US" sz="1200" dirty="0">
+              <a:latin typeface="Noto Sans" panose="020B0502040504020204" pitchFamily="34" charset="0"/>
+              <a:ea typeface="Noto Sans" panose="020B0502040504020204" pitchFamily="34" charset="0"/>
+              <a:cs typeface="Noto Sans" panose="020B0502040504020204" pitchFamily="34" charset="0"/>
+            </a:endParaRPr>
+          </a:p>
+          <a:p>
+            <a:pPr marL="800100" lvl="1" indent="-342900" algn="just">
+              <a:buFont typeface="Arial" panose="020B0604020202020204" pitchFamily="34" charset="0"/>
+              <a:buChar char="•"/>
+            </a:pPr>
+            <a:endParaRPr lang="en-US" sz="1200" dirty="0">
+              <a:latin typeface="Noto Sans" panose="020B0502040504020204" pitchFamily="34" charset="0"/>
+              <a:ea typeface="Noto Sans" panose="020B0502040504020204" pitchFamily="34" charset="0"/>
+              <a:cs typeface="Noto Sans" panose="020B0502040504020204" pitchFamily="34" charset="0"/>
+            </a:endParaRPr>
+          </a:p>
+          <a:p>
+            <a:pPr marL="800100" lvl="1" indent="-342900" algn="just">
+              <a:buFont typeface="Arial" panose="020B0604020202020204" pitchFamily="34" charset="0"/>
+              <a:buChar char="•"/>
+            </a:pPr>
+            <a:endParaRPr lang="en-US" sz="1200" dirty="0">
+              <a:latin typeface="Noto Sans" panose="020B0502040504020204" pitchFamily="34" charset="0"/>
+              <a:ea typeface="Noto Sans" panose="020B0502040504020204" pitchFamily="34" charset="0"/>
+              <a:cs typeface="Noto Sans" panose="020B0502040504020204" pitchFamily="34" charset="0"/>
+            </a:endParaRPr>
+          </a:p>
+          <a:p>
+            <a:pPr marL="800100" lvl="1" indent="-342900" algn="just">
+              <a:buFont typeface="Arial" panose="020B0604020202020204" pitchFamily="34" charset="0"/>
+              <a:buChar char="•"/>
+            </a:pPr>
+            <a:endParaRPr lang="en-US" sz="1200" dirty="0">
+              <a:latin typeface="Noto Sans" panose="020B0502040504020204" pitchFamily="34" charset="0"/>
+              <a:ea typeface="Noto Sans" panose="020B0502040504020204" pitchFamily="34" charset="0"/>
+              <a:cs typeface="Noto Sans" panose="020B0502040504020204" pitchFamily="34" charset="0"/>
+            </a:endParaRPr>
+          </a:p>
+          <a:p>
+            <a:pPr marL="800100" lvl="1" indent="-342900" algn="just">
+              <a:buFont typeface="Arial" panose="020B0604020202020204" pitchFamily="34" charset="0"/>
+              <a:buChar char="•"/>
+            </a:pPr>
+            <a:endParaRPr lang="en-US" sz="1200" dirty="0">
+              <a:latin typeface="Noto Sans" panose="020B0502040504020204" pitchFamily="34" charset="0"/>
+              <a:ea typeface="Noto Sans" panose="020B0502040504020204" pitchFamily="34" charset="0"/>
+              <a:cs typeface="Noto Sans" panose="020B0502040504020204" pitchFamily="34" charset="0"/>
+            </a:endParaRPr>
+          </a:p>
+          <a:p>
+            <a:pPr marL="800100" lvl="1" indent="-342900" algn="just">
+              <a:buFont typeface="Arial" panose="020B0604020202020204" pitchFamily="34" charset="0"/>
+              <a:buChar char="•"/>
+            </a:pPr>
+            <a:endParaRPr lang="en-US" sz="1200" dirty="0">
+              <a:latin typeface="Noto Sans" panose="020B0502040504020204" pitchFamily="34" charset="0"/>
+              <a:ea typeface="Noto Sans" panose="020B0502040504020204" pitchFamily="34" charset="0"/>
+              <a:cs typeface="Noto Sans" panose="020B0502040504020204" pitchFamily="34" charset="0"/>
+            </a:endParaRPr>
+          </a:p>
+          <a:p>
+            <a:pPr marL="800100" lvl="1" indent="-342900" algn="just">
+              <a:buFont typeface="Arial" panose="020B0604020202020204" pitchFamily="34" charset="0"/>
+              <a:buChar char="•"/>
+            </a:pPr>
+            <a:endParaRPr lang="en-US" sz="1200" dirty="0">
+              <a:latin typeface="Noto Sans" panose="020B0502040504020204" pitchFamily="34" charset="0"/>
+              <a:ea typeface="Noto Sans" panose="020B0502040504020204" pitchFamily="34" charset="0"/>
+              <a:cs typeface="Noto Sans" panose="020B0502040504020204" pitchFamily="34" charset="0"/>
+            </a:endParaRPr>
+          </a:p>
+          <a:p>
+            <a:pPr marL="800100" lvl="1" indent="-342900" algn="just">
+              <a:buFont typeface="Arial" panose="020B0604020202020204" pitchFamily="34" charset="0"/>
+              <a:buChar char="•"/>
+            </a:pPr>
+            <a:endParaRPr lang="en-US" sz="1200" dirty="0">
+              <a:latin typeface="Noto Sans" panose="020B0502040504020204" pitchFamily="34" charset="0"/>
+              <a:ea typeface="Noto Sans" panose="020B0502040504020204" pitchFamily="34" charset="0"/>
+              <a:cs typeface="Noto Sans" panose="020B0502040504020204" pitchFamily="34" charset="0"/>
+            </a:endParaRPr>
+          </a:p>
+          <a:p>
+            <a:pPr marL="800100" lvl="1" indent="-342900" algn="just">
+              <a:buFont typeface="Arial" panose="020B0604020202020204" pitchFamily="34" charset="0"/>
+              <a:buChar char="•"/>
+            </a:pPr>
+            <a:endParaRPr lang="en-US" sz="1200" dirty="0">
+              <a:latin typeface="Noto Sans" panose="020B0502040504020204" pitchFamily="34" charset="0"/>
+              <a:ea typeface="Noto Sans" panose="020B0502040504020204" pitchFamily="34" charset="0"/>
+              <a:cs typeface="Noto Sans" panose="020B0502040504020204" pitchFamily="34" charset="0"/>
+            </a:endParaRPr>
+          </a:p>
+          <a:p>
+            <a:pPr marL="800100" lvl="1" indent="-342900" algn="just">
+              <a:buFont typeface="Arial" panose="020B0604020202020204" pitchFamily="34" charset="0"/>
+              <a:buChar char="•"/>
+            </a:pPr>
+            <a:endParaRPr lang="en-US" sz="1200" dirty="0">
+              <a:latin typeface="Noto Sans" panose="020B0502040504020204" pitchFamily="34" charset="0"/>
+              <a:ea typeface="Noto Sans" panose="020B0502040504020204" pitchFamily="34" charset="0"/>
+              <a:cs typeface="Noto Sans" panose="020B0502040504020204" pitchFamily="34" charset="0"/>
+            </a:endParaRPr>
+          </a:p>
+          <a:p>
+            <a:pPr marL="800100" lvl="1" indent="-342900" algn="just">
+              <a:buFont typeface="Arial" panose="020B0604020202020204" pitchFamily="34" charset="0"/>
+              <a:buChar char="•"/>
+            </a:pPr>
+            <a:endParaRPr lang="en-US" sz="1200" dirty="0">
+              <a:latin typeface="Noto Sans" panose="020B0502040504020204" pitchFamily="34" charset="0"/>
+              <a:ea typeface="Noto Sans" panose="020B0502040504020204" pitchFamily="34" charset="0"/>
+              <a:cs typeface="Noto Sans" panose="020B0502040504020204" pitchFamily="34" charset="0"/>
+            </a:endParaRPr>
+          </a:p>
+          <a:p>
+            <a:pPr marL="800100" lvl="1" indent="-342900" algn="just">
+              <a:buFont typeface="Arial" panose="020B0604020202020204" pitchFamily="34" charset="0"/>
+              <a:buChar char="•"/>
+            </a:pPr>
+            <a:endParaRPr lang="en-US" sz="1200" dirty="0">
+              <a:latin typeface="Noto Sans" panose="020B0502040504020204" pitchFamily="34" charset="0"/>
+              <a:ea typeface="Noto Sans" panose="020B0502040504020204" pitchFamily="34" charset="0"/>
+              <a:cs typeface="Noto Sans" panose="020B0502040504020204" pitchFamily="34" charset="0"/>
+            </a:endParaRPr>
+          </a:p>
+          <a:p>
+            <a:pPr marL="800100" lvl="1" indent="-342900" algn="just">
+              <a:buFont typeface="Arial" panose="020B0604020202020204" pitchFamily="34" charset="0"/>
+              <a:buChar char="•"/>
+            </a:pPr>
+            <a:endParaRPr lang="en-US" sz="1200" dirty="0">
+              <a:latin typeface="Noto Sans" panose="020B0502040504020204" pitchFamily="34" charset="0"/>
+              <a:ea typeface="Noto Sans" panose="020B0502040504020204" pitchFamily="34" charset="0"/>
+              <a:cs typeface="Noto Sans" panose="020B0502040504020204" pitchFamily="34" charset="0"/>
+            </a:endParaRPr>
+          </a:p>
+          <a:p>
+            <a:pPr marL="800100" lvl="1" indent="-342900" algn="just">
+              <a:buFont typeface="Arial" panose="020B0604020202020204" pitchFamily="34" charset="0"/>
+              <a:buChar char="•"/>
+            </a:pPr>
+            <a:endParaRPr lang="en-US" sz="1200" dirty="0">
+              <a:latin typeface="Noto Sans" panose="020B0502040504020204" pitchFamily="34" charset="0"/>
+              <a:ea typeface="Noto Sans" panose="020B0502040504020204" pitchFamily="34" charset="0"/>
+              <a:cs typeface="Noto Sans" panose="020B0502040504020204" pitchFamily="34" charset="0"/>
+            </a:endParaRPr>
+          </a:p>
+          <a:p>
+            <a:pPr marL="800100" lvl="1" indent="-342900" algn="just">
+              <a:buFont typeface="Arial" panose="020B0604020202020204" pitchFamily="34" charset="0"/>
+              <a:buChar char="•"/>
+            </a:pPr>
+            <a:endParaRPr lang="en-US" sz="1200" dirty="0">
+              <a:latin typeface="Noto Sans" panose="020B0502040504020204" pitchFamily="34" charset="0"/>
+              <a:ea typeface="Noto Sans" panose="020B0502040504020204" pitchFamily="34" charset="0"/>
+              <a:cs typeface="Noto Sans" panose="020B0502040504020204" pitchFamily="34" charset="0"/>
+            </a:endParaRPr>
+          </a:p>
+          <a:p>
+            <a:pPr marL="800100" lvl="1" indent="-342900" algn="just">
+              <a:buFont typeface="Arial" panose="020B0604020202020204" pitchFamily="34" charset="0"/>
+              <a:buChar char="•"/>
+            </a:pPr>
+            <a:endParaRPr lang="en-US" sz="1200" dirty="0">
+              <a:latin typeface="Noto Sans" panose="020B0502040504020204" pitchFamily="34" charset="0"/>
+              <a:ea typeface="Noto Sans" panose="020B0502040504020204" pitchFamily="34" charset="0"/>
+              <a:cs typeface="Noto Sans" panose="020B0502040504020204" pitchFamily="34" charset="0"/>
+            </a:endParaRPr>
+          </a:p>
+          <a:p>
+            <a:pPr marL="800100" lvl="1" indent="-342900" algn="just">
+              <a:buFont typeface="Arial" panose="020B0604020202020204" pitchFamily="34" charset="0"/>
+              <a:buChar char="•"/>
+            </a:pPr>
+            <a:endParaRPr lang="en-US" sz="1200" dirty="0">
+              <a:latin typeface="Noto Sans" panose="020B0502040504020204" pitchFamily="34" charset="0"/>
+              <a:ea typeface="Noto Sans" panose="020B0502040504020204" pitchFamily="34" charset="0"/>
+              <a:cs typeface="Noto Sans" panose="020B0502040504020204" pitchFamily="34" charset="0"/>
+            </a:endParaRPr>
+          </a:p>
+          <a:p>
+            <a:pPr marL="800100" lvl="1" indent="-342900" algn="just">
+              <a:buFont typeface="Arial" panose="020B0604020202020204" pitchFamily="34" charset="0"/>
+              <a:buChar char="•"/>
+            </a:pPr>
+            <a:endParaRPr lang="en-US" sz="1200" dirty="0">
+              <a:latin typeface="Noto Sans" panose="020B0502040504020204" pitchFamily="34" charset="0"/>
+              <a:ea typeface="Noto Sans" panose="020B0502040504020204" pitchFamily="34" charset="0"/>
+              <a:cs typeface="Noto Sans" panose="020B0502040504020204" pitchFamily="34" charset="0"/>
+            </a:endParaRPr>
+          </a:p>
+          <a:p>
+            <a:pPr marL="800100" lvl="1" indent="-342900" algn="just">
+              <a:buFont typeface="Arial" panose="020B0604020202020204" pitchFamily="34" charset="0"/>
+              <a:buChar char="•"/>
+            </a:pPr>
+            <a:endParaRPr lang="en-US" sz="1200" dirty="0">
+              <a:latin typeface="Noto Sans" panose="020B0502040504020204" pitchFamily="34" charset="0"/>
+              <a:ea typeface="Noto Sans" panose="020B0502040504020204" pitchFamily="34" charset="0"/>
+              <a:cs typeface="Noto Sans" panose="020B0502040504020204" pitchFamily="34" charset="0"/>
+            </a:endParaRPr>
+          </a:p>
+          <a:p>
+            <a:pPr marL="800100" lvl="1" indent="-342900" algn="just">
+              <a:buFont typeface="Arial" panose="020B0604020202020204" pitchFamily="34" charset="0"/>
+              <a:buChar char="•"/>
+            </a:pPr>
+            <a:endParaRPr lang="en-US" sz="1200" dirty="0">
+              <a:latin typeface="Noto Sans" panose="020B0502040504020204" pitchFamily="34" charset="0"/>
+              <a:ea typeface="Noto Sans" panose="020B0502040504020204" pitchFamily="34" charset="0"/>
+              <a:cs typeface="Noto Sans" panose="020B0502040504020204" pitchFamily="34" charset="0"/>
+            </a:endParaRPr>
+          </a:p>
+          <a:p>
+            <a:pPr marL="800100" lvl="1" indent="-342900" algn="just">
+              <a:buFont typeface="Arial" panose="020B0604020202020204" pitchFamily="34" charset="0"/>
+              <a:buChar char="•"/>
+            </a:pPr>
+            <a:endParaRPr lang="en-US" sz="1200" dirty="0">
+              <a:latin typeface="Noto Sans" panose="020B0502040504020204" pitchFamily="34" charset="0"/>
+              <a:ea typeface="Noto Sans" panose="020B0502040504020204" pitchFamily="34" charset="0"/>
+              <a:cs typeface="Noto Sans" panose="020B0502040504020204" pitchFamily="34" charset="0"/>
+            </a:endParaRPr>
+          </a:p>
+          <a:p>
+            <a:pPr marL="800100" lvl="1" indent="-342900" algn="just">
+              <a:buFont typeface="Arial" panose="020B0604020202020204" pitchFamily="34" charset="0"/>
+              <a:buChar char="•"/>
+            </a:pPr>
+            <a:endParaRPr lang="en-US" sz="1200" dirty="0">
+              <a:latin typeface="Noto Sans" panose="020B0502040504020204" pitchFamily="34" charset="0"/>
+              <a:ea typeface="Noto Sans" panose="020B0502040504020204" pitchFamily="34" charset="0"/>
+              <a:cs typeface="Noto Sans" panose="020B0502040504020204" pitchFamily="34" charset="0"/>
+            </a:endParaRPr>
+          </a:p>
+          <a:p>
+            <a:pPr marL="800100" lvl="1" indent="-342900" algn="just">
+              <a:buFont typeface="Arial" panose="020B0604020202020204" pitchFamily="34" charset="0"/>
+              <a:buChar char="•"/>
+            </a:pPr>
+            <a:endParaRPr lang="en-US" sz="1200" dirty="0">
+              <a:latin typeface="Noto Sans" panose="020B0502040504020204" pitchFamily="34" charset="0"/>
+              <a:ea typeface="Noto Sans" panose="020B0502040504020204" pitchFamily="34" charset="0"/>
+              <a:cs typeface="Noto Sans" panose="020B0502040504020204" pitchFamily="34" charset="0"/>
+            </a:endParaRPr>
+          </a:p>
+          <a:p>
+            <a:pPr marL="800100" lvl="1" indent="-342900" algn="just">
+              <a:buFont typeface="Arial" panose="020B0604020202020204" pitchFamily="34" charset="0"/>
+              <a:buChar char="•"/>
+            </a:pPr>
+            <a:endParaRPr lang="en-US" sz="1200" dirty="0">
+              <a:latin typeface="Noto Sans" panose="020B0502040504020204" pitchFamily="34" charset="0"/>
+              <a:ea typeface="Noto Sans" panose="020B0502040504020204" pitchFamily="34" charset="0"/>
+              <a:cs typeface="Noto Sans" panose="020B0502040504020204" pitchFamily="34" charset="0"/>
+            </a:endParaRPr>
+          </a:p>
+          <a:p>
+            <a:pPr marL="800100" lvl="1" indent="-342900" algn="just">
+              <a:buFont typeface="Arial" panose="020B0604020202020204" pitchFamily="34" charset="0"/>
+              <a:buChar char="•"/>
+            </a:pPr>
+            <a:endParaRPr lang="en-US" sz="1200" dirty="0">
+              <a:latin typeface="Noto Sans" panose="020B0502040504020204" pitchFamily="34" charset="0"/>
+              <a:ea typeface="Noto Sans" panose="020B0502040504020204" pitchFamily="34" charset="0"/>
+              <a:cs typeface="Noto Sans" panose="020B0502040504020204" pitchFamily="34" charset="0"/>
+            </a:endParaRPr>
+          </a:p>
+          <a:p>
+            <a:pPr marL="800100" lvl="1" indent="-342900" algn="just">
+              <a:buFont typeface="Arial" panose="020B0604020202020204" pitchFamily="34" charset="0"/>
+              <a:buChar char="•"/>
+            </a:pPr>
+            <a:endParaRPr lang="en-US" sz="1200" dirty="0">
+              <a:latin typeface="Noto Sans" panose="020B0502040504020204" pitchFamily="34" charset="0"/>
+              <a:ea typeface="Noto Sans" panose="020B0502040504020204" pitchFamily="34" charset="0"/>
+              <a:cs typeface="Noto Sans" panose="020B0502040504020204" pitchFamily="34" charset="0"/>
+            </a:endParaRPr>
+          </a:p>
+          <a:p>
+            <a:pPr marL="800100" lvl="1" indent="-342900" algn="just">
+              <a:buFont typeface="Arial" panose="020B0604020202020204" pitchFamily="34" charset="0"/>
+              <a:buChar char="•"/>
+            </a:pPr>
+            <a:r>
+              <a:rPr lang="en-US" sz="1200" dirty="0">
                 <a:latin typeface="Noto Sans" panose="020B0502040504020204" pitchFamily="34" charset="0"/>
                 <a:ea typeface="Noto Sans" panose="020B0502040504020204" pitchFamily="34" charset="0"/>
                 <a:cs typeface="Noto Sans" panose="020B0502040504020204" pitchFamily="34" charset="0"/>
@@ -5148,40 +5874,40 @@
               <a:buFont typeface="Arial" panose="020B0604020202020204" pitchFamily="34" charset="0"/>
               <a:buChar char="•"/>
             </a:pPr>
-            <a:endParaRPr lang="en-US" sz="1200">
-              <a:latin typeface="Noto Sans" panose="020B0502040504020204" pitchFamily="34" charset="0"/>
-              <a:ea typeface="Noto Sans" panose="020B0502040504020204" pitchFamily="34" charset="0"/>
-              <a:cs typeface="Noto Sans" panose="020B0502040504020204" pitchFamily="34" charset="0"/>
-            </a:endParaRPr>
-          </a:p>
-          <a:p>
-            <a:pPr marL="800100" lvl="1" indent="-342900" algn="just">
-              <a:buFont typeface="Arial" panose="020B0604020202020204" pitchFamily="34" charset="0"/>
-              <a:buChar char="•"/>
-            </a:pPr>
-            <a:endParaRPr lang="en-US" sz="1200">
-              <a:latin typeface="Noto Sans" panose="020B0502040504020204" pitchFamily="34" charset="0"/>
-              <a:ea typeface="Noto Sans" panose="020B0502040504020204" pitchFamily="34" charset="0"/>
-              <a:cs typeface="Noto Sans" panose="020B0502040504020204" pitchFamily="34" charset="0"/>
-            </a:endParaRPr>
-          </a:p>
-          <a:p>
-            <a:pPr marL="800100" lvl="1" indent="-342900" algn="just">
-              <a:buFont typeface="Arial" panose="020B0604020202020204" pitchFamily="34" charset="0"/>
-              <a:buChar char="•"/>
-            </a:pPr>
-            <a:endParaRPr lang="en-US" sz="1200">
-              <a:latin typeface="Noto Sans" panose="020B0502040504020204" pitchFamily="34" charset="0"/>
-              <a:ea typeface="Noto Sans" panose="020B0502040504020204" pitchFamily="34" charset="0"/>
-              <a:cs typeface="Noto Sans" panose="020B0502040504020204" pitchFamily="34" charset="0"/>
-            </a:endParaRPr>
-          </a:p>
-          <a:p>
-            <a:pPr marL="800100" lvl="1" indent="-342900" algn="just">
-              <a:buFont typeface="Arial" panose="020B0604020202020204" pitchFamily="34" charset="0"/>
-              <a:buChar char="•"/>
-            </a:pPr>
-            <a:endParaRPr lang="en-US" sz="1200">
+            <a:endParaRPr lang="en-US" sz="1200" dirty="0">
+              <a:latin typeface="Noto Sans" panose="020B0502040504020204" pitchFamily="34" charset="0"/>
+              <a:ea typeface="Noto Sans" panose="020B0502040504020204" pitchFamily="34" charset="0"/>
+              <a:cs typeface="Noto Sans" panose="020B0502040504020204" pitchFamily="34" charset="0"/>
+            </a:endParaRPr>
+          </a:p>
+          <a:p>
+            <a:pPr marL="800100" lvl="1" indent="-342900" algn="just">
+              <a:buFont typeface="Arial" panose="020B0604020202020204" pitchFamily="34" charset="0"/>
+              <a:buChar char="•"/>
+            </a:pPr>
+            <a:endParaRPr lang="en-US" sz="1200" dirty="0">
+              <a:latin typeface="Noto Sans" panose="020B0502040504020204" pitchFamily="34" charset="0"/>
+              <a:ea typeface="Noto Sans" panose="020B0502040504020204" pitchFamily="34" charset="0"/>
+              <a:cs typeface="Noto Sans" panose="020B0502040504020204" pitchFamily="34" charset="0"/>
+            </a:endParaRPr>
+          </a:p>
+          <a:p>
+            <a:pPr marL="800100" lvl="1" indent="-342900" algn="just">
+              <a:buFont typeface="Arial" panose="020B0604020202020204" pitchFamily="34" charset="0"/>
+              <a:buChar char="•"/>
+            </a:pPr>
+            <a:endParaRPr lang="en-US" sz="1200" dirty="0">
+              <a:latin typeface="Noto Sans" panose="020B0502040504020204" pitchFamily="34" charset="0"/>
+              <a:ea typeface="Noto Sans" panose="020B0502040504020204" pitchFamily="34" charset="0"/>
+              <a:cs typeface="Noto Sans" panose="020B0502040504020204" pitchFamily="34" charset="0"/>
+            </a:endParaRPr>
+          </a:p>
+          <a:p>
+            <a:pPr marL="800100" lvl="1" indent="-342900" algn="just">
+              <a:buFont typeface="Arial" panose="020B0604020202020204" pitchFamily="34" charset="0"/>
+              <a:buChar char="•"/>
+            </a:pPr>
+            <a:endParaRPr lang="en-US" sz="1200" dirty="0">
               <a:latin typeface="Noto Sans" panose="020B0502040504020204" pitchFamily="34" charset="0"/>
               <a:ea typeface="Noto Sans" panose="020B0502040504020204" pitchFamily="34" charset="0"/>
               <a:cs typeface="Noto Sans" panose="020B0502040504020204" pitchFamily="34" charset="0"/>
@@ -5190,9 +5916,9 @@
           <a:p>
             <a:pPr marL="342900" indent="-342900" algn="just">
               <a:buFont typeface="+mj-lt"/>
-              <a:buAutoNum type="arabicParenR" startAt="4"/>
-            </a:pPr>
-            <a:endParaRPr lang="en-US" sz="1200">
+              <a:buAutoNum type="arabicParenR" startAt="5"/>
+            </a:pPr>
+            <a:endParaRPr lang="en-US" sz="1200" dirty="0">
               <a:latin typeface="Noto Sans" panose="020B0502040504020204" pitchFamily="34" charset="0"/>
               <a:ea typeface="Noto Sans" panose="020B0502040504020204" pitchFamily="34" charset="0"/>
               <a:cs typeface="Noto Sans" panose="020B0502040504020204" pitchFamily="34" charset="0"/>
@@ -5607,7 +6333,7 @@
 </p:sld>
 </file>
 
-<file path=ppt/slides/slide4.xml><?xml version="1.0" encoding="utf-8"?>
+<file path=ppt/slides/slide5.xml><?xml version="1.0" encoding="utf-8"?>
 <p:sld xmlns:a="http://schemas.openxmlformats.org/drawingml/2006/main" xmlns:r="http://schemas.openxmlformats.org/officeDocument/2006/relationships" xmlns:p="http://schemas.openxmlformats.org/presentationml/2006/main">
   <p:cSld>
     <p:spTree>
@@ -5654,10 +6380,10 @@
           <a:p>
             <a:pPr marL="342900" indent="-342900">
               <a:buFont typeface="+mj-lt"/>
-              <a:buAutoNum type="arabicParenR" startAt="5"/>
-            </a:pPr>
-            <a:r>
-              <a:rPr lang="en-US" sz="1400">
+              <a:buAutoNum type="arabicParenR" startAt="6"/>
+            </a:pPr>
+            <a:r>
+              <a:rPr lang="en-US" sz="1400" dirty="0">
                 <a:solidFill>
                   <a:schemeClr val="accent1"/>
                 </a:solidFill>
@@ -5670,238 +6396,286 @@
           </a:p>
           <a:p>
             <a:pPr lvl="1" algn="just"/>
-            <a:endParaRPr lang="en-US" sz="1200">
-              <a:latin typeface="Noto Sans" panose="020B0502040504020204" pitchFamily="34" charset="0"/>
-              <a:ea typeface="Noto Sans" panose="020B0502040504020204" pitchFamily="34" charset="0"/>
-              <a:cs typeface="Noto Sans" panose="020B0502040504020204" pitchFamily="34" charset="0"/>
-            </a:endParaRPr>
-          </a:p>
-          <a:p>
-            <a:pPr marL="800100" lvl="1" indent="-342900" algn="just">
-              <a:buFont typeface="Arial" panose="020B0604020202020204" pitchFamily="34" charset="0"/>
-              <a:buChar char="•"/>
-            </a:pPr>
-            <a:r>
-              <a:rPr lang="en-US" sz="1200">
+            <a:endParaRPr lang="en-US" sz="1200" dirty="0">
+              <a:latin typeface="Noto Sans" panose="020B0502040504020204" pitchFamily="34" charset="0"/>
+              <a:ea typeface="Noto Sans" panose="020B0502040504020204" pitchFamily="34" charset="0"/>
+              <a:cs typeface="Noto Sans" panose="020B0502040504020204" pitchFamily="34" charset="0"/>
+            </a:endParaRPr>
+          </a:p>
+          <a:p>
+            <a:pPr marL="800100" lvl="1" indent="-342900" algn="just">
+              <a:buFont typeface="Arial" panose="020B0604020202020204" pitchFamily="34" charset="0"/>
+              <a:buChar char="•"/>
+            </a:pPr>
+            <a:r>
+              <a:rPr lang="en-US" sz="1200" dirty="0">
                 <a:latin typeface="Noto Sans" panose="020B0502040504020204" pitchFamily="34" charset="0"/>
                 <a:ea typeface="Noto Sans" panose="020B0502040504020204" pitchFamily="34" charset="0"/>
                 <a:cs typeface="Noto Sans" panose="020B0502040504020204" pitchFamily="34" charset="0"/>
               </a:rPr>
-              <a:t>For this project, I have decided to use Supabase as a database, It is an open-source PostgreSQL database, and there is an option to locally host the database but due to the performance requirements, it would not be cost-effective to run the database ourselves at a small scale so I have decided to use supabase's free tier</a:t>
-            </a:r>
-          </a:p>
-          <a:p>
-            <a:pPr marL="800100" lvl="1" indent="-342900" algn="just">
-              <a:buFont typeface="Arial" panose="020B0604020202020204" pitchFamily="34" charset="0"/>
-              <a:buChar char="•"/>
-            </a:pPr>
-            <a:endParaRPr lang="en-US" sz="1200">
-              <a:latin typeface="Noto Sans" panose="020B0502040504020204" pitchFamily="34" charset="0"/>
-              <a:ea typeface="Noto Sans" panose="020B0502040504020204" pitchFamily="34" charset="0"/>
-              <a:cs typeface="Noto Sans" panose="020B0502040504020204" pitchFamily="34" charset="0"/>
-            </a:endParaRPr>
-          </a:p>
-          <a:p>
-            <a:pPr marL="800100" lvl="1" indent="-342900" algn="just">
-              <a:buFont typeface="Arial" panose="020B0604020202020204" pitchFamily="34" charset="0"/>
-              <a:buChar char="•"/>
-            </a:pPr>
-            <a:r>
-              <a:rPr lang="en-US" sz="1200">
+              <a:t>For this project, I have decided to use </a:t>
+            </a:r>
+            <a:r>
+              <a:rPr lang="en-US" sz="1200" dirty="0" err="1">
                 <a:latin typeface="Noto Sans" panose="020B0502040504020204" pitchFamily="34" charset="0"/>
                 <a:ea typeface="Noto Sans" panose="020B0502040504020204" pitchFamily="34" charset="0"/>
                 <a:cs typeface="Noto Sans" panose="020B0502040504020204" pitchFamily="34" charset="0"/>
               </a:rPr>
-              <a:t>Create an account with Supabase, create a new project </a:t>
-            </a:r>
-          </a:p>
-          <a:p>
-            <a:pPr marL="800100" lvl="1" indent="-342900" algn="just">
-              <a:buFont typeface="Arial" panose="020B0604020202020204" pitchFamily="34" charset="0"/>
-              <a:buChar char="•"/>
-            </a:pPr>
-            <a:endParaRPr lang="en-US" sz="1200">
-              <a:latin typeface="Noto Sans" panose="020B0502040504020204" pitchFamily="34" charset="0"/>
-              <a:ea typeface="Noto Sans" panose="020B0502040504020204" pitchFamily="34" charset="0"/>
-              <a:cs typeface="Noto Sans" panose="020B0502040504020204" pitchFamily="34" charset="0"/>
-            </a:endParaRPr>
-          </a:p>
-          <a:p>
-            <a:pPr marL="800100" lvl="1" indent="-342900" algn="just">
-              <a:buFont typeface="Arial" panose="020B0604020202020204" pitchFamily="34" charset="0"/>
-              <a:buChar char="•"/>
-            </a:pPr>
-            <a:endParaRPr lang="en-US" sz="1200">
-              <a:latin typeface="Noto Sans" panose="020B0502040504020204" pitchFamily="34" charset="0"/>
-              <a:ea typeface="Noto Sans" panose="020B0502040504020204" pitchFamily="34" charset="0"/>
-              <a:cs typeface="Noto Sans" panose="020B0502040504020204" pitchFamily="34" charset="0"/>
-            </a:endParaRPr>
-          </a:p>
-          <a:p>
-            <a:pPr marL="800100" lvl="1" indent="-342900" algn="just">
-              <a:buFont typeface="Arial" panose="020B0604020202020204" pitchFamily="34" charset="0"/>
-              <a:buChar char="•"/>
-            </a:pPr>
-            <a:endParaRPr lang="en-US" sz="1200">
-              <a:latin typeface="Noto Sans" panose="020B0502040504020204" pitchFamily="34" charset="0"/>
-              <a:ea typeface="Noto Sans" panose="020B0502040504020204" pitchFamily="34" charset="0"/>
-              <a:cs typeface="Noto Sans" panose="020B0502040504020204" pitchFamily="34" charset="0"/>
-            </a:endParaRPr>
-          </a:p>
-          <a:p>
-            <a:pPr marL="800100" lvl="1" indent="-342900" algn="just">
-              <a:buFont typeface="Arial" panose="020B0604020202020204" pitchFamily="34" charset="0"/>
-              <a:buChar char="•"/>
-            </a:pPr>
-            <a:endParaRPr lang="en-US" sz="1200">
-              <a:latin typeface="Noto Sans" panose="020B0502040504020204" pitchFamily="34" charset="0"/>
-              <a:ea typeface="Noto Sans" panose="020B0502040504020204" pitchFamily="34" charset="0"/>
-              <a:cs typeface="Noto Sans" panose="020B0502040504020204" pitchFamily="34" charset="0"/>
-            </a:endParaRPr>
-          </a:p>
-          <a:p>
-            <a:pPr marL="800100" lvl="1" indent="-342900" algn="just">
-              <a:buFont typeface="Arial" panose="020B0604020202020204" pitchFamily="34" charset="0"/>
-              <a:buChar char="•"/>
-            </a:pPr>
-            <a:endParaRPr lang="en-US" sz="1200">
-              <a:latin typeface="Noto Sans" panose="020B0502040504020204" pitchFamily="34" charset="0"/>
-              <a:ea typeface="Noto Sans" panose="020B0502040504020204" pitchFamily="34" charset="0"/>
-              <a:cs typeface="Noto Sans" panose="020B0502040504020204" pitchFamily="34" charset="0"/>
-            </a:endParaRPr>
-          </a:p>
-          <a:p>
-            <a:pPr marL="800100" lvl="1" indent="-342900" algn="just">
-              <a:buFont typeface="Arial" panose="020B0604020202020204" pitchFamily="34" charset="0"/>
-              <a:buChar char="•"/>
-            </a:pPr>
-            <a:endParaRPr lang="en-US" sz="1200">
-              <a:latin typeface="Noto Sans" panose="020B0502040504020204" pitchFamily="34" charset="0"/>
-              <a:ea typeface="Noto Sans" panose="020B0502040504020204" pitchFamily="34" charset="0"/>
-              <a:cs typeface="Noto Sans" panose="020B0502040504020204" pitchFamily="34" charset="0"/>
-            </a:endParaRPr>
-          </a:p>
-          <a:p>
-            <a:pPr marL="800100" lvl="1" indent="-342900" algn="just">
-              <a:buFont typeface="Arial" panose="020B0604020202020204" pitchFamily="34" charset="0"/>
-              <a:buChar char="•"/>
-            </a:pPr>
-            <a:endParaRPr lang="en-US" sz="1200">
-              <a:latin typeface="Noto Sans" panose="020B0502040504020204" pitchFamily="34" charset="0"/>
-              <a:ea typeface="Noto Sans" panose="020B0502040504020204" pitchFamily="34" charset="0"/>
-              <a:cs typeface="Noto Sans" panose="020B0502040504020204" pitchFamily="34" charset="0"/>
-            </a:endParaRPr>
-          </a:p>
-          <a:p>
-            <a:pPr marL="800100" lvl="1" indent="-342900" algn="just">
-              <a:buFont typeface="Arial" panose="020B0604020202020204" pitchFamily="34" charset="0"/>
-              <a:buChar char="•"/>
-            </a:pPr>
-            <a:endParaRPr lang="en-US" sz="1200">
-              <a:latin typeface="Noto Sans" panose="020B0502040504020204" pitchFamily="34" charset="0"/>
-              <a:ea typeface="Noto Sans" panose="020B0502040504020204" pitchFamily="34" charset="0"/>
-              <a:cs typeface="Noto Sans" panose="020B0502040504020204" pitchFamily="34" charset="0"/>
-            </a:endParaRPr>
-          </a:p>
-          <a:p>
-            <a:pPr marL="800100" lvl="1" indent="-342900" algn="just">
-              <a:buFont typeface="Arial" panose="020B0604020202020204" pitchFamily="34" charset="0"/>
-              <a:buChar char="•"/>
-            </a:pPr>
-            <a:endParaRPr lang="en-US" sz="1200">
-              <a:latin typeface="Noto Sans" panose="020B0502040504020204" pitchFamily="34" charset="0"/>
-              <a:ea typeface="Noto Sans" panose="020B0502040504020204" pitchFamily="34" charset="0"/>
-              <a:cs typeface="Noto Sans" panose="020B0502040504020204" pitchFamily="34" charset="0"/>
-            </a:endParaRPr>
-          </a:p>
-          <a:p>
-            <a:pPr marL="800100" lvl="1" indent="-342900" algn="just">
-              <a:buFont typeface="Arial" panose="020B0604020202020204" pitchFamily="34" charset="0"/>
-              <a:buChar char="•"/>
-            </a:pPr>
-            <a:endParaRPr lang="en-US" sz="1200">
-              <a:latin typeface="Noto Sans" panose="020B0502040504020204" pitchFamily="34" charset="0"/>
-              <a:ea typeface="Noto Sans" panose="020B0502040504020204" pitchFamily="34" charset="0"/>
-              <a:cs typeface="Noto Sans" panose="020B0502040504020204" pitchFamily="34" charset="0"/>
-            </a:endParaRPr>
-          </a:p>
-          <a:p>
-            <a:pPr marL="800100" lvl="1" indent="-342900" algn="just">
-              <a:buFont typeface="Arial" panose="020B0604020202020204" pitchFamily="34" charset="0"/>
-              <a:buChar char="•"/>
-            </a:pPr>
-            <a:endParaRPr lang="en-US" sz="1200">
-              <a:latin typeface="Noto Sans" panose="020B0502040504020204" pitchFamily="34" charset="0"/>
-              <a:ea typeface="Noto Sans" panose="020B0502040504020204" pitchFamily="34" charset="0"/>
-              <a:cs typeface="Noto Sans" panose="020B0502040504020204" pitchFamily="34" charset="0"/>
-            </a:endParaRPr>
-          </a:p>
-          <a:p>
-            <a:pPr marL="800100" lvl="1" indent="-342900" algn="just">
-              <a:buFont typeface="Arial" panose="020B0604020202020204" pitchFamily="34" charset="0"/>
-              <a:buChar char="•"/>
-            </a:pPr>
-            <a:endParaRPr lang="en-US" sz="1200">
-              <a:latin typeface="Noto Sans" panose="020B0502040504020204" pitchFamily="34" charset="0"/>
-              <a:ea typeface="Noto Sans" panose="020B0502040504020204" pitchFamily="34" charset="0"/>
-              <a:cs typeface="Noto Sans" panose="020B0502040504020204" pitchFamily="34" charset="0"/>
-            </a:endParaRPr>
-          </a:p>
-          <a:p>
-            <a:pPr marL="800100" lvl="1" indent="-342900" algn="just">
-              <a:buFont typeface="Arial" panose="020B0604020202020204" pitchFamily="34" charset="0"/>
-              <a:buChar char="•"/>
-            </a:pPr>
-            <a:endParaRPr lang="en-US" sz="1200">
-              <a:latin typeface="Noto Sans" panose="020B0502040504020204" pitchFamily="34" charset="0"/>
-              <a:ea typeface="Noto Sans" panose="020B0502040504020204" pitchFamily="34" charset="0"/>
-              <a:cs typeface="Noto Sans" panose="020B0502040504020204" pitchFamily="34" charset="0"/>
-            </a:endParaRPr>
-          </a:p>
-          <a:p>
-            <a:pPr marL="800100" lvl="1" indent="-342900" algn="just">
-              <a:buFont typeface="Arial" panose="020B0604020202020204" pitchFamily="34" charset="0"/>
-              <a:buChar char="•"/>
-            </a:pPr>
-            <a:endParaRPr lang="en-US" sz="1200">
-              <a:latin typeface="Noto Sans" panose="020B0502040504020204" pitchFamily="34" charset="0"/>
-              <a:ea typeface="Noto Sans" panose="020B0502040504020204" pitchFamily="34" charset="0"/>
-              <a:cs typeface="Noto Sans" panose="020B0502040504020204" pitchFamily="34" charset="0"/>
-            </a:endParaRPr>
-          </a:p>
-          <a:p>
-            <a:pPr marL="800100" lvl="1" indent="-342900" algn="just">
-              <a:buFont typeface="Arial" panose="020B0604020202020204" pitchFamily="34" charset="0"/>
-              <a:buChar char="•"/>
-            </a:pPr>
-            <a:endParaRPr lang="en-US" sz="1200">
-              <a:latin typeface="Noto Sans" panose="020B0502040504020204" pitchFamily="34" charset="0"/>
-              <a:ea typeface="Noto Sans" panose="020B0502040504020204" pitchFamily="34" charset="0"/>
-              <a:cs typeface="Noto Sans" panose="020B0502040504020204" pitchFamily="34" charset="0"/>
-            </a:endParaRPr>
-          </a:p>
-          <a:p>
-            <a:pPr marL="800100" lvl="1" indent="-342900" algn="just">
-              <a:buFont typeface="Arial" panose="020B0604020202020204" pitchFamily="34" charset="0"/>
-              <a:buChar char="•"/>
-            </a:pPr>
-            <a:endParaRPr lang="en-US" sz="1200">
-              <a:latin typeface="Noto Sans" panose="020B0502040504020204" pitchFamily="34" charset="0"/>
-              <a:ea typeface="Noto Sans" panose="020B0502040504020204" pitchFamily="34" charset="0"/>
-              <a:cs typeface="Noto Sans" panose="020B0502040504020204" pitchFamily="34" charset="0"/>
-            </a:endParaRPr>
-          </a:p>
-          <a:p>
-            <a:pPr marL="800100" lvl="1" indent="-342900" algn="just">
-              <a:buFont typeface="Arial" panose="020B0604020202020204" pitchFamily="34" charset="0"/>
-              <a:buChar char="•"/>
-            </a:pPr>
-            <a:r>
-              <a:rPr lang="en-US" sz="1200">
+              <a:t>Supabase</a:t>
+            </a:r>
+            <a:r>
+              <a:rPr lang="en-US" sz="1200" dirty="0">
                 <a:latin typeface="Noto Sans" panose="020B0502040504020204" pitchFamily="34" charset="0"/>
                 <a:ea typeface="Noto Sans" panose="020B0502040504020204" pitchFamily="34" charset="0"/>
                 <a:cs typeface="Noto Sans" panose="020B0502040504020204" pitchFamily="34" charset="0"/>
               </a:rPr>
+              <a:t> as a database, It is an open-source PostgreSQL database, and there is an option to locally host the database but due to the performance requirements, it would not be cost-effective to run the database ourselves at a small scale so I have decided to use </a:t>
+            </a:r>
+            <a:r>
+              <a:rPr lang="en-US" sz="1200" dirty="0" err="1">
+                <a:latin typeface="Noto Sans" panose="020B0502040504020204" pitchFamily="34" charset="0"/>
+                <a:ea typeface="Noto Sans" panose="020B0502040504020204" pitchFamily="34" charset="0"/>
+                <a:cs typeface="Noto Sans" panose="020B0502040504020204" pitchFamily="34" charset="0"/>
+              </a:rPr>
+              <a:t>supabase's</a:t>
+            </a:r>
+            <a:r>
+              <a:rPr lang="en-US" sz="1200" dirty="0">
+                <a:latin typeface="Noto Sans" panose="020B0502040504020204" pitchFamily="34" charset="0"/>
+                <a:ea typeface="Noto Sans" panose="020B0502040504020204" pitchFamily="34" charset="0"/>
+                <a:cs typeface="Noto Sans" panose="020B0502040504020204" pitchFamily="34" charset="0"/>
+              </a:rPr>
+              <a:t> free tier</a:t>
+            </a:r>
+          </a:p>
+          <a:p>
+            <a:pPr marL="800100" lvl="1" indent="-342900" algn="just">
+              <a:buFont typeface="Arial" panose="020B0604020202020204" pitchFamily="34" charset="0"/>
+              <a:buChar char="•"/>
+            </a:pPr>
+            <a:endParaRPr lang="en-US" sz="1200" dirty="0">
+              <a:latin typeface="Noto Sans" panose="020B0502040504020204" pitchFamily="34" charset="0"/>
+              <a:ea typeface="Noto Sans" panose="020B0502040504020204" pitchFamily="34" charset="0"/>
+              <a:cs typeface="Noto Sans" panose="020B0502040504020204" pitchFamily="34" charset="0"/>
+            </a:endParaRPr>
+          </a:p>
+          <a:p>
+            <a:pPr marL="800100" lvl="1" indent="-342900" algn="just">
+              <a:buFont typeface="Arial" panose="020B0604020202020204" pitchFamily="34" charset="0"/>
+              <a:buChar char="•"/>
+            </a:pPr>
+            <a:r>
+              <a:rPr lang="en-US" sz="1200" dirty="0">
+                <a:latin typeface="Noto Sans" panose="020B0502040504020204" pitchFamily="34" charset="0"/>
+                <a:ea typeface="Noto Sans" panose="020B0502040504020204" pitchFamily="34" charset="0"/>
+                <a:cs typeface="Noto Sans" panose="020B0502040504020204" pitchFamily="34" charset="0"/>
+              </a:rPr>
+              <a:t>Create an account with </a:t>
+            </a:r>
+            <a:r>
+              <a:rPr lang="en-US" sz="1200" dirty="0" err="1">
+                <a:latin typeface="Noto Sans" panose="020B0502040504020204" pitchFamily="34" charset="0"/>
+                <a:ea typeface="Noto Sans" panose="020B0502040504020204" pitchFamily="34" charset="0"/>
+                <a:cs typeface="Noto Sans" panose="020B0502040504020204" pitchFamily="34" charset="0"/>
+              </a:rPr>
+              <a:t>Supabase</a:t>
+            </a:r>
+            <a:r>
+              <a:rPr lang="en-US" sz="1200" dirty="0">
+                <a:latin typeface="Noto Sans" panose="020B0502040504020204" pitchFamily="34" charset="0"/>
+                <a:ea typeface="Noto Sans" panose="020B0502040504020204" pitchFamily="34" charset="0"/>
+                <a:cs typeface="Noto Sans" panose="020B0502040504020204" pitchFamily="34" charset="0"/>
+              </a:rPr>
+              <a:t>, create a new project </a:t>
+            </a:r>
+          </a:p>
+          <a:p>
+            <a:pPr marL="800100" lvl="1" indent="-342900" algn="just">
+              <a:buFont typeface="Arial" panose="020B0604020202020204" pitchFamily="34" charset="0"/>
+              <a:buChar char="•"/>
+            </a:pPr>
+            <a:endParaRPr lang="en-US" sz="1200" dirty="0">
+              <a:latin typeface="Noto Sans" panose="020B0502040504020204" pitchFamily="34" charset="0"/>
+              <a:ea typeface="Noto Sans" panose="020B0502040504020204" pitchFamily="34" charset="0"/>
+              <a:cs typeface="Noto Sans" panose="020B0502040504020204" pitchFamily="34" charset="0"/>
+            </a:endParaRPr>
+          </a:p>
+          <a:p>
+            <a:pPr marL="800100" lvl="1" indent="-342900" algn="just">
+              <a:buFont typeface="Arial" panose="020B0604020202020204" pitchFamily="34" charset="0"/>
+              <a:buChar char="•"/>
+            </a:pPr>
+            <a:endParaRPr lang="en-US" sz="1200" dirty="0">
+              <a:latin typeface="Noto Sans" panose="020B0502040504020204" pitchFamily="34" charset="0"/>
+              <a:ea typeface="Noto Sans" panose="020B0502040504020204" pitchFamily="34" charset="0"/>
+              <a:cs typeface="Noto Sans" panose="020B0502040504020204" pitchFamily="34" charset="0"/>
+            </a:endParaRPr>
+          </a:p>
+          <a:p>
+            <a:pPr marL="800100" lvl="1" indent="-342900" algn="just">
+              <a:buFont typeface="Arial" panose="020B0604020202020204" pitchFamily="34" charset="0"/>
+              <a:buChar char="•"/>
+            </a:pPr>
+            <a:endParaRPr lang="en-US" sz="1200" dirty="0">
+              <a:latin typeface="Noto Sans" panose="020B0502040504020204" pitchFamily="34" charset="0"/>
+              <a:ea typeface="Noto Sans" panose="020B0502040504020204" pitchFamily="34" charset="0"/>
+              <a:cs typeface="Noto Sans" panose="020B0502040504020204" pitchFamily="34" charset="0"/>
+            </a:endParaRPr>
+          </a:p>
+          <a:p>
+            <a:pPr marL="800100" lvl="1" indent="-342900" algn="just">
+              <a:buFont typeface="Arial" panose="020B0604020202020204" pitchFamily="34" charset="0"/>
+              <a:buChar char="•"/>
+            </a:pPr>
+            <a:endParaRPr lang="en-US" sz="1200" dirty="0">
+              <a:latin typeface="Noto Sans" panose="020B0502040504020204" pitchFamily="34" charset="0"/>
+              <a:ea typeface="Noto Sans" panose="020B0502040504020204" pitchFamily="34" charset="0"/>
+              <a:cs typeface="Noto Sans" panose="020B0502040504020204" pitchFamily="34" charset="0"/>
+            </a:endParaRPr>
+          </a:p>
+          <a:p>
+            <a:pPr marL="800100" lvl="1" indent="-342900" algn="just">
+              <a:buFont typeface="Arial" panose="020B0604020202020204" pitchFamily="34" charset="0"/>
+              <a:buChar char="•"/>
+            </a:pPr>
+            <a:endParaRPr lang="en-US" sz="1200" dirty="0">
+              <a:latin typeface="Noto Sans" panose="020B0502040504020204" pitchFamily="34" charset="0"/>
+              <a:ea typeface="Noto Sans" panose="020B0502040504020204" pitchFamily="34" charset="0"/>
+              <a:cs typeface="Noto Sans" panose="020B0502040504020204" pitchFamily="34" charset="0"/>
+            </a:endParaRPr>
+          </a:p>
+          <a:p>
+            <a:pPr marL="800100" lvl="1" indent="-342900" algn="just">
+              <a:buFont typeface="Arial" panose="020B0604020202020204" pitchFamily="34" charset="0"/>
+              <a:buChar char="•"/>
+            </a:pPr>
+            <a:endParaRPr lang="en-US" sz="1200" dirty="0">
+              <a:latin typeface="Noto Sans" panose="020B0502040504020204" pitchFamily="34" charset="0"/>
+              <a:ea typeface="Noto Sans" panose="020B0502040504020204" pitchFamily="34" charset="0"/>
+              <a:cs typeface="Noto Sans" panose="020B0502040504020204" pitchFamily="34" charset="0"/>
+            </a:endParaRPr>
+          </a:p>
+          <a:p>
+            <a:pPr marL="800100" lvl="1" indent="-342900" algn="just">
+              <a:buFont typeface="Arial" panose="020B0604020202020204" pitchFamily="34" charset="0"/>
+              <a:buChar char="•"/>
+            </a:pPr>
+            <a:endParaRPr lang="en-US" sz="1200" dirty="0">
+              <a:latin typeface="Noto Sans" panose="020B0502040504020204" pitchFamily="34" charset="0"/>
+              <a:ea typeface="Noto Sans" panose="020B0502040504020204" pitchFamily="34" charset="0"/>
+              <a:cs typeface="Noto Sans" panose="020B0502040504020204" pitchFamily="34" charset="0"/>
+            </a:endParaRPr>
+          </a:p>
+          <a:p>
+            <a:pPr marL="800100" lvl="1" indent="-342900" algn="just">
+              <a:buFont typeface="Arial" panose="020B0604020202020204" pitchFamily="34" charset="0"/>
+              <a:buChar char="•"/>
+            </a:pPr>
+            <a:endParaRPr lang="en-US" sz="1200" dirty="0">
+              <a:latin typeface="Noto Sans" panose="020B0502040504020204" pitchFamily="34" charset="0"/>
+              <a:ea typeface="Noto Sans" panose="020B0502040504020204" pitchFamily="34" charset="0"/>
+              <a:cs typeface="Noto Sans" panose="020B0502040504020204" pitchFamily="34" charset="0"/>
+            </a:endParaRPr>
+          </a:p>
+          <a:p>
+            <a:pPr marL="800100" lvl="1" indent="-342900" algn="just">
+              <a:buFont typeface="Arial" panose="020B0604020202020204" pitchFamily="34" charset="0"/>
+              <a:buChar char="•"/>
+            </a:pPr>
+            <a:endParaRPr lang="en-US" sz="1200" dirty="0">
+              <a:latin typeface="Noto Sans" panose="020B0502040504020204" pitchFamily="34" charset="0"/>
+              <a:ea typeface="Noto Sans" panose="020B0502040504020204" pitchFamily="34" charset="0"/>
+              <a:cs typeface="Noto Sans" panose="020B0502040504020204" pitchFamily="34" charset="0"/>
+            </a:endParaRPr>
+          </a:p>
+          <a:p>
+            <a:pPr marL="800100" lvl="1" indent="-342900" algn="just">
+              <a:buFont typeface="Arial" panose="020B0604020202020204" pitchFamily="34" charset="0"/>
+              <a:buChar char="•"/>
+            </a:pPr>
+            <a:endParaRPr lang="en-US" sz="1200" dirty="0">
+              <a:latin typeface="Noto Sans" panose="020B0502040504020204" pitchFamily="34" charset="0"/>
+              <a:ea typeface="Noto Sans" panose="020B0502040504020204" pitchFamily="34" charset="0"/>
+              <a:cs typeface="Noto Sans" panose="020B0502040504020204" pitchFamily="34" charset="0"/>
+            </a:endParaRPr>
+          </a:p>
+          <a:p>
+            <a:pPr marL="800100" lvl="1" indent="-342900" algn="just">
+              <a:buFont typeface="Arial" panose="020B0604020202020204" pitchFamily="34" charset="0"/>
+              <a:buChar char="•"/>
+            </a:pPr>
+            <a:endParaRPr lang="en-US" sz="1200" dirty="0">
+              <a:latin typeface="Noto Sans" panose="020B0502040504020204" pitchFamily="34" charset="0"/>
+              <a:ea typeface="Noto Sans" panose="020B0502040504020204" pitchFamily="34" charset="0"/>
+              <a:cs typeface="Noto Sans" panose="020B0502040504020204" pitchFamily="34" charset="0"/>
+            </a:endParaRPr>
+          </a:p>
+          <a:p>
+            <a:pPr marL="800100" lvl="1" indent="-342900" algn="just">
+              <a:buFont typeface="Arial" panose="020B0604020202020204" pitchFamily="34" charset="0"/>
+              <a:buChar char="•"/>
+            </a:pPr>
+            <a:endParaRPr lang="en-US" sz="1200" dirty="0">
+              <a:latin typeface="Noto Sans" panose="020B0502040504020204" pitchFamily="34" charset="0"/>
+              <a:ea typeface="Noto Sans" panose="020B0502040504020204" pitchFamily="34" charset="0"/>
+              <a:cs typeface="Noto Sans" panose="020B0502040504020204" pitchFamily="34" charset="0"/>
+            </a:endParaRPr>
+          </a:p>
+          <a:p>
+            <a:pPr marL="800100" lvl="1" indent="-342900" algn="just">
+              <a:buFont typeface="Arial" panose="020B0604020202020204" pitchFamily="34" charset="0"/>
+              <a:buChar char="•"/>
+            </a:pPr>
+            <a:endParaRPr lang="en-US" sz="1200" dirty="0">
+              <a:latin typeface="Noto Sans" panose="020B0502040504020204" pitchFamily="34" charset="0"/>
+              <a:ea typeface="Noto Sans" panose="020B0502040504020204" pitchFamily="34" charset="0"/>
+              <a:cs typeface="Noto Sans" panose="020B0502040504020204" pitchFamily="34" charset="0"/>
+            </a:endParaRPr>
+          </a:p>
+          <a:p>
+            <a:pPr marL="800100" lvl="1" indent="-342900" algn="just">
+              <a:buFont typeface="Arial" panose="020B0604020202020204" pitchFamily="34" charset="0"/>
+              <a:buChar char="•"/>
+            </a:pPr>
+            <a:endParaRPr lang="en-US" sz="1200" dirty="0">
+              <a:latin typeface="Noto Sans" panose="020B0502040504020204" pitchFamily="34" charset="0"/>
+              <a:ea typeface="Noto Sans" panose="020B0502040504020204" pitchFamily="34" charset="0"/>
+              <a:cs typeface="Noto Sans" panose="020B0502040504020204" pitchFamily="34" charset="0"/>
+            </a:endParaRPr>
+          </a:p>
+          <a:p>
+            <a:pPr marL="800100" lvl="1" indent="-342900" algn="just">
+              <a:buFont typeface="Arial" panose="020B0604020202020204" pitchFamily="34" charset="0"/>
+              <a:buChar char="•"/>
+            </a:pPr>
+            <a:endParaRPr lang="en-US" sz="1200" dirty="0">
+              <a:latin typeface="Noto Sans" panose="020B0502040504020204" pitchFamily="34" charset="0"/>
+              <a:ea typeface="Noto Sans" panose="020B0502040504020204" pitchFamily="34" charset="0"/>
+              <a:cs typeface="Noto Sans" panose="020B0502040504020204" pitchFamily="34" charset="0"/>
+            </a:endParaRPr>
+          </a:p>
+          <a:p>
+            <a:pPr marL="800100" lvl="1" indent="-342900" algn="just">
+              <a:buFont typeface="Arial" panose="020B0604020202020204" pitchFamily="34" charset="0"/>
+              <a:buChar char="•"/>
+            </a:pPr>
+            <a:endParaRPr lang="en-US" sz="1200" dirty="0">
+              <a:latin typeface="Noto Sans" panose="020B0502040504020204" pitchFamily="34" charset="0"/>
+              <a:ea typeface="Noto Sans" panose="020B0502040504020204" pitchFamily="34" charset="0"/>
+              <a:cs typeface="Noto Sans" panose="020B0502040504020204" pitchFamily="34" charset="0"/>
+            </a:endParaRPr>
+          </a:p>
+          <a:p>
+            <a:pPr marL="800100" lvl="1" indent="-342900" algn="just">
+              <a:buFont typeface="Arial" panose="020B0604020202020204" pitchFamily="34" charset="0"/>
+              <a:buChar char="•"/>
+            </a:pPr>
+            <a:r>
+              <a:rPr lang="en-US" sz="1200" dirty="0">
+                <a:latin typeface="Noto Sans" panose="020B0502040504020204" pitchFamily="34" charset="0"/>
+                <a:ea typeface="Noto Sans" panose="020B0502040504020204" pitchFamily="34" charset="0"/>
+                <a:cs typeface="Noto Sans" panose="020B0502040504020204" pitchFamily="34" charset="0"/>
+              </a:rPr>
               <a:t>After creating the project, go to the Project Settings &gt; API</a:t>
             </a:r>
           </a:p>
@@ -5910,173 +6684,173 @@
               <a:buFont typeface="Arial" panose="020B0604020202020204" pitchFamily="34" charset="0"/>
               <a:buChar char="•"/>
             </a:pPr>
-            <a:endParaRPr lang="en-US" sz="1200">
-              <a:latin typeface="Noto Sans" panose="020B0502040504020204" pitchFamily="34" charset="0"/>
-              <a:ea typeface="Noto Sans" panose="020B0502040504020204" pitchFamily="34" charset="0"/>
-              <a:cs typeface="Noto Sans" panose="020B0502040504020204" pitchFamily="34" charset="0"/>
-            </a:endParaRPr>
-          </a:p>
-          <a:p>
-            <a:pPr marL="800100" lvl="1" indent="-342900" algn="just">
-              <a:buFont typeface="Arial" panose="020B0604020202020204" pitchFamily="34" charset="0"/>
-              <a:buChar char="•"/>
-            </a:pPr>
-            <a:endParaRPr lang="en-US" sz="1200">
-              <a:latin typeface="Noto Sans" panose="020B0502040504020204" pitchFamily="34" charset="0"/>
-              <a:ea typeface="Noto Sans" panose="020B0502040504020204" pitchFamily="34" charset="0"/>
-              <a:cs typeface="Noto Sans" panose="020B0502040504020204" pitchFamily="34" charset="0"/>
-            </a:endParaRPr>
-          </a:p>
-          <a:p>
-            <a:pPr marL="800100" lvl="1" indent="-342900" algn="just">
-              <a:buFont typeface="Arial" panose="020B0604020202020204" pitchFamily="34" charset="0"/>
-              <a:buChar char="•"/>
-            </a:pPr>
-            <a:endParaRPr lang="en-US" sz="1200">
-              <a:latin typeface="Noto Sans" panose="020B0502040504020204" pitchFamily="34" charset="0"/>
-              <a:ea typeface="Noto Sans" panose="020B0502040504020204" pitchFamily="34" charset="0"/>
-              <a:cs typeface="Noto Sans" panose="020B0502040504020204" pitchFamily="34" charset="0"/>
-            </a:endParaRPr>
-          </a:p>
-          <a:p>
-            <a:pPr marL="800100" lvl="1" indent="-342900" algn="just">
-              <a:buFont typeface="Arial" panose="020B0604020202020204" pitchFamily="34" charset="0"/>
-              <a:buChar char="•"/>
-            </a:pPr>
-            <a:endParaRPr lang="en-US" sz="1200">
-              <a:latin typeface="Noto Sans" panose="020B0502040504020204" pitchFamily="34" charset="0"/>
-              <a:ea typeface="Noto Sans" panose="020B0502040504020204" pitchFamily="34" charset="0"/>
-              <a:cs typeface="Noto Sans" panose="020B0502040504020204" pitchFamily="34" charset="0"/>
-            </a:endParaRPr>
-          </a:p>
-          <a:p>
-            <a:pPr marL="800100" lvl="1" indent="-342900" algn="just">
-              <a:buFont typeface="Arial" panose="020B0604020202020204" pitchFamily="34" charset="0"/>
-              <a:buChar char="•"/>
-            </a:pPr>
-            <a:endParaRPr lang="en-US" sz="1200">
-              <a:latin typeface="Noto Sans" panose="020B0502040504020204" pitchFamily="34" charset="0"/>
-              <a:ea typeface="Noto Sans" panose="020B0502040504020204" pitchFamily="34" charset="0"/>
-              <a:cs typeface="Noto Sans" panose="020B0502040504020204" pitchFamily="34" charset="0"/>
-            </a:endParaRPr>
-          </a:p>
-          <a:p>
-            <a:pPr marL="800100" lvl="1" indent="-342900" algn="just">
-              <a:buFont typeface="Arial" panose="020B0604020202020204" pitchFamily="34" charset="0"/>
-              <a:buChar char="•"/>
-            </a:pPr>
-            <a:endParaRPr lang="en-US" sz="1200">
-              <a:latin typeface="Noto Sans" panose="020B0502040504020204" pitchFamily="34" charset="0"/>
-              <a:ea typeface="Noto Sans" panose="020B0502040504020204" pitchFamily="34" charset="0"/>
-              <a:cs typeface="Noto Sans" panose="020B0502040504020204" pitchFamily="34" charset="0"/>
-            </a:endParaRPr>
-          </a:p>
-          <a:p>
-            <a:pPr marL="800100" lvl="1" indent="-342900" algn="just">
-              <a:buFont typeface="Arial" panose="020B0604020202020204" pitchFamily="34" charset="0"/>
-              <a:buChar char="•"/>
-            </a:pPr>
-            <a:endParaRPr lang="en-US" sz="1200">
-              <a:latin typeface="Noto Sans" panose="020B0502040504020204" pitchFamily="34" charset="0"/>
-              <a:ea typeface="Noto Sans" panose="020B0502040504020204" pitchFamily="34" charset="0"/>
-              <a:cs typeface="Noto Sans" panose="020B0502040504020204" pitchFamily="34" charset="0"/>
-            </a:endParaRPr>
-          </a:p>
-          <a:p>
-            <a:pPr marL="800100" lvl="1" indent="-342900" algn="just">
-              <a:buFont typeface="Arial" panose="020B0604020202020204" pitchFamily="34" charset="0"/>
-              <a:buChar char="•"/>
-            </a:pPr>
-            <a:endParaRPr lang="en-US" sz="1200">
-              <a:latin typeface="Noto Sans" panose="020B0502040504020204" pitchFamily="34" charset="0"/>
-              <a:ea typeface="Noto Sans" panose="020B0502040504020204" pitchFamily="34" charset="0"/>
-              <a:cs typeface="Noto Sans" panose="020B0502040504020204" pitchFamily="34" charset="0"/>
-            </a:endParaRPr>
-          </a:p>
-          <a:p>
-            <a:pPr marL="800100" lvl="1" indent="-342900" algn="just">
-              <a:buFont typeface="Arial" panose="020B0604020202020204" pitchFamily="34" charset="0"/>
-              <a:buChar char="•"/>
-            </a:pPr>
-            <a:endParaRPr lang="en-US" sz="1200">
-              <a:latin typeface="Noto Sans" panose="020B0502040504020204" pitchFamily="34" charset="0"/>
-              <a:ea typeface="Noto Sans" panose="020B0502040504020204" pitchFamily="34" charset="0"/>
-              <a:cs typeface="Noto Sans" panose="020B0502040504020204" pitchFamily="34" charset="0"/>
-            </a:endParaRPr>
-          </a:p>
-          <a:p>
-            <a:pPr marL="800100" lvl="1" indent="-342900" algn="just">
-              <a:buFont typeface="Arial" panose="020B0604020202020204" pitchFamily="34" charset="0"/>
-              <a:buChar char="•"/>
-            </a:pPr>
-            <a:endParaRPr lang="en-US" sz="1200">
-              <a:latin typeface="Noto Sans" panose="020B0502040504020204" pitchFamily="34" charset="0"/>
-              <a:ea typeface="Noto Sans" panose="020B0502040504020204" pitchFamily="34" charset="0"/>
-              <a:cs typeface="Noto Sans" panose="020B0502040504020204" pitchFamily="34" charset="0"/>
-            </a:endParaRPr>
-          </a:p>
-          <a:p>
-            <a:pPr marL="800100" lvl="1" indent="-342900" algn="just">
-              <a:buFont typeface="Arial" panose="020B0604020202020204" pitchFamily="34" charset="0"/>
-              <a:buChar char="•"/>
-            </a:pPr>
-            <a:endParaRPr lang="en-US" sz="1200">
-              <a:latin typeface="Noto Sans" panose="020B0502040504020204" pitchFamily="34" charset="0"/>
-              <a:ea typeface="Noto Sans" panose="020B0502040504020204" pitchFamily="34" charset="0"/>
-              <a:cs typeface="Noto Sans" panose="020B0502040504020204" pitchFamily="34" charset="0"/>
-            </a:endParaRPr>
-          </a:p>
-          <a:p>
-            <a:pPr marL="800100" lvl="1" indent="-342900" algn="just">
-              <a:buFont typeface="Arial" panose="020B0604020202020204" pitchFamily="34" charset="0"/>
-              <a:buChar char="•"/>
-            </a:pPr>
-            <a:endParaRPr lang="en-US" sz="1200">
-              <a:latin typeface="Noto Sans" panose="020B0502040504020204" pitchFamily="34" charset="0"/>
-              <a:ea typeface="Noto Sans" panose="020B0502040504020204" pitchFamily="34" charset="0"/>
-              <a:cs typeface="Noto Sans" panose="020B0502040504020204" pitchFamily="34" charset="0"/>
-            </a:endParaRPr>
-          </a:p>
-          <a:p>
-            <a:pPr marL="800100" lvl="1" indent="-342900" algn="just">
-              <a:buFont typeface="Arial" panose="020B0604020202020204" pitchFamily="34" charset="0"/>
-              <a:buChar char="•"/>
-            </a:pPr>
-            <a:endParaRPr lang="en-US" sz="1200">
-              <a:latin typeface="Noto Sans" panose="020B0502040504020204" pitchFamily="34" charset="0"/>
-              <a:ea typeface="Noto Sans" panose="020B0502040504020204" pitchFamily="34" charset="0"/>
-              <a:cs typeface="Noto Sans" panose="020B0502040504020204" pitchFamily="34" charset="0"/>
-            </a:endParaRPr>
-          </a:p>
-          <a:p>
-            <a:pPr marL="800100" lvl="1" indent="-342900" algn="just">
-              <a:buFont typeface="Arial" panose="020B0604020202020204" pitchFamily="34" charset="0"/>
-              <a:buChar char="•"/>
-            </a:pPr>
-            <a:endParaRPr lang="en-US" sz="1200">
-              <a:latin typeface="Noto Sans" panose="020B0502040504020204" pitchFamily="34" charset="0"/>
-              <a:ea typeface="Noto Sans" panose="020B0502040504020204" pitchFamily="34" charset="0"/>
-              <a:cs typeface="Noto Sans" panose="020B0502040504020204" pitchFamily="34" charset="0"/>
-            </a:endParaRPr>
-          </a:p>
-          <a:p>
-            <a:pPr marL="800100" lvl="1" indent="-342900" algn="just">
-              <a:buFont typeface="Arial" panose="020B0604020202020204" pitchFamily="34" charset="0"/>
-              <a:buChar char="•"/>
-            </a:pPr>
-            <a:endParaRPr lang="en-US" sz="1200">
-              <a:latin typeface="Noto Sans" panose="020B0502040504020204" pitchFamily="34" charset="0"/>
-              <a:ea typeface="Noto Sans" panose="020B0502040504020204" pitchFamily="34" charset="0"/>
-              <a:cs typeface="Noto Sans" panose="020B0502040504020204" pitchFamily="34" charset="0"/>
-            </a:endParaRPr>
-          </a:p>
-          <a:p>
-            <a:pPr marL="800100" lvl="1" indent="-342900" algn="just">
-              <a:buFont typeface="Arial" panose="020B0604020202020204" pitchFamily="34" charset="0"/>
-              <a:buChar char="•"/>
-            </a:pPr>
-            <a:r>
-              <a:rPr lang="en-US" sz="1200">
+            <a:endParaRPr lang="en-US" sz="1200" dirty="0">
+              <a:latin typeface="Noto Sans" panose="020B0502040504020204" pitchFamily="34" charset="0"/>
+              <a:ea typeface="Noto Sans" panose="020B0502040504020204" pitchFamily="34" charset="0"/>
+              <a:cs typeface="Noto Sans" panose="020B0502040504020204" pitchFamily="34" charset="0"/>
+            </a:endParaRPr>
+          </a:p>
+          <a:p>
+            <a:pPr marL="800100" lvl="1" indent="-342900" algn="just">
+              <a:buFont typeface="Arial" panose="020B0604020202020204" pitchFamily="34" charset="0"/>
+              <a:buChar char="•"/>
+            </a:pPr>
+            <a:endParaRPr lang="en-US" sz="1200" dirty="0">
+              <a:latin typeface="Noto Sans" panose="020B0502040504020204" pitchFamily="34" charset="0"/>
+              <a:ea typeface="Noto Sans" panose="020B0502040504020204" pitchFamily="34" charset="0"/>
+              <a:cs typeface="Noto Sans" panose="020B0502040504020204" pitchFamily="34" charset="0"/>
+            </a:endParaRPr>
+          </a:p>
+          <a:p>
+            <a:pPr marL="800100" lvl="1" indent="-342900" algn="just">
+              <a:buFont typeface="Arial" panose="020B0604020202020204" pitchFamily="34" charset="0"/>
+              <a:buChar char="•"/>
+            </a:pPr>
+            <a:endParaRPr lang="en-US" sz="1200" dirty="0">
+              <a:latin typeface="Noto Sans" panose="020B0502040504020204" pitchFamily="34" charset="0"/>
+              <a:ea typeface="Noto Sans" panose="020B0502040504020204" pitchFamily="34" charset="0"/>
+              <a:cs typeface="Noto Sans" panose="020B0502040504020204" pitchFamily="34" charset="0"/>
+            </a:endParaRPr>
+          </a:p>
+          <a:p>
+            <a:pPr marL="800100" lvl="1" indent="-342900" algn="just">
+              <a:buFont typeface="Arial" panose="020B0604020202020204" pitchFamily="34" charset="0"/>
+              <a:buChar char="•"/>
+            </a:pPr>
+            <a:endParaRPr lang="en-US" sz="1200" dirty="0">
+              <a:latin typeface="Noto Sans" panose="020B0502040504020204" pitchFamily="34" charset="0"/>
+              <a:ea typeface="Noto Sans" panose="020B0502040504020204" pitchFamily="34" charset="0"/>
+              <a:cs typeface="Noto Sans" panose="020B0502040504020204" pitchFamily="34" charset="0"/>
+            </a:endParaRPr>
+          </a:p>
+          <a:p>
+            <a:pPr marL="800100" lvl="1" indent="-342900" algn="just">
+              <a:buFont typeface="Arial" panose="020B0604020202020204" pitchFamily="34" charset="0"/>
+              <a:buChar char="•"/>
+            </a:pPr>
+            <a:endParaRPr lang="en-US" sz="1200" dirty="0">
+              <a:latin typeface="Noto Sans" panose="020B0502040504020204" pitchFamily="34" charset="0"/>
+              <a:ea typeface="Noto Sans" panose="020B0502040504020204" pitchFamily="34" charset="0"/>
+              <a:cs typeface="Noto Sans" panose="020B0502040504020204" pitchFamily="34" charset="0"/>
+            </a:endParaRPr>
+          </a:p>
+          <a:p>
+            <a:pPr marL="800100" lvl="1" indent="-342900" algn="just">
+              <a:buFont typeface="Arial" panose="020B0604020202020204" pitchFamily="34" charset="0"/>
+              <a:buChar char="•"/>
+            </a:pPr>
+            <a:endParaRPr lang="en-US" sz="1200" dirty="0">
+              <a:latin typeface="Noto Sans" panose="020B0502040504020204" pitchFamily="34" charset="0"/>
+              <a:ea typeface="Noto Sans" panose="020B0502040504020204" pitchFamily="34" charset="0"/>
+              <a:cs typeface="Noto Sans" panose="020B0502040504020204" pitchFamily="34" charset="0"/>
+            </a:endParaRPr>
+          </a:p>
+          <a:p>
+            <a:pPr marL="800100" lvl="1" indent="-342900" algn="just">
+              <a:buFont typeface="Arial" panose="020B0604020202020204" pitchFamily="34" charset="0"/>
+              <a:buChar char="•"/>
+            </a:pPr>
+            <a:endParaRPr lang="en-US" sz="1200" dirty="0">
+              <a:latin typeface="Noto Sans" panose="020B0502040504020204" pitchFamily="34" charset="0"/>
+              <a:ea typeface="Noto Sans" panose="020B0502040504020204" pitchFamily="34" charset="0"/>
+              <a:cs typeface="Noto Sans" panose="020B0502040504020204" pitchFamily="34" charset="0"/>
+            </a:endParaRPr>
+          </a:p>
+          <a:p>
+            <a:pPr marL="800100" lvl="1" indent="-342900" algn="just">
+              <a:buFont typeface="Arial" panose="020B0604020202020204" pitchFamily="34" charset="0"/>
+              <a:buChar char="•"/>
+            </a:pPr>
+            <a:endParaRPr lang="en-US" sz="1200" dirty="0">
+              <a:latin typeface="Noto Sans" panose="020B0502040504020204" pitchFamily="34" charset="0"/>
+              <a:ea typeface="Noto Sans" panose="020B0502040504020204" pitchFamily="34" charset="0"/>
+              <a:cs typeface="Noto Sans" panose="020B0502040504020204" pitchFamily="34" charset="0"/>
+            </a:endParaRPr>
+          </a:p>
+          <a:p>
+            <a:pPr marL="800100" lvl="1" indent="-342900" algn="just">
+              <a:buFont typeface="Arial" panose="020B0604020202020204" pitchFamily="34" charset="0"/>
+              <a:buChar char="•"/>
+            </a:pPr>
+            <a:endParaRPr lang="en-US" sz="1200" dirty="0">
+              <a:latin typeface="Noto Sans" panose="020B0502040504020204" pitchFamily="34" charset="0"/>
+              <a:ea typeface="Noto Sans" panose="020B0502040504020204" pitchFamily="34" charset="0"/>
+              <a:cs typeface="Noto Sans" panose="020B0502040504020204" pitchFamily="34" charset="0"/>
+            </a:endParaRPr>
+          </a:p>
+          <a:p>
+            <a:pPr marL="800100" lvl="1" indent="-342900" algn="just">
+              <a:buFont typeface="Arial" panose="020B0604020202020204" pitchFamily="34" charset="0"/>
+              <a:buChar char="•"/>
+            </a:pPr>
+            <a:endParaRPr lang="en-US" sz="1200" dirty="0">
+              <a:latin typeface="Noto Sans" panose="020B0502040504020204" pitchFamily="34" charset="0"/>
+              <a:ea typeface="Noto Sans" panose="020B0502040504020204" pitchFamily="34" charset="0"/>
+              <a:cs typeface="Noto Sans" panose="020B0502040504020204" pitchFamily="34" charset="0"/>
+            </a:endParaRPr>
+          </a:p>
+          <a:p>
+            <a:pPr marL="800100" lvl="1" indent="-342900" algn="just">
+              <a:buFont typeface="Arial" panose="020B0604020202020204" pitchFamily="34" charset="0"/>
+              <a:buChar char="•"/>
+            </a:pPr>
+            <a:endParaRPr lang="en-US" sz="1200" dirty="0">
+              <a:latin typeface="Noto Sans" panose="020B0502040504020204" pitchFamily="34" charset="0"/>
+              <a:ea typeface="Noto Sans" panose="020B0502040504020204" pitchFamily="34" charset="0"/>
+              <a:cs typeface="Noto Sans" panose="020B0502040504020204" pitchFamily="34" charset="0"/>
+            </a:endParaRPr>
+          </a:p>
+          <a:p>
+            <a:pPr marL="800100" lvl="1" indent="-342900" algn="just">
+              <a:buFont typeface="Arial" panose="020B0604020202020204" pitchFamily="34" charset="0"/>
+              <a:buChar char="•"/>
+            </a:pPr>
+            <a:endParaRPr lang="en-US" sz="1200" dirty="0">
+              <a:latin typeface="Noto Sans" panose="020B0502040504020204" pitchFamily="34" charset="0"/>
+              <a:ea typeface="Noto Sans" panose="020B0502040504020204" pitchFamily="34" charset="0"/>
+              <a:cs typeface="Noto Sans" panose="020B0502040504020204" pitchFamily="34" charset="0"/>
+            </a:endParaRPr>
+          </a:p>
+          <a:p>
+            <a:pPr marL="800100" lvl="1" indent="-342900" algn="just">
+              <a:buFont typeface="Arial" panose="020B0604020202020204" pitchFamily="34" charset="0"/>
+              <a:buChar char="•"/>
+            </a:pPr>
+            <a:endParaRPr lang="en-US" sz="1200" dirty="0">
+              <a:latin typeface="Noto Sans" panose="020B0502040504020204" pitchFamily="34" charset="0"/>
+              <a:ea typeface="Noto Sans" panose="020B0502040504020204" pitchFamily="34" charset="0"/>
+              <a:cs typeface="Noto Sans" panose="020B0502040504020204" pitchFamily="34" charset="0"/>
+            </a:endParaRPr>
+          </a:p>
+          <a:p>
+            <a:pPr marL="800100" lvl="1" indent="-342900" algn="just">
+              <a:buFont typeface="Arial" panose="020B0604020202020204" pitchFamily="34" charset="0"/>
+              <a:buChar char="•"/>
+            </a:pPr>
+            <a:endParaRPr lang="en-US" sz="1200" dirty="0">
+              <a:latin typeface="Noto Sans" panose="020B0502040504020204" pitchFamily="34" charset="0"/>
+              <a:ea typeface="Noto Sans" panose="020B0502040504020204" pitchFamily="34" charset="0"/>
+              <a:cs typeface="Noto Sans" panose="020B0502040504020204" pitchFamily="34" charset="0"/>
+            </a:endParaRPr>
+          </a:p>
+          <a:p>
+            <a:pPr marL="800100" lvl="1" indent="-342900" algn="just">
+              <a:buFont typeface="Arial" panose="020B0604020202020204" pitchFamily="34" charset="0"/>
+              <a:buChar char="•"/>
+            </a:pPr>
+            <a:endParaRPr lang="en-US" sz="1200" dirty="0">
+              <a:latin typeface="Noto Sans" panose="020B0502040504020204" pitchFamily="34" charset="0"/>
+              <a:ea typeface="Noto Sans" panose="020B0502040504020204" pitchFamily="34" charset="0"/>
+              <a:cs typeface="Noto Sans" panose="020B0502040504020204" pitchFamily="34" charset="0"/>
+            </a:endParaRPr>
+          </a:p>
+          <a:p>
+            <a:pPr marL="800100" lvl="1" indent="-342900" algn="just">
+              <a:buFont typeface="Arial" panose="020B0604020202020204" pitchFamily="34" charset="0"/>
+              <a:buChar char="•"/>
+            </a:pPr>
+            <a:r>
+              <a:rPr lang="en-US" sz="1200" dirty="0">
                 <a:latin typeface="Noto Sans" panose="020B0502040504020204" pitchFamily="34" charset="0"/>
                 <a:ea typeface="Noto Sans" panose="020B0502040504020204" pitchFamily="34" charset="0"/>
                 <a:cs typeface="Noto Sans" panose="020B0502040504020204" pitchFamily="34" charset="0"/>
@@ -6089,19 +6863,19 @@
               <a:buFont typeface="Arial" panose="020B0604020202020204" pitchFamily="34" charset="0"/>
               <a:buChar char="•"/>
             </a:pPr>
-            <a:endParaRPr lang="en-US" sz="1200">
-              <a:latin typeface="Noto Sans" panose="020B0502040504020204" pitchFamily="34" charset="0"/>
-              <a:ea typeface="Noto Sans" panose="020B0502040504020204" pitchFamily="34" charset="0"/>
-              <a:cs typeface="Noto Sans" panose="020B0502040504020204" pitchFamily="34" charset="0"/>
-            </a:endParaRPr>
-          </a:p>
-          <a:p>
-            <a:pPr marL="800100" lvl="1" indent="-342900" algn="just">
-              <a:buFont typeface="Arial" panose="020B0604020202020204" pitchFamily="34" charset="0"/>
-              <a:buChar char="•"/>
-            </a:pPr>
-            <a:r>
-              <a:rPr lang="en-US" sz="1200">
+            <a:endParaRPr lang="en-US" sz="1200" dirty="0">
+              <a:latin typeface="Noto Sans" panose="020B0502040504020204" pitchFamily="34" charset="0"/>
+              <a:ea typeface="Noto Sans" panose="020B0502040504020204" pitchFamily="34" charset="0"/>
+              <a:cs typeface="Noto Sans" panose="020B0502040504020204" pitchFamily="34" charset="0"/>
+            </a:endParaRPr>
+          </a:p>
+          <a:p>
+            <a:pPr marL="800100" lvl="1" indent="-342900" algn="just">
+              <a:buFont typeface="Arial" panose="020B0604020202020204" pitchFamily="34" charset="0"/>
+              <a:buChar char="•"/>
+            </a:pPr>
+            <a:r>
+              <a:rPr lang="en-US" sz="1200" dirty="0">
                 <a:latin typeface="Noto Sans" panose="020B0502040504020204" pitchFamily="34" charset="0"/>
                 <a:ea typeface="Noto Sans" panose="020B0502040504020204" pitchFamily="34" charset="0"/>
                 <a:cs typeface="Noto Sans" panose="020B0502040504020204" pitchFamily="34" charset="0"/>
@@ -6114,19 +6888,19 @@
               <a:buFont typeface="Arial" panose="020B0604020202020204" pitchFamily="34" charset="0"/>
               <a:buChar char="•"/>
             </a:pPr>
-            <a:endParaRPr lang="en-US" sz="1200">
-              <a:latin typeface="Noto Sans" panose="020B0502040504020204" pitchFamily="34" charset="0"/>
-              <a:ea typeface="Noto Sans" panose="020B0502040504020204" pitchFamily="34" charset="0"/>
-              <a:cs typeface="Noto Sans" panose="020B0502040504020204" pitchFamily="34" charset="0"/>
-            </a:endParaRPr>
-          </a:p>
-          <a:p>
-            <a:pPr marL="800100" lvl="1" indent="-342900" algn="just">
-              <a:buFont typeface="Arial" panose="020B0604020202020204" pitchFamily="34" charset="0"/>
-              <a:buChar char="•"/>
-            </a:pPr>
-            <a:r>
-              <a:rPr lang="en-US" sz="1200">
+            <a:endParaRPr lang="en-US" sz="1200" dirty="0">
+              <a:latin typeface="Noto Sans" panose="020B0502040504020204" pitchFamily="34" charset="0"/>
+              <a:ea typeface="Noto Sans" panose="020B0502040504020204" pitchFamily="34" charset="0"/>
+              <a:cs typeface="Noto Sans" panose="020B0502040504020204" pitchFamily="34" charset="0"/>
+            </a:endParaRPr>
+          </a:p>
+          <a:p>
+            <a:pPr marL="800100" lvl="1" indent="-342900" algn="just">
+              <a:buFont typeface="Arial" panose="020B0604020202020204" pitchFamily="34" charset="0"/>
+              <a:buChar char="•"/>
+            </a:pPr>
+            <a:r>
+              <a:rPr lang="en-US" sz="1200" dirty="0">
                 <a:latin typeface="Noto Sans" panose="020B0502040504020204" pitchFamily="34" charset="0"/>
                 <a:ea typeface="Noto Sans" panose="020B0502040504020204" pitchFamily="34" charset="0"/>
                 <a:cs typeface="Noto Sans" panose="020B0502040504020204" pitchFamily="34" charset="0"/>
@@ -6209,7 +6983,7 @@
 </p:sld>
 </file>
 
-<file path=ppt/slides/slide5.xml><?xml version="1.0" encoding="utf-8"?>
+<file path=ppt/slides/slide6.xml><?xml version="1.0" encoding="utf-8"?>
 <p:sld xmlns:a="http://schemas.openxmlformats.org/drawingml/2006/main" xmlns:r="http://schemas.openxmlformats.org/officeDocument/2006/relationships" xmlns:p="http://schemas.openxmlformats.org/presentationml/2006/main">
   <p:cSld>
     <p:spTree>
@@ -6256,10 +7030,10 @@
           <a:p>
             <a:pPr marL="342900" indent="-342900">
               <a:buFont typeface="+mj-lt"/>
-              <a:buAutoNum type="arabicParenR" startAt="5"/>
-            </a:pPr>
-            <a:r>
-              <a:rPr lang="en-US" sz="1400">
+              <a:buAutoNum type="arabicParenR" startAt="6"/>
+            </a:pPr>
+            <a:r>
+              <a:rPr lang="en-US" sz="1400" dirty="0">
                 <a:solidFill>
                   <a:schemeClr val="accent1"/>
                 </a:solidFill>
@@ -6273,141 +7047,141 @@
           <a:p>
             <a:pPr marL="342900" indent="-342900">
               <a:buFont typeface="+mj-lt"/>
-              <a:buAutoNum type="arabicParenR" startAt="5"/>
-            </a:pPr>
-            <a:endParaRPr lang="en-US" sz="1200">
-              <a:latin typeface="Noto Sans" panose="020B0502040504020204" pitchFamily="34" charset="0"/>
-              <a:ea typeface="Noto Sans" panose="020B0502040504020204" pitchFamily="34" charset="0"/>
-              <a:cs typeface="Noto Sans" panose="020B0502040504020204" pitchFamily="34" charset="0"/>
-            </a:endParaRPr>
-          </a:p>
-          <a:p>
-            <a:pPr marL="800100" lvl="1" indent="-342900" algn="just">
-              <a:buFont typeface="Arial" panose="020B0604020202020204" pitchFamily="34" charset="0"/>
-              <a:buChar char="•"/>
-            </a:pPr>
-            <a:endParaRPr lang="en-US" sz="1200">
-              <a:latin typeface="Noto Sans" panose="020B0502040504020204" pitchFamily="34" charset="0"/>
-              <a:ea typeface="Noto Sans" panose="020B0502040504020204" pitchFamily="34" charset="0"/>
-              <a:cs typeface="Noto Sans" panose="020B0502040504020204" pitchFamily="34" charset="0"/>
-            </a:endParaRPr>
-          </a:p>
-          <a:p>
-            <a:pPr marL="800100" lvl="1" indent="-342900" algn="just">
-              <a:buFont typeface="Arial" panose="020B0604020202020204" pitchFamily="34" charset="0"/>
-              <a:buChar char="•"/>
-            </a:pPr>
-            <a:endParaRPr lang="en-US" sz="1200">
-              <a:latin typeface="Noto Sans" panose="020B0502040504020204" pitchFamily="34" charset="0"/>
-              <a:ea typeface="Noto Sans" panose="020B0502040504020204" pitchFamily="34" charset="0"/>
-              <a:cs typeface="Noto Sans" panose="020B0502040504020204" pitchFamily="34" charset="0"/>
-            </a:endParaRPr>
-          </a:p>
-          <a:p>
-            <a:pPr marL="800100" lvl="1" indent="-342900" algn="just">
-              <a:buFont typeface="Arial" panose="020B0604020202020204" pitchFamily="34" charset="0"/>
-              <a:buChar char="•"/>
-            </a:pPr>
-            <a:endParaRPr lang="en-US" sz="1200">
-              <a:latin typeface="Noto Sans" panose="020B0502040504020204" pitchFamily="34" charset="0"/>
-              <a:ea typeface="Noto Sans" panose="020B0502040504020204" pitchFamily="34" charset="0"/>
-              <a:cs typeface="Noto Sans" panose="020B0502040504020204" pitchFamily="34" charset="0"/>
-            </a:endParaRPr>
-          </a:p>
-          <a:p>
-            <a:pPr marL="800100" lvl="1" indent="-342900" algn="just">
-              <a:buFont typeface="Arial" panose="020B0604020202020204" pitchFamily="34" charset="0"/>
-              <a:buChar char="•"/>
-            </a:pPr>
-            <a:endParaRPr lang="en-US" sz="1200">
-              <a:latin typeface="Noto Sans" panose="020B0502040504020204" pitchFamily="34" charset="0"/>
-              <a:ea typeface="Noto Sans" panose="020B0502040504020204" pitchFamily="34" charset="0"/>
-              <a:cs typeface="Noto Sans" panose="020B0502040504020204" pitchFamily="34" charset="0"/>
-            </a:endParaRPr>
-          </a:p>
-          <a:p>
-            <a:pPr marL="800100" lvl="1" indent="-342900" algn="just">
-              <a:buFont typeface="Arial" panose="020B0604020202020204" pitchFamily="34" charset="0"/>
-              <a:buChar char="•"/>
-            </a:pPr>
-            <a:endParaRPr lang="en-US" sz="1200">
-              <a:latin typeface="Noto Sans" panose="020B0502040504020204" pitchFamily="34" charset="0"/>
-              <a:ea typeface="Noto Sans" panose="020B0502040504020204" pitchFamily="34" charset="0"/>
-              <a:cs typeface="Noto Sans" panose="020B0502040504020204" pitchFamily="34" charset="0"/>
-            </a:endParaRPr>
-          </a:p>
-          <a:p>
-            <a:pPr marL="800100" lvl="1" indent="-342900" algn="just">
-              <a:buFont typeface="Arial" panose="020B0604020202020204" pitchFamily="34" charset="0"/>
-              <a:buChar char="•"/>
-            </a:pPr>
-            <a:endParaRPr lang="en-US" sz="1200">
-              <a:latin typeface="Noto Sans" panose="020B0502040504020204" pitchFamily="34" charset="0"/>
-              <a:ea typeface="Noto Sans" panose="020B0502040504020204" pitchFamily="34" charset="0"/>
-              <a:cs typeface="Noto Sans" panose="020B0502040504020204" pitchFamily="34" charset="0"/>
-            </a:endParaRPr>
-          </a:p>
-          <a:p>
-            <a:pPr marL="800100" lvl="1" indent="-342900" algn="just">
-              <a:buFont typeface="Arial" panose="020B0604020202020204" pitchFamily="34" charset="0"/>
-              <a:buChar char="•"/>
-            </a:pPr>
-            <a:endParaRPr lang="en-US" sz="1200">
-              <a:latin typeface="Noto Sans" panose="020B0502040504020204" pitchFamily="34" charset="0"/>
-              <a:ea typeface="Noto Sans" panose="020B0502040504020204" pitchFamily="34" charset="0"/>
-              <a:cs typeface="Noto Sans" panose="020B0502040504020204" pitchFamily="34" charset="0"/>
-            </a:endParaRPr>
-          </a:p>
-          <a:p>
-            <a:pPr marL="800100" lvl="1" indent="-342900" algn="just">
-              <a:buFont typeface="Arial" panose="020B0604020202020204" pitchFamily="34" charset="0"/>
-              <a:buChar char="•"/>
-            </a:pPr>
-            <a:endParaRPr lang="en-US" sz="1200">
-              <a:latin typeface="Noto Sans" panose="020B0502040504020204" pitchFamily="34" charset="0"/>
-              <a:ea typeface="Noto Sans" panose="020B0502040504020204" pitchFamily="34" charset="0"/>
-              <a:cs typeface="Noto Sans" panose="020B0502040504020204" pitchFamily="34" charset="0"/>
-            </a:endParaRPr>
-          </a:p>
-          <a:p>
-            <a:pPr marL="800100" lvl="1" indent="-342900" algn="just">
-              <a:buFont typeface="Arial" panose="020B0604020202020204" pitchFamily="34" charset="0"/>
-              <a:buChar char="•"/>
-            </a:pPr>
-            <a:endParaRPr lang="en-US" sz="1200">
-              <a:latin typeface="Noto Sans" panose="020B0502040504020204" pitchFamily="34" charset="0"/>
-              <a:ea typeface="Noto Sans" panose="020B0502040504020204" pitchFamily="34" charset="0"/>
-              <a:cs typeface="Noto Sans" panose="020B0502040504020204" pitchFamily="34" charset="0"/>
-            </a:endParaRPr>
-          </a:p>
-          <a:p>
-            <a:pPr marL="800100" lvl="1" indent="-342900" algn="just">
-              <a:buFont typeface="Arial" panose="020B0604020202020204" pitchFamily="34" charset="0"/>
-              <a:buChar char="•"/>
-            </a:pPr>
-            <a:endParaRPr lang="en-US" sz="1200">
-              <a:latin typeface="Noto Sans" panose="020B0502040504020204" pitchFamily="34" charset="0"/>
-              <a:ea typeface="Noto Sans" panose="020B0502040504020204" pitchFamily="34" charset="0"/>
-              <a:cs typeface="Noto Sans" panose="020B0502040504020204" pitchFamily="34" charset="0"/>
-            </a:endParaRPr>
-          </a:p>
-          <a:p>
-            <a:pPr marL="800100" lvl="1" indent="-342900" algn="just">
-              <a:buFont typeface="Arial" panose="020B0604020202020204" pitchFamily="34" charset="0"/>
-              <a:buChar char="•"/>
-            </a:pPr>
-            <a:endParaRPr lang="en-US" sz="1200">
-              <a:latin typeface="Noto Sans" panose="020B0502040504020204" pitchFamily="34" charset="0"/>
-              <a:ea typeface="Noto Sans" panose="020B0502040504020204" pitchFamily="34" charset="0"/>
-              <a:cs typeface="Noto Sans" panose="020B0502040504020204" pitchFamily="34" charset="0"/>
-            </a:endParaRPr>
-          </a:p>
-          <a:p>
-            <a:pPr marL="800100" lvl="1" indent="-342900" algn="just">
-              <a:buFont typeface="Arial" panose="020B0604020202020204" pitchFamily="34" charset="0"/>
-              <a:buChar char="•"/>
-            </a:pPr>
-            <a:endParaRPr lang="en-US" sz="1200">
+              <a:buAutoNum type="arabicParenR" startAt="6"/>
+            </a:pPr>
+            <a:endParaRPr lang="en-US" sz="1200" dirty="0">
+              <a:latin typeface="Noto Sans" panose="020B0502040504020204" pitchFamily="34" charset="0"/>
+              <a:ea typeface="Noto Sans" panose="020B0502040504020204" pitchFamily="34" charset="0"/>
+              <a:cs typeface="Noto Sans" panose="020B0502040504020204" pitchFamily="34" charset="0"/>
+            </a:endParaRPr>
+          </a:p>
+          <a:p>
+            <a:pPr marL="800100" lvl="1" indent="-342900" algn="just">
+              <a:buFont typeface="Arial" panose="020B0604020202020204" pitchFamily="34" charset="0"/>
+              <a:buChar char="•"/>
+            </a:pPr>
+            <a:endParaRPr lang="en-US" sz="1200" dirty="0">
+              <a:latin typeface="Noto Sans" panose="020B0502040504020204" pitchFamily="34" charset="0"/>
+              <a:ea typeface="Noto Sans" panose="020B0502040504020204" pitchFamily="34" charset="0"/>
+              <a:cs typeface="Noto Sans" panose="020B0502040504020204" pitchFamily="34" charset="0"/>
+            </a:endParaRPr>
+          </a:p>
+          <a:p>
+            <a:pPr marL="800100" lvl="1" indent="-342900" algn="just">
+              <a:buFont typeface="Arial" panose="020B0604020202020204" pitchFamily="34" charset="0"/>
+              <a:buChar char="•"/>
+            </a:pPr>
+            <a:endParaRPr lang="en-US" sz="1200" dirty="0">
+              <a:latin typeface="Noto Sans" panose="020B0502040504020204" pitchFamily="34" charset="0"/>
+              <a:ea typeface="Noto Sans" panose="020B0502040504020204" pitchFamily="34" charset="0"/>
+              <a:cs typeface="Noto Sans" panose="020B0502040504020204" pitchFamily="34" charset="0"/>
+            </a:endParaRPr>
+          </a:p>
+          <a:p>
+            <a:pPr marL="800100" lvl="1" indent="-342900" algn="just">
+              <a:buFont typeface="Arial" panose="020B0604020202020204" pitchFamily="34" charset="0"/>
+              <a:buChar char="•"/>
+            </a:pPr>
+            <a:endParaRPr lang="en-US" sz="1200" dirty="0">
+              <a:latin typeface="Noto Sans" panose="020B0502040504020204" pitchFamily="34" charset="0"/>
+              <a:ea typeface="Noto Sans" panose="020B0502040504020204" pitchFamily="34" charset="0"/>
+              <a:cs typeface="Noto Sans" panose="020B0502040504020204" pitchFamily="34" charset="0"/>
+            </a:endParaRPr>
+          </a:p>
+          <a:p>
+            <a:pPr marL="800100" lvl="1" indent="-342900" algn="just">
+              <a:buFont typeface="Arial" panose="020B0604020202020204" pitchFamily="34" charset="0"/>
+              <a:buChar char="•"/>
+            </a:pPr>
+            <a:endParaRPr lang="en-US" sz="1200" dirty="0">
+              <a:latin typeface="Noto Sans" panose="020B0502040504020204" pitchFamily="34" charset="0"/>
+              <a:ea typeface="Noto Sans" panose="020B0502040504020204" pitchFamily="34" charset="0"/>
+              <a:cs typeface="Noto Sans" panose="020B0502040504020204" pitchFamily="34" charset="0"/>
+            </a:endParaRPr>
+          </a:p>
+          <a:p>
+            <a:pPr marL="800100" lvl="1" indent="-342900" algn="just">
+              <a:buFont typeface="Arial" panose="020B0604020202020204" pitchFamily="34" charset="0"/>
+              <a:buChar char="•"/>
+            </a:pPr>
+            <a:endParaRPr lang="en-US" sz="1200" dirty="0">
+              <a:latin typeface="Noto Sans" panose="020B0502040504020204" pitchFamily="34" charset="0"/>
+              <a:ea typeface="Noto Sans" panose="020B0502040504020204" pitchFamily="34" charset="0"/>
+              <a:cs typeface="Noto Sans" panose="020B0502040504020204" pitchFamily="34" charset="0"/>
+            </a:endParaRPr>
+          </a:p>
+          <a:p>
+            <a:pPr marL="800100" lvl="1" indent="-342900" algn="just">
+              <a:buFont typeface="Arial" panose="020B0604020202020204" pitchFamily="34" charset="0"/>
+              <a:buChar char="•"/>
+            </a:pPr>
+            <a:endParaRPr lang="en-US" sz="1200" dirty="0">
+              <a:latin typeface="Noto Sans" panose="020B0502040504020204" pitchFamily="34" charset="0"/>
+              <a:ea typeface="Noto Sans" panose="020B0502040504020204" pitchFamily="34" charset="0"/>
+              <a:cs typeface="Noto Sans" panose="020B0502040504020204" pitchFamily="34" charset="0"/>
+            </a:endParaRPr>
+          </a:p>
+          <a:p>
+            <a:pPr marL="800100" lvl="1" indent="-342900" algn="just">
+              <a:buFont typeface="Arial" panose="020B0604020202020204" pitchFamily="34" charset="0"/>
+              <a:buChar char="•"/>
+            </a:pPr>
+            <a:endParaRPr lang="en-US" sz="1200" dirty="0">
+              <a:latin typeface="Noto Sans" panose="020B0502040504020204" pitchFamily="34" charset="0"/>
+              <a:ea typeface="Noto Sans" panose="020B0502040504020204" pitchFamily="34" charset="0"/>
+              <a:cs typeface="Noto Sans" panose="020B0502040504020204" pitchFamily="34" charset="0"/>
+            </a:endParaRPr>
+          </a:p>
+          <a:p>
+            <a:pPr marL="800100" lvl="1" indent="-342900" algn="just">
+              <a:buFont typeface="Arial" panose="020B0604020202020204" pitchFamily="34" charset="0"/>
+              <a:buChar char="•"/>
+            </a:pPr>
+            <a:endParaRPr lang="en-US" sz="1200" dirty="0">
+              <a:latin typeface="Noto Sans" panose="020B0502040504020204" pitchFamily="34" charset="0"/>
+              <a:ea typeface="Noto Sans" panose="020B0502040504020204" pitchFamily="34" charset="0"/>
+              <a:cs typeface="Noto Sans" panose="020B0502040504020204" pitchFamily="34" charset="0"/>
+            </a:endParaRPr>
+          </a:p>
+          <a:p>
+            <a:pPr marL="800100" lvl="1" indent="-342900" algn="just">
+              <a:buFont typeface="Arial" panose="020B0604020202020204" pitchFamily="34" charset="0"/>
+              <a:buChar char="•"/>
+            </a:pPr>
+            <a:endParaRPr lang="en-US" sz="1200" dirty="0">
+              <a:latin typeface="Noto Sans" panose="020B0502040504020204" pitchFamily="34" charset="0"/>
+              <a:ea typeface="Noto Sans" panose="020B0502040504020204" pitchFamily="34" charset="0"/>
+              <a:cs typeface="Noto Sans" panose="020B0502040504020204" pitchFamily="34" charset="0"/>
+            </a:endParaRPr>
+          </a:p>
+          <a:p>
+            <a:pPr marL="800100" lvl="1" indent="-342900" algn="just">
+              <a:buFont typeface="Arial" panose="020B0604020202020204" pitchFamily="34" charset="0"/>
+              <a:buChar char="•"/>
+            </a:pPr>
+            <a:endParaRPr lang="en-US" sz="1200" dirty="0">
+              <a:latin typeface="Noto Sans" panose="020B0502040504020204" pitchFamily="34" charset="0"/>
+              <a:ea typeface="Noto Sans" panose="020B0502040504020204" pitchFamily="34" charset="0"/>
+              <a:cs typeface="Noto Sans" panose="020B0502040504020204" pitchFamily="34" charset="0"/>
+            </a:endParaRPr>
+          </a:p>
+          <a:p>
+            <a:pPr marL="800100" lvl="1" indent="-342900" algn="just">
+              <a:buFont typeface="Arial" panose="020B0604020202020204" pitchFamily="34" charset="0"/>
+              <a:buChar char="•"/>
+            </a:pPr>
+            <a:endParaRPr lang="en-US" sz="1200" dirty="0">
+              <a:latin typeface="Noto Sans" panose="020B0502040504020204" pitchFamily="34" charset="0"/>
+              <a:ea typeface="Noto Sans" panose="020B0502040504020204" pitchFamily="34" charset="0"/>
+              <a:cs typeface="Noto Sans" panose="020B0502040504020204" pitchFamily="34" charset="0"/>
+            </a:endParaRPr>
+          </a:p>
+          <a:p>
+            <a:pPr marL="800100" lvl="1" indent="-342900" algn="just">
+              <a:buFont typeface="Arial" panose="020B0604020202020204" pitchFamily="34" charset="0"/>
+              <a:buChar char="•"/>
+            </a:pPr>
+            <a:endParaRPr lang="en-US" sz="1200" dirty="0">
               <a:latin typeface="Noto Sans" panose="020B0502040504020204" pitchFamily="34" charset="0"/>
               <a:ea typeface="Noto Sans" panose="020B0502040504020204" pitchFamily="34" charset="0"/>
               <a:cs typeface="Noto Sans" panose="020B0502040504020204" pitchFamily="34" charset="0"/>
@@ -6824,7 +7598,7 @@
 </p:sld>
 </file>
 
-<file path=ppt/slides/slide6.xml><?xml version="1.0" encoding="utf-8"?>
+<file path=ppt/slides/slide7.xml><?xml version="1.0" encoding="utf-8"?>
 <p:sld xmlns:a="http://schemas.openxmlformats.org/drawingml/2006/main" xmlns:r="http://schemas.openxmlformats.org/officeDocument/2006/relationships" xmlns:p="http://schemas.openxmlformats.org/presentationml/2006/main">
   <p:cSld>
     <p:spTree>
@@ -6871,10 +7645,10 @@
           <a:p>
             <a:pPr marL="342900" indent="-342900">
               <a:buFont typeface="+mj-lt"/>
-              <a:buAutoNum type="arabicParenR" startAt="5"/>
-            </a:pPr>
-            <a:r>
-              <a:rPr lang="en-US" sz="1400">
+              <a:buAutoNum type="arabicParenR" startAt="6"/>
+            </a:pPr>
+            <a:r>
+              <a:rPr lang="en-US" sz="1400" dirty="0">
                 <a:solidFill>
                   <a:schemeClr val="accent1"/>
                 </a:solidFill>
@@ -6888,21 +7662,21 @@
           <a:p>
             <a:pPr marL="342900" indent="-342900">
               <a:buFont typeface="+mj-lt"/>
-              <a:buAutoNum type="arabicParenR" startAt="5"/>
-            </a:pPr>
-            <a:endParaRPr lang="en-US" sz="1200">
-              <a:latin typeface="Noto Sans" panose="020B0502040504020204" pitchFamily="34" charset="0"/>
-              <a:ea typeface="Noto Sans" panose="020B0502040504020204" pitchFamily="34" charset="0"/>
-              <a:cs typeface="Noto Sans" panose="020B0502040504020204" pitchFamily="34" charset="0"/>
-            </a:endParaRPr>
-          </a:p>
-          <a:p>
-            <a:pPr marL="800100" lvl="1" indent="-342900" algn="just">
-              <a:buFont typeface="Arial" panose="020B0604020202020204" pitchFamily="34" charset="0"/>
-              <a:buChar char="•"/>
-            </a:pPr>
-            <a:r>
-              <a:rPr lang="en-US" sz="1200">
+              <a:buAutoNum type="arabicParenR" startAt="6"/>
+            </a:pPr>
+            <a:endParaRPr lang="en-US" sz="1200" dirty="0">
+              <a:latin typeface="Noto Sans" panose="020B0502040504020204" pitchFamily="34" charset="0"/>
+              <a:ea typeface="Noto Sans" panose="020B0502040504020204" pitchFamily="34" charset="0"/>
+              <a:cs typeface="Noto Sans" panose="020B0502040504020204" pitchFamily="34" charset="0"/>
+            </a:endParaRPr>
+          </a:p>
+          <a:p>
+            <a:pPr marL="800100" lvl="1" indent="-342900" algn="just">
+              <a:buFont typeface="Arial" panose="020B0604020202020204" pitchFamily="34" charset="0"/>
+              <a:buChar char="•"/>
+            </a:pPr>
+            <a:r>
+              <a:rPr lang="en-US" sz="1200" dirty="0">
                 <a:latin typeface="Noto Sans" panose="020B0502040504020204" pitchFamily="34" charset="0"/>
                 <a:ea typeface="Noto Sans" panose="020B0502040504020204" pitchFamily="34" charset="0"/>
                 <a:cs typeface="Noto Sans" panose="020B0502040504020204" pitchFamily="34" charset="0"/>
@@ -6915,129 +7689,129 @@
               <a:buFont typeface="Arial" panose="020B0604020202020204" pitchFamily="34" charset="0"/>
               <a:buChar char="•"/>
             </a:pPr>
-            <a:endParaRPr lang="en-US" sz="1200">
-              <a:latin typeface="Noto Sans" panose="020B0502040504020204" pitchFamily="34" charset="0"/>
-              <a:ea typeface="Noto Sans" panose="020B0502040504020204" pitchFamily="34" charset="0"/>
-              <a:cs typeface="Noto Sans" panose="020B0502040504020204" pitchFamily="34" charset="0"/>
-            </a:endParaRPr>
-          </a:p>
-          <a:p>
-            <a:pPr marL="800100" lvl="1" indent="-342900" algn="just">
-              <a:buFont typeface="Arial" panose="020B0604020202020204" pitchFamily="34" charset="0"/>
-              <a:buChar char="•"/>
-            </a:pPr>
-            <a:endParaRPr lang="en-US" sz="1200">
-              <a:latin typeface="Noto Sans" panose="020B0502040504020204" pitchFamily="34" charset="0"/>
-              <a:ea typeface="Noto Sans" panose="020B0502040504020204" pitchFamily="34" charset="0"/>
-              <a:cs typeface="Noto Sans" panose="020B0502040504020204" pitchFamily="34" charset="0"/>
-            </a:endParaRPr>
-          </a:p>
-          <a:p>
-            <a:pPr marL="800100" lvl="1" indent="-342900" algn="just">
-              <a:buFont typeface="Arial" panose="020B0604020202020204" pitchFamily="34" charset="0"/>
-              <a:buChar char="•"/>
-            </a:pPr>
-            <a:endParaRPr lang="en-US" sz="1200">
-              <a:latin typeface="Noto Sans" panose="020B0502040504020204" pitchFamily="34" charset="0"/>
-              <a:ea typeface="Noto Sans" panose="020B0502040504020204" pitchFamily="34" charset="0"/>
-              <a:cs typeface="Noto Sans" panose="020B0502040504020204" pitchFamily="34" charset="0"/>
-            </a:endParaRPr>
-          </a:p>
-          <a:p>
-            <a:pPr marL="800100" lvl="1" indent="-342900" algn="just">
-              <a:buFont typeface="Arial" panose="020B0604020202020204" pitchFamily="34" charset="0"/>
-              <a:buChar char="•"/>
-            </a:pPr>
-            <a:endParaRPr lang="en-US" sz="1200">
-              <a:latin typeface="Noto Sans" panose="020B0502040504020204" pitchFamily="34" charset="0"/>
-              <a:ea typeface="Noto Sans" panose="020B0502040504020204" pitchFamily="34" charset="0"/>
-              <a:cs typeface="Noto Sans" panose="020B0502040504020204" pitchFamily="34" charset="0"/>
-            </a:endParaRPr>
-          </a:p>
-          <a:p>
-            <a:pPr marL="800100" lvl="1" indent="-342900" algn="just">
-              <a:buFont typeface="Arial" panose="020B0604020202020204" pitchFamily="34" charset="0"/>
-              <a:buChar char="•"/>
-            </a:pPr>
-            <a:endParaRPr lang="en-US" sz="1200">
-              <a:latin typeface="Noto Sans" panose="020B0502040504020204" pitchFamily="34" charset="0"/>
-              <a:ea typeface="Noto Sans" panose="020B0502040504020204" pitchFamily="34" charset="0"/>
-              <a:cs typeface="Noto Sans" panose="020B0502040504020204" pitchFamily="34" charset="0"/>
-            </a:endParaRPr>
-          </a:p>
-          <a:p>
-            <a:pPr marL="800100" lvl="1" indent="-342900" algn="just">
-              <a:buFont typeface="Arial" panose="020B0604020202020204" pitchFamily="34" charset="0"/>
-              <a:buChar char="•"/>
-            </a:pPr>
-            <a:endParaRPr lang="en-US" sz="1200">
-              <a:latin typeface="Noto Sans" panose="020B0502040504020204" pitchFamily="34" charset="0"/>
-              <a:ea typeface="Noto Sans" panose="020B0502040504020204" pitchFamily="34" charset="0"/>
-              <a:cs typeface="Noto Sans" panose="020B0502040504020204" pitchFamily="34" charset="0"/>
-            </a:endParaRPr>
-          </a:p>
-          <a:p>
-            <a:pPr marL="800100" lvl="1" indent="-342900" algn="just">
-              <a:buFont typeface="Arial" panose="020B0604020202020204" pitchFamily="34" charset="0"/>
-              <a:buChar char="•"/>
-            </a:pPr>
-            <a:endParaRPr lang="en-US" sz="1200">
-              <a:latin typeface="Noto Sans" panose="020B0502040504020204" pitchFamily="34" charset="0"/>
-              <a:ea typeface="Noto Sans" panose="020B0502040504020204" pitchFamily="34" charset="0"/>
-              <a:cs typeface="Noto Sans" panose="020B0502040504020204" pitchFamily="34" charset="0"/>
-            </a:endParaRPr>
-          </a:p>
-          <a:p>
-            <a:pPr marL="800100" lvl="1" indent="-342900" algn="just">
-              <a:buFont typeface="Arial" panose="020B0604020202020204" pitchFamily="34" charset="0"/>
-              <a:buChar char="•"/>
-            </a:pPr>
-            <a:endParaRPr lang="en-US" sz="1200">
-              <a:latin typeface="Noto Sans" panose="020B0502040504020204" pitchFamily="34" charset="0"/>
-              <a:ea typeface="Noto Sans" panose="020B0502040504020204" pitchFamily="34" charset="0"/>
-              <a:cs typeface="Noto Sans" panose="020B0502040504020204" pitchFamily="34" charset="0"/>
-            </a:endParaRPr>
-          </a:p>
-          <a:p>
-            <a:pPr marL="800100" lvl="1" indent="-342900" algn="just">
-              <a:buFont typeface="Arial" panose="020B0604020202020204" pitchFamily="34" charset="0"/>
-              <a:buChar char="•"/>
-            </a:pPr>
-            <a:endParaRPr lang="en-US" sz="1200">
-              <a:latin typeface="Noto Sans" panose="020B0502040504020204" pitchFamily="34" charset="0"/>
-              <a:ea typeface="Noto Sans" panose="020B0502040504020204" pitchFamily="34" charset="0"/>
-              <a:cs typeface="Noto Sans" panose="020B0502040504020204" pitchFamily="34" charset="0"/>
-            </a:endParaRPr>
-          </a:p>
-          <a:p>
-            <a:pPr marL="800100" lvl="1" indent="-342900" algn="just">
-              <a:buFont typeface="Arial" panose="020B0604020202020204" pitchFamily="34" charset="0"/>
-              <a:buChar char="•"/>
-            </a:pPr>
-            <a:endParaRPr lang="en-US" sz="1200">
-              <a:latin typeface="Noto Sans" panose="020B0502040504020204" pitchFamily="34" charset="0"/>
-              <a:ea typeface="Noto Sans" panose="020B0502040504020204" pitchFamily="34" charset="0"/>
-              <a:cs typeface="Noto Sans" panose="020B0502040504020204" pitchFamily="34" charset="0"/>
-            </a:endParaRPr>
-          </a:p>
-          <a:p>
-            <a:pPr marL="800100" lvl="1" indent="-342900" algn="just">
-              <a:buFont typeface="Arial" panose="020B0604020202020204" pitchFamily="34" charset="0"/>
-              <a:buChar char="•"/>
-            </a:pPr>
-            <a:endParaRPr lang="en-US" sz="1200">
-              <a:latin typeface="Noto Sans" panose="020B0502040504020204" pitchFamily="34" charset="0"/>
-              <a:ea typeface="Noto Sans" panose="020B0502040504020204" pitchFamily="34" charset="0"/>
-              <a:cs typeface="Noto Sans" panose="020B0502040504020204" pitchFamily="34" charset="0"/>
-            </a:endParaRPr>
-          </a:p>
-          <a:p>
-            <a:pPr marL="800100" lvl="1" indent="-342900" algn="just">
-              <a:buFont typeface="Arial" panose="020B0604020202020204" pitchFamily="34" charset="0"/>
-              <a:buChar char="•"/>
-            </a:pPr>
-            <a:r>
-              <a:rPr lang="en-US" sz="1200">
+            <a:endParaRPr lang="en-US" sz="1200" dirty="0">
+              <a:latin typeface="Noto Sans" panose="020B0502040504020204" pitchFamily="34" charset="0"/>
+              <a:ea typeface="Noto Sans" panose="020B0502040504020204" pitchFamily="34" charset="0"/>
+              <a:cs typeface="Noto Sans" panose="020B0502040504020204" pitchFamily="34" charset="0"/>
+            </a:endParaRPr>
+          </a:p>
+          <a:p>
+            <a:pPr marL="800100" lvl="1" indent="-342900" algn="just">
+              <a:buFont typeface="Arial" panose="020B0604020202020204" pitchFamily="34" charset="0"/>
+              <a:buChar char="•"/>
+            </a:pPr>
+            <a:endParaRPr lang="en-US" sz="1200" dirty="0">
+              <a:latin typeface="Noto Sans" panose="020B0502040504020204" pitchFamily="34" charset="0"/>
+              <a:ea typeface="Noto Sans" panose="020B0502040504020204" pitchFamily="34" charset="0"/>
+              <a:cs typeface="Noto Sans" panose="020B0502040504020204" pitchFamily="34" charset="0"/>
+            </a:endParaRPr>
+          </a:p>
+          <a:p>
+            <a:pPr marL="800100" lvl="1" indent="-342900" algn="just">
+              <a:buFont typeface="Arial" panose="020B0604020202020204" pitchFamily="34" charset="0"/>
+              <a:buChar char="•"/>
+            </a:pPr>
+            <a:endParaRPr lang="en-US" sz="1200" dirty="0">
+              <a:latin typeface="Noto Sans" panose="020B0502040504020204" pitchFamily="34" charset="0"/>
+              <a:ea typeface="Noto Sans" panose="020B0502040504020204" pitchFamily="34" charset="0"/>
+              <a:cs typeface="Noto Sans" panose="020B0502040504020204" pitchFamily="34" charset="0"/>
+            </a:endParaRPr>
+          </a:p>
+          <a:p>
+            <a:pPr marL="800100" lvl="1" indent="-342900" algn="just">
+              <a:buFont typeface="Arial" panose="020B0604020202020204" pitchFamily="34" charset="0"/>
+              <a:buChar char="•"/>
+            </a:pPr>
+            <a:endParaRPr lang="en-US" sz="1200" dirty="0">
+              <a:latin typeface="Noto Sans" panose="020B0502040504020204" pitchFamily="34" charset="0"/>
+              <a:ea typeface="Noto Sans" panose="020B0502040504020204" pitchFamily="34" charset="0"/>
+              <a:cs typeface="Noto Sans" panose="020B0502040504020204" pitchFamily="34" charset="0"/>
+            </a:endParaRPr>
+          </a:p>
+          <a:p>
+            <a:pPr marL="800100" lvl="1" indent="-342900" algn="just">
+              <a:buFont typeface="Arial" panose="020B0604020202020204" pitchFamily="34" charset="0"/>
+              <a:buChar char="•"/>
+            </a:pPr>
+            <a:endParaRPr lang="en-US" sz="1200" dirty="0">
+              <a:latin typeface="Noto Sans" panose="020B0502040504020204" pitchFamily="34" charset="0"/>
+              <a:ea typeface="Noto Sans" panose="020B0502040504020204" pitchFamily="34" charset="0"/>
+              <a:cs typeface="Noto Sans" panose="020B0502040504020204" pitchFamily="34" charset="0"/>
+            </a:endParaRPr>
+          </a:p>
+          <a:p>
+            <a:pPr marL="800100" lvl="1" indent="-342900" algn="just">
+              <a:buFont typeface="Arial" panose="020B0604020202020204" pitchFamily="34" charset="0"/>
+              <a:buChar char="•"/>
+            </a:pPr>
+            <a:endParaRPr lang="en-US" sz="1200" dirty="0">
+              <a:latin typeface="Noto Sans" panose="020B0502040504020204" pitchFamily="34" charset="0"/>
+              <a:ea typeface="Noto Sans" panose="020B0502040504020204" pitchFamily="34" charset="0"/>
+              <a:cs typeface="Noto Sans" panose="020B0502040504020204" pitchFamily="34" charset="0"/>
+            </a:endParaRPr>
+          </a:p>
+          <a:p>
+            <a:pPr marL="800100" lvl="1" indent="-342900" algn="just">
+              <a:buFont typeface="Arial" panose="020B0604020202020204" pitchFamily="34" charset="0"/>
+              <a:buChar char="•"/>
+            </a:pPr>
+            <a:endParaRPr lang="en-US" sz="1200" dirty="0">
+              <a:latin typeface="Noto Sans" panose="020B0502040504020204" pitchFamily="34" charset="0"/>
+              <a:ea typeface="Noto Sans" panose="020B0502040504020204" pitchFamily="34" charset="0"/>
+              <a:cs typeface="Noto Sans" panose="020B0502040504020204" pitchFamily="34" charset="0"/>
+            </a:endParaRPr>
+          </a:p>
+          <a:p>
+            <a:pPr marL="800100" lvl="1" indent="-342900" algn="just">
+              <a:buFont typeface="Arial" panose="020B0604020202020204" pitchFamily="34" charset="0"/>
+              <a:buChar char="•"/>
+            </a:pPr>
+            <a:endParaRPr lang="en-US" sz="1200" dirty="0">
+              <a:latin typeface="Noto Sans" panose="020B0502040504020204" pitchFamily="34" charset="0"/>
+              <a:ea typeface="Noto Sans" panose="020B0502040504020204" pitchFamily="34" charset="0"/>
+              <a:cs typeface="Noto Sans" panose="020B0502040504020204" pitchFamily="34" charset="0"/>
+            </a:endParaRPr>
+          </a:p>
+          <a:p>
+            <a:pPr marL="800100" lvl="1" indent="-342900" algn="just">
+              <a:buFont typeface="Arial" panose="020B0604020202020204" pitchFamily="34" charset="0"/>
+              <a:buChar char="•"/>
+            </a:pPr>
+            <a:endParaRPr lang="en-US" sz="1200" dirty="0">
+              <a:latin typeface="Noto Sans" panose="020B0502040504020204" pitchFamily="34" charset="0"/>
+              <a:ea typeface="Noto Sans" panose="020B0502040504020204" pitchFamily="34" charset="0"/>
+              <a:cs typeface="Noto Sans" panose="020B0502040504020204" pitchFamily="34" charset="0"/>
+            </a:endParaRPr>
+          </a:p>
+          <a:p>
+            <a:pPr marL="800100" lvl="1" indent="-342900" algn="just">
+              <a:buFont typeface="Arial" panose="020B0604020202020204" pitchFamily="34" charset="0"/>
+              <a:buChar char="•"/>
+            </a:pPr>
+            <a:endParaRPr lang="en-US" sz="1200" dirty="0">
+              <a:latin typeface="Noto Sans" panose="020B0502040504020204" pitchFamily="34" charset="0"/>
+              <a:ea typeface="Noto Sans" panose="020B0502040504020204" pitchFamily="34" charset="0"/>
+              <a:cs typeface="Noto Sans" panose="020B0502040504020204" pitchFamily="34" charset="0"/>
+            </a:endParaRPr>
+          </a:p>
+          <a:p>
+            <a:pPr marL="800100" lvl="1" indent="-342900" algn="just">
+              <a:buFont typeface="Arial" panose="020B0604020202020204" pitchFamily="34" charset="0"/>
+              <a:buChar char="•"/>
+            </a:pPr>
+            <a:endParaRPr lang="en-US" sz="1200" dirty="0">
+              <a:latin typeface="Noto Sans" panose="020B0502040504020204" pitchFamily="34" charset="0"/>
+              <a:ea typeface="Noto Sans" panose="020B0502040504020204" pitchFamily="34" charset="0"/>
+              <a:cs typeface="Noto Sans" panose="020B0502040504020204" pitchFamily="34" charset="0"/>
+            </a:endParaRPr>
+          </a:p>
+          <a:p>
+            <a:pPr marL="800100" lvl="1" indent="-342900" algn="just">
+              <a:buFont typeface="Arial" panose="020B0604020202020204" pitchFamily="34" charset="0"/>
+              <a:buChar char="•"/>
+            </a:pPr>
+            <a:r>
+              <a:rPr lang="en-US" sz="1200" dirty="0">
                 <a:latin typeface="Noto Sans" panose="020B0502040504020204" pitchFamily="34" charset="0"/>
                 <a:ea typeface="Noto Sans" panose="020B0502040504020204" pitchFamily="34" charset="0"/>
                 <a:cs typeface="Noto Sans" panose="020B0502040504020204" pitchFamily="34" charset="0"/>
@@ -7050,151 +7824,151 @@
               <a:buFont typeface="Arial" panose="020B0604020202020204" pitchFamily="34" charset="0"/>
               <a:buChar char="•"/>
             </a:pPr>
-            <a:endParaRPr lang="en-US" sz="1200">
-              <a:latin typeface="Noto Sans" panose="020B0502040504020204" pitchFamily="34" charset="0"/>
-              <a:ea typeface="Noto Sans" panose="020B0502040504020204" pitchFamily="34" charset="0"/>
-              <a:cs typeface="Noto Sans" panose="020B0502040504020204" pitchFamily="34" charset="0"/>
-            </a:endParaRPr>
-          </a:p>
-          <a:p>
-            <a:pPr marL="800100" lvl="1" indent="-342900" algn="just">
-              <a:buFont typeface="Arial" panose="020B0604020202020204" pitchFamily="34" charset="0"/>
-              <a:buChar char="•"/>
-            </a:pPr>
-            <a:endParaRPr lang="en-US" sz="1200">
-              <a:latin typeface="Noto Sans" panose="020B0502040504020204" pitchFamily="34" charset="0"/>
-              <a:ea typeface="Noto Sans" panose="020B0502040504020204" pitchFamily="34" charset="0"/>
-              <a:cs typeface="Noto Sans" panose="020B0502040504020204" pitchFamily="34" charset="0"/>
-            </a:endParaRPr>
-          </a:p>
-          <a:p>
-            <a:pPr marL="800100" lvl="1" indent="-342900" algn="just">
-              <a:buFont typeface="Arial" panose="020B0604020202020204" pitchFamily="34" charset="0"/>
-              <a:buChar char="•"/>
-            </a:pPr>
-            <a:endParaRPr lang="en-US" sz="1200">
-              <a:latin typeface="Noto Sans" panose="020B0502040504020204" pitchFamily="34" charset="0"/>
-              <a:ea typeface="Noto Sans" panose="020B0502040504020204" pitchFamily="34" charset="0"/>
-              <a:cs typeface="Noto Sans" panose="020B0502040504020204" pitchFamily="34" charset="0"/>
-            </a:endParaRPr>
-          </a:p>
-          <a:p>
-            <a:pPr marL="800100" lvl="1" indent="-342900" algn="just">
-              <a:buFont typeface="Arial" panose="020B0604020202020204" pitchFamily="34" charset="0"/>
-              <a:buChar char="•"/>
-            </a:pPr>
-            <a:endParaRPr lang="en-US" sz="1200">
-              <a:latin typeface="Noto Sans" panose="020B0502040504020204" pitchFamily="34" charset="0"/>
-              <a:ea typeface="Noto Sans" panose="020B0502040504020204" pitchFamily="34" charset="0"/>
-              <a:cs typeface="Noto Sans" panose="020B0502040504020204" pitchFamily="34" charset="0"/>
-            </a:endParaRPr>
-          </a:p>
-          <a:p>
-            <a:pPr marL="800100" lvl="1" indent="-342900" algn="just">
-              <a:buFont typeface="Arial" panose="020B0604020202020204" pitchFamily="34" charset="0"/>
-              <a:buChar char="•"/>
-            </a:pPr>
-            <a:endParaRPr lang="en-US" sz="1200">
-              <a:latin typeface="Noto Sans" panose="020B0502040504020204" pitchFamily="34" charset="0"/>
-              <a:ea typeface="Noto Sans" panose="020B0502040504020204" pitchFamily="34" charset="0"/>
-              <a:cs typeface="Noto Sans" panose="020B0502040504020204" pitchFamily="34" charset="0"/>
-            </a:endParaRPr>
-          </a:p>
-          <a:p>
-            <a:pPr marL="800100" lvl="1" indent="-342900" algn="just">
-              <a:buFont typeface="Arial" panose="020B0604020202020204" pitchFamily="34" charset="0"/>
-              <a:buChar char="•"/>
-            </a:pPr>
-            <a:endParaRPr lang="en-US" sz="1200">
-              <a:latin typeface="Noto Sans" panose="020B0502040504020204" pitchFamily="34" charset="0"/>
-              <a:ea typeface="Noto Sans" panose="020B0502040504020204" pitchFamily="34" charset="0"/>
-              <a:cs typeface="Noto Sans" panose="020B0502040504020204" pitchFamily="34" charset="0"/>
-            </a:endParaRPr>
-          </a:p>
-          <a:p>
-            <a:pPr marL="800100" lvl="1" indent="-342900" algn="just">
-              <a:buFont typeface="Arial" panose="020B0604020202020204" pitchFamily="34" charset="0"/>
-              <a:buChar char="•"/>
-            </a:pPr>
-            <a:endParaRPr lang="en-US" sz="1200">
-              <a:latin typeface="Noto Sans" panose="020B0502040504020204" pitchFamily="34" charset="0"/>
-              <a:ea typeface="Noto Sans" panose="020B0502040504020204" pitchFamily="34" charset="0"/>
-              <a:cs typeface="Noto Sans" panose="020B0502040504020204" pitchFamily="34" charset="0"/>
-            </a:endParaRPr>
-          </a:p>
-          <a:p>
-            <a:pPr marL="800100" lvl="1" indent="-342900" algn="just">
-              <a:buFont typeface="Arial" panose="020B0604020202020204" pitchFamily="34" charset="0"/>
-              <a:buChar char="•"/>
-            </a:pPr>
-            <a:endParaRPr lang="en-US" sz="1200">
-              <a:latin typeface="Noto Sans" panose="020B0502040504020204" pitchFamily="34" charset="0"/>
-              <a:ea typeface="Noto Sans" panose="020B0502040504020204" pitchFamily="34" charset="0"/>
-              <a:cs typeface="Noto Sans" panose="020B0502040504020204" pitchFamily="34" charset="0"/>
-            </a:endParaRPr>
-          </a:p>
-          <a:p>
-            <a:pPr marL="800100" lvl="1" indent="-342900" algn="just">
-              <a:buFont typeface="Arial" panose="020B0604020202020204" pitchFamily="34" charset="0"/>
-              <a:buChar char="•"/>
-            </a:pPr>
-            <a:endParaRPr lang="en-US" sz="1200">
-              <a:latin typeface="Noto Sans" panose="020B0502040504020204" pitchFamily="34" charset="0"/>
-              <a:ea typeface="Noto Sans" panose="020B0502040504020204" pitchFamily="34" charset="0"/>
-              <a:cs typeface="Noto Sans" panose="020B0502040504020204" pitchFamily="34" charset="0"/>
-            </a:endParaRPr>
-          </a:p>
-          <a:p>
-            <a:pPr marL="800100" lvl="1" indent="-342900" algn="just">
-              <a:buFont typeface="Arial" panose="020B0604020202020204" pitchFamily="34" charset="0"/>
-              <a:buChar char="•"/>
-            </a:pPr>
-            <a:endParaRPr lang="en-US" sz="1200">
-              <a:latin typeface="Noto Sans" panose="020B0502040504020204" pitchFamily="34" charset="0"/>
-              <a:ea typeface="Noto Sans" panose="020B0502040504020204" pitchFamily="34" charset="0"/>
-              <a:cs typeface="Noto Sans" panose="020B0502040504020204" pitchFamily="34" charset="0"/>
-            </a:endParaRPr>
-          </a:p>
-          <a:p>
-            <a:pPr marL="800100" lvl="1" indent="-342900" algn="just">
-              <a:buFont typeface="Arial" panose="020B0604020202020204" pitchFamily="34" charset="0"/>
-              <a:buChar char="•"/>
-            </a:pPr>
-            <a:endParaRPr lang="en-US" sz="1200">
-              <a:latin typeface="Noto Sans" panose="020B0502040504020204" pitchFamily="34" charset="0"/>
-              <a:ea typeface="Noto Sans" panose="020B0502040504020204" pitchFamily="34" charset="0"/>
-              <a:cs typeface="Noto Sans" panose="020B0502040504020204" pitchFamily="34" charset="0"/>
-            </a:endParaRPr>
-          </a:p>
-          <a:p>
-            <a:pPr marL="800100" lvl="1" indent="-342900" algn="just">
-              <a:buFont typeface="Arial" panose="020B0604020202020204" pitchFamily="34" charset="0"/>
-              <a:buChar char="•"/>
-            </a:pPr>
-            <a:endParaRPr lang="en-US" sz="1200">
-              <a:latin typeface="Noto Sans" panose="020B0502040504020204" pitchFamily="34" charset="0"/>
-              <a:ea typeface="Noto Sans" panose="020B0502040504020204" pitchFamily="34" charset="0"/>
-              <a:cs typeface="Noto Sans" panose="020B0502040504020204" pitchFamily="34" charset="0"/>
-            </a:endParaRPr>
-          </a:p>
-          <a:p>
-            <a:pPr marL="800100" lvl="1" indent="-342900" algn="just">
-              <a:buFont typeface="Arial" panose="020B0604020202020204" pitchFamily="34" charset="0"/>
-              <a:buChar char="•"/>
-            </a:pPr>
-            <a:endParaRPr lang="en-US" sz="1200">
-              <a:latin typeface="Noto Sans" panose="020B0502040504020204" pitchFamily="34" charset="0"/>
-              <a:ea typeface="Noto Sans" panose="020B0502040504020204" pitchFamily="34" charset="0"/>
-              <a:cs typeface="Noto Sans" panose="020B0502040504020204" pitchFamily="34" charset="0"/>
-            </a:endParaRPr>
-          </a:p>
-          <a:p>
-            <a:pPr marL="800100" lvl="1" indent="-342900" algn="just">
-              <a:buFont typeface="Arial" panose="020B0604020202020204" pitchFamily="34" charset="0"/>
-              <a:buChar char="•"/>
-            </a:pPr>
-            <a:r>
-              <a:rPr lang="en-US" sz="1200">
+            <a:endParaRPr lang="en-US" sz="1200" dirty="0">
+              <a:latin typeface="Noto Sans" panose="020B0502040504020204" pitchFamily="34" charset="0"/>
+              <a:ea typeface="Noto Sans" panose="020B0502040504020204" pitchFamily="34" charset="0"/>
+              <a:cs typeface="Noto Sans" panose="020B0502040504020204" pitchFamily="34" charset="0"/>
+            </a:endParaRPr>
+          </a:p>
+          <a:p>
+            <a:pPr marL="800100" lvl="1" indent="-342900" algn="just">
+              <a:buFont typeface="Arial" panose="020B0604020202020204" pitchFamily="34" charset="0"/>
+              <a:buChar char="•"/>
+            </a:pPr>
+            <a:endParaRPr lang="en-US" sz="1200" dirty="0">
+              <a:latin typeface="Noto Sans" panose="020B0502040504020204" pitchFamily="34" charset="0"/>
+              <a:ea typeface="Noto Sans" panose="020B0502040504020204" pitchFamily="34" charset="0"/>
+              <a:cs typeface="Noto Sans" panose="020B0502040504020204" pitchFamily="34" charset="0"/>
+            </a:endParaRPr>
+          </a:p>
+          <a:p>
+            <a:pPr marL="800100" lvl="1" indent="-342900" algn="just">
+              <a:buFont typeface="Arial" panose="020B0604020202020204" pitchFamily="34" charset="0"/>
+              <a:buChar char="•"/>
+            </a:pPr>
+            <a:endParaRPr lang="en-US" sz="1200" dirty="0">
+              <a:latin typeface="Noto Sans" panose="020B0502040504020204" pitchFamily="34" charset="0"/>
+              <a:ea typeface="Noto Sans" panose="020B0502040504020204" pitchFamily="34" charset="0"/>
+              <a:cs typeface="Noto Sans" panose="020B0502040504020204" pitchFamily="34" charset="0"/>
+            </a:endParaRPr>
+          </a:p>
+          <a:p>
+            <a:pPr marL="800100" lvl="1" indent="-342900" algn="just">
+              <a:buFont typeface="Arial" panose="020B0604020202020204" pitchFamily="34" charset="0"/>
+              <a:buChar char="•"/>
+            </a:pPr>
+            <a:endParaRPr lang="en-US" sz="1200" dirty="0">
+              <a:latin typeface="Noto Sans" panose="020B0502040504020204" pitchFamily="34" charset="0"/>
+              <a:ea typeface="Noto Sans" panose="020B0502040504020204" pitchFamily="34" charset="0"/>
+              <a:cs typeface="Noto Sans" panose="020B0502040504020204" pitchFamily="34" charset="0"/>
+            </a:endParaRPr>
+          </a:p>
+          <a:p>
+            <a:pPr marL="800100" lvl="1" indent="-342900" algn="just">
+              <a:buFont typeface="Arial" panose="020B0604020202020204" pitchFamily="34" charset="0"/>
+              <a:buChar char="•"/>
+            </a:pPr>
+            <a:endParaRPr lang="en-US" sz="1200" dirty="0">
+              <a:latin typeface="Noto Sans" panose="020B0502040504020204" pitchFamily="34" charset="0"/>
+              <a:ea typeface="Noto Sans" panose="020B0502040504020204" pitchFamily="34" charset="0"/>
+              <a:cs typeface="Noto Sans" panose="020B0502040504020204" pitchFamily="34" charset="0"/>
+            </a:endParaRPr>
+          </a:p>
+          <a:p>
+            <a:pPr marL="800100" lvl="1" indent="-342900" algn="just">
+              <a:buFont typeface="Arial" panose="020B0604020202020204" pitchFamily="34" charset="0"/>
+              <a:buChar char="•"/>
+            </a:pPr>
+            <a:endParaRPr lang="en-US" sz="1200" dirty="0">
+              <a:latin typeface="Noto Sans" panose="020B0502040504020204" pitchFamily="34" charset="0"/>
+              <a:ea typeface="Noto Sans" panose="020B0502040504020204" pitchFamily="34" charset="0"/>
+              <a:cs typeface="Noto Sans" panose="020B0502040504020204" pitchFamily="34" charset="0"/>
+            </a:endParaRPr>
+          </a:p>
+          <a:p>
+            <a:pPr marL="800100" lvl="1" indent="-342900" algn="just">
+              <a:buFont typeface="Arial" panose="020B0604020202020204" pitchFamily="34" charset="0"/>
+              <a:buChar char="•"/>
+            </a:pPr>
+            <a:endParaRPr lang="en-US" sz="1200" dirty="0">
+              <a:latin typeface="Noto Sans" panose="020B0502040504020204" pitchFamily="34" charset="0"/>
+              <a:ea typeface="Noto Sans" panose="020B0502040504020204" pitchFamily="34" charset="0"/>
+              <a:cs typeface="Noto Sans" panose="020B0502040504020204" pitchFamily="34" charset="0"/>
+            </a:endParaRPr>
+          </a:p>
+          <a:p>
+            <a:pPr marL="800100" lvl="1" indent="-342900" algn="just">
+              <a:buFont typeface="Arial" panose="020B0604020202020204" pitchFamily="34" charset="0"/>
+              <a:buChar char="•"/>
+            </a:pPr>
+            <a:endParaRPr lang="en-US" sz="1200" dirty="0">
+              <a:latin typeface="Noto Sans" panose="020B0502040504020204" pitchFamily="34" charset="0"/>
+              <a:ea typeface="Noto Sans" panose="020B0502040504020204" pitchFamily="34" charset="0"/>
+              <a:cs typeface="Noto Sans" panose="020B0502040504020204" pitchFamily="34" charset="0"/>
+            </a:endParaRPr>
+          </a:p>
+          <a:p>
+            <a:pPr marL="800100" lvl="1" indent="-342900" algn="just">
+              <a:buFont typeface="Arial" panose="020B0604020202020204" pitchFamily="34" charset="0"/>
+              <a:buChar char="•"/>
+            </a:pPr>
+            <a:endParaRPr lang="en-US" sz="1200" dirty="0">
+              <a:latin typeface="Noto Sans" panose="020B0502040504020204" pitchFamily="34" charset="0"/>
+              <a:ea typeface="Noto Sans" panose="020B0502040504020204" pitchFamily="34" charset="0"/>
+              <a:cs typeface="Noto Sans" panose="020B0502040504020204" pitchFamily="34" charset="0"/>
+            </a:endParaRPr>
+          </a:p>
+          <a:p>
+            <a:pPr marL="800100" lvl="1" indent="-342900" algn="just">
+              <a:buFont typeface="Arial" panose="020B0604020202020204" pitchFamily="34" charset="0"/>
+              <a:buChar char="•"/>
+            </a:pPr>
+            <a:endParaRPr lang="en-US" sz="1200" dirty="0">
+              <a:latin typeface="Noto Sans" panose="020B0502040504020204" pitchFamily="34" charset="0"/>
+              <a:ea typeface="Noto Sans" panose="020B0502040504020204" pitchFamily="34" charset="0"/>
+              <a:cs typeface="Noto Sans" panose="020B0502040504020204" pitchFamily="34" charset="0"/>
+            </a:endParaRPr>
+          </a:p>
+          <a:p>
+            <a:pPr marL="800100" lvl="1" indent="-342900" algn="just">
+              <a:buFont typeface="Arial" panose="020B0604020202020204" pitchFamily="34" charset="0"/>
+              <a:buChar char="•"/>
+            </a:pPr>
+            <a:endParaRPr lang="en-US" sz="1200" dirty="0">
+              <a:latin typeface="Noto Sans" panose="020B0502040504020204" pitchFamily="34" charset="0"/>
+              <a:ea typeface="Noto Sans" panose="020B0502040504020204" pitchFamily="34" charset="0"/>
+              <a:cs typeface="Noto Sans" panose="020B0502040504020204" pitchFamily="34" charset="0"/>
+            </a:endParaRPr>
+          </a:p>
+          <a:p>
+            <a:pPr marL="800100" lvl="1" indent="-342900" algn="just">
+              <a:buFont typeface="Arial" panose="020B0604020202020204" pitchFamily="34" charset="0"/>
+              <a:buChar char="•"/>
+            </a:pPr>
+            <a:endParaRPr lang="en-US" sz="1200" dirty="0">
+              <a:latin typeface="Noto Sans" panose="020B0502040504020204" pitchFamily="34" charset="0"/>
+              <a:ea typeface="Noto Sans" panose="020B0502040504020204" pitchFamily="34" charset="0"/>
+              <a:cs typeface="Noto Sans" panose="020B0502040504020204" pitchFamily="34" charset="0"/>
+            </a:endParaRPr>
+          </a:p>
+          <a:p>
+            <a:pPr marL="800100" lvl="1" indent="-342900" algn="just">
+              <a:buFont typeface="Arial" panose="020B0604020202020204" pitchFamily="34" charset="0"/>
+              <a:buChar char="•"/>
+            </a:pPr>
+            <a:endParaRPr lang="en-US" sz="1200" dirty="0">
+              <a:latin typeface="Noto Sans" panose="020B0502040504020204" pitchFamily="34" charset="0"/>
+              <a:ea typeface="Noto Sans" panose="020B0502040504020204" pitchFamily="34" charset="0"/>
+              <a:cs typeface="Noto Sans" panose="020B0502040504020204" pitchFamily="34" charset="0"/>
+            </a:endParaRPr>
+          </a:p>
+          <a:p>
+            <a:pPr marL="800100" lvl="1" indent="-342900" algn="just">
+              <a:buFont typeface="Arial" panose="020B0604020202020204" pitchFamily="34" charset="0"/>
+              <a:buChar char="•"/>
+            </a:pPr>
+            <a:r>
+              <a:rPr lang="en-US" sz="1200" dirty="0">
                 <a:latin typeface="Noto Sans" panose="020B0502040504020204" pitchFamily="34" charset="0"/>
                 <a:ea typeface="Noto Sans" panose="020B0502040504020204" pitchFamily="34" charset="0"/>
                 <a:cs typeface="Noto Sans" panose="020B0502040504020204" pitchFamily="34" charset="0"/>
@@ -7207,18 +7981,18 @@
               <a:buFont typeface="Arial" panose="020B0604020202020204" pitchFamily="34" charset="0"/>
               <a:buChar char="•"/>
             </a:pPr>
-            <a:endParaRPr lang="en-US" sz="1200">
-              <a:latin typeface="Noto Sans" panose="020B0502040504020204" pitchFamily="34" charset="0"/>
-              <a:ea typeface="Noto Sans" panose="020B0502040504020204" pitchFamily="34" charset="0"/>
-              <a:cs typeface="Noto Sans" panose="020B0502040504020204" pitchFamily="34" charset="0"/>
-            </a:endParaRPr>
-          </a:p>
-          <a:p>
-            <a:pPr marL="800100" lvl="1" indent="-342900" algn="just">
-              <a:buFont typeface="Arial" panose="020B0604020202020204" pitchFamily="34" charset="0"/>
-              <a:buChar char="•"/>
-            </a:pPr>
-            <a:endParaRPr lang="en-US" sz="1200">
+            <a:endParaRPr lang="en-US" sz="1200" dirty="0">
+              <a:latin typeface="Noto Sans" panose="020B0502040504020204" pitchFamily="34" charset="0"/>
+              <a:ea typeface="Noto Sans" panose="020B0502040504020204" pitchFamily="34" charset="0"/>
+              <a:cs typeface="Noto Sans" panose="020B0502040504020204" pitchFamily="34" charset="0"/>
+            </a:endParaRPr>
+          </a:p>
+          <a:p>
+            <a:pPr marL="800100" lvl="1" indent="-342900" algn="just">
+              <a:buFont typeface="Arial" panose="020B0604020202020204" pitchFamily="34" charset="0"/>
+              <a:buChar char="•"/>
+            </a:pPr>
+            <a:endParaRPr lang="en-US" sz="1200" dirty="0">
               <a:latin typeface="Noto Sans" panose="020B0502040504020204" pitchFamily="34" charset="0"/>
               <a:ea typeface="Noto Sans" panose="020B0502040504020204" pitchFamily="34" charset="0"/>
               <a:cs typeface="Noto Sans" panose="020B0502040504020204" pitchFamily="34" charset="0"/>
@@ -7328,7 +8102,7 @@
 </p:sld>
 </file>
 
-<file path=ppt/slides/slide7.xml><?xml version="1.0" encoding="utf-8"?>
+<file path=ppt/slides/slide8.xml><?xml version="1.0" encoding="utf-8"?>
 <p:sld xmlns:a="http://schemas.openxmlformats.org/drawingml/2006/main" xmlns:r="http://schemas.openxmlformats.org/officeDocument/2006/relationships" xmlns:p="http://schemas.openxmlformats.org/presentationml/2006/main">
   <p:cSld>
     <p:spTree>
@@ -7375,10 +8149,10 @@
           <a:p>
             <a:pPr marL="342900" indent="-342900">
               <a:buFont typeface="+mj-lt"/>
-              <a:buAutoNum type="arabicParenR" startAt="6"/>
-            </a:pPr>
-            <a:r>
-              <a:rPr lang="en-US" sz="1400">
+              <a:buAutoNum type="arabicParenR" startAt="7"/>
+            </a:pPr>
+            <a:r>
+              <a:rPr lang="en-US" sz="1400" dirty="0">
                 <a:solidFill>
                   <a:schemeClr val="accent1"/>
                 </a:solidFill>
@@ -7392,50 +8166,66 @@
           <a:p>
             <a:pPr marL="342900" indent="-342900">
               <a:buFont typeface="+mj-lt"/>
-              <a:buAutoNum type="arabicParenR" startAt="6"/>
-            </a:pPr>
-            <a:endParaRPr lang="en-US" sz="1200">
-              <a:latin typeface="Noto Sans" panose="020B0502040504020204" pitchFamily="34" charset="0"/>
-              <a:ea typeface="Noto Sans" panose="020B0502040504020204" pitchFamily="34" charset="0"/>
-              <a:cs typeface="Noto Sans" panose="020B0502040504020204" pitchFamily="34" charset="0"/>
-            </a:endParaRPr>
-          </a:p>
-          <a:p>
-            <a:pPr marL="800100" lvl="1" indent="-342900" algn="just">
-              <a:buFont typeface="Arial" panose="020B0604020202020204" pitchFamily="34" charset="0"/>
-              <a:buChar char="•"/>
-            </a:pPr>
-            <a:r>
-              <a:rPr lang="en-US" sz="1200">
+              <a:buAutoNum type="arabicParenR" startAt="7"/>
+            </a:pPr>
+            <a:endParaRPr lang="en-US" sz="1200" dirty="0">
+              <a:latin typeface="Noto Sans" panose="020B0502040504020204" pitchFamily="34" charset="0"/>
+              <a:ea typeface="Noto Sans" panose="020B0502040504020204" pitchFamily="34" charset="0"/>
+              <a:cs typeface="Noto Sans" panose="020B0502040504020204" pitchFamily="34" charset="0"/>
+            </a:endParaRPr>
+          </a:p>
+          <a:p>
+            <a:pPr marL="800100" lvl="1" indent="-342900" algn="just">
+              <a:buFont typeface="Arial" panose="020B0604020202020204" pitchFamily="34" charset="0"/>
+              <a:buChar char="•"/>
+            </a:pPr>
+            <a:r>
+              <a:rPr lang="en-US" sz="1200" dirty="0">
                 <a:latin typeface="Noto Sans" panose="020B0502040504020204" pitchFamily="34" charset="0"/>
                 <a:ea typeface="Noto Sans" panose="020B0502040504020204" pitchFamily="34" charset="0"/>
                 <a:cs typeface="Noto Sans" panose="020B0502040504020204" pitchFamily="34" charset="0"/>
               </a:rPr>
-              <a:t>I have used a config.json, supabase.js file to store my project URL, public key, service role, and port, as it is easier to update a config file rather than the code</a:t>
-            </a:r>
-          </a:p>
-          <a:p>
-            <a:pPr marL="800100" lvl="1" indent="-342900" algn="just">
-              <a:buFont typeface="Arial" panose="020B0604020202020204" pitchFamily="34" charset="0"/>
-              <a:buChar char="•"/>
-            </a:pPr>
-            <a:endParaRPr lang="en-US" sz="1200">
-              <a:latin typeface="Noto Sans" panose="020B0502040504020204" pitchFamily="34" charset="0"/>
-              <a:ea typeface="Noto Sans" panose="020B0502040504020204" pitchFamily="34" charset="0"/>
-              <a:cs typeface="Noto Sans" panose="020B0502040504020204" pitchFamily="34" charset="0"/>
-            </a:endParaRPr>
-          </a:p>
-          <a:p>
-            <a:pPr marL="800100" lvl="1" indent="-342900" algn="just">
-              <a:buFont typeface="Arial" panose="020B0604020202020204" pitchFamily="34" charset="0"/>
-              <a:buChar char="•"/>
-            </a:pPr>
-            <a:r>
-              <a:rPr lang="en-US" sz="1200">
+              <a:t>I have used a </a:t>
+            </a:r>
+            <a:r>
+              <a:rPr lang="en-US" sz="1200" dirty="0" err="1">
                 <a:latin typeface="Noto Sans" panose="020B0502040504020204" pitchFamily="34" charset="0"/>
                 <a:ea typeface="Noto Sans" panose="020B0502040504020204" pitchFamily="34" charset="0"/>
                 <a:cs typeface="Noto Sans" panose="020B0502040504020204" pitchFamily="34" charset="0"/>
               </a:rPr>
+              <a:t>config.json</a:t>
+            </a:r>
+            <a:r>
+              <a:rPr lang="en-US" sz="1200" dirty="0">
+                <a:latin typeface="Noto Sans" panose="020B0502040504020204" pitchFamily="34" charset="0"/>
+                <a:ea typeface="Noto Sans" panose="020B0502040504020204" pitchFamily="34" charset="0"/>
+                <a:cs typeface="Noto Sans" panose="020B0502040504020204" pitchFamily="34" charset="0"/>
+              </a:rPr>
+              <a:t>, supabase.js file to store my project URL, public key, service role, and port, as it is easier to update a config file rather than the code</a:t>
+            </a:r>
+          </a:p>
+          <a:p>
+            <a:pPr marL="800100" lvl="1" indent="-342900" algn="just">
+              <a:buFont typeface="Arial" panose="020B0604020202020204" pitchFamily="34" charset="0"/>
+              <a:buChar char="•"/>
+            </a:pPr>
+            <a:endParaRPr lang="en-US" sz="1200" dirty="0">
+              <a:latin typeface="Noto Sans" panose="020B0502040504020204" pitchFamily="34" charset="0"/>
+              <a:ea typeface="Noto Sans" panose="020B0502040504020204" pitchFamily="34" charset="0"/>
+              <a:cs typeface="Noto Sans" panose="020B0502040504020204" pitchFamily="34" charset="0"/>
+            </a:endParaRPr>
+          </a:p>
+          <a:p>
+            <a:pPr marL="800100" lvl="1" indent="-342900" algn="just">
+              <a:buFont typeface="Arial" panose="020B0604020202020204" pitchFamily="34" charset="0"/>
+              <a:buChar char="•"/>
+            </a:pPr>
+            <a:r>
+              <a:rPr lang="en-US" sz="1200" dirty="0">
+                <a:latin typeface="Noto Sans" panose="020B0502040504020204" pitchFamily="34" charset="0"/>
+                <a:ea typeface="Noto Sans" panose="020B0502040504020204" pitchFamily="34" charset="0"/>
+                <a:cs typeface="Noto Sans" panose="020B0502040504020204" pitchFamily="34" charset="0"/>
+              </a:rPr>
               <a:t>In the directory of the project, run the following commands to edit the config files and paste the project URL, public key, service role, and JWT secret in the "" </a:t>
             </a:r>
           </a:p>
@@ -7444,63 +8234,63 @@
               <a:buFont typeface="Arial" panose="020B0604020202020204" pitchFamily="34" charset="0"/>
               <a:buChar char="•"/>
             </a:pPr>
-            <a:endParaRPr lang="en-US" sz="1200">
-              <a:latin typeface="Noto Sans" panose="020B0502040504020204" pitchFamily="34" charset="0"/>
-              <a:ea typeface="Noto Sans" panose="020B0502040504020204" pitchFamily="34" charset="0"/>
-              <a:cs typeface="Noto Sans" panose="020B0502040504020204" pitchFamily="34" charset="0"/>
-            </a:endParaRPr>
-          </a:p>
-          <a:p>
-            <a:pPr marL="800100" lvl="1" indent="-342900" algn="just">
-              <a:buFont typeface="Arial" panose="020B0604020202020204" pitchFamily="34" charset="0"/>
-              <a:buChar char="•"/>
-            </a:pPr>
-            <a:endParaRPr lang="en-US" sz="1200">
-              <a:latin typeface="Noto Sans" panose="020B0502040504020204" pitchFamily="34" charset="0"/>
-              <a:ea typeface="Noto Sans" panose="020B0502040504020204" pitchFamily="34" charset="0"/>
-              <a:cs typeface="Noto Sans" panose="020B0502040504020204" pitchFamily="34" charset="0"/>
-            </a:endParaRPr>
-          </a:p>
-          <a:p>
-            <a:pPr marL="800100" lvl="1" indent="-342900" algn="just">
-              <a:buFont typeface="Arial" panose="020B0604020202020204" pitchFamily="34" charset="0"/>
-              <a:buChar char="•"/>
-            </a:pPr>
-            <a:endParaRPr lang="en-US" sz="1200">
-              <a:latin typeface="Noto Sans" panose="020B0502040504020204" pitchFamily="34" charset="0"/>
-              <a:ea typeface="Noto Sans" panose="020B0502040504020204" pitchFamily="34" charset="0"/>
-              <a:cs typeface="Noto Sans" panose="020B0502040504020204" pitchFamily="34" charset="0"/>
-            </a:endParaRPr>
-          </a:p>
-          <a:p>
-            <a:pPr marL="800100" lvl="1" indent="-342900" algn="just">
-              <a:buFont typeface="Arial" panose="020B0604020202020204" pitchFamily="34" charset="0"/>
-              <a:buChar char="•"/>
-            </a:pPr>
-            <a:endParaRPr lang="en-US" sz="1200">
-              <a:latin typeface="Noto Sans" panose="020B0502040504020204" pitchFamily="34" charset="0"/>
-              <a:ea typeface="Noto Sans" panose="020B0502040504020204" pitchFamily="34" charset="0"/>
-              <a:cs typeface="Noto Sans" panose="020B0502040504020204" pitchFamily="34" charset="0"/>
-            </a:endParaRPr>
-          </a:p>
-          <a:p>
-            <a:pPr marL="800100" lvl="1" indent="-342900" algn="just">
-              <a:buFont typeface="Arial" panose="020B0604020202020204" pitchFamily="34" charset="0"/>
-              <a:buChar char="•"/>
-            </a:pPr>
-            <a:endParaRPr lang="en-US" sz="1200">
-              <a:latin typeface="Noto Sans" panose="020B0502040504020204" pitchFamily="34" charset="0"/>
-              <a:ea typeface="Noto Sans" panose="020B0502040504020204" pitchFamily="34" charset="0"/>
-              <a:cs typeface="Noto Sans" panose="020B0502040504020204" pitchFamily="34" charset="0"/>
-            </a:endParaRPr>
-          </a:p>
-          <a:p>
-            <a:pPr marL="800100" lvl="1" indent="-342900" algn="just">
-              <a:buFont typeface="Arial" panose="020B0604020202020204" pitchFamily="34" charset="0"/>
-              <a:buChar char="•"/>
-            </a:pPr>
-            <a:r>
-              <a:rPr lang="en-US" sz="1200">
+            <a:endParaRPr lang="en-US" sz="1200" dirty="0">
+              <a:latin typeface="Noto Sans" panose="020B0502040504020204" pitchFamily="34" charset="0"/>
+              <a:ea typeface="Noto Sans" panose="020B0502040504020204" pitchFamily="34" charset="0"/>
+              <a:cs typeface="Noto Sans" panose="020B0502040504020204" pitchFamily="34" charset="0"/>
+            </a:endParaRPr>
+          </a:p>
+          <a:p>
+            <a:pPr marL="800100" lvl="1" indent="-342900" algn="just">
+              <a:buFont typeface="Arial" panose="020B0604020202020204" pitchFamily="34" charset="0"/>
+              <a:buChar char="•"/>
+            </a:pPr>
+            <a:endParaRPr lang="en-US" sz="1200" dirty="0">
+              <a:latin typeface="Noto Sans" panose="020B0502040504020204" pitchFamily="34" charset="0"/>
+              <a:ea typeface="Noto Sans" panose="020B0502040504020204" pitchFamily="34" charset="0"/>
+              <a:cs typeface="Noto Sans" panose="020B0502040504020204" pitchFamily="34" charset="0"/>
+            </a:endParaRPr>
+          </a:p>
+          <a:p>
+            <a:pPr marL="800100" lvl="1" indent="-342900" algn="just">
+              <a:buFont typeface="Arial" panose="020B0604020202020204" pitchFamily="34" charset="0"/>
+              <a:buChar char="•"/>
+            </a:pPr>
+            <a:endParaRPr lang="en-US" sz="1200" dirty="0">
+              <a:latin typeface="Noto Sans" panose="020B0502040504020204" pitchFamily="34" charset="0"/>
+              <a:ea typeface="Noto Sans" panose="020B0502040504020204" pitchFamily="34" charset="0"/>
+              <a:cs typeface="Noto Sans" panose="020B0502040504020204" pitchFamily="34" charset="0"/>
+            </a:endParaRPr>
+          </a:p>
+          <a:p>
+            <a:pPr marL="800100" lvl="1" indent="-342900" algn="just">
+              <a:buFont typeface="Arial" panose="020B0604020202020204" pitchFamily="34" charset="0"/>
+              <a:buChar char="•"/>
+            </a:pPr>
+            <a:endParaRPr lang="en-US" sz="1200" dirty="0">
+              <a:latin typeface="Noto Sans" panose="020B0502040504020204" pitchFamily="34" charset="0"/>
+              <a:ea typeface="Noto Sans" panose="020B0502040504020204" pitchFamily="34" charset="0"/>
+              <a:cs typeface="Noto Sans" panose="020B0502040504020204" pitchFamily="34" charset="0"/>
+            </a:endParaRPr>
+          </a:p>
+          <a:p>
+            <a:pPr marL="800100" lvl="1" indent="-342900" algn="just">
+              <a:buFont typeface="Arial" panose="020B0604020202020204" pitchFamily="34" charset="0"/>
+              <a:buChar char="•"/>
+            </a:pPr>
+            <a:endParaRPr lang="en-US" sz="1200" dirty="0">
+              <a:latin typeface="Noto Sans" panose="020B0502040504020204" pitchFamily="34" charset="0"/>
+              <a:ea typeface="Noto Sans" panose="020B0502040504020204" pitchFamily="34" charset="0"/>
+              <a:cs typeface="Noto Sans" panose="020B0502040504020204" pitchFamily="34" charset="0"/>
+            </a:endParaRPr>
+          </a:p>
+          <a:p>
+            <a:pPr marL="800100" lvl="1" indent="-342900" algn="just">
+              <a:buFont typeface="Arial" panose="020B0604020202020204" pitchFamily="34" charset="0"/>
+              <a:buChar char="•"/>
+            </a:pPr>
+            <a:r>
+              <a:rPr lang="en-US" sz="1200" dirty="0">
                 <a:latin typeface="Noto Sans" panose="020B0502040504020204" pitchFamily="34" charset="0"/>
                 <a:ea typeface="Noto Sans" panose="020B0502040504020204" pitchFamily="34" charset="0"/>
                 <a:cs typeface="Noto Sans" panose="020B0502040504020204" pitchFamily="34" charset="0"/>
@@ -7513,52 +8303,52 @@
               <a:buFont typeface="Arial" panose="020B0604020202020204" pitchFamily="34" charset="0"/>
               <a:buChar char="•"/>
             </a:pPr>
-            <a:endParaRPr lang="en-US" sz="1200">
-              <a:latin typeface="Noto Sans" panose="020B0502040504020204" pitchFamily="34" charset="0"/>
-              <a:ea typeface="Noto Sans" panose="020B0502040504020204" pitchFamily="34" charset="0"/>
-              <a:cs typeface="Noto Sans" panose="020B0502040504020204" pitchFamily="34" charset="0"/>
-            </a:endParaRPr>
-          </a:p>
-          <a:p>
-            <a:pPr marL="800100" lvl="1" indent="-342900" algn="just">
-              <a:buFont typeface="Arial" panose="020B0604020202020204" pitchFamily="34" charset="0"/>
-              <a:buChar char="•"/>
-            </a:pPr>
-            <a:endParaRPr lang="en-US" sz="1200">
-              <a:latin typeface="Noto Sans" panose="020B0502040504020204" pitchFamily="34" charset="0"/>
-              <a:ea typeface="Noto Sans" panose="020B0502040504020204" pitchFamily="34" charset="0"/>
-              <a:cs typeface="Noto Sans" panose="020B0502040504020204" pitchFamily="34" charset="0"/>
-            </a:endParaRPr>
-          </a:p>
-          <a:p>
-            <a:pPr marL="800100" lvl="1" indent="-342900" algn="just">
-              <a:buFont typeface="Arial" panose="020B0604020202020204" pitchFamily="34" charset="0"/>
-              <a:buChar char="•"/>
-            </a:pPr>
-            <a:endParaRPr lang="en-US" sz="1200">
-              <a:latin typeface="Noto Sans" panose="020B0502040504020204" pitchFamily="34" charset="0"/>
-              <a:ea typeface="Noto Sans" panose="020B0502040504020204" pitchFamily="34" charset="0"/>
-              <a:cs typeface="Noto Sans" panose="020B0502040504020204" pitchFamily="34" charset="0"/>
-            </a:endParaRPr>
-          </a:p>
-          <a:p>
-            <a:pPr marL="800100" lvl="1" indent="-342900" algn="just">
-              <a:buFont typeface="Arial" panose="020B0604020202020204" pitchFamily="34" charset="0"/>
-              <a:buChar char="•"/>
-            </a:pPr>
-            <a:endParaRPr lang="en-US" sz="1200">
-              <a:latin typeface="Noto Sans" panose="020B0502040504020204" pitchFamily="34" charset="0"/>
-              <a:ea typeface="Noto Sans" panose="020B0502040504020204" pitchFamily="34" charset="0"/>
-              <a:cs typeface="Noto Sans" panose="020B0502040504020204" pitchFamily="34" charset="0"/>
-            </a:endParaRPr>
-          </a:p>
-          <a:p>
-            <a:pPr marL="800100" lvl="1" indent="-342900" algn="just">
-              <a:buFont typeface="Arial" panose="020B0604020202020204" pitchFamily="34" charset="0"/>
-              <a:buChar char="•"/>
-            </a:pPr>
-            <a:r>
-              <a:rPr lang="en-US" sz="1200">
+            <a:endParaRPr lang="en-US" sz="1200" dirty="0">
+              <a:latin typeface="Noto Sans" panose="020B0502040504020204" pitchFamily="34" charset="0"/>
+              <a:ea typeface="Noto Sans" panose="020B0502040504020204" pitchFamily="34" charset="0"/>
+              <a:cs typeface="Noto Sans" panose="020B0502040504020204" pitchFamily="34" charset="0"/>
+            </a:endParaRPr>
+          </a:p>
+          <a:p>
+            <a:pPr marL="800100" lvl="1" indent="-342900" algn="just">
+              <a:buFont typeface="Arial" panose="020B0604020202020204" pitchFamily="34" charset="0"/>
+              <a:buChar char="•"/>
+            </a:pPr>
+            <a:endParaRPr lang="en-US" sz="1200" dirty="0">
+              <a:latin typeface="Noto Sans" panose="020B0502040504020204" pitchFamily="34" charset="0"/>
+              <a:ea typeface="Noto Sans" panose="020B0502040504020204" pitchFamily="34" charset="0"/>
+              <a:cs typeface="Noto Sans" panose="020B0502040504020204" pitchFamily="34" charset="0"/>
+            </a:endParaRPr>
+          </a:p>
+          <a:p>
+            <a:pPr marL="800100" lvl="1" indent="-342900" algn="just">
+              <a:buFont typeface="Arial" panose="020B0604020202020204" pitchFamily="34" charset="0"/>
+              <a:buChar char="•"/>
+            </a:pPr>
+            <a:endParaRPr lang="en-US" sz="1200" dirty="0">
+              <a:latin typeface="Noto Sans" panose="020B0502040504020204" pitchFamily="34" charset="0"/>
+              <a:ea typeface="Noto Sans" panose="020B0502040504020204" pitchFamily="34" charset="0"/>
+              <a:cs typeface="Noto Sans" panose="020B0502040504020204" pitchFamily="34" charset="0"/>
+            </a:endParaRPr>
+          </a:p>
+          <a:p>
+            <a:pPr marL="800100" lvl="1" indent="-342900" algn="just">
+              <a:buFont typeface="Arial" panose="020B0604020202020204" pitchFamily="34" charset="0"/>
+              <a:buChar char="•"/>
+            </a:pPr>
+            <a:endParaRPr lang="en-US" sz="1200" dirty="0">
+              <a:latin typeface="Noto Sans" panose="020B0502040504020204" pitchFamily="34" charset="0"/>
+              <a:ea typeface="Noto Sans" panose="020B0502040504020204" pitchFamily="34" charset="0"/>
+              <a:cs typeface="Noto Sans" panose="020B0502040504020204" pitchFamily="34" charset="0"/>
+            </a:endParaRPr>
+          </a:p>
+          <a:p>
+            <a:pPr marL="800100" lvl="1" indent="-342900" algn="just">
+              <a:buFont typeface="Arial" panose="020B0604020202020204" pitchFamily="34" charset="0"/>
+              <a:buChar char="•"/>
+            </a:pPr>
+            <a:r>
+              <a:rPr lang="en-US" sz="1200" dirty="0">
                 <a:latin typeface="Noto Sans" panose="020B0502040504020204" pitchFamily="34" charset="0"/>
                 <a:ea typeface="Noto Sans" panose="020B0502040504020204" pitchFamily="34" charset="0"/>
                 <a:cs typeface="Noto Sans" panose="020B0502040504020204" pitchFamily="34" charset="0"/>
@@ -7571,52 +8361,52 @@
               <a:buFont typeface="Arial" panose="020B0604020202020204" pitchFamily="34" charset="0"/>
               <a:buChar char="•"/>
             </a:pPr>
-            <a:endParaRPr lang="en-US" sz="1200">
-              <a:latin typeface="Noto Sans" panose="020B0502040504020204" pitchFamily="34" charset="0"/>
-              <a:ea typeface="Noto Sans" panose="020B0502040504020204" pitchFamily="34" charset="0"/>
-              <a:cs typeface="Noto Sans" panose="020B0502040504020204" pitchFamily="34" charset="0"/>
-            </a:endParaRPr>
-          </a:p>
-          <a:p>
-            <a:pPr marL="800100" lvl="1" indent="-342900" algn="just">
-              <a:buFont typeface="Arial" panose="020B0604020202020204" pitchFamily="34" charset="0"/>
-              <a:buChar char="•"/>
-            </a:pPr>
-            <a:endParaRPr lang="en-US" sz="1200">
-              <a:latin typeface="Noto Sans" panose="020B0502040504020204" pitchFamily="34" charset="0"/>
-              <a:ea typeface="Noto Sans" panose="020B0502040504020204" pitchFamily="34" charset="0"/>
-              <a:cs typeface="Noto Sans" panose="020B0502040504020204" pitchFamily="34" charset="0"/>
-            </a:endParaRPr>
-          </a:p>
-          <a:p>
-            <a:pPr marL="800100" lvl="1" indent="-342900" algn="just">
-              <a:buFont typeface="Arial" panose="020B0604020202020204" pitchFamily="34" charset="0"/>
-              <a:buChar char="•"/>
-            </a:pPr>
-            <a:endParaRPr lang="en-US" sz="1200">
-              <a:latin typeface="Noto Sans" panose="020B0502040504020204" pitchFamily="34" charset="0"/>
-              <a:ea typeface="Noto Sans" panose="020B0502040504020204" pitchFamily="34" charset="0"/>
-              <a:cs typeface="Noto Sans" panose="020B0502040504020204" pitchFamily="34" charset="0"/>
-            </a:endParaRPr>
-          </a:p>
-          <a:p>
-            <a:pPr marL="800100" lvl="1" indent="-342900" algn="just">
-              <a:buFont typeface="Arial" panose="020B0604020202020204" pitchFamily="34" charset="0"/>
-              <a:buChar char="•"/>
-            </a:pPr>
-            <a:endParaRPr lang="en-US" sz="1200">
-              <a:latin typeface="Noto Sans" panose="020B0502040504020204" pitchFamily="34" charset="0"/>
-              <a:ea typeface="Noto Sans" panose="020B0502040504020204" pitchFamily="34" charset="0"/>
-              <a:cs typeface="Noto Sans" panose="020B0502040504020204" pitchFamily="34" charset="0"/>
-            </a:endParaRPr>
-          </a:p>
-          <a:p>
-            <a:pPr marL="800100" lvl="1" indent="-342900" algn="just">
-              <a:buFont typeface="Arial" panose="020B0604020202020204" pitchFamily="34" charset="0"/>
-              <a:buChar char="•"/>
-            </a:pPr>
-            <a:r>
-              <a:rPr lang="en-US" sz="1200">
+            <a:endParaRPr lang="en-US" sz="1200" dirty="0">
+              <a:latin typeface="Noto Sans" panose="020B0502040504020204" pitchFamily="34" charset="0"/>
+              <a:ea typeface="Noto Sans" panose="020B0502040504020204" pitchFamily="34" charset="0"/>
+              <a:cs typeface="Noto Sans" panose="020B0502040504020204" pitchFamily="34" charset="0"/>
+            </a:endParaRPr>
+          </a:p>
+          <a:p>
+            <a:pPr marL="800100" lvl="1" indent="-342900" algn="just">
+              <a:buFont typeface="Arial" panose="020B0604020202020204" pitchFamily="34" charset="0"/>
+              <a:buChar char="•"/>
+            </a:pPr>
+            <a:endParaRPr lang="en-US" sz="1200" dirty="0">
+              <a:latin typeface="Noto Sans" panose="020B0502040504020204" pitchFamily="34" charset="0"/>
+              <a:ea typeface="Noto Sans" panose="020B0502040504020204" pitchFamily="34" charset="0"/>
+              <a:cs typeface="Noto Sans" panose="020B0502040504020204" pitchFamily="34" charset="0"/>
+            </a:endParaRPr>
+          </a:p>
+          <a:p>
+            <a:pPr marL="800100" lvl="1" indent="-342900" algn="just">
+              <a:buFont typeface="Arial" panose="020B0604020202020204" pitchFamily="34" charset="0"/>
+              <a:buChar char="•"/>
+            </a:pPr>
+            <a:endParaRPr lang="en-US" sz="1200" dirty="0">
+              <a:latin typeface="Noto Sans" panose="020B0502040504020204" pitchFamily="34" charset="0"/>
+              <a:ea typeface="Noto Sans" panose="020B0502040504020204" pitchFamily="34" charset="0"/>
+              <a:cs typeface="Noto Sans" panose="020B0502040504020204" pitchFamily="34" charset="0"/>
+            </a:endParaRPr>
+          </a:p>
+          <a:p>
+            <a:pPr marL="800100" lvl="1" indent="-342900" algn="just">
+              <a:buFont typeface="Arial" panose="020B0604020202020204" pitchFamily="34" charset="0"/>
+              <a:buChar char="•"/>
+            </a:pPr>
+            <a:endParaRPr lang="en-US" sz="1200" dirty="0">
+              <a:latin typeface="Noto Sans" panose="020B0502040504020204" pitchFamily="34" charset="0"/>
+              <a:ea typeface="Noto Sans" panose="020B0502040504020204" pitchFamily="34" charset="0"/>
+              <a:cs typeface="Noto Sans" panose="020B0502040504020204" pitchFamily="34" charset="0"/>
+            </a:endParaRPr>
+          </a:p>
+          <a:p>
+            <a:pPr marL="800100" lvl="1" indent="-342900" algn="just">
+              <a:buFont typeface="Arial" panose="020B0604020202020204" pitchFamily="34" charset="0"/>
+              <a:buChar char="•"/>
+            </a:pPr>
+            <a:r>
+              <a:rPr lang="en-US" sz="1200" dirty="0">
                 <a:latin typeface="Noto Sans" panose="020B0502040504020204" pitchFamily="34" charset="0"/>
                 <a:ea typeface="Noto Sans" panose="020B0502040504020204" pitchFamily="34" charset="0"/>
                 <a:cs typeface="Noto Sans" panose="020B0502040504020204" pitchFamily="34" charset="0"/>
@@ -7629,41 +8419,41 @@
               <a:buFont typeface="Arial" panose="020B0604020202020204" pitchFamily="34" charset="0"/>
               <a:buChar char="•"/>
             </a:pPr>
-            <a:endParaRPr lang="en-US" sz="1200">
-              <a:latin typeface="Noto Sans" panose="020B0502040504020204" pitchFamily="34" charset="0"/>
-              <a:ea typeface="Noto Sans" panose="020B0502040504020204" pitchFamily="34" charset="0"/>
-              <a:cs typeface="Noto Sans" panose="020B0502040504020204" pitchFamily="34" charset="0"/>
-            </a:endParaRPr>
-          </a:p>
-          <a:p>
-            <a:pPr marL="800100" lvl="1" indent="-342900" algn="just">
-              <a:buFont typeface="Arial" panose="020B0604020202020204" pitchFamily="34" charset="0"/>
-              <a:buChar char="•"/>
-            </a:pPr>
-            <a:endParaRPr lang="en-US" sz="1200">
-              <a:latin typeface="Noto Sans" panose="020B0502040504020204" pitchFamily="34" charset="0"/>
-              <a:ea typeface="Noto Sans" panose="020B0502040504020204" pitchFamily="34" charset="0"/>
-              <a:cs typeface="Noto Sans" panose="020B0502040504020204" pitchFamily="34" charset="0"/>
-            </a:endParaRPr>
-          </a:p>
-          <a:p>
-            <a:pPr marL="800100" lvl="1" indent="-342900" algn="just">
-              <a:buFont typeface="Arial" panose="020B0604020202020204" pitchFamily="34" charset="0"/>
-              <a:buChar char="•"/>
-            </a:pPr>
-            <a:endParaRPr lang="en-US" sz="1200">
-              <a:latin typeface="Noto Sans" panose="020B0502040504020204" pitchFamily="34" charset="0"/>
-              <a:ea typeface="Noto Sans" panose="020B0502040504020204" pitchFamily="34" charset="0"/>
-              <a:cs typeface="Noto Sans" panose="020B0502040504020204" pitchFamily="34" charset="0"/>
-            </a:endParaRPr>
-          </a:p>
-          <a:p>
-            <a:pPr marL="800100" lvl="1" indent="-342900" algn="just">
-              <a:buFont typeface="Arial" panose="020B0604020202020204" pitchFamily="34" charset="0"/>
-              <a:buChar char="•"/>
-            </a:pPr>
-            <a:r>
-              <a:rPr lang="en-US" sz="1200">
+            <a:endParaRPr lang="en-US" sz="1200" dirty="0">
+              <a:latin typeface="Noto Sans" panose="020B0502040504020204" pitchFamily="34" charset="0"/>
+              <a:ea typeface="Noto Sans" panose="020B0502040504020204" pitchFamily="34" charset="0"/>
+              <a:cs typeface="Noto Sans" panose="020B0502040504020204" pitchFamily="34" charset="0"/>
+            </a:endParaRPr>
+          </a:p>
+          <a:p>
+            <a:pPr marL="800100" lvl="1" indent="-342900" algn="just">
+              <a:buFont typeface="Arial" panose="020B0604020202020204" pitchFamily="34" charset="0"/>
+              <a:buChar char="•"/>
+            </a:pPr>
+            <a:endParaRPr lang="en-US" sz="1200" dirty="0">
+              <a:latin typeface="Noto Sans" panose="020B0502040504020204" pitchFamily="34" charset="0"/>
+              <a:ea typeface="Noto Sans" panose="020B0502040504020204" pitchFamily="34" charset="0"/>
+              <a:cs typeface="Noto Sans" panose="020B0502040504020204" pitchFamily="34" charset="0"/>
+            </a:endParaRPr>
+          </a:p>
+          <a:p>
+            <a:pPr marL="800100" lvl="1" indent="-342900" algn="just">
+              <a:buFont typeface="Arial" panose="020B0604020202020204" pitchFamily="34" charset="0"/>
+              <a:buChar char="•"/>
+            </a:pPr>
+            <a:endParaRPr lang="en-US" sz="1200" dirty="0">
+              <a:latin typeface="Noto Sans" panose="020B0502040504020204" pitchFamily="34" charset="0"/>
+              <a:ea typeface="Noto Sans" panose="020B0502040504020204" pitchFamily="34" charset="0"/>
+              <a:cs typeface="Noto Sans" panose="020B0502040504020204" pitchFamily="34" charset="0"/>
+            </a:endParaRPr>
+          </a:p>
+          <a:p>
+            <a:pPr marL="800100" lvl="1" indent="-342900" algn="just">
+              <a:buFont typeface="Arial" panose="020B0604020202020204" pitchFamily="34" charset="0"/>
+              <a:buChar char="•"/>
+            </a:pPr>
+            <a:r>
+              <a:rPr lang="en-US" sz="1200" dirty="0">
                 <a:latin typeface="Noto Sans" panose="020B0502040504020204" pitchFamily="34" charset="0"/>
                 <a:ea typeface="Noto Sans" panose="020B0502040504020204" pitchFamily="34" charset="0"/>
                 <a:cs typeface="Noto Sans" panose="020B0502040504020204" pitchFamily="34" charset="0"/>

--- a/ICT-171 Documentation.pptx
+++ b/ICT-171 Documentation.pptx
@@ -4,15 +4,19 @@
   <p:sldMasterIdLst>
     <p:sldMasterId id="2147483660" r:id="rId1"/>
   </p:sldMasterIdLst>
+  <p:notesMasterIdLst>
+    <p:notesMasterId r:id="rId11"/>
+  </p:notesMasterIdLst>
   <p:sldIdLst>
     <p:sldId id="257" r:id="rId2"/>
-    <p:sldId id="264" r:id="rId3"/>
-    <p:sldId id="258" r:id="rId4"/>
-    <p:sldId id="259" r:id="rId5"/>
-    <p:sldId id="260" r:id="rId6"/>
-    <p:sldId id="261" r:id="rId7"/>
-    <p:sldId id="262" r:id="rId8"/>
-    <p:sldId id="263" r:id="rId9"/>
+    <p:sldId id="265" r:id="rId3"/>
+    <p:sldId id="264" r:id="rId4"/>
+    <p:sldId id="258" r:id="rId5"/>
+    <p:sldId id="259" r:id="rId6"/>
+    <p:sldId id="260" r:id="rId7"/>
+    <p:sldId id="261" r:id="rId8"/>
+    <p:sldId id="262" r:id="rId9"/>
+    <p:sldId id="263" r:id="rId10"/>
   </p:sldIdLst>
   <p:sldSz cx="6858000" cy="9906000" type="A4"/>
   <p:notesSz cx="6858000" cy="9144000"/>
@@ -119,6 +123,356 @@
 </p:presentation>
 </file>
 
+<file path=ppt/notesMasters/notesMaster1.xml><?xml version="1.0" encoding="utf-8"?>
+<p:notesMaster xmlns:a="http://schemas.openxmlformats.org/drawingml/2006/main" xmlns:r="http://schemas.openxmlformats.org/officeDocument/2006/relationships" xmlns:p="http://schemas.openxmlformats.org/presentationml/2006/main">
+  <p:cSld>
+    <p:bg>
+      <p:bgRef idx="1001">
+        <a:schemeClr val="bg1"/>
+      </p:bgRef>
+    </p:bg>
+    <p:spTree>
+      <p:nvGrpSpPr>
+        <p:cNvPr id="1" name=""/>
+        <p:cNvGrpSpPr/>
+        <p:nvPr/>
+      </p:nvGrpSpPr>
+      <p:grpSpPr>
+        <a:xfrm>
+          <a:off x="0" y="0"/>
+          <a:ext cx="0" cy="0"/>
+          <a:chOff x="0" y="0"/>
+          <a:chExt cx="0" cy="0"/>
+        </a:xfrm>
+      </p:grpSpPr>
+      <p:sp>
+        <p:nvSpPr>
+          <p:cNvPr id="2" name="Header Placeholder 1"/>
+          <p:cNvSpPr>
+            <a:spLocks noGrp="1"/>
+          </p:cNvSpPr>
+          <p:nvPr>
+            <p:ph type="hdr" sz="quarter"/>
+          </p:nvPr>
+        </p:nvSpPr>
+        <p:spPr>
+          <a:xfrm>
+            <a:off x="0" y="0"/>
+            <a:ext cx="2971800" cy="458788"/>
+          </a:xfrm>
+          <a:prstGeom prst="rect">
+            <a:avLst/>
+          </a:prstGeom>
+        </p:spPr>
+        <p:txBody>
+          <a:bodyPr vert="horz" lIns="91440" tIns="45720" rIns="91440" bIns="45720" rtlCol="0"/>
+          <a:lstStyle>
+            <a:lvl1pPr algn="l">
+              <a:defRPr sz="1200"/>
+            </a:lvl1pPr>
+          </a:lstStyle>
+          <a:p>
+            <a:endParaRPr lang="en-AE"/>
+          </a:p>
+        </p:txBody>
+      </p:sp>
+      <p:sp>
+        <p:nvSpPr>
+          <p:cNvPr id="3" name="Date Placeholder 2"/>
+          <p:cNvSpPr>
+            <a:spLocks noGrp="1"/>
+          </p:cNvSpPr>
+          <p:nvPr>
+            <p:ph type="dt" idx="1"/>
+          </p:nvPr>
+        </p:nvSpPr>
+        <p:spPr>
+          <a:xfrm>
+            <a:off x="3884613" y="0"/>
+            <a:ext cx="2971800" cy="458788"/>
+          </a:xfrm>
+          <a:prstGeom prst="rect">
+            <a:avLst/>
+          </a:prstGeom>
+        </p:spPr>
+        <p:txBody>
+          <a:bodyPr vert="horz" lIns="91440" tIns="45720" rIns="91440" bIns="45720" rtlCol="0"/>
+          <a:lstStyle>
+            <a:lvl1pPr algn="r">
+              <a:defRPr sz="1200"/>
+            </a:lvl1pPr>
+          </a:lstStyle>
+          <a:p>
+            <a:fld id="{4DEF92AB-CF2F-414A-8021-A8022C1F6510}" type="datetimeFigureOut">
+              <a:rPr lang="en-AE" smtClean="0"/>
+              <a:t>14/11/2023</a:t>
+            </a:fld>
+            <a:endParaRPr lang="en-AE"/>
+          </a:p>
+        </p:txBody>
+      </p:sp>
+      <p:sp>
+        <p:nvSpPr>
+          <p:cNvPr id="4" name="Slide Image Placeholder 3"/>
+          <p:cNvSpPr>
+            <a:spLocks noGrp="1" noRot="1" noChangeAspect="1"/>
+          </p:cNvSpPr>
+          <p:nvPr>
+            <p:ph type="sldImg" idx="2"/>
+          </p:nvPr>
+        </p:nvSpPr>
+        <p:spPr>
+          <a:xfrm>
+            <a:off x="2360613" y="1143000"/>
+            <a:ext cx="2136775" cy="3086100"/>
+          </a:xfrm>
+          <a:prstGeom prst="rect">
+            <a:avLst/>
+          </a:prstGeom>
+          <a:noFill/>
+          <a:ln w="12700">
+            <a:solidFill>
+              <a:prstClr val="black"/>
+            </a:solidFill>
+          </a:ln>
+        </p:spPr>
+        <p:txBody>
+          <a:bodyPr vert="horz" lIns="91440" tIns="45720" rIns="91440" bIns="45720" rtlCol="0" anchor="ctr"/>
+          <a:lstStyle/>
+          <a:p>
+            <a:endParaRPr lang="en-AE"/>
+          </a:p>
+        </p:txBody>
+      </p:sp>
+      <p:sp>
+        <p:nvSpPr>
+          <p:cNvPr id="5" name="Notes Placeholder 4"/>
+          <p:cNvSpPr>
+            <a:spLocks noGrp="1"/>
+          </p:cNvSpPr>
+          <p:nvPr>
+            <p:ph type="body" sz="quarter" idx="3"/>
+          </p:nvPr>
+        </p:nvSpPr>
+        <p:spPr>
+          <a:xfrm>
+            <a:off x="685800" y="4400550"/>
+            <a:ext cx="5486400" cy="3600450"/>
+          </a:xfrm>
+          <a:prstGeom prst="rect">
+            <a:avLst/>
+          </a:prstGeom>
+        </p:spPr>
+        <p:txBody>
+          <a:bodyPr vert="horz" lIns="91440" tIns="45720" rIns="91440" bIns="45720" rtlCol="0"/>
+          <a:lstStyle/>
+          <a:p>
+            <a:pPr lvl="0"/>
+            <a:r>
+              <a:rPr lang="en-US"/>
+              <a:t>Click to edit Master text styles</a:t>
+            </a:r>
+          </a:p>
+          <a:p>
+            <a:pPr lvl="1"/>
+            <a:r>
+              <a:rPr lang="en-US"/>
+              <a:t>Second level</a:t>
+            </a:r>
+          </a:p>
+          <a:p>
+            <a:pPr lvl="2"/>
+            <a:r>
+              <a:rPr lang="en-US"/>
+              <a:t>Third level</a:t>
+            </a:r>
+          </a:p>
+          <a:p>
+            <a:pPr lvl="3"/>
+            <a:r>
+              <a:rPr lang="en-US"/>
+              <a:t>Fourth level</a:t>
+            </a:r>
+          </a:p>
+          <a:p>
+            <a:pPr lvl="4"/>
+            <a:r>
+              <a:rPr lang="en-US"/>
+              <a:t>Fifth level</a:t>
+            </a:r>
+            <a:endParaRPr lang="en-AE"/>
+          </a:p>
+        </p:txBody>
+      </p:sp>
+      <p:sp>
+        <p:nvSpPr>
+          <p:cNvPr id="6" name="Footer Placeholder 5"/>
+          <p:cNvSpPr>
+            <a:spLocks noGrp="1"/>
+          </p:cNvSpPr>
+          <p:nvPr>
+            <p:ph type="ftr" sz="quarter" idx="4"/>
+          </p:nvPr>
+        </p:nvSpPr>
+        <p:spPr>
+          <a:xfrm>
+            <a:off x="0" y="8685213"/>
+            <a:ext cx="2971800" cy="458787"/>
+          </a:xfrm>
+          <a:prstGeom prst="rect">
+            <a:avLst/>
+          </a:prstGeom>
+        </p:spPr>
+        <p:txBody>
+          <a:bodyPr vert="horz" lIns="91440" tIns="45720" rIns="91440" bIns="45720" rtlCol="0" anchor="b"/>
+          <a:lstStyle>
+            <a:lvl1pPr algn="l">
+              <a:defRPr sz="1200"/>
+            </a:lvl1pPr>
+          </a:lstStyle>
+          <a:p>
+            <a:endParaRPr lang="en-AE"/>
+          </a:p>
+        </p:txBody>
+      </p:sp>
+      <p:sp>
+        <p:nvSpPr>
+          <p:cNvPr id="7" name="Slide Number Placeholder 6"/>
+          <p:cNvSpPr>
+            <a:spLocks noGrp="1"/>
+          </p:cNvSpPr>
+          <p:nvPr>
+            <p:ph type="sldNum" sz="quarter" idx="5"/>
+          </p:nvPr>
+        </p:nvSpPr>
+        <p:spPr>
+          <a:xfrm>
+            <a:off x="3884613" y="8685213"/>
+            <a:ext cx="2971800" cy="458787"/>
+          </a:xfrm>
+          <a:prstGeom prst="rect">
+            <a:avLst/>
+          </a:prstGeom>
+        </p:spPr>
+        <p:txBody>
+          <a:bodyPr vert="horz" lIns="91440" tIns="45720" rIns="91440" bIns="45720" rtlCol="0" anchor="b"/>
+          <a:lstStyle>
+            <a:lvl1pPr algn="r">
+              <a:defRPr sz="1200"/>
+            </a:lvl1pPr>
+          </a:lstStyle>
+          <a:p>
+            <a:fld id="{FA06D8E4-970D-4AC7-A808-6356B095CAFD}" type="slidenum">
+              <a:rPr lang="en-AE" smtClean="0"/>
+              <a:t>‹#›</a:t>
+            </a:fld>
+            <a:endParaRPr lang="en-AE"/>
+          </a:p>
+        </p:txBody>
+      </p:sp>
+    </p:spTree>
+    <p:extLst>
+      <p:ext uri="{BB962C8B-B14F-4D97-AF65-F5344CB8AC3E}">
+        <p14:creationId xmlns:p14="http://schemas.microsoft.com/office/powerpoint/2010/main" val="2748439227"/>
+      </p:ext>
+    </p:extLst>
+  </p:cSld>
+  <p:clrMap bg1="lt1" tx1="dk1" bg2="lt2" tx2="dk2" accent1="accent1" accent2="accent2" accent3="accent3" accent4="accent4" accent5="accent5" accent6="accent6" hlink="hlink" folHlink="folHlink"/>
+  <p:notesStyle>
+    <a:lvl1pPr marL="0" algn="l" defTabSz="914400" rtl="0" eaLnBrk="1" latinLnBrk="0" hangingPunct="1">
+      <a:defRPr sz="1200" kern="1200">
+        <a:solidFill>
+          <a:schemeClr val="tx1"/>
+        </a:solidFill>
+        <a:latin typeface="+mn-lt"/>
+        <a:ea typeface="+mn-ea"/>
+        <a:cs typeface="+mn-cs"/>
+      </a:defRPr>
+    </a:lvl1pPr>
+    <a:lvl2pPr marL="457200" algn="l" defTabSz="914400" rtl="0" eaLnBrk="1" latinLnBrk="0" hangingPunct="1">
+      <a:defRPr sz="1200" kern="1200">
+        <a:solidFill>
+          <a:schemeClr val="tx1"/>
+        </a:solidFill>
+        <a:latin typeface="+mn-lt"/>
+        <a:ea typeface="+mn-ea"/>
+        <a:cs typeface="+mn-cs"/>
+      </a:defRPr>
+    </a:lvl2pPr>
+    <a:lvl3pPr marL="914400" algn="l" defTabSz="914400" rtl="0" eaLnBrk="1" latinLnBrk="0" hangingPunct="1">
+      <a:defRPr sz="1200" kern="1200">
+        <a:solidFill>
+          <a:schemeClr val="tx1"/>
+        </a:solidFill>
+        <a:latin typeface="+mn-lt"/>
+        <a:ea typeface="+mn-ea"/>
+        <a:cs typeface="+mn-cs"/>
+      </a:defRPr>
+    </a:lvl3pPr>
+    <a:lvl4pPr marL="1371600" algn="l" defTabSz="914400" rtl="0" eaLnBrk="1" latinLnBrk="0" hangingPunct="1">
+      <a:defRPr sz="1200" kern="1200">
+        <a:solidFill>
+          <a:schemeClr val="tx1"/>
+        </a:solidFill>
+        <a:latin typeface="+mn-lt"/>
+        <a:ea typeface="+mn-ea"/>
+        <a:cs typeface="+mn-cs"/>
+      </a:defRPr>
+    </a:lvl4pPr>
+    <a:lvl5pPr marL="1828800" algn="l" defTabSz="914400" rtl="0" eaLnBrk="1" latinLnBrk="0" hangingPunct="1">
+      <a:defRPr sz="1200" kern="1200">
+        <a:solidFill>
+          <a:schemeClr val="tx1"/>
+        </a:solidFill>
+        <a:latin typeface="+mn-lt"/>
+        <a:ea typeface="+mn-ea"/>
+        <a:cs typeface="+mn-cs"/>
+      </a:defRPr>
+    </a:lvl5pPr>
+    <a:lvl6pPr marL="2286000" algn="l" defTabSz="914400" rtl="0" eaLnBrk="1" latinLnBrk="0" hangingPunct="1">
+      <a:defRPr sz="1200" kern="1200">
+        <a:solidFill>
+          <a:schemeClr val="tx1"/>
+        </a:solidFill>
+        <a:latin typeface="+mn-lt"/>
+        <a:ea typeface="+mn-ea"/>
+        <a:cs typeface="+mn-cs"/>
+      </a:defRPr>
+    </a:lvl6pPr>
+    <a:lvl7pPr marL="2743200" algn="l" defTabSz="914400" rtl="0" eaLnBrk="1" latinLnBrk="0" hangingPunct="1">
+      <a:defRPr sz="1200" kern="1200">
+        <a:solidFill>
+          <a:schemeClr val="tx1"/>
+        </a:solidFill>
+        <a:latin typeface="+mn-lt"/>
+        <a:ea typeface="+mn-ea"/>
+        <a:cs typeface="+mn-cs"/>
+      </a:defRPr>
+    </a:lvl7pPr>
+    <a:lvl8pPr marL="3200400" algn="l" defTabSz="914400" rtl="0" eaLnBrk="1" latinLnBrk="0" hangingPunct="1">
+      <a:defRPr sz="1200" kern="1200">
+        <a:solidFill>
+          <a:schemeClr val="tx1"/>
+        </a:solidFill>
+        <a:latin typeface="+mn-lt"/>
+        <a:ea typeface="+mn-ea"/>
+        <a:cs typeface="+mn-cs"/>
+      </a:defRPr>
+    </a:lvl8pPr>
+    <a:lvl9pPr marL="3657600" algn="l" defTabSz="914400" rtl="0" eaLnBrk="1" latinLnBrk="0" hangingPunct="1">
+      <a:defRPr sz="1200" kern="1200">
+        <a:solidFill>
+          <a:schemeClr val="tx1"/>
+        </a:solidFill>
+        <a:latin typeface="+mn-lt"/>
+        <a:ea typeface="+mn-ea"/>
+        <a:cs typeface="+mn-cs"/>
+      </a:defRPr>
+    </a:lvl9pPr>
+  </p:notesStyle>
+</p:notesMaster>
+</file>
+
 <file path=ppt/slideLayouts/slideLayout1.xml><?xml version="1.0" encoding="utf-8"?>
 <p:sldLayout xmlns:a="http://schemas.openxmlformats.org/drawingml/2006/main" xmlns:r="http://schemas.openxmlformats.org/officeDocument/2006/relationships" xmlns:p="http://schemas.openxmlformats.org/presentationml/2006/main" type="title" preserve="1">
   <p:cSld name="Title Slide">
@@ -250,7 +604,7 @@
           <a:p>
             <a:fld id="{A9E73C7F-A613-4BF5-9EC2-B6A3D6FC843C}" type="datetimeFigureOut">
               <a:rPr lang="en-AE" smtClean="0"/>
-              <a:t>13/11/2023</a:t>
+              <a:t>14/11/2023</a:t>
             </a:fld>
             <a:endParaRPr lang="en-AE"/>
           </a:p>
@@ -420,7 +774,7 @@
           <a:p>
             <a:fld id="{A9E73C7F-A613-4BF5-9EC2-B6A3D6FC843C}" type="datetimeFigureOut">
               <a:rPr lang="en-AE" smtClean="0"/>
-              <a:t>13/11/2023</a:t>
+              <a:t>14/11/2023</a:t>
             </a:fld>
             <a:endParaRPr lang="en-AE"/>
           </a:p>
@@ -600,7 +954,7 @@
           <a:p>
             <a:fld id="{A9E73C7F-A613-4BF5-9EC2-B6A3D6FC843C}" type="datetimeFigureOut">
               <a:rPr lang="en-AE" smtClean="0"/>
-              <a:t>13/11/2023</a:t>
+              <a:t>14/11/2023</a:t>
             </a:fld>
             <a:endParaRPr lang="en-AE"/>
           </a:p>
@@ -770,7 +1124,7 @@
           <a:p>
             <a:fld id="{A9E73C7F-A613-4BF5-9EC2-B6A3D6FC843C}" type="datetimeFigureOut">
               <a:rPr lang="en-AE" smtClean="0"/>
-              <a:t>13/11/2023</a:t>
+              <a:t>14/11/2023</a:t>
             </a:fld>
             <a:endParaRPr lang="en-AE"/>
           </a:p>
@@ -1014,7 +1368,7 @@
           <a:p>
             <a:fld id="{A9E73C7F-A613-4BF5-9EC2-B6A3D6FC843C}" type="datetimeFigureOut">
               <a:rPr lang="en-AE" smtClean="0"/>
-              <a:t>13/11/2023</a:t>
+              <a:t>14/11/2023</a:t>
             </a:fld>
             <a:endParaRPr lang="en-AE"/>
           </a:p>
@@ -1246,7 +1600,7 @@
           <a:p>
             <a:fld id="{A9E73C7F-A613-4BF5-9EC2-B6A3D6FC843C}" type="datetimeFigureOut">
               <a:rPr lang="en-AE" smtClean="0"/>
-              <a:t>13/11/2023</a:t>
+              <a:t>14/11/2023</a:t>
             </a:fld>
             <a:endParaRPr lang="en-AE"/>
           </a:p>
@@ -1613,7 +1967,7 @@
           <a:p>
             <a:fld id="{A9E73C7F-A613-4BF5-9EC2-B6A3D6FC843C}" type="datetimeFigureOut">
               <a:rPr lang="en-AE" smtClean="0"/>
-              <a:t>13/11/2023</a:t>
+              <a:t>14/11/2023</a:t>
             </a:fld>
             <a:endParaRPr lang="en-AE"/>
           </a:p>
@@ -1731,7 +2085,7 @@
           <a:p>
             <a:fld id="{A9E73C7F-A613-4BF5-9EC2-B6A3D6FC843C}" type="datetimeFigureOut">
               <a:rPr lang="en-AE" smtClean="0"/>
-              <a:t>13/11/2023</a:t>
+              <a:t>14/11/2023</a:t>
             </a:fld>
             <a:endParaRPr lang="en-AE"/>
           </a:p>
@@ -1826,7 +2180,7 @@
           <a:p>
             <a:fld id="{A9E73C7F-A613-4BF5-9EC2-B6A3D6FC843C}" type="datetimeFigureOut">
               <a:rPr lang="en-AE" smtClean="0"/>
-              <a:t>13/11/2023</a:t>
+              <a:t>14/11/2023</a:t>
             </a:fld>
             <a:endParaRPr lang="en-AE"/>
           </a:p>
@@ -2103,7 +2457,7 @@
           <a:p>
             <a:fld id="{A9E73C7F-A613-4BF5-9EC2-B6A3D6FC843C}" type="datetimeFigureOut">
               <a:rPr lang="en-AE" smtClean="0"/>
-              <a:t>13/11/2023</a:t>
+              <a:t>14/11/2023</a:t>
             </a:fld>
             <a:endParaRPr lang="en-AE"/>
           </a:p>
@@ -2360,7 +2714,7 @@
           <a:p>
             <a:fld id="{A9E73C7F-A613-4BF5-9EC2-B6A3D6FC843C}" type="datetimeFigureOut">
               <a:rPr lang="en-AE" smtClean="0"/>
-              <a:t>13/11/2023</a:t>
+              <a:t>14/11/2023</a:t>
             </a:fld>
             <a:endParaRPr lang="en-AE"/>
           </a:p>
@@ -2573,7 +2927,7 @@
           <a:p>
             <a:fld id="{A9E73C7F-A613-4BF5-9EC2-B6A3D6FC843C}" type="datetimeFigureOut">
               <a:rPr lang="en-AE" smtClean="0"/>
-              <a:t>13/11/2023</a:t>
+              <a:t>14/11/2023</a:t>
             </a:fld>
             <a:endParaRPr lang="en-AE"/>
           </a:p>
@@ -2993,7 +3347,7 @@
         <p:spPr>
           <a:xfrm>
             <a:off x="49530" y="114302"/>
-            <a:ext cx="6758940" cy="954107"/>
+            <a:ext cx="6758940" cy="3416320"/>
           </a:xfrm>
           <a:prstGeom prst="rect">
             <a:avLst/>
@@ -3016,13 +3370,13 @@
                 <a:ea typeface="Noto Sans" panose="020B0502040504020204" pitchFamily="34" charset="0"/>
                 <a:cs typeface="Noto Sans" panose="020B0502040504020204" pitchFamily="34" charset="0"/>
               </a:rPr>
-              <a:t>Food Ordering Website Documentation</a:t>
+              <a:t>ICT 171: Assignment 2</a:t>
             </a:r>
           </a:p>
           <a:p>
             <a:pPr algn="ctr"/>
             <a:r>
-              <a:rPr lang="en-US" sz="1600" b="1">
+              <a:rPr lang="en-US" sz="2400" b="1">
                 <a:solidFill>
                   <a:schemeClr val="accent1"/>
                 </a:solidFill>
@@ -3030,13 +3384,24 @@
                 <a:ea typeface="Noto Sans" panose="020B0502040504020204" pitchFamily="34" charset="0"/>
                 <a:cs typeface="Noto Sans" panose="020B0502040504020204" pitchFamily="34" charset="0"/>
               </a:rPr>
-              <a:t>By Gilchrist Candido Tavares</a:t>
+              <a:t>Cloud Project</a:t>
             </a:r>
           </a:p>
           <a:p>
             <a:pPr algn="ctr"/>
-            <a:r>
-              <a:rPr lang="en-US" sz="1600" b="1">
+            <a:endParaRPr lang="en-US" sz="2400" b="1">
+              <a:solidFill>
+                <a:schemeClr val="accent1"/>
+              </a:solidFill>
+              <a:latin typeface="Noto Sans" panose="020B0502040504020204" pitchFamily="34" charset="0"/>
+              <a:ea typeface="Noto Sans" panose="020B0502040504020204" pitchFamily="34" charset="0"/>
+              <a:cs typeface="Noto Sans" panose="020B0502040504020204" pitchFamily="34" charset="0"/>
+            </a:endParaRPr>
+          </a:p>
+          <a:p>
+            <a:pPr algn="ctr"/>
+            <a:r>
+              <a:rPr lang="en-US" sz="2400" b="1">
                 <a:solidFill>
                   <a:schemeClr val="accent1"/>
                 </a:solidFill>
@@ -3044,9 +3409,49 @@
                 <a:ea typeface="Noto Sans" panose="020B0502040504020204" pitchFamily="34" charset="0"/>
                 <a:cs typeface="Noto Sans" panose="020B0502040504020204" pitchFamily="34" charset="0"/>
               </a:rPr>
-              <a:t>35011841</a:t>
-            </a:r>
-            <a:endParaRPr lang="en-AE" sz="2000" b="1">
+              <a:t>Name : Gilchrist Candido Tavares</a:t>
+            </a:r>
+          </a:p>
+          <a:p>
+            <a:pPr algn="ctr"/>
+            <a:r>
+              <a:rPr lang="en-AE" sz="2400" b="1">
+                <a:solidFill>
+                  <a:schemeClr val="accent1"/>
+                </a:solidFill>
+                <a:latin typeface="Noto Sans" panose="020B0502040504020204" pitchFamily="34" charset="0"/>
+                <a:ea typeface="Noto Sans" panose="020B0502040504020204" pitchFamily="34" charset="0"/>
+                <a:cs typeface="Noto Sans" panose="020B0502040504020204" pitchFamily="34" charset="0"/>
+              </a:rPr>
+              <a:t>ID : 35011841</a:t>
+            </a:r>
+          </a:p>
+          <a:p>
+            <a:pPr algn="ctr"/>
+            <a:r>
+              <a:rPr lang="en-AE" sz="2400" b="1">
+                <a:solidFill>
+                  <a:schemeClr val="accent1"/>
+                </a:solidFill>
+                <a:latin typeface="Noto Sans" panose="020B0502040504020204" pitchFamily="34" charset="0"/>
+                <a:ea typeface="Noto Sans" panose="020B0502040504020204" pitchFamily="34" charset="0"/>
+                <a:cs typeface="Noto Sans" panose="020B0502040504020204" pitchFamily="34" charset="0"/>
+              </a:rPr>
+              <a:t>Domain name : </a:t>
+            </a:r>
+            <a:r>
+              <a:rPr lang="en-US" sz="2400" b="1">
+                <a:solidFill>
+                  <a:schemeClr val="accent1"/>
+                </a:solidFill>
+                <a:latin typeface="Noto Sans" panose="020B0502040504020204" pitchFamily="34" charset="0"/>
+                <a:ea typeface="Noto Sans" panose="020B0502040504020204" pitchFamily="34" charset="0"/>
+                <a:cs typeface="Noto Sans" panose="020B0502040504020204" pitchFamily="34" charset="0"/>
+                <a:hlinkClick r:id="rId2"/>
+              </a:rPr>
+              <a:t>www.gilfoodiehub.live</a:t>
+            </a:r>
+            <a:endParaRPr lang="en-US" sz="2400" b="1">
               <a:solidFill>
                 <a:schemeClr val="accent1"/>
               </a:solidFill>
@@ -3055,8 +3460,74 @@
               <a:cs typeface="Noto Sans" panose="020B0502040504020204" pitchFamily="34" charset="0"/>
             </a:endParaRPr>
           </a:p>
+          <a:p>
+            <a:pPr algn="ctr"/>
+            <a:r>
+              <a:rPr lang="en-US" sz="2400" b="1">
+                <a:solidFill>
+                  <a:schemeClr val="accent1"/>
+                </a:solidFill>
+                <a:latin typeface="Noto Sans" panose="020B0502040504020204" pitchFamily="34" charset="0"/>
+                <a:ea typeface="Noto Sans" panose="020B0502040504020204" pitchFamily="34" charset="0"/>
+                <a:cs typeface="Noto Sans" panose="020B0502040504020204" pitchFamily="34" charset="0"/>
+              </a:rPr>
+              <a:t>IP : 52.166.192.249</a:t>
+            </a:r>
+          </a:p>
+          <a:p>
+            <a:pPr algn="ctr"/>
+            <a:endParaRPr lang="en-US" sz="2400" b="1">
+              <a:solidFill>
+                <a:schemeClr val="accent1"/>
+              </a:solidFill>
+              <a:latin typeface="Noto Sans" panose="020B0502040504020204" pitchFamily="34" charset="0"/>
+              <a:ea typeface="Noto Sans" panose="020B0502040504020204" pitchFamily="34" charset="0"/>
+              <a:cs typeface="Noto Sans" panose="020B0502040504020204" pitchFamily="34" charset="0"/>
+            </a:endParaRPr>
+          </a:p>
+          <a:p>
+            <a:pPr algn="ctr"/>
+            <a:endParaRPr lang="en-AE" sz="2400" b="1">
+              <a:solidFill>
+                <a:schemeClr val="accent1"/>
+              </a:solidFill>
+              <a:latin typeface="Noto Sans" panose="020B0502040504020204" pitchFamily="34" charset="0"/>
+              <a:ea typeface="Noto Sans" panose="020B0502040504020204" pitchFamily="34" charset="0"/>
+              <a:cs typeface="Noto Sans" panose="020B0502040504020204" pitchFamily="34" charset="0"/>
+            </a:endParaRPr>
+          </a:p>
         </p:txBody>
       </p:sp>
+    </p:spTree>
+    <p:extLst>
+      <p:ext uri="{BB962C8B-B14F-4D97-AF65-F5344CB8AC3E}">
+        <p14:creationId xmlns:p14="http://schemas.microsoft.com/office/powerpoint/2010/main" val="1773881688"/>
+      </p:ext>
+    </p:extLst>
+  </p:cSld>
+  <p:clrMapOvr>
+    <a:masterClrMapping/>
+  </p:clrMapOvr>
+</p:sld>
+</file>
+
+<file path=ppt/slides/slide2.xml><?xml version="1.0" encoding="utf-8"?>
+<p:sld xmlns:a="http://schemas.openxmlformats.org/drawingml/2006/main" xmlns:r="http://schemas.openxmlformats.org/officeDocument/2006/relationships" xmlns:p="http://schemas.openxmlformats.org/presentationml/2006/main">
+  <p:cSld>
+    <p:spTree>
+      <p:nvGrpSpPr>
+        <p:cNvPr id="1" name=""/>
+        <p:cNvGrpSpPr/>
+        <p:nvPr/>
+      </p:nvGrpSpPr>
+      <p:grpSpPr>
+        <a:xfrm>
+          <a:off x="0" y="0"/>
+          <a:ext cx="0" cy="0"/>
+          <a:chOff x="0" y="0"/>
+          <a:chExt cx="0" cy="0"/>
+        </a:xfrm>
+      </p:grpSpPr>
       <p:sp>
         <p:nvSpPr>
           <p:cNvPr id="2" name="TextBox 1">
@@ -3904,7 +4375,7 @@
     </p:spTree>
     <p:extLst>
       <p:ext uri="{BB962C8B-B14F-4D97-AF65-F5344CB8AC3E}">
-        <p14:creationId xmlns:p14="http://schemas.microsoft.com/office/powerpoint/2010/main" val="1773881688"/>
+        <p14:creationId xmlns:p14="http://schemas.microsoft.com/office/powerpoint/2010/main" val="3882880487"/>
       </p:ext>
     </p:extLst>
   </p:cSld>
@@ -3914,7 +4385,7 @@
 </p:sld>
 </file>
 
-<file path=ppt/slides/slide2.xml><?xml version="1.0" encoding="utf-8"?>
+<file path=ppt/slides/slide3.xml><?xml version="1.0" encoding="utf-8"?>
 <p:sld xmlns:a="http://schemas.openxmlformats.org/drawingml/2006/main" xmlns:r="http://schemas.openxmlformats.org/officeDocument/2006/relationships" xmlns:p="http://schemas.openxmlformats.org/presentationml/2006/main">
   <p:cSld>
     <p:spTree>
@@ -4610,7 +5081,7 @@
 </p:sld>
 </file>
 
-<file path=ppt/slides/slide3.xml><?xml version="1.0" encoding="utf-8"?>
+<file path=ppt/slides/slide4.xml><?xml version="1.0" encoding="utf-8"?>
 <p:sld xmlns:a="http://schemas.openxmlformats.org/drawingml/2006/main" xmlns:r="http://schemas.openxmlformats.org/officeDocument/2006/relationships" xmlns:p="http://schemas.openxmlformats.org/presentationml/2006/main">
   <p:cSld>
     <p:spTree>
@@ -5420,7 +5891,7 @@
 </p:sld>
 </file>
 
-<file path=ppt/slides/slide4.xml><?xml version="1.0" encoding="utf-8"?>
+<file path=ppt/slides/slide5.xml><?xml version="1.0" encoding="utf-8"?>
 <p:sld xmlns:a="http://schemas.openxmlformats.org/drawingml/2006/main" xmlns:r="http://schemas.openxmlformats.org/officeDocument/2006/relationships" xmlns:p="http://schemas.openxmlformats.org/presentationml/2006/main">
   <p:cSld>
     <p:spTree>
@@ -6333,7 +6804,7 @@
 </p:sld>
 </file>
 
-<file path=ppt/slides/slide5.xml><?xml version="1.0" encoding="utf-8"?>
+<file path=ppt/slides/slide6.xml><?xml version="1.0" encoding="utf-8"?>
 <p:sld xmlns:a="http://schemas.openxmlformats.org/drawingml/2006/main" xmlns:r="http://schemas.openxmlformats.org/officeDocument/2006/relationships" xmlns:p="http://schemas.openxmlformats.org/presentationml/2006/main">
   <p:cSld>
     <p:spTree>
@@ -6983,7 +7454,7 @@
 </p:sld>
 </file>
 
-<file path=ppt/slides/slide6.xml><?xml version="1.0" encoding="utf-8"?>
+<file path=ppt/slides/slide7.xml><?xml version="1.0" encoding="utf-8"?>
 <p:sld xmlns:a="http://schemas.openxmlformats.org/drawingml/2006/main" xmlns:r="http://schemas.openxmlformats.org/officeDocument/2006/relationships" xmlns:p="http://schemas.openxmlformats.org/presentationml/2006/main">
   <p:cSld>
     <p:spTree>
@@ -7598,7 +8069,7 @@
 </p:sld>
 </file>
 
-<file path=ppt/slides/slide7.xml><?xml version="1.0" encoding="utf-8"?>
+<file path=ppt/slides/slide8.xml><?xml version="1.0" encoding="utf-8"?>
 <p:sld xmlns:a="http://schemas.openxmlformats.org/drawingml/2006/main" xmlns:r="http://schemas.openxmlformats.org/officeDocument/2006/relationships" xmlns:p="http://schemas.openxmlformats.org/presentationml/2006/main">
   <p:cSld>
     <p:spTree>
@@ -8102,7 +8573,7 @@
 </p:sld>
 </file>
 
-<file path=ppt/slides/slide8.xml><?xml version="1.0" encoding="utf-8"?>
+<file path=ppt/slides/slide9.xml><?xml version="1.0" encoding="utf-8"?>
 <p:sld xmlns:a="http://schemas.openxmlformats.org/drawingml/2006/main" xmlns:r="http://schemas.openxmlformats.org/officeDocument/2006/relationships" xmlns:p="http://schemas.openxmlformats.org/presentationml/2006/main">
   <p:cSld>
     <p:spTree>
@@ -8945,4 +9416,299 @@
     </a:ext>
   </a:extLst>
 </a:theme>
+</file>
+
+<file path=ppt/theme/theme2.xml><?xml version="1.0" encoding="utf-8"?>
+<a:theme xmlns:a="http://schemas.openxmlformats.org/drawingml/2006/main" name="Office Theme">
+  <a:themeElements>
+    <a:clrScheme name="Office">
+      <a:dk1>
+        <a:sysClr val="windowText" lastClr="000000"/>
+      </a:dk1>
+      <a:lt1>
+        <a:sysClr val="window" lastClr="FFFFFF"/>
+      </a:lt1>
+      <a:dk2>
+        <a:srgbClr val="44546A"/>
+      </a:dk2>
+      <a:lt2>
+        <a:srgbClr val="E7E6E6"/>
+      </a:lt2>
+      <a:accent1>
+        <a:srgbClr val="4472C4"/>
+      </a:accent1>
+      <a:accent2>
+        <a:srgbClr val="ED7D31"/>
+      </a:accent2>
+      <a:accent3>
+        <a:srgbClr val="A5A5A5"/>
+      </a:accent3>
+      <a:accent4>
+        <a:srgbClr val="FFC000"/>
+      </a:accent4>
+      <a:accent5>
+        <a:srgbClr val="5B9BD5"/>
+      </a:accent5>
+      <a:accent6>
+        <a:srgbClr val="70AD47"/>
+      </a:accent6>
+      <a:hlink>
+        <a:srgbClr val="0563C1"/>
+      </a:hlink>
+      <a:folHlink>
+        <a:srgbClr val="954F72"/>
+      </a:folHlink>
+    </a:clrScheme>
+    <a:fontScheme name="Office">
+      <a:majorFont>
+        <a:latin typeface="Calibri Light" panose="020F0302020204030204"/>
+        <a:ea typeface=""/>
+        <a:cs typeface=""/>
+        <a:font script="Jpan" typeface="游ゴシック Light"/>
+        <a:font script="Hang" typeface="맑은 고딕"/>
+        <a:font script="Hans" typeface="等线 Light"/>
+        <a:font script="Hant" typeface="新細明體"/>
+        <a:font script="Arab" typeface="Times New Roman"/>
+        <a:font script="Hebr" typeface="Times New Roman"/>
+        <a:font script="Thai" typeface="Angsana New"/>
+        <a:font script="Ethi" typeface="Nyala"/>
+        <a:font script="Beng" typeface="Vrinda"/>
+        <a:font script="Gujr" typeface="Shruti"/>
+        <a:font script="Khmr" typeface="MoolBoran"/>
+        <a:font script="Knda" typeface="Tunga"/>
+        <a:font script="Guru" typeface="Raavi"/>
+        <a:font script="Cans" typeface="Euphemia"/>
+        <a:font script="Cher" typeface="Plantagenet Cherokee"/>
+        <a:font script="Yiii" typeface="Microsoft Yi Baiti"/>
+        <a:font script="Tibt" typeface="Microsoft Himalaya"/>
+        <a:font script="Thaa" typeface="MV Boli"/>
+        <a:font script="Deva" typeface="Mangal"/>
+        <a:font script="Telu" typeface="Gautami"/>
+        <a:font script="Taml" typeface="Latha"/>
+        <a:font script="Syrc" typeface="Estrangelo Edessa"/>
+        <a:font script="Orya" typeface="Kalinga"/>
+        <a:font script="Mlym" typeface="Kartika"/>
+        <a:font script="Laoo" typeface="DokChampa"/>
+        <a:font script="Sinh" typeface="Iskoola Pota"/>
+        <a:font script="Mong" typeface="Mongolian Baiti"/>
+        <a:font script="Viet" typeface="Times New Roman"/>
+        <a:font script="Uigh" typeface="Microsoft Uighur"/>
+        <a:font script="Geor" typeface="Sylfaen"/>
+        <a:font script="Armn" typeface="Arial"/>
+        <a:font script="Bugi" typeface="Leelawadee UI"/>
+        <a:font script="Bopo" typeface="Microsoft JhengHei"/>
+        <a:font script="Java" typeface="Javanese Text"/>
+        <a:font script="Lisu" typeface="Segoe UI"/>
+        <a:font script="Mymr" typeface="Myanmar Text"/>
+        <a:font script="Nkoo" typeface="Ebrima"/>
+        <a:font script="Olck" typeface="Nirmala UI"/>
+        <a:font script="Osma" typeface="Ebrima"/>
+        <a:font script="Phag" typeface="Phagspa"/>
+        <a:font script="Syrn" typeface="Estrangelo Edessa"/>
+        <a:font script="Syrj" typeface="Estrangelo Edessa"/>
+        <a:font script="Syre" typeface="Estrangelo Edessa"/>
+        <a:font script="Sora" typeface="Nirmala UI"/>
+        <a:font script="Tale" typeface="Microsoft Tai Le"/>
+        <a:font script="Talu" typeface="Microsoft New Tai Lue"/>
+        <a:font script="Tfng" typeface="Ebrima"/>
+      </a:majorFont>
+      <a:minorFont>
+        <a:latin typeface="Calibri" panose="020F0502020204030204"/>
+        <a:ea typeface=""/>
+        <a:cs typeface=""/>
+        <a:font script="Jpan" typeface="游ゴシック"/>
+        <a:font script="Hang" typeface="맑은 고딕"/>
+        <a:font script="Hans" typeface="等线"/>
+        <a:font script="Hant" typeface="新細明體"/>
+        <a:font script="Arab" typeface="Arial"/>
+        <a:font script="Hebr" typeface="Arial"/>
+        <a:font script="Thai" typeface="Cordia New"/>
+        <a:font script="Ethi" typeface="Nyala"/>
+        <a:font script="Beng" typeface="Vrinda"/>
+        <a:font script="Gujr" typeface="Shruti"/>
+        <a:font script="Khmr" typeface="DaunPenh"/>
+        <a:font script="Knda" typeface="Tunga"/>
+        <a:font script="Guru" typeface="Raavi"/>
+        <a:font script="Cans" typeface="Euphemia"/>
+        <a:font script="Cher" typeface="Plantagenet Cherokee"/>
+        <a:font script="Yiii" typeface="Microsoft Yi Baiti"/>
+        <a:font script="Tibt" typeface="Microsoft Himalaya"/>
+        <a:font script="Thaa" typeface="MV Boli"/>
+        <a:font script="Deva" typeface="Mangal"/>
+        <a:font script="Telu" typeface="Gautami"/>
+        <a:font script="Taml" typeface="Latha"/>
+        <a:font script="Syrc" typeface="Estrangelo Edessa"/>
+        <a:font script="Orya" typeface="Kalinga"/>
+        <a:font script="Mlym" typeface="Kartika"/>
+        <a:font script="Laoo" typeface="DokChampa"/>
+        <a:font script="Sinh" typeface="Iskoola Pota"/>
+        <a:font script="Mong" typeface="Mongolian Baiti"/>
+        <a:font script="Viet" typeface="Arial"/>
+        <a:font script="Uigh" typeface="Microsoft Uighur"/>
+        <a:font script="Geor" typeface="Sylfaen"/>
+        <a:font script="Armn" typeface="Arial"/>
+        <a:font script="Bugi" typeface="Leelawadee UI"/>
+        <a:font script="Bopo" typeface="Microsoft JhengHei"/>
+        <a:font script="Java" typeface="Javanese Text"/>
+        <a:font script="Lisu" typeface="Segoe UI"/>
+        <a:font script="Mymr" typeface="Myanmar Text"/>
+        <a:font script="Nkoo" typeface="Ebrima"/>
+        <a:font script="Olck" typeface="Nirmala UI"/>
+        <a:font script="Osma" typeface="Ebrima"/>
+        <a:font script="Phag" typeface="Phagspa"/>
+        <a:font script="Syrn" typeface="Estrangelo Edessa"/>
+        <a:font script="Syrj" typeface="Estrangelo Edessa"/>
+        <a:font script="Syre" typeface="Estrangelo Edessa"/>
+        <a:font script="Sora" typeface="Nirmala UI"/>
+        <a:font script="Tale" typeface="Microsoft Tai Le"/>
+        <a:font script="Talu" typeface="Microsoft New Tai Lue"/>
+        <a:font script="Tfng" typeface="Ebrima"/>
+      </a:minorFont>
+    </a:fontScheme>
+    <a:fmtScheme name="Office">
+      <a:fillStyleLst>
+        <a:solidFill>
+          <a:schemeClr val="phClr"/>
+        </a:solidFill>
+        <a:gradFill rotWithShape="1">
+          <a:gsLst>
+            <a:gs pos="0">
+              <a:schemeClr val="phClr">
+                <a:lumMod val="110000"/>
+                <a:satMod val="105000"/>
+                <a:tint val="67000"/>
+              </a:schemeClr>
+            </a:gs>
+            <a:gs pos="50000">
+              <a:schemeClr val="phClr">
+                <a:lumMod val="105000"/>
+                <a:satMod val="103000"/>
+                <a:tint val="73000"/>
+              </a:schemeClr>
+            </a:gs>
+            <a:gs pos="100000">
+              <a:schemeClr val="phClr">
+                <a:lumMod val="105000"/>
+                <a:satMod val="109000"/>
+                <a:tint val="81000"/>
+              </a:schemeClr>
+            </a:gs>
+          </a:gsLst>
+          <a:lin ang="5400000" scaled="0"/>
+        </a:gradFill>
+        <a:gradFill rotWithShape="1">
+          <a:gsLst>
+            <a:gs pos="0">
+              <a:schemeClr val="phClr">
+                <a:satMod val="103000"/>
+                <a:lumMod val="102000"/>
+                <a:tint val="94000"/>
+              </a:schemeClr>
+            </a:gs>
+            <a:gs pos="50000">
+              <a:schemeClr val="phClr">
+                <a:satMod val="110000"/>
+                <a:lumMod val="100000"/>
+                <a:shade val="100000"/>
+              </a:schemeClr>
+            </a:gs>
+            <a:gs pos="100000">
+              <a:schemeClr val="phClr">
+                <a:lumMod val="99000"/>
+                <a:satMod val="120000"/>
+                <a:shade val="78000"/>
+              </a:schemeClr>
+            </a:gs>
+          </a:gsLst>
+          <a:lin ang="5400000" scaled="0"/>
+        </a:gradFill>
+      </a:fillStyleLst>
+      <a:lnStyleLst>
+        <a:ln w="6350" cap="flat" cmpd="sng" algn="ctr">
+          <a:solidFill>
+            <a:schemeClr val="phClr"/>
+          </a:solidFill>
+          <a:prstDash val="solid"/>
+          <a:miter lim="800000"/>
+        </a:ln>
+        <a:ln w="12700" cap="flat" cmpd="sng" algn="ctr">
+          <a:solidFill>
+            <a:schemeClr val="phClr"/>
+          </a:solidFill>
+          <a:prstDash val="solid"/>
+          <a:miter lim="800000"/>
+        </a:ln>
+        <a:ln w="19050" cap="flat" cmpd="sng" algn="ctr">
+          <a:solidFill>
+            <a:schemeClr val="phClr"/>
+          </a:solidFill>
+          <a:prstDash val="solid"/>
+          <a:miter lim="800000"/>
+        </a:ln>
+      </a:lnStyleLst>
+      <a:effectStyleLst>
+        <a:effectStyle>
+          <a:effectLst/>
+        </a:effectStyle>
+        <a:effectStyle>
+          <a:effectLst/>
+        </a:effectStyle>
+        <a:effectStyle>
+          <a:effectLst>
+            <a:outerShdw blurRad="57150" dist="19050" dir="5400000" algn="ctr" rotWithShape="0">
+              <a:srgbClr val="000000">
+                <a:alpha val="63000"/>
+              </a:srgbClr>
+            </a:outerShdw>
+          </a:effectLst>
+        </a:effectStyle>
+      </a:effectStyleLst>
+      <a:bgFillStyleLst>
+        <a:solidFill>
+          <a:schemeClr val="phClr"/>
+        </a:solidFill>
+        <a:solidFill>
+          <a:schemeClr val="phClr">
+            <a:tint val="95000"/>
+            <a:satMod val="170000"/>
+          </a:schemeClr>
+        </a:solidFill>
+        <a:gradFill rotWithShape="1">
+          <a:gsLst>
+            <a:gs pos="0">
+              <a:schemeClr val="phClr">
+                <a:tint val="93000"/>
+                <a:satMod val="150000"/>
+                <a:shade val="98000"/>
+                <a:lumMod val="102000"/>
+              </a:schemeClr>
+            </a:gs>
+            <a:gs pos="50000">
+              <a:schemeClr val="phClr">
+                <a:tint val="98000"/>
+                <a:satMod val="130000"/>
+                <a:shade val="90000"/>
+                <a:lumMod val="103000"/>
+              </a:schemeClr>
+            </a:gs>
+            <a:gs pos="100000">
+              <a:schemeClr val="phClr">
+                <a:shade val="63000"/>
+                <a:satMod val="120000"/>
+              </a:schemeClr>
+            </a:gs>
+          </a:gsLst>
+          <a:lin ang="5400000" scaled="0"/>
+        </a:gradFill>
+      </a:bgFillStyleLst>
+    </a:fmtScheme>
+  </a:themeElements>
+  <a:objectDefaults/>
+  <a:extraClrSchemeLst/>
+  <a:extLst>
+    <a:ext uri="{05A4C25C-085E-4340-85A3-A5531E510DB2}">
+      <thm15:themeFamily xmlns:thm15="http://schemas.microsoft.com/office/thememl/2012/main" name="Office Theme" id="{62F939B6-93AF-4DB8-9C6B-D6C7DFDC589F}" vid="{4A3C46E8-61CC-4603-A589-7422A47A8E4A}"/>
+    </a:ext>
+  </a:extLst>
+</a:theme>
 </file>
--- a/ICT-171 Documentation.pptx
+++ b/ICT-171 Documentation.pptx
@@ -5,18 +5,19 @@
     <p:sldMasterId id="2147483660" r:id="rId1"/>
   </p:sldMasterIdLst>
   <p:notesMasterIdLst>
-    <p:notesMasterId r:id="rId11"/>
+    <p:notesMasterId r:id="rId12"/>
   </p:notesMasterIdLst>
   <p:sldIdLst>
     <p:sldId id="257" r:id="rId2"/>
-    <p:sldId id="265" r:id="rId3"/>
-    <p:sldId id="264" r:id="rId4"/>
-    <p:sldId id="258" r:id="rId5"/>
-    <p:sldId id="259" r:id="rId6"/>
-    <p:sldId id="260" r:id="rId7"/>
-    <p:sldId id="261" r:id="rId8"/>
-    <p:sldId id="262" r:id="rId9"/>
-    <p:sldId id="263" r:id="rId10"/>
+    <p:sldId id="266" r:id="rId3"/>
+    <p:sldId id="265" r:id="rId4"/>
+    <p:sldId id="264" r:id="rId5"/>
+    <p:sldId id="258" r:id="rId6"/>
+    <p:sldId id="259" r:id="rId7"/>
+    <p:sldId id="260" r:id="rId8"/>
+    <p:sldId id="261" r:id="rId9"/>
+    <p:sldId id="262" r:id="rId10"/>
+    <p:sldId id="263" r:id="rId11"/>
   </p:sldIdLst>
   <p:sldSz cx="6858000" cy="9906000" type="A4"/>
   <p:notesSz cx="6858000" cy="9144000"/>
@@ -602,7 +603,7 @@
           <a:bodyPr/>
           <a:lstStyle/>
           <a:p>
-            <a:fld id="{A9E73C7F-A613-4BF5-9EC2-B6A3D6FC843C}" type="datetimeFigureOut">
+            <a:fld id="{01ACEE53-D014-49B5-80C9-B7550C32A42D}" type="datetime1">
               <a:rPr lang="en-AE" smtClean="0"/>
               <a:t>14/11/2023</a:t>
             </a:fld>
@@ -772,7 +773,7 @@
           <a:bodyPr/>
           <a:lstStyle/>
           <a:p>
-            <a:fld id="{A9E73C7F-A613-4BF5-9EC2-B6A3D6FC843C}" type="datetimeFigureOut">
+            <a:fld id="{D9DFBB02-D237-48FA-BA56-A8CBB63A317A}" type="datetime1">
               <a:rPr lang="en-AE" smtClean="0"/>
               <a:t>14/11/2023</a:t>
             </a:fld>
@@ -952,7 +953,7 @@
           <a:bodyPr/>
           <a:lstStyle/>
           <a:p>
-            <a:fld id="{A9E73C7F-A613-4BF5-9EC2-B6A3D6FC843C}" type="datetimeFigureOut">
+            <a:fld id="{602A62E3-7957-461F-A579-26FE49CE2A3F}" type="datetime1">
               <a:rPr lang="en-AE" smtClean="0"/>
               <a:t>14/11/2023</a:t>
             </a:fld>
@@ -1122,7 +1123,7 @@
           <a:bodyPr/>
           <a:lstStyle/>
           <a:p>
-            <a:fld id="{A9E73C7F-A613-4BF5-9EC2-B6A3D6FC843C}" type="datetimeFigureOut">
+            <a:fld id="{C4835C5E-9A88-4F6F-9210-FB76247F6DA0}" type="datetime1">
               <a:rPr lang="en-AE" smtClean="0"/>
               <a:t>14/11/2023</a:t>
             </a:fld>
@@ -1366,7 +1367,7 @@
           <a:bodyPr/>
           <a:lstStyle/>
           <a:p>
-            <a:fld id="{A9E73C7F-A613-4BF5-9EC2-B6A3D6FC843C}" type="datetimeFigureOut">
+            <a:fld id="{9A404419-9A2A-4F2C-87A5-DF012F77A1F7}" type="datetime1">
               <a:rPr lang="en-AE" smtClean="0"/>
               <a:t>14/11/2023</a:t>
             </a:fld>
@@ -1598,7 +1599,7 @@
           <a:bodyPr/>
           <a:lstStyle/>
           <a:p>
-            <a:fld id="{A9E73C7F-A613-4BF5-9EC2-B6A3D6FC843C}" type="datetimeFigureOut">
+            <a:fld id="{2AF4D9FD-EBCA-4A1B-BCB6-7E806540FAB8}" type="datetime1">
               <a:rPr lang="en-AE" smtClean="0"/>
               <a:t>14/11/2023</a:t>
             </a:fld>
@@ -1965,7 +1966,7 @@
           <a:bodyPr/>
           <a:lstStyle/>
           <a:p>
-            <a:fld id="{A9E73C7F-A613-4BF5-9EC2-B6A3D6FC843C}" type="datetimeFigureOut">
+            <a:fld id="{908EF833-B794-4E92-A78E-45B6072B35CA}" type="datetime1">
               <a:rPr lang="en-AE" smtClean="0"/>
               <a:t>14/11/2023</a:t>
             </a:fld>
@@ -2083,7 +2084,7 @@
           <a:bodyPr/>
           <a:lstStyle/>
           <a:p>
-            <a:fld id="{A9E73C7F-A613-4BF5-9EC2-B6A3D6FC843C}" type="datetimeFigureOut">
+            <a:fld id="{E01A9566-B243-4357-9F42-4B738B127AEB}" type="datetime1">
               <a:rPr lang="en-AE" smtClean="0"/>
               <a:t>14/11/2023</a:t>
             </a:fld>
@@ -2178,7 +2179,7 @@
           <a:bodyPr/>
           <a:lstStyle/>
           <a:p>
-            <a:fld id="{A9E73C7F-A613-4BF5-9EC2-B6A3D6FC843C}" type="datetimeFigureOut">
+            <a:fld id="{A49C6C31-14F2-41C1-8B95-4AA450FED4A9}" type="datetime1">
               <a:rPr lang="en-AE" smtClean="0"/>
               <a:t>14/11/2023</a:t>
             </a:fld>
@@ -2455,7 +2456,7 @@
           <a:bodyPr/>
           <a:lstStyle/>
           <a:p>
-            <a:fld id="{A9E73C7F-A613-4BF5-9EC2-B6A3D6FC843C}" type="datetimeFigureOut">
+            <a:fld id="{48F3BAF1-3CB2-4F9D-BB35-80E3AC380118}" type="datetime1">
               <a:rPr lang="en-AE" smtClean="0"/>
               <a:t>14/11/2023</a:t>
             </a:fld>
@@ -2712,7 +2713,7 @@
           <a:bodyPr/>
           <a:lstStyle/>
           <a:p>
-            <a:fld id="{A9E73C7F-A613-4BF5-9EC2-B6A3D6FC843C}" type="datetimeFigureOut">
+            <a:fld id="{AB4DAB6C-C6A2-4D42-A00B-5E303257B84E}" type="datetime1">
               <a:rPr lang="en-AE" smtClean="0"/>
               <a:t>14/11/2023</a:t>
             </a:fld>
@@ -2925,7 +2926,7 @@
             </a:lvl1pPr>
           </a:lstStyle>
           <a:p>
-            <a:fld id="{A9E73C7F-A613-4BF5-9EC2-B6A3D6FC843C}" type="datetimeFigureOut">
+            <a:fld id="{62057F0C-9F61-48D2-82E6-2E75A0CFBDDA}" type="datetime1">
               <a:rPr lang="en-AE" smtClean="0"/>
               <a:t>14/11/2023</a:t>
             </a:fld>
@@ -3032,6 +3033,7 @@
     <p:sldLayoutId id="2147483670" r:id="rId10"/>
     <p:sldLayoutId id="2147483671" r:id="rId11"/>
   </p:sldLayoutIdLst>
+  <p:hf hdr="0" ftr="0" dt="0"/>
   <p:txStyles>
     <p:titleStyle>
       <a:lvl1pPr algn="l" defTabSz="685800" rtl="0" eaLnBrk="1" latinLnBrk="0" hangingPunct="1">
@@ -3318,6 +3320,19 @@
 <file path=ppt/slides/slide1.xml><?xml version="1.0" encoding="utf-8"?>
 <p:sld xmlns:a="http://schemas.openxmlformats.org/drawingml/2006/main" xmlns:r="http://schemas.openxmlformats.org/officeDocument/2006/relationships" xmlns:p="http://schemas.openxmlformats.org/presentationml/2006/main">
   <p:cSld>
+    <p:bg>
+      <p:bgPr>
+        <a:blipFill dpi="0" rotWithShape="1">
+          <a:blip r:embed="rId2">
+            <a:alphaModFix amt="99000"/>
+            <a:lum/>
+          </a:blip>
+          <a:srcRect/>
+          <a:tile tx="0" ty="0" sx="100000" sy="100000" flip="none" algn="tl"/>
+        </a:blipFill>
+        <a:effectLst/>
+      </p:bgPr>
+    </p:bg>
     <p:spTree>
       <p:nvGrpSpPr>
         <p:cNvPr id="1" name=""/>
@@ -3346,13 +3361,18 @@
         </p:nvSpPr>
         <p:spPr>
           <a:xfrm>
-            <a:off x="49530" y="114302"/>
-            <a:ext cx="6758940" cy="3416320"/>
+            <a:off x="0" y="7136775"/>
+            <a:ext cx="6758940" cy="2308324"/>
           </a:xfrm>
           <a:prstGeom prst="rect">
             <a:avLst/>
           </a:prstGeom>
           <a:noFill/>
+          <a:ln>
+            <a:solidFill>
+              <a:schemeClr val="tx1"/>
+            </a:solidFill>
+          </a:ln>
         </p:spPr>
         <p:txBody>
           <a:bodyPr wrap="square" rtlCol="0">
@@ -3362,139 +3382,211 @@
           <a:p>
             <a:pPr algn="ctr"/>
             <a:r>
-              <a:rPr lang="en-US" sz="2400" b="1">
+              <a:rPr lang="en-US" sz="2400" b="1" dirty="0">
                 <a:solidFill>
-                  <a:schemeClr val="accent1"/>
+                  <a:schemeClr val="bg1"/>
                 </a:solidFill>
                 <a:latin typeface="Noto Sans" panose="020B0502040504020204" pitchFamily="34" charset="0"/>
                 <a:ea typeface="Noto Sans" panose="020B0502040504020204" pitchFamily="34" charset="0"/>
                 <a:cs typeface="Noto Sans" panose="020B0502040504020204" pitchFamily="34" charset="0"/>
               </a:rPr>
-              <a:t>ICT 171: Assignment 2</a:t>
+              <a:t>Name : Gilchrist Candido Tavares</a:t>
             </a:r>
           </a:p>
           <a:p>
             <a:pPr algn="ctr"/>
             <a:r>
-              <a:rPr lang="en-US" sz="2400" b="1">
+              <a:rPr lang="en-AE" sz="2400" b="1" dirty="0">
                 <a:solidFill>
-                  <a:schemeClr val="accent1"/>
+                  <a:schemeClr val="bg1"/>
                 </a:solidFill>
                 <a:latin typeface="Noto Sans" panose="020B0502040504020204" pitchFamily="34" charset="0"/>
                 <a:ea typeface="Noto Sans" panose="020B0502040504020204" pitchFamily="34" charset="0"/>
                 <a:cs typeface="Noto Sans" panose="020B0502040504020204" pitchFamily="34" charset="0"/>
               </a:rPr>
-              <a:t>Cloud Project</a:t>
+              <a:t>Student ID : 35011841</a:t>
             </a:r>
           </a:p>
           <a:p>
             <a:pPr algn="ctr"/>
-            <a:endParaRPr lang="en-US" sz="2400" b="1">
-              <a:solidFill>
-                <a:schemeClr val="accent1"/>
-              </a:solidFill>
-              <a:latin typeface="Noto Sans" panose="020B0502040504020204" pitchFamily="34" charset="0"/>
-              <a:ea typeface="Noto Sans" panose="020B0502040504020204" pitchFamily="34" charset="0"/>
-              <a:cs typeface="Noto Sans" panose="020B0502040504020204" pitchFamily="34" charset="0"/>
-            </a:endParaRPr>
-          </a:p>
-          <a:p>
-            <a:pPr algn="ctr"/>
-            <a:r>
-              <a:rPr lang="en-US" sz="2400" b="1">
+            <a:r>
+              <a:rPr lang="en-AE" sz="2400" b="1" dirty="0">
                 <a:solidFill>
-                  <a:schemeClr val="accent1"/>
+                  <a:schemeClr val="bg1"/>
                 </a:solidFill>
                 <a:latin typeface="Noto Sans" panose="020B0502040504020204" pitchFamily="34" charset="0"/>
                 <a:ea typeface="Noto Sans" panose="020B0502040504020204" pitchFamily="34" charset="0"/>
                 <a:cs typeface="Noto Sans" panose="020B0502040504020204" pitchFamily="34" charset="0"/>
               </a:rPr>
-              <a:t>Name : Gilchrist Candido Tavares</a:t>
-            </a:r>
-          </a:p>
-          <a:p>
-            <a:pPr algn="ctr"/>
-            <a:r>
-              <a:rPr lang="en-AE" sz="2400" b="1">
+              <a:t>Domain name : </a:t>
+            </a:r>
+            <a:r>
+              <a:rPr lang="en-US" sz="2400" b="1" dirty="0">
                 <a:solidFill>
-                  <a:schemeClr val="accent1"/>
+                  <a:schemeClr val="bg1"/>
                 </a:solidFill>
                 <a:latin typeface="Noto Sans" panose="020B0502040504020204" pitchFamily="34" charset="0"/>
                 <a:ea typeface="Noto Sans" panose="020B0502040504020204" pitchFamily="34" charset="0"/>
                 <a:cs typeface="Noto Sans" panose="020B0502040504020204" pitchFamily="34" charset="0"/>
-              </a:rPr>
-              <a:t>ID : 35011841</a:t>
-            </a:r>
+                <a:hlinkClick r:id="rId3">
+                  <a:extLst>
+                    <a:ext uri="{A12FA001-AC4F-418D-AE19-62706E023703}">
+                      <ahyp:hlinkClr xmlns:ahyp="http://schemas.microsoft.com/office/drawing/2018/hyperlinkcolor" val="tx"/>
+                    </a:ext>
+                  </a:extLst>
+                </a:hlinkClick>
+              </a:rPr>
+              <a:t>www.gilfoodiehub.live</a:t>
+            </a:r>
+            <a:endParaRPr lang="en-US" sz="2400" b="1" dirty="0">
+              <a:solidFill>
+                <a:schemeClr val="bg1"/>
+              </a:solidFill>
+              <a:latin typeface="Noto Sans" panose="020B0502040504020204" pitchFamily="34" charset="0"/>
+              <a:ea typeface="Noto Sans" panose="020B0502040504020204" pitchFamily="34" charset="0"/>
+              <a:cs typeface="Noto Sans" panose="020B0502040504020204" pitchFamily="34" charset="0"/>
+            </a:endParaRPr>
           </a:p>
           <a:p>
             <a:pPr algn="ctr"/>
             <a:r>
-              <a:rPr lang="en-AE" sz="2400" b="1">
+              <a:rPr lang="en-US" sz="2400" b="1" dirty="0">
                 <a:solidFill>
-                  <a:schemeClr val="accent1"/>
+                  <a:schemeClr val="bg1"/>
                 </a:solidFill>
                 <a:latin typeface="Noto Sans" panose="020B0502040504020204" pitchFamily="34" charset="0"/>
                 <a:ea typeface="Noto Sans" panose="020B0502040504020204" pitchFamily="34" charset="0"/>
                 <a:cs typeface="Noto Sans" panose="020B0502040504020204" pitchFamily="34" charset="0"/>
               </a:rPr>
-              <a:t>Domain name : </a:t>
-            </a:r>
-            <a:r>
-              <a:rPr lang="en-US" sz="2400" b="1">
+              <a:t>IP : 52.166.192.249</a:t>
+            </a:r>
+          </a:p>
+          <a:p>
+            <a:pPr algn="ctr"/>
+            <a:endParaRPr lang="en-US" sz="2400" b="1" dirty="0">
+              <a:solidFill>
+                <a:schemeClr val="bg1"/>
+              </a:solidFill>
+              <a:latin typeface="Noto Sans" panose="020B0502040504020204" pitchFamily="34" charset="0"/>
+              <a:ea typeface="Noto Sans" panose="020B0502040504020204" pitchFamily="34" charset="0"/>
+              <a:cs typeface="Noto Sans" panose="020B0502040504020204" pitchFamily="34" charset="0"/>
+            </a:endParaRPr>
+          </a:p>
+          <a:p>
+            <a:pPr algn="ctr"/>
+            <a:endParaRPr lang="en-AE" sz="2400" b="1" dirty="0">
+              <a:solidFill>
+                <a:schemeClr val="bg1"/>
+              </a:solidFill>
+              <a:latin typeface="Noto Sans" panose="020B0502040504020204" pitchFamily="34" charset="0"/>
+              <a:ea typeface="Noto Sans" panose="020B0502040504020204" pitchFamily="34" charset="0"/>
+              <a:cs typeface="Noto Sans" panose="020B0502040504020204" pitchFamily="34" charset="0"/>
+            </a:endParaRPr>
+          </a:p>
+        </p:txBody>
+      </p:sp>
+      <p:sp>
+        <p:nvSpPr>
+          <p:cNvPr id="2" name="Slide Number Placeholder 1">
+            <a:extLst>
+              <a:ext uri="{FF2B5EF4-FFF2-40B4-BE49-F238E27FC236}">
+                <a16:creationId xmlns:a16="http://schemas.microsoft.com/office/drawing/2014/main" id="{53FD4863-1E1A-DA20-576A-440763DF4A73}"/>
+              </a:ext>
+            </a:extLst>
+          </p:cNvPr>
+          <p:cNvSpPr>
+            <a:spLocks noGrp="1"/>
+          </p:cNvSpPr>
+          <p:nvPr>
+            <p:ph type="sldNum" sz="quarter" idx="12"/>
+          </p:nvPr>
+        </p:nvSpPr>
+        <p:spPr/>
+        <p:txBody>
+          <a:bodyPr/>
+          <a:lstStyle/>
+          <a:p>
+            <a:fld id="{A0CFAC0B-51A4-4980-BC72-DC67A99FFD20}" type="slidenum">
+              <a:rPr lang="en-AE" smtClean="0"/>
+              <a:t>1</a:t>
+            </a:fld>
+            <a:endParaRPr lang="en-AE"/>
+          </a:p>
+        </p:txBody>
+      </p:sp>
+      <p:sp>
+        <p:nvSpPr>
+          <p:cNvPr id="3" name="TextBox 2">
+            <a:extLst>
+              <a:ext uri="{FF2B5EF4-FFF2-40B4-BE49-F238E27FC236}">
+                <a16:creationId xmlns:a16="http://schemas.microsoft.com/office/drawing/2014/main" id="{335200AB-010D-29EB-8AED-2E152514C721}"/>
+              </a:ext>
+            </a:extLst>
+          </p:cNvPr>
+          <p:cNvSpPr txBox="1"/>
+          <p:nvPr/>
+        </p:nvSpPr>
+        <p:spPr>
+          <a:xfrm>
+            <a:off x="19830" y="197199"/>
+            <a:ext cx="6758940" cy="1754326"/>
+          </a:xfrm>
+          <a:prstGeom prst="rect">
+            <a:avLst/>
+          </a:prstGeom>
+          <a:noFill/>
+          <a:ln>
+            <a:solidFill>
+              <a:schemeClr val="tx1"/>
+            </a:solidFill>
+          </a:ln>
+        </p:spPr>
+        <p:txBody>
+          <a:bodyPr wrap="square" rtlCol="0">
+            <a:spAutoFit/>
+          </a:bodyPr>
+          <a:lstStyle/>
+          <a:p>
+            <a:pPr algn="ctr"/>
+            <a:r>
+              <a:rPr lang="en-US" sz="3600" b="1" dirty="0">
                 <a:solidFill>
-                  <a:schemeClr val="accent1"/>
+                  <a:schemeClr val="bg1"/>
                 </a:solidFill>
                 <a:latin typeface="Noto Sans" panose="020B0502040504020204" pitchFamily="34" charset="0"/>
                 <a:ea typeface="Noto Sans" panose="020B0502040504020204" pitchFamily="34" charset="0"/>
                 <a:cs typeface="Noto Sans" panose="020B0502040504020204" pitchFamily="34" charset="0"/>
-                <a:hlinkClick r:id="rId2"/>
-              </a:rPr>
-              <a:t>www.gilfoodiehub.live</a:t>
-            </a:r>
-            <a:endParaRPr lang="en-US" sz="2400" b="1">
-              <a:solidFill>
-                <a:schemeClr val="accent1"/>
-              </a:solidFill>
-              <a:latin typeface="Noto Sans" panose="020B0502040504020204" pitchFamily="34" charset="0"/>
-              <a:ea typeface="Noto Sans" panose="020B0502040504020204" pitchFamily="34" charset="0"/>
-              <a:cs typeface="Noto Sans" panose="020B0502040504020204" pitchFamily="34" charset="0"/>
-            </a:endParaRPr>
+              </a:rPr>
+              <a:t>ICT 171: Assignment - 2</a:t>
+            </a:r>
           </a:p>
           <a:p>
             <a:pPr algn="ctr"/>
             <a:r>
-              <a:rPr lang="en-US" sz="2400" b="1">
+              <a:rPr lang="en-US" sz="3600" b="1" dirty="0">
                 <a:solidFill>
-                  <a:schemeClr val="accent1"/>
+                  <a:schemeClr val="bg1"/>
                 </a:solidFill>
                 <a:latin typeface="Noto Sans" panose="020B0502040504020204" pitchFamily="34" charset="0"/>
                 <a:ea typeface="Noto Sans" panose="020B0502040504020204" pitchFamily="34" charset="0"/>
                 <a:cs typeface="Noto Sans" panose="020B0502040504020204" pitchFamily="34" charset="0"/>
               </a:rPr>
-              <a:t>IP : 52.166.192.249</a:t>
+              <a:t>Cloud Project</a:t>
             </a:r>
           </a:p>
           <a:p>
             <a:pPr algn="ctr"/>
-            <a:endParaRPr lang="en-US" sz="2400" b="1">
-              <a:solidFill>
-                <a:schemeClr val="accent1"/>
-              </a:solidFill>
-              <a:latin typeface="Noto Sans" panose="020B0502040504020204" pitchFamily="34" charset="0"/>
-              <a:ea typeface="Noto Sans" panose="020B0502040504020204" pitchFamily="34" charset="0"/>
-              <a:cs typeface="Noto Sans" panose="020B0502040504020204" pitchFamily="34" charset="0"/>
-            </a:endParaRPr>
-          </a:p>
-          <a:p>
-            <a:pPr algn="ctr"/>
-            <a:endParaRPr lang="en-AE" sz="2400" b="1">
-              <a:solidFill>
-                <a:schemeClr val="accent1"/>
-              </a:solidFill>
-              <a:latin typeface="Noto Sans" panose="020B0502040504020204" pitchFamily="34" charset="0"/>
-              <a:ea typeface="Noto Sans" panose="020B0502040504020204" pitchFamily="34" charset="0"/>
-              <a:cs typeface="Noto Sans" panose="020B0502040504020204" pitchFamily="34" charset="0"/>
-            </a:endParaRPr>
+            <a:r>
+              <a:rPr lang="en-US" sz="3600" b="1" dirty="0">
+                <a:solidFill>
+                  <a:schemeClr val="bg1"/>
+                </a:solidFill>
+                <a:latin typeface="Noto Sans" panose="020B0502040504020204" pitchFamily="34" charset="0"/>
+                <a:ea typeface="Noto Sans" panose="020B0502040504020204" pitchFamily="34" charset="0"/>
+                <a:cs typeface="Noto Sans" panose="020B0502040504020204" pitchFamily="34" charset="0"/>
+              </a:rPr>
+              <a:t>Food Ordering Website</a:t>
+            </a:r>
           </a:p>
         </p:txBody>
       </p:sp>
@@ -3511,7 +3603,7 @@
 </p:sld>
 </file>
 
-<file path=ppt/slides/slide2.xml><?xml version="1.0" encoding="utf-8"?>
+<file path=ppt/slides/slide10.xml><?xml version="1.0" encoding="utf-8"?>
 <p:sld xmlns:a="http://schemas.openxmlformats.org/drawingml/2006/main" xmlns:r="http://schemas.openxmlformats.org/officeDocument/2006/relationships" xmlns:p="http://schemas.openxmlformats.org/presentationml/2006/main">
   <p:cSld>
     <p:spTree>
@@ -3542,8 +3634,8 @@
         </p:nvSpPr>
         <p:spPr>
           <a:xfrm>
-            <a:off x="132399" y="1162139"/>
-            <a:ext cx="6593205" cy="9264075"/>
+            <a:off x="132399" y="184239"/>
+            <a:ext cx="6593205" cy="5847755"/>
           </a:xfrm>
           <a:prstGeom prst="rect">
             <a:avLst/>
@@ -3558,10 +3650,10 @@
           <a:p>
             <a:pPr marL="342900" indent="-342900">
               <a:buFont typeface="+mj-lt"/>
-              <a:buAutoNum type="arabicParenR"/>
-            </a:pPr>
-            <a:r>
-              <a:rPr lang="en-US" sz="1400">
+              <a:buAutoNum type="arabicParenR" startAt="7"/>
+            </a:pPr>
+            <a:r>
+              <a:rPr lang="en-US" sz="1400" dirty="0">
                 <a:solidFill>
                   <a:schemeClr val="accent1"/>
                 </a:solidFill>
@@ -3569,99 +3661,609 @@
                 <a:ea typeface="Noto Sans" panose="020B0502040504020204" pitchFamily="34" charset="0"/>
                 <a:cs typeface="Noto Sans" panose="020B0502040504020204" pitchFamily="34" charset="0"/>
               </a:rPr>
-              <a:t>Creating the Server</a:t>
-            </a:r>
-            <a:endParaRPr lang="en-US" sz="1200">
-              <a:latin typeface="Noto Sans" panose="020B0502040504020204" pitchFamily="34" charset="0"/>
-              <a:ea typeface="Noto Sans" panose="020B0502040504020204" pitchFamily="34" charset="0"/>
-              <a:cs typeface="Noto Sans" panose="020B0502040504020204" pitchFamily="34" charset="0"/>
-            </a:endParaRPr>
-          </a:p>
-          <a:p>
-            <a:pPr marL="800100" lvl="1" indent="-342900" algn="just">
-              <a:buFont typeface="Arial" panose="020B0604020202020204" pitchFamily="34" charset="0"/>
-              <a:buChar char="•"/>
-            </a:pPr>
-            <a:endParaRPr lang="en-US" sz="1200">
-              <a:latin typeface="Noto Sans" panose="020B0502040504020204" pitchFamily="34" charset="0"/>
-              <a:ea typeface="Noto Sans" panose="020B0502040504020204" pitchFamily="34" charset="0"/>
-              <a:cs typeface="Noto Sans" panose="020B0502040504020204" pitchFamily="34" charset="0"/>
-            </a:endParaRPr>
-          </a:p>
-          <a:p>
-            <a:pPr marL="800100" lvl="1" indent="-342900" algn="just">
-              <a:buFont typeface="Arial" panose="020B0604020202020204" pitchFamily="34" charset="0"/>
-              <a:buChar char="•"/>
-            </a:pPr>
+              <a:t>Configuring the main server</a:t>
+            </a:r>
+          </a:p>
+          <a:p>
+            <a:pPr marL="342900" indent="-342900">
+              <a:buFont typeface="+mj-lt"/>
+              <a:buAutoNum type="arabicParenR" startAt="7"/>
+            </a:pPr>
+            <a:endParaRPr lang="en-US" sz="1200" dirty="0">
+              <a:latin typeface="Noto Sans" panose="020B0502040504020204" pitchFamily="34" charset="0"/>
+              <a:ea typeface="Noto Sans" panose="020B0502040504020204" pitchFamily="34" charset="0"/>
+              <a:cs typeface="Noto Sans" panose="020B0502040504020204" pitchFamily="34" charset="0"/>
+            </a:endParaRPr>
+          </a:p>
+          <a:p>
+            <a:pPr marL="800100" lvl="1" indent="-342900" algn="just">
+              <a:buFont typeface="Arial" panose="020B0604020202020204" pitchFamily="34" charset="0"/>
+              <a:buChar char="•"/>
+            </a:pPr>
+            <a:r>
+              <a:rPr lang="en-US" sz="1200" dirty="0">
+                <a:latin typeface="Noto Sans" panose="020B0502040504020204" pitchFamily="34" charset="0"/>
+                <a:ea typeface="Noto Sans" panose="020B0502040504020204" pitchFamily="34" charset="0"/>
+                <a:cs typeface="Noto Sans" panose="020B0502040504020204" pitchFamily="34" charset="0"/>
+              </a:rPr>
+              <a:t>I have used a </a:t>
+            </a:r>
+            <a:r>
+              <a:rPr lang="en-US" sz="1200" dirty="0" err="1">
+                <a:latin typeface="Noto Sans" panose="020B0502040504020204" pitchFamily="34" charset="0"/>
+                <a:ea typeface="Noto Sans" panose="020B0502040504020204" pitchFamily="34" charset="0"/>
+                <a:cs typeface="Noto Sans" panose="020B0502040504020204" pitchFamily="34" charset="0"/>
+              </a:rPr>
+              <a:t>config.json</a:t>
+            </a:r>
+            <a:r>
+              <a:rPr lang="en-US" sz="1200" dirty="0">
+                <a:latin typeface="Noto Sans" panose="020B0502040504020204" pitchFamily="34" charset="0"/>
+                <a:ea typeface="Noto Sans" panose="020B0502040504020204" pitchFamily="34" charset="0"/>
+                <a:cs typeface="Noto Sans" panose="020B0502040504020204" pitchFamily="34" charset="0"/>
+              </a:rPr>
+              <a:t>, supabase.js file to store my project URL, public key, service role, and port, as it is easier to update a config file rather than the code</a:t>
+            </a:r>
+          </a:p>
+          <a:p>
+            <a:pPr marL="800100" lvl="1" indent="-342900" algn="just">
+              <a:buFont typeface="Arial" panose="020B0604020202020204" pitchFamily="34" charset="0"/>
+              <a:buChar char="•"/>
+            </a:pPr>
+            <a:endParaRPr lang="en-US" sz="1200" dirty="0">
+              <a:latin typeface="Noto Sans" panose="020B0502040504020204" pitchFamily="34" charset="0"/>
+              <a:ea typeface="Noto Sans" panose="020B0502040504020204" pitchFamily="34" charset="0"/>
+              <a:cs typeface="Noto Sans" panose="020B0502040504020204" pitchFamily="34" charset="0"/>
+            </a:endParaRPr>
+          </a:p>
+          <a:p>
+            <a:pPr marL="800100" lvl="1" indent="-342900" algn="just">
+              <a:buFont typeface="Arial" panose="020B0604020202020204" pitchFamily="34" charset="0"/>
+              <a:buChar char="•"/>
+            </a:pPr>
+            <a:r>
+              <a:rPr lang="en-US" sz="1200" dirty="0">
+                <a:latin typeface="Noto Sans" panose="020B0502040504020204" pitchFamily="34" charset="0"/>
+                <a:ea typeface="Noto Sans" panose="020B0502040504020204" pitchFamily="34" charset="0"/>
+                <a:cs typeface="Noto Sans" panose="020B0502040504020204" pitchFamily="34" charset="0"/>
+              </a:rPr>
+              <a:t>In the directory of the project, run the following commands to edit the config files and paste the project URL, public key, service role, and JWT secret in the "" </a:t>
+            </a:r>
+          </a:p>
+          <a:p>
+            <a:pPr marL="800100" lvl="1" indent="-342900" algn="just">
+              <a:buFont typeface="Arial" panose="020B0604020202020204" pitchFamily="34" charset="0"/>
+              <a:buChar char="•"/>
+            </a:pPr>
+            <a:endParaRPr lang="en-US" sz="1200" dirty="0">
+              <a:latin typeface="Noto Sans" panose="020B0502040504020204" pitchFamily="34" charset="0"/>
+              <a:ea typeface="Noto Sans" panose="020B0502040504020204" pitchFamily="34" charset="0"/>
+              <a:cs typeface="Noto Sans" panose="020B0502040504020204" pitchFamily="34" charset="0"/>
+            </a:endParaRPr>
+          </a:p>
+          <a:p>
+            <a:pPr marL="800100" lvl="1" indent="-342900" algn="just">
+              <a:buFont typeface="Arial" panose="020B0604020202020204" pitchFamily="34" charset="0"/>
+              <a:buChar char="•"/>
+            </a:pPr>
+            <a:endParaRPr lang="en-US" sz="1200" dirty="0">
+              <a:latin typeface="Noto Sans" panose="020B0502040504020204" pitchFamily="34" charset="0"/>
+              <a:ea typeface="Noto Sans" panose="020B0502040504020204" pitchFamily="34" charset="0"/>
+              <a:cs typeface="Noto Sans" panose="020B0502040504020204" pitchFamily="34" charset="0"/>
+            </a:endParaRPr>
+          </a:p>
+          <a:p>
+            <a:pPr marL="800100" lvl="1" indent="-342900" algn="just">
+              <a:buFont typeface="Arial" panose="020B0604020202020204" pitchFamily="34" charset="0"/>
+              <a:buChar char="•"/>
+            </a:pPr>
+            <a:endParaRPr lang="en-US" sz="1200" dirty="0">
+              <a:latin typeface="Noto Sans" panose="020B0502040504020204" pitchFamily="34" charset="0"/>
+              <a:ea typeface="Noto Sans" panose="020B0502040504020204" pitchFamily="34" charset="0"/>
+              <a:cs typeface="Noto Sans" panose="020B0502040504020204" pitchFamily="34" charset="0"/>
+            </a:endParaRPr>
+          </a:p>
+          <a:p>
+            <a:pPr marL="800100" lvl="1" indent="-342900" algn="just">
+              <a:buFont typeface="Arial" panose="020B0604020202020204" pitchFamily="34" charset="0"/>
+              <a:buChar char="•"/>
+            </a:pPr>
+            <a:endParaRPr lang="en-US" sz="1200" dirty="0">
+              <a:latin typeface="Noto Sans" panose="020B0502040504020204" pitchFamily="34" charset="0"/>
+              <a:ea typeface="Noto Sans" panose="020B0502040504020204" pitchFamily="34" charset="0"/>
+              <a:cs typeface="Noto Sans" panose="020B0502040504020204" pitchFamily="34" charset="0"/>
+            </a:endParaRPr>
+          </a:p>
+          <a:p>
+            <a:pPr marL="800100" lvl="1" indent="-342900" algn="just">
+              <a:buFont typeface="Arial" panose="020B0604020202020204" pitchFamily="34" charset="0"/>
+              <a:buChar char="•"/>
+            </a:pPr>
+            <a:endParaRPr lang="en-US" sz="1200" dirty="0">
+              <a:latin typeface="Noto Sans" panose="020B0502040504020204" pitchFamily="34" charset="0"/>
+              <a:ea typeface="Noto Sans" panose="020B0502040504020204" pitchFamily="34" charset="0"/>
+              <a:cs typeface="Noto Sans" panose="020B0502040504020204" pitchFamily="34" charset="0"/>
+            </a:endParaRPr>
+          </a:p>
+          <a:p>
+            <a:pPr marL="800100" lvl="1" indent="-342900" algn="just">
+              <a:buFont typeface="Arial" panose="020B0604020202020204" pitchFamily="34" charset="0"/>
+              <a:buChar char="•"/>
+            </a:pPr>
+            <a:r>
+              <a:rPr lang="en-US" sz="1200" dirty="0">
+                <a:latin typeface="Noto Sans" panose="020B0502040504020204" pitchFamily="34" charset="0"/>
+                <a:ea typeface="Noto Sans" panose="020B0502040504020204" pitchFamily="34" charset="0"/>
+                <a:cs typeface="Noto Sans" panose="020B0502040504020204" pitchFamily="34" charset="0"/>
+              </a:rPr>
+              <a:t>To initiate the server, use the following command </a:t>
+            </a:r>
+          </a:p>
+          <a:p>
+            <a:pPr marL="800100" lvl="1" indent="-342900" algn="just">
+              <a:buFont typeface="Arial" panose="020B0604020202020204" pitchFamily="34" charset="0"/>
+              <a:buChar char="•"/>
+            </a:pPr>
+            <a:endParaRPr lang="en-US" sz="1200" dirty="0">
+              <a:latin typeface="Noto Sans" panose="020B0502040504020204" pitchFamily="34" charset="0"/>
+              <a:ea typeface="Noto Sans" panose="020B0502040504020204" pitchFamily="34" charset="0"/>
+              <a:cs typeface="Noto Sans" panose="020B0502040504020204" pitchFamily="34" charset="0"/>
+            </a:endParaRPr>
+          </a:p>
+          <a:p>
+            <a:pPr marL="800100" lvl="1" indent="-342900" algn="just">
+              <a:buFont typeface="Arial" panose="020B0604020202020204" pitchFamily="34" charset="0"/>
+              <a:buChar char="•"/>
+            </a:pPr>
+            <a:endParaRPr lang="en-US" sz="1200" dirty="0">
+              <a:latin typeface="Noto Sans" panose="020B0502040504020204" pitchFamily="34" charset="0"/>
+              <a:ea typeface="Noto Sans" panose="020B0502040504020204" pitchFamily="34" charset="0"/>
+              <a:cs typeface="Noto Sans" panose="020B0502040504020204" pitchFamily="34" charset="0"/>
+            </a:endParaRPr>
+          </a:p>
+          <a:p>
+            <a:pPr marL="800100" lvl="1" indent="-342900" algn="just">
+              <a:buFont typeface="Arial" panose="020B0604020202020204" pitchFamily="34" charset="0"/>
+              <a:buChar char="•"/>
+            </a:pPr>
+            <a:endParaRPr lang="en-US" sz="1200" dirty="0">
+              <a:latin typeface="Noto Sans" panose="020B0502040504020204" pitchFamily="34" charset="0"/>
+              <a:ea typeface="Noto Sans" panose="020B0502040504020204" pitchFamily="34" charset="0"/>
+              <a:cs typeface="Noto Sans" panose="020B0502040504020204" pitchFamily="34" charset="0"/>
+            </a:endParaRPr>
+          </a:p>
+          <a:p>
+            <a:pPr marL="800100" lvl="1" indent="-342900" algn="just">
+              <a:buFont typeface="Arial" panose="020B0604020202020204" pitchFamily="34" charset="0"/>
+              <a:buChar char="•"/>
+            </a:pPr>
+            <a:endParaRPr lang="en-US" sz="1200" dirty="0">
+              <a:latin typeface="Noto Sans" panose="020B0502040504020204" pitchFamily="34" charset="0"/>
+              <a:ea typeface="Noto Sans" panose="020B0502040504020204" pitchFamily="34" charset="0"/>
+              <a:cs typeface="Noto Sans" panose="020B0502040504020204" pitchFamily="34" charset="0"/>
+            </a:endParaRPr>
+          </a:p>
+          <a:p>
+            <a:pPr marL="800100" lvl="1" indent="-342900" algn="just">
+              <a:buFont typeface="Arial" panose="020B0604020202020204" pitchFamily="34" charset="0"/>
+              <a:buChar char="•"/>
+            </a:pPr>
+            <a:r>
+              <a:rPr lang="en-US" sz="1200" dirty="0">
+                <a:latin typeface="Noto Sans" panose="020B0502040504020204" pitchFamily="34" charset="0"/>
+                <a:ea typeface="Noto Sans" panose="020B0502040504020204" pitchFamily="34" charset="0"/>
+                <a:cs typeface="Noto Sans" panose="020B0502040504020204" pitchFamily="34" charset="0"/>
+              </a:rPr>
+              <a:t>PM2 should respond with a success message, the logs of the application can be monitored using </a:t>
+            </a:r>
+          </a:p>
+          <a:p>
+            <a:pPr marL="800100" lvl="1" indent="-342900" algn="just">
+              <a:buFont typeface="Arial" panose="020B0604020202020204" pitchFamily="34" charset="0"/>
+              <a:buChar char="•"/>
+            </a:pPr>
+            <a:endParaRPr lang="en-US" sz="1200" dirty="0">
+              <a:latin typeface="Noto Sans" panose="020B0502040504020204" pitchFamily="34" charset="0"/>
+              <a:ea typeface="Noto Sans" panose="020B0502040504020204" pitchFamily="34" charset="0"/>
+              <a:cs typeface="Noto Sans" panose="020B0502040504020204" pitchFamily="34" charset="0"/>
+            </a:endParaRPr>
+          </a:p>
+          <a:p>
+            <a:pPr marL="800100" lvl="1" indent="-342900" algn="just">
+              <a:buFont typeface="Arial" panose="020B0604020202020204" pitchFamily="34" charset="0"/>
+              <a:buChar char="•"/>
+            </a:pPr>
+            <a:endParaRPr lang="en-US" sz="1200" dirty="0">
+              <a:latin typeface="Noto Sans" panose="020B0502040504020204" pitchFamily="34" charset="0"/>
+              <a:ea typeface="Noto Sans" panose="020B0502040504020204" pitchFamily="34" charset="0"/>
+              <a:cs typeface="Noto Sans" panose="020B0502040504020204" pitchFamily="34" charset="0"/>
+            </a:endParaRPr>
+          </a:p>
+          <a:p>
+            <a:pPr marL="800100" lvl="1" indent="-342900" algn="just">
+              <a:buFont typeface="Arial" panose="020B0604020202020204" pitchFamily="34" charset="0"/>
+              <a:buChar char="•"/>
+            </a:pPr>
+            <a:endParaRPr lang="en-US" sz="1200" dirty="0">
+              <a:latin typeface="Noto Sans" panose="020B0502040504020204" pitchFamily="34" charset="0"/>
+              <a:ea typeface="Noto Sans" panose="020B0502040504020204" pitchFamily="34" charset="0"/>
+              <a:cs typeface="Noto Sans" panose="020B0502040504020204" pitchFamily="34" charset="0"/>
+            </a:endParaRPr>
+          </a:p>
+          <a:p>
+            <a:pPr marL="800100" lvl="1" indent="-342900" algn="just">
+              <a:buFont typeface="Arial" panose="020B0604020202020204" pitchFamily="34" charset="0"/>
+              <a:buChar char="•"/>
+            </a:pPr>
+            <a:endParaRPr lang="en-US" sz="1200" dirty="0">
+              <a:latin typeface="Noto Sans" panose="020B0502040504020204" pitchFamily="34" charset="0"/>
+              <a:ea typeface="Noto Sans" panose="020B0502040504020204" pitchFamily="34" charset="0"/>
+              <a:cs typeface="Noto Sans" panose="020B0502040504020204" pitchFamily="34" charset="0"/>
+            </a:endParaRPr>
+          </a:p>
+          <a:p>
+            <a:pPr marL="800100" lvl="1" indent="-342900" algn="just">
+              <a:buFont typeface="Arial" panose="020B0604020202020204" pitchFamily="34" charset="0"/>
+              <a:buChar char="•"/>
+            </a:pPr>
+            <a:r>
+              <a:rPr lang="en-US" sz="1200" dirty="0">
+                <a:latin typeface="Noto Sans" panose="020B0502040504020204" pitchFamily="34" charset="0"/>
+                <a:ea typeface="Noto Sans" panose="020B0502040504020204" pitchFamily="34" charset="0"/>
+                <a:cs typeface="Noto Sans" panose="020B0502040504020204" pitchFamily="34" charset="0"/>
+              </a:rPr>
+              <a:t>If the server is running, this should be your output</a:t>
+            </a:r>
+          </a:p>
+          <a:p>
+            <a:pPr marL="800100" lvl="1" indent="-342900" algn="just">
+              <a:buFont typeface="Arial" panose="020B0604020202020204" pitchFamily="34" charset="0"/>
+              <a:buChar char="•"/>
+            </a:pPr>
+            <a:endParaRPr lang="en-US" sz="1200" dirty="0">
+              <a:latin typeface="Noto Sans" panose="020B0502040504020204" pitchFamily="34" charset="0"/>
+              <a:ea typeface="Noto Sans" panose="020B0502040504020204" pitchFamily="34" charset="0"/>
+              <a:cs typeface="Noto Sans" panose="020B0502040504020204" pitchFamily="34" charset="0"/>
+            </a:endParaRPr>
+          </a:p>
+          <a:p>
+            <a:pPr marL="800100" lvl="1" indent="-342900" algn="just">
+              <a:buFont typeface="Arial" panose="020B0604020202020204" pitchFamily="34" charset="0"/>
+              <a:buChar char="•"/>
+            </a:pPr>
+            <a:endParaRPr lang="en-US" sz="1200" dirty="0">
+              <a:latin typeface="Noto Sans" panose="020B0502040504020204" pitchFamily="34" charset="0"/>
+              <a:ea typeface="Noto Sans" panose="020B0502040504020204" pitchFamily="34" charset="0"/>
+              <a:cs typeface="Noto Sans" panose="020B0502040504020204" pitchFamily="34" charset="0"/>
+            </a:endParaRPr>
+          </a:p>
+          <a:p>
+            <a:pPr marL="800100" lvl="1" indent="-342900" algn="just">
+              <a:buFont typeface="Arial" panose="020B0604020202020204" pitchFamily="34" charset="0"/>
+              <a:buChar char="•"/>
+            </a:pPr>
+            <a:endParaRPr lang="en-US" sz="1200" dirty="0">
+              <a:latin typeface="Noto Sans" panose="020B0502040504020204" pitchFamily="34" charset="0"/>
+              <a:ea typeface="Noto Sans" panose="020B0502040504020204" pitchFamily="34" charset="0"/>
+              <a:cs typeface="Noto Sans" panose="020B0502040504020204" pitchFamily="34" charset="0"/>
+            </a:endParaRPr>
+          </a:p>
+          <a:p>
+            <a:pPr marL="800100" lvl="1" indent="-342900" algn="just">
+              <a:buFont typeface="Arial" panose="020B0604020202020204" pitchFamily="34" charset="0"/>
+              <a:buChar char="•"/>
+            </a:pPr>
+            <a:r>
+              <a:rPr lang="en-US" sz="1200" dirty="0">
+                <a:latin typeface="Noto Sans" panose="020B0502040504020204" pitchFamily="34" charset="0"/>
+                <a:ea typeface="Noto Sans" panose="020B0502040504020204" pitchFamily="34" charset="0"/>
+                <a:cs typeface="Noto Sans" panose="020B0502040504020204" pitchFamily="34" charset="0"/>
+              </a:rPr>
+              <a:t>The server also logs actions like account order creations.</a:t>
+            </a:r>
+          </a:p>
+        </p:txBody>
+      </p:sp>
+      <p:sp>
+        <p:nvSpPr>
+          <p:cNvPr id="3" name="TextBox 2">
+            <a:extLst>
+              <a:ext uri="{FF2B5EF4-FFF2-40B4-BE49-F238E27FC236}">
+                <a16:creationId xmlns:a16="http://schemas.microsoft.com/office/drawing/2014/main" id="{A2573020-672F-3169-77F9-EE26453463A5}"/>
+              </a:ext>
+            </a:extLst>
+          </p:cNvPr>
+          <p:cNvSpPr txBox="1"/>
+          <p:nvPr/>
+        </p:nvSpPr>
+        <p:spPr>
+          <a:xfrm>
+            <a:off x="393857" y="2107842"/>
+            <a:ext cx="6331744" cy="461665"/>
+          </a:xfrm>
+          <a:prstGeom prst="rect">
+            <a:avLst/>
+          </a:prstGeom>
+          <a:solidFill>
+            <a:schemeClr val="bg1">
+              <a:lumMod val="85000"/>
+            </a:schemeClr>
+          </a:solidFill>
+        </p:spPr>
+        <p:style>
+          <a:lnRef idx="2">
+            <a:schemeClr val="dk1"/>
+          </a:lnRef>
+          <a:fillRef idx="1">
+            <a:schemeClr val="lt1"/>
+          </a:fillRef>
+          <a:effectRef idx="0">
+            <a:schemeClr val="dk1"/>
+          </a:effectRef>
+          <a:fontRef idx="minor">
+            <a:schemeClr val="dk1"/>
+          </a:fontRef>
+        </p:style>
+        <p:txBody>
+          <a:bodyPr wrap="square" rtlCol="0">
+            <a:spAutoFit/>
+          </a:bodyPr>
+          <a:lstStyle/>
+          <a:p>
             <a:r>
               <a:rPr lang="en-US" sz="1200">
-                <a:latin typeface="Noto Sans" panose="020B0502040504020204" pitchFamily="34" charset="0"/>
-                <a:ea typeface="Noto Sans" panose="020B0502040504020204" pitchFamily="34" charset="0"/>
-                <a:cs typeface="Noto Sans" panose="020B0502040504020204" pitchFamily="34" charset="0"/>
-              </a:rPr>
-              <a:t>Create an Ubuntu Instance on AWS, Azure, etc .with a minimum of 1 CPU and 1 GB RAM</a:t>
-            </a:r>
-          </a:p>
-          <a:p>
-            <a:pPr marL="800100" lvl="1" indent="-342900" algn="just">
-              <a:buFont typeface="Arial" panose="020B0604020202020204" pitchFamily="34" charset="0"/>
-              <a:buChar char="•"/>
-            </a:pPr>
+                <a:latin typeface="Consolas" panose="020B0609020204030204" pitchFamily="49" charset="0"/>
+                <a:ea typeface="Noto Sans" panose="020B0502040504020204" pitchFamily="34" charset="0"/>
+                <a:cs typeface="Noto Sans" panose="020B0502040504020204" pitchFamily="34" charset="0"/>
+              </a:rPr>
+              <a:t>nano config.json </a:t>
+            </a:r>
+          </a:p>
+          <a:p>
             <a:r>
               <a:rPr lang="en-US" sz="1200">
-                <a:latin typeface="Noto Sans" panose="020B0502040504020204" pitchFamily="34" charset="0"/>
-                <a:ea typeface="Noto Sans" panose="020B0502040504020204" pitchFamily="34" charset="0"/>
-                <a:cs typeface="Noto Sans" panose="020B0502040504020204" pitchFamily="34" charset="0"/>
-              </a:rPr>
-              <a:t>Open ports 22,80,443 to allow SSH HTTP(S) traffic to your server. </a:t>
-            </a:r>
-          </a:p>
-          <a:p>
-            <a:pPr marL="800100" lvl="1" indent="-342900" algn="just">
-              <a:buFont typeface="Arial" panose="020B0604020202020204" pitchFamily="34" charset="0"/>
-              <a:buChar char="•"/>
-            </a:pPr>
+                <a:latin typeface="Consolas" panose="020B0609020204030204" pitchFamily="49" charset="0"/>
+                <a:ea typeface="Noto Sans" panose="020B0502040504020204" pitchFamily="34" charset="0"/>
+                <a:cs typeface="Noto Sans" panose="020B0502040504020204" pitchFamily="34" charset="0"/>
+              </a:rPr>
+              <a:t>nano supabase.js</a:t>
+            </a:r>
+          </a:p>
+        </p:txBody>
+      </p:sp>
+      <p:sp>
+        <p:nvSpPr>
+          <p:cNvPr id="5" name="TextBox 4">
+            <a:extLst>
+              <a:ext uri="{FF2B5EF4-FFF2-40B4-BE49-F238E27FC236}">
+                <a16:creationId xmlns:a16="http://schemas.microsoft.com/office/drawing/2014/main" id="{CD21D1B6-1929-6674-CF89-50456D3A1A29}"/>
+              </a:ext>
+            </a:extLst>
+          </p:cNvPr>
+          <p:cNvSpPr txBox="1"/>
+          <p:nvPr/>
+        </p:nvSpPr>
+        <p:spPr>
+          <a:xfrm>
+            <a:off x="393857" y="3215838"/>
+            <a:ext cx="6331744" cy="276999"/>
+          </a:xfrm>
+          <a:prstGeom prst="rect">
+            <a:avLst/>
+          </a:prstGeom>
+          <a:solidFill>
+            <a:schemeClr val="bg1">
+              <a:lumMod val="85000"/>
+            </a:schemeClr>
+          </a:solidFill>
+        </p:spPr>
+        <p:style>
+          <a:lnRef idx="2">
+            <a:schemeClr val="dk1"/>
+          </a:lnRef>
+          <a:fillRef idx="1">
+            <a:schemeClr val="lt1"/>
+          </a:fillRef>
+          <a:effectRef idx="0">
+            <a:schemeClr val="dk1"/>
+          </a:effectRef>
+          <a:fontRef idx="minor">
+            <a:schemeClr val="dk1"/>
+          </a:fontRef>
+        </p:style>
+        <p:txBody>
+          <a:bodyPr wrap="square" rtlCol="0">
+            <a:spAutoFit/>
+          </a:bodyPr>
+          <a:lstStyle/>
+          <a:p>
             <a:r>
               <a:rPr lang="en-US" sz="1200">
-                <a:latin typeface="Noto Sans" panose="020B0502040504020204" pitchFamily="34" charset="0"/>
-                <a:ea typeface="Noto Sans" panose="020B0502040504020204" pitchFamily="34" charset="0"/>
-                <a:cs typeface="Noto Sans" panose="020B0502040504020204" pitchFamily="34" charset="0"/>
-              </a:rPr>
-              <a:t>Note the public IP address</a:t>
-            </a:r>
-          </a:p>
-          <a:p>
-            <a:pPr marL="800100" lvl="1" indent="-342900" algn="just">
-              <a:buFont typeface="Arial" panose="020B0604020202020204" pitchFamily="34" charset="0"/>
-              <a:buChar char="•"/>
-            </a:pPr>
+                <a:latin typeface="Consolas" panose="020B0609020204030204" pitchFamily="49" charset="0"/>
+                <a:ea typeface="Noto Sans" panose="020B0502040504020204" pitchFamily="34" charset="0"/>
+                <a:cs typeface="Noto Sans" panose="020B0502040504020204" pitchFamily="34" charset="0"/>
+              </a:rPr>
+              <a:t>pm2 start app.js</a:t>
+            </a:r>
+          </a:p>
+        </p:txBody>
+      </p:sp>
+      <p:sp>
+        <p:nvSpPr>
+          <p:cNvPr id="7" name="TextBox 6">
+            <a:extLst>
+              <a:ext uri="{FF2B5EF4-FFF2-40B4-BE49-F238E27FC236}">
+                <a16:creationId xmlns:a16="http://schemas.microsoft.com/office/drawing/2014/main" id="{4C92BC5A-DB02-4B13-0E54-9BFECCA2C919}"/>
+              </a:ext>
+            </a:extLst>
+          </p:cNvPr>
+          <p:cNvSpPr txBox="1"/>
+          <p:nvPr/>
+        </p:nvSpPr>
+        <p:spPr>
+          <a:xfrm>
+            <a:off x="393857" y="4262277"/>
+            <a:ext cx="6331744" cy="276999"/>
+          </a:xfrm>
+          <a:prstGeom prst="rect">
+            <a:avLst/>
+          </a:prstGeom>
+          <a:solidFill>
+            <a:schemeClr val="bg1">
+              <a:lumMod val="85000"/>
+            </a:schemeClr>
+          </a:solidFill>
+        </p:spPr>
+        <p:style>
+          <a:lnRef idx="2">
+            <a:schemeClr val="dk1"/>
+          </a:lnRef>
+          <a:fillRef idx="1">
+            <a:schemeClr val="lt1"/>
+          </a:fillRef>
+          <a:effectRef idx="0">
+            <a:schemeClr val="dk1"/>
+          </a:effectRef>
+          <a:fontRef idx="minor">
+            <a:schemeClr val="dk1"/>
+          </a:fontRef>
+        </p:style>
+        <p:txBody>
+          <a:bodyPr wrap="square" rtlCol="0">
+            <a:spAutoFit/>
+          </a:bodyPr>
+          <a:lstStyle/>
+          <a:p>
             <a:r>
               <a:rPr lang="en-US" sz="1200">
-                <a:latin typeface="Noto Sans" panose="020B0502040504020204" pitchFamily="34" charset="0"/>
-                <a:ea typeface="Noto Sans" panose="020B0502040504020204" pitchFamily="34" charset="0"/>
-                <a:cs typeface="Noto Sans" panose="020B0502040504020204" pitchFamily="34" charset="0"/>
-              </a:rPr>
-              <a:t>Download the ssh-key pair file on your system</a:t>
-            </a:r>
-          </a:p>
-          <a:p>
-            <a:pPr marL="800100" lvl="1" indent="-342900" algn="just">
-              <a:buFont typeface="Arial" panose="020B0604020202020204" pitchFamily="34" charset="0"/>
-              <a:buChar char="•"/>
-            </a:pPr>
-            <a:endParaRPr lang="en-US" sz="1200">
-              <a:latin typeface="Noto Sans" panose="020B0502040504020204" pitchFamily="34" charset="0"/>
-              <a:ea typeface="Noto Sans" panose="020B0502040504020204" pitchFamily="34" charset="0"/>
-              <a:cs typeface="Noto Sans" panose="020B0502040504020204" pitchFamily="34" charset="0"/>
-            </a:endParaRPr>
-          </a:p>
-          <a:p>
-            <a:pPr marL="342900" indent="-342900" algn="just">
-              <a:buFont typeface="+mj-lt"/>
-              <a:buAutoNum type="arabicParenR"/>
-            </a:pPr>
-            <a:r>
-              <a:rPr lang="en-US" sz="1400">
+                <a:latin typeface="Consolas" panose="020B0609020204030204" pitchFamily="49" charset="0"/>
+                <a:ea typeface="Noto Sans" panose="020B0502040504020204" pitchFamily="34" charset="0"/>
+                <a:cs typeface="Noto Sans" panose="020B0502040504020204" pitchFamily="34" charset="0"/>
+              </a:rPr>
+              <a:t>pm2 logs app</a:t>
+            </a:r>
+          </a:p>
+        </p:txBody>
+      </p:sp>
+      <p:pic>
+        <p:nvPicPr>
+          <p:cNvPr id="14" name="Picture 13">
+            <a:extLst>
+              <a:ext uri="{FF2B5EF4-FFF2-40B4-BE49-F238E27FC236}">
+                <a16:creationId xmlns:a16="http://schemas.microsoft.com/office/drawing/2014/main" id="{EC0304DC-263F-FF20-500B-AD96BF72C812}"/>
+              </a:ext>
+            </a:extLst>
+          </p:cNvPr>
+          <p:cNvPicPr>
+            <a:picLocks noChangeAspect="1"/>
+          </p:cNvPicPr>
+          <p:nvPr/>
+        </p:nvPicPr>
+        <p:blipFill rotWithShape="1">
+          <a:blip r:embed="rId2"/>
+          <a:srcRect r="7674"/>
+          <a:stretch/>
+        </p:blipFill>
+        <p:spPr>
+          <a:xfrm>
+            <a:off x="393857" y="5168849"/>
+            <a:ext cx="6331744" cy="279734"/>
+          </a:xfrm>
+          <a:prstGeom prst="rect">
+            <a:avLst/>
+          </a:prstGeom>
+        </p:spPr>
+      </p:pic>
+      <p:sp>
+        <p:nvSpPr>
+          <p:cNvPr id="4" name="Slide Number Placeholder 3">
+            <a:extLst>
+              <a:ext uri="{FF2B5EF4-FFF2-40B4-BE49-F238E27FC236}">
+                <a16:creationId xmlns:a16="http://schemas.microsoft.com/office/drawing/2014/main" id="{ED1B73CB-C8D4-7372-653C-0AE7C3226E58}"/>
+              </a:ext>
+            </a:extLst>
+          </p:cNvPr>
+          <p:cNvSpPr>
+            <a:spLocks noGrp="1"/>
+          </p:cNvSpPr>
+          <p:nvPr>
+            <p:ph type="sldNum" sz="quarter" idx="12"/>
+          </p:nvPr>
+        </p:nvSpPr>
+        <p:spPr/>
+        <p:txBody>
+          <a:bodyPr/>
+          <a:lstStyle/>
+          <a:p>
+            <a:fld id="{A0CFAC0B-51A4-4980-BC72-DC67A99FFD20}" type="slidenum">
+              <a:rPr lang="en-AE" smtClean="0"/>
+              <a:t>10</a:t>
+            </a:fld>
+            <a:endParaRPr lang="en-AE"/>
+          </a:p>
+        </p:txBody>
+      </p:sp>
+    </p:spTree>
+    <p:extLst>
+      <p:ext uri="{BB962C8B-B14F-4D97-AF65-F5344CB8AC3E}">
+        <p14:creationId xmlns:p14="http://schemas.microsoft.com/office/powerpoint/2010/main" val="872500211"/>
+      </p:ext>
+    </p:extLst>
+  </p:cSld>
+  <p:clrMapOvr>
+    <a:masterClrMapping/>
+  </p:clrMapOvr>
+</p:sld>
+</file>
+
+<file path=ppt/slides/slide2.xml><?xml version="1.0" encoding="utf-8"?>
+<p:sld xmlns:a="http://schemas.openxmlformats.org/drawingml/2006/main" xmlns:r="http://schemas.openxmlformats.org/officeDocument/2006/relationships" xmlns:p="http://schemas.openxmlformats.org/presentationml/2006/main">
+  <p:cSld>
+    <p:spTree>
+      <p:nvGrpSpPr>
+        <p:cNvPr id="1" name=""/>
+        <p:cNvGrpSpPr/>
+        <p:nvPr/>
+      </p:nvGrpSpPr>
+      <p:grpSpPr>
+        <a:xfrm>
+          <a:off x="0" y="0"/>
+          <a:ext cx="0" cy="0"/>
+          <a:chOff x="0" y="0"/>
+          <a:chExt cx="0" cy="0"/>
+        </a:xfrm>
+      </p:grpSpPr>
+      <p:sp>
+        <p:nvSpPr>
+          <p:cNvPr id="4" name="TextBox 3">
+            <a:extLst>
+              <a:ext uri="{FF2B5EF4-FFF2-40B4-BE49-F238E27FC236}">
+                <a16:creationId xmlns:a16="http://schemas.microsoft.com/office/drawing/2014/main" id="{D4F95B88-F2A7-5327-EA20-3D8503D073F3}"/>
+              </a:ext>
+            </a:extLst>
+          </p:cNvPr>
+          <p:cNvSpPr txBox="1"/>
+          <p:nvPr/>
+        </p:nvSpPr>
+        <p:spPr>
+          <a:xfrm>
+            <a:off x="127000" y="114302"/>
+            <a:ext cx="6681470" cy="461665"/>
+          </a:xfrm>
+          <a:prstGeom prst="rect">
+            <a:avLst/>
+          </a:prstGeom>
+          <a:noFill/>
+        </p:spPr>
+        <p:txBody>
+          <a:bodyPr wrap="square" rtlCol="0">
+            <a:spAutoFit/>
+          </a:bodyPr>
+          <a:lstStyle/>
+          <a:p>
+            <a:pPr algn="ctr"/>
+            <a:r>
+              <a:rPr lang="en-US" sz="2400" b="1" dirty="0">
                 <a:solidFill>
                   <a:schemeClr val="accent1"/>
                 </a:solidFill>
@@ -3669,74 +4271,840 @@
                 <a:ea typeface="Noto Sans" panose="020B0502040504020204" pitchFamily="34" charset="0"/>
                 <a:cs typeface="Noto Sans" panose="020B0502040504020204" pitchFamily="34" charset="0"/>
               </a:rPr>
-              <a:t>Connecting to the Server</a:t>
-            </a:r>
-          </a:p>
-          <a:p>
-            <a:pPr marL="800100" lvl="1" indent="-342900" algn="just">
-              <a:buFont typeface="Arial" panose="020B0604020202020204" pitchFamily="34" charset="0"/>
-              <a:buChar char="•"/>
-            </a:pPr>
-            <a:endParaRPr lang="en-US" sz="1200">
-              <a:latin typeface="Noto Sans" panose="020B0502040504020204" pitchFamily="34" charset="0"/>
-              <a:ea typeface="Noto Sans" panose="020B0502040504020204" pitchFamily="34" charset="0"/>
-              <a:cs typeface="Noto Sans" panose="020B0502040504020204" pitchFamily="34" charset="0"/>
-            </a:endParaRPr>
-          </a:p>
-          <a:p>
-            <a:pPr marL="800100" lvl="1" indent="-342900" algn="just">
-              <a:buFont typeface="Arial" panose="020B0604020202020204" pitchFamily="34" charset="0"/>
-              <a:buChar char="•"/>
-            </a:pPr>
-            <a:r>
-              <a:rPr lang="en-US" sz="1200">
-                <a:latin typeface="Noto Sans" panose="020B0502040504020204" pitchFamily="34" charset="0"/>
-                <a:ea typeface="Noto Sans" panose="020B0502040504020204" pitchFamily="34" charset="0"/>
-                <a:cs typeface="Noto Sans" panose="020B0502040504020204" pitchFamily="34" charset="0"/>
-              </a:rPr>
-              <a:t> To connect to our server we'll be using OpenSSH which is available in most Windows System. The command is :</a:t>
-            </a:r>
-          </a:p>
-          <a:p>
-            <a:pPr marL="800100" lvl="1" indent="-342900" algn="just">
-              <a:buFont typeface="Arial" panose="020B0604020202020204" pitchFamily="34" charset="0"/>
-              <a:buChar char="•"/>
-            </a:pPr>
-            <a:endParaRPr lang="en-US" sz="1200">
-              <a:latin typeface="Noto Sans" panose="020B0502040504020204" pitchFamily="34" charset="0"/>
-              <a:ea typeface="Noto Sans" panose="020B0502040504020204" pitchFamily="34" charset="0"/>
-              <a:cs typeface="Noto Sans" panose="020B0502040504020204" pitchFamily="34" charset="0"/>
-            </a:endParaRPr>
-          </a:p>
-          <a:p>
-            <a:pPr marL="800100" lvl="1" indent="-342900" algn="just">
-              <a:buFont typeface="Arial" panose="020B0604020202020204" pitchFamily="34" charset="0"/>
-              <a:buChar char="•"/>
-            </a:pPr>
-            <a:endParaRPr lang="en-US" sz="1200">
-              <a:latin typeface="Noto Sans" panose="020B0502040504020204" pitchFamily="34" charset="0"/>
-              <a:ea typeface="Noto Sans" panose="020B0502040504020204" pitchFamily="34" charset="0"/>
-              <a:cs typeface="Noto Sans" panose="020B0502040504020204" pitchFamily="34" charset="0"/>
-            </a:endParaRPr>
-          </a:p>
-          <a:p>
-            <a:pPr marL="800100" lvl="1" indent="-342900" algn="just">
-              <a:buFont typeface="Arial" panose="020B0604020202020204" pitchFamily="34" charset="0"/>
-              <a:buChar char="•"/>
-            </a:pPr>
-            <a:endParaRPr lang="en-AE" sz="1400">
-              <a:latin typeface="Noto Sans" panose="020B0502040504020204" pitchFamily="34" charset="0"/>
-              <a:ea typeface="Noto Sans" panose="020B0502040504020204" pitchFamily="34" charset="0"/>
-              <a:cs typeface="Noto Sans" panose="020B0502040504020204" pitchFamily="34" charset="0"/>
-            </a:endParaRPr>
-          </a:p>
-          <a:p>
-            <a:pPr marL="342900" indent="-342900" algn="just">
+              <a:t>Table of Contents</a:t>
+            </a:r>
+          </a:p>
+        </p:txBody>
+      </p:sp>
+      <p:graphicFrame>
+        <p:nvGraphicFramePr>
+          <p:cNvPr id="2" name="Table 1">
+            <a:extLst>
+              <a:ext uri="{FF2B5EF4-FFF2-40B4-BE49-F238E27FC236}">
+                <a16:creationId xmlns:a16="http://schemas.microsoft.com/office/drawing/2014/main" id="{1C4180C1-EAD6-4244-23B3-9EA00DB61A32}"/>
+              </a:ext>
+            </a:extLst>
+          </p:cNvPr>
+          <p:cNvGraphicFramePr>
+            <a:graphicFrameLocks noGrp="1"/>
+          </p:cNvGraphicFramePr>
+          <p:nvPr>
+            <p:extLst>
+              <p:ext uri="{D42A27DB-BD31-4B8C-83A1-F6EECF244321}">
+                <p14:modId xmlns:p14="http://schemas.microsoft.com/office/powerpoint/2010/main" val="1146290146"/>
+              </p:ext>
+            </p:extLst>
+          </p:nvPr>
+        </p:nvGraphicFramePr>
+        <p:xfrm>
+          <a:off x="355600" y="876300"/>
+          <a:ext cx="6146800" cy="8814557"/>
+        </p:xfrm>
+        <a:graphic>
+          <a:graphicData uri="http://schemas.openxmlformats.org/drawingml/2006/table">
+            <a:tbl>
+              <a:tblPr firstRow="1" bandRow="1">
+                <a:tableStyleId>{5C22544A-7EE6-4342-B048-85BDC9FD1C3A}</a:tableStyleId>
+              </a:tblPr>
+              <a:tblGrid>
+                <a:gridCol w="1320423">
+                  <a:extLst>
+                    <a:ext uri="{9D8B030D-6E8A-4147-A177-3AD203B41FA5}">
+                      <a16:colId xmlns:a16="http://schemas.microsoft.com/office/drawing/2014/main" val="235945904"/>
+                    </a:ext>
+                  </a:extLst>
+                </a:gridCol>
+                <a:gridCol w="3530977">
+                  <a:extLst>
+                    <a:ext uri="{9D8B030D-6E8A-4147-A177-3AD203B41FA5}">
+                      <a16:colId xmlns:a16="http://schemas.microsoft.com/office/drawing/2014/main" val="3683127473"/>
+                    </a:ext>
+                  </a:extLst>
+                </a:gridCol>
+                <a:gridCol w="1295400">
+                  <a:extLst>
+                    <a:ext uri="{9D8B030D-6E8A-4147-A177-3AD203B41FA5}">
+                      <a16:colId xmlns:a16="http://schemas.microsoft.com/office/drawing/2014/main" val="1662279757"/>
+                    </a:ext>
+                  </a:extLst>
+                </a:gridCol>
+              </a:tblGrid>
+              <a:tr h="1054857">
+                <a:tc>
+                  <a:txBody>
+                    <a:bodyPr/>
+                    <a:lstStyle/>
+                    <a:p>
+                      <a:pPr algn="ctr"/>
+                      <a:r>
+                        <a:rPr lang="en-US" sz="2000" b="1" dirty="0">
+                          <a:latin typeface="Noto Sans" panose="020B0502040504020204" pitchFamily="34" charset="0"/>
+                          <a:ea typeface="Noto Sans" panose="020B0502040504020204" pitchFamily="34" charset="0"/>
+                          <a:cs typeface="Noto Sans" panose="020B0502040504020204" pitchFamily="34" charset="0"/>
+                        </a:rPr>
+                        <a:t>No</a:t>
+                      </a:r>
+                      <a:endParaRPr lang="en-AE" sz="2000" b="1" dirty="0">
+                        <a:latin typeface="Noto Sans" panose="020B0502040504020204" pitchFamily="34" charset="0"/>
+                        <a:ea typeface="Noto Sans" panose="020B0502040504020204" pitchFamily="34" charset="0"/>
+                        <a:cs typeface="Noto Sans" panose="020B0502040504020204" pitchFamily="34" charset="0"/>
+                      </a:endParaRPr>
+                    </a:p>
+                  </a:txBody>
+                  <a:tcPr anchor="ctr"/>
+                </a:tc>
+                <a:tc>
+                  <a:txBody>
+                    <a:bodyPr/>
+                    <a:lstStyle/>
+                    <a:p>
+                      <a:pPr algn="ctr"/>
+                      <a:r>
+                        <a:rPr lang="en-US" sz="2000" b="1" dirty="0">
+                          <a:latin typeface="Noto Sans" panose="020B0502040504020204" pitchFamily="34" charset="0"/>
+                          <a:ea typeface="Noto Sans" panose="020B0502040504020204" pitchFamily="34" charset="0"/>
+                          <a:cs typeface="Noto Sans" panose="020B0502040504020204" pitchFamily="34" charset="0"/>
+                        </a:rPr>
+                        <a:t>Topic</a:t>
+                      </a:r>
+                      <a:endParaRPr lang="en-AE" sz="2000" b="1" dirty="0">
+                        <a:latin typeface="Noto Sans" panose="020B0502040504020204" pitchFamily="34" charset="0"/>
+                        <a:ea typeface="Noto Sans" panose="020B0502040504020204" pitchFamily="34" charset="0"/>
+                        <a:cs typeface="Noto Sans" panose="020B0502040504020204" pitchFamily="34" charset="0"/>
+                      </a:endParaRPr>
+                    </a:p>
+                  </a:txBody>
+                  <a:tcPr anchor="ctr"/>
+                </a:tc>
+                <a:tc>
+                  <a:txBody>
+                    <a:bodyPr/>
+                    <a:lstStyle/>
+                    <a:p>
+                      <a:pPr algn="ctr"/>
+                      <a:r>
+                        <a:rPr lang="en-US" sz="2000" b="1" dirty="0">
+                          <a:latin typeface="Noto Sans" panose="020B0502040504020204" pitchFamily="34" charset="0"/>
+                          <a:ea typeface="Noto Sans" panose="020B0502040504020204" pitchFamily="34" charset="0"/>
+                          <a:cs typeface="Noto Sans" panose="020B0502040504020204" pitchFamily="34" charset="0"/>
+                        </a:rPr>
+                        <a:t>Page</a:t>
+                      </a:r>
+                      <a:endParaRPr lang="en-AE" sz="2000" b="1" dirty="0">
+                        <a:latin typeface="Noto Sans" panose="020B0502040504020204" pitchFamily="34" charset="0"/>
+                        <a:ea typeface="Noto Sans" panose="020B0502040504020204" pitchFamily="34" charset="0"/>
+                        <a:cs typeface="Noto Sans" panose="020B0502040504020204" pitchFamily="34" charset="0"/>
+                      </a:endParaRPr>
+                    </a:p>
+                  </a:txBody>
+                  <a:tcPr anchor="ctr"/>
+                </a:tc>
+                <a:extLst>
+                  <a:ext uri="{0D108BD9-81ED-4DB2-BD59-A6C34878D82A}">
+                    <a16:rowId xmlns:a16="http://schemas.microsoft.com/office/drawing/2014/main" val="4290016734"/>
+                  </a:ext>
+                </a:extLst>
+              </a:tr>
+              <a:tr h="1054857">
+                <a:tc>
+                  <a:txBody>
+                    <a:bodyPr/>
+                    <a:lstStyle/>
+                    <a:p>
+                      <a:pPr algn="ctr"/>
+                      <a:r>
+                        <a:rPr lang="en-US" sz="2000" b="1" dirty="0">
+                          <a:latin typeface="Noto Sans" panose="020B0502040504020204" pitchFamily="34" charset="0"/>
+                          <a:ea typeface="Noto Sans" panose="020B0502040504020204" pitchFamily="34" charset="0"/>
+                          <a:cs typeface="Noto Sans" panose="020B0502040504020204" pitchFamily="34" charset="0"/>
+                        </a:rPr>
+                        <a:t>1</a:t>
+                      </a:r>
+                      <a:endParaRPr lang="en-AE" sz="2000" b="1" dirty="0">
+                        <a:latin typeface="Noto Sans" panose="020B0502040504020204" pitchFamily="34" charset="0"/>
+                        <a:ea typeface="Noto Sans" panose="020B0502040504020204" pitchFamily="34" charset="0"/>
+                        <a:cs typeface="Noto Sans" panose="020B0502040504020204" pitchFamily="34" charset="0"/>
+                      </a:endParaRPr>
+                    </a:p>
+                  </a:txBody>
+                  <a:tcPr anchor="ctr"/>
+                </a:tc>
+                <a:tc>
+                  <a:txBody>
+                    <a:bodyPr/>
+                    <a:lstStyle/>
+                    <a:p>
+                      <a:pPr algn="l"/>
+                      <a:r>
+                        <a:rPr lang="en-US" sz="2000" b="1" dirty="0">
+                          <a:latin typeface="Noto Sans" panose="020B0502040504020204" pitchFamily="34" charset="0"/>
+                          <a:ea typeface="Noto Sans" panose="020B0502040504020204" pitchFamily="34" charset="0"/>
+                          <a:cs typeface="Noto Sans" panose="020B0502040504020204" pitchFamily="34" charset="0"/>
+                        </a:rPr>
+                        <a:t>Creating the server</a:t>
+                      </a:r>
+                      <a:endParaRPr lang="en-AE" sz="2000" b="1" dirty="0">
+                        <a:latin typeface="Noto Sans" panose="020B0502040504020204" pitchFamily="34" charset="0"/>
+                        <a:ea typeface="Noto Sans" panose="020B0502040504020204" pitchFamily="34" charset="0"/>
+                        <a:cs typeface="Noto Sans" panose="020B0502040504020204" pitchFamily="34" charset="0"/>
+                      </a:endParaRPr>
+                    </a:p>
+                  </a:txBody>
+                  <a:tcPr anchor="ctr"/>
+                </a:tc>
+                <a:tc>
+                  <a:txBody>
+                    <a:bodyPr/>
+                    <a:lstStyle/>
+                    <a:p>
+                      <a:pPr marL="0" marR="0" lvl="0" indent="0" algn="ctr" defTabSz="685800" rtl="0" eaLnBrk="1" fontAlgn="auto" latinLnBrk="0" hangingPunct="1">
+                        <a:lnSpc>
+                          <a:spcPct val="100000"/>
+                        </a:lnSpc>
+                        <a:spcBef>
+                          <a:spcPts val="0"/>
+                        </a:spcBef>
+                        <a:spcAft>
+                          <a:spcPts val="0"/>
+                        </a:spcAft>
+                        <a:buClrTx/>
+                        <a:buSzTx/>
+                        <a:buFontTx/>
+                        <a:buNone/>
+                        <a:tabLst/>
+                        <a:defRPr/>
+                      </a:pPr>
+                      <a:r>
+                        <a:rPr lang="en-US" sz="2000" b="1" dirty="0">
+                          <a:latin typeface="Noto Sans" panose="020B0502040504020204" pitchFamily="34" charset="0"/>
+                          <a:ea typeface="Noto Sans" panose="020B0502040504020204" pitchFamily="34" charset="0"/>
+                          <a:cs typeface="Noto Sans" panose="020B0502040504020204" pitchFamily="34" charset="0"/>
+                          <a:hlinkClick r:id="rId2" action="ppaction://hlinksldjump"/>
+                        </a:rPr>
+                        <a:t>1</a:t>
+                      </a:r>
+                      <a:endParaRPr lang="en-AE" sz="2000" b="1" dirty="0">
+                        <a:latin typeface="Noto Sans" panose="020B0502040504020204" pitchFamily="34" charset="0"/>
+                        <a:ea typeface="Noto Sans" panose="020B0502040504020204" pitchFamily="34" charset="0"/>
+                        <a:cs typeface="Noto Sans" panose="020B0502040504020204" pitchFamily="34" charset="0"/>
+                      </a:endParaRPr>
+                    </a:p>
+                  </a:txBody>
+                  <a:tcPr anchor="ctr"/>
+                </a:tc>
+                <a:extLst>
+                  <a:ext uri="{0D108BD9-81ED-4DB2-BD59-A6C34878D82A}">
+                    <a16:rowId xmlns:a16="http://schemas.microsoft.com/office/drawing/2014/main" val="1053666459"/>
+                  </a:ext>
+                </a:extLst>
+              </a:tr>
+              <a:tr h="1054857">
+                <a:tc>
+                  <a:txBody>
+                    <a:bodyPr/>
+                    <a:lstStyle/>
+                    <a:p>
+                      <a:pPr algn="ctr"/>
+                      <a:r>
+                        <a:rPr lang="en-US" sz="2000" b="1" dirty="0">
+                          <a:latin typeface="Noto Sans" panose="020B0502040504020204" pitchFamily="34" charset="0"/>
+                          <a:ea typeface="Noto Sans" panose="020B0502040504020204" pitchFamily="34" charset="0"/>
+                          <a:cs typeface="Noto Sans" panose="020B0502040504020204" pitchFamily="34" charset="0"/>
+                        </a:rPr>
+                        <a:t>2</a:t>
+                      </a:r>
+                      <a:endParaRPr lang="en-AE" sz="2000" b="1" dirty="0">
+                        <a:latin typeface="Noto Sans" panose="020B0502040504020204" pitchFamily="34" charset="0"/>
+                        <a:ea typeface="Noto Sans" panose="020B0502040504020204" pitchFamily="34" charset="0"/>
+                        <a:cs typeface="Noto Sans" panose="020B0502040504020204" pitchFamily="34" charset="0"/>
+                      </a:endParaRPr>
+                    </a:p>
+                  </a:txBody>
+                  <a:tcPr anchor="ctr"/>
+                </a:tc>
+                <a:tc>
+                  <a:txBody>
+                    <a:bodyPr/>
+                    <a:lstStyle/>
+                    <a:p>
+                      <a:pPr algn="l"/>
+                      <a:r>
+                        <a:rPr lang="en-US" sz="2000" b="1" dirty="0">
+                          <a:latin typeface="Noto Sans" panose="020B0502040504020204" pitchFamily="34" charset="0"/>
+                          <a:ea typeface="Noto Sans" panose="020B0502040504020204" pitchFamily="34" charset="0"/>
+                          <a:cs typeface="Noto Sans" panose="020B0502040504020204" pitchFamily="34" charset="0"/>
+                        </a:rPr>
+                        <a:t>Connecting to the server</a:t>
+                      </a:r>
+                      <a:endParaRPr lang="en-AE" sz="2000" b="1" dirty="0">
+                        <a:latin typeface="Noto Sans" panose="020B0502040504020204" pitchFamily="34" charset="0"/>
+                        <a:ea typeface="Noto Sans" panose="020B0502040504020204" pitchFamily="34" charset="0"/>
+                        <a:cs typeface="Noto Sans" panose="020B0502040504020204" pitchFamily="34" charset="0"/>
+                      </a:endParaRPr>
+                    </a:p>
+                  </a:txBody>
+                  <a:tcPr anchor="ctr"/>
+                </a:tc>
+                <a:tc>
+                  <a:txBody>
+                    <a:bodyPr/>
+                    <a:lstStyle/>
+                    <a:p>
+                      <a:pPr marL="0" marR="0" lvl="0" indent="0" algn="ctr" defTabSz="685800" rtl="0" eaLnBrk="1" fontAlgn="auto" latinLnBrk="0" hangingPunct="1">
+                        <a:lnSpc>
+                          <a:spcPct val="100000"/>
+                        </a:lnSpc>
+                        <a:spcBef>
+                          <a:spcPts val="0"/>
+                        </a:spcBef>
+                        <a:spcAft>
+                          <a:spcPts val="0"/>
+                        </a:spcAft>
+                        <a:buClrTx/>
+                        <a:buSzTx/>
+                        <a:buFontTx/>
+                        <a:buNone/>
+                        <a:tabLst/>
+                        <a:defRPr/>
+                      </a:pPr>
+                      <a:r>
+                        <a:rPr lang="en-US" sz="2000" b="1" dirty="0">
+                          <a:latin typeface="Noto Sans" panose="020B0502040504020204" pitchFamily="34" charset="0"/>
+                          <a:ea typeface="Noto Sans" panose="020B0502040504020204" pitchFamily="34" charset="0"/>
+                          <a:cs typeface="Noto Sans" panose="020B0502040504020204" pitchFamily="34" charset="0"/>
+                          <a:hlinkClick r:id="rId2" action="ppaction://hlinksldjump"/>
+                        </a:rPr>
+                        <a:t>1</a:t>
+                      </a:r>
+                      <a:endParaRPr lang="en-AE" sz="2000" b="1" dirty="0">
+                        <a:latin typeface="Noto Sans" panose="020B0502040504020204" pitchFamily="34" charset="0"/>
+                        <a:ea typeface="Noto Sans" panose="020B0502040504020204" pitchFamily="34" charset="0"/>
+                        <a:cs typeface="Noto Sans" panose="020B0502040504020204" pitchFamily="34" charset="0"/>
+                      </a:endParaRPr>
+                    </a:p>
+                  </a:txBody>
+                  <a:tcPr anchor="ctr"/>
+                </a:tc>
+                <a:extLst>
+                  <a:ext uri="{0D108BD9-81ED-4DB2-BD59-A6C34878D82A}">
+                    <a16:rowId xmlns:a16="http://schemas.microsoft.com/office/drawing/2014/main" val="2922058851"/>
+                  </a:ext>
+                </a:extLst>
+              </a:tr>
+              <a:tr h="1430558">
+                <a:tc>
+                  <a:txBody>
+                    <a:bodyPr/>
+                    <a:lstStyle/>
+                    <a:p>
+                      <a:pPr algn="ctr"/>
+                      <a:r>
+                        <a:rPr lang="en-US" sz="2000" b="1" dirty="0">
+                          <a:latin typeface="Noto Sans" panose="020B0502040504020204" pitchFamily="34" charset="0"/>
+                          <a:ea typeface="Noto Sans" panose="020B0502040504020204" pitchFamily="34" charset="0"/>
+                          <a:cs typeface="Noto Sans" panose="020B0502040504020204" pitchFamily="34" charset="0"/>
+                        </a:rPr>
+                        <a:t>3</a:t>
+                      </a:r>
+                      <a:endParaRPr lang="en-AE" sz="2000" b="1" dirty="0">
+                        <a:latin typeface="Noto Sans" panose="020B0502040504020204" pitchFamily="34" charset="0"/>
+                        <a:ea typeface="Noto Sans" panose="020B0502040504020204" pitchFamily="34" charset="0"/>
+                        <a:cs typeface="Noto Sans" panose="020B0502040504020204" pitchFamily="34" charset="0"/>
+                      </a:endParaRPr>
+                    </a:p>
+                  </a:txBody>
+                  <a:tcPr anchor="ctr"/>
+                </a:tc>
+                <a:tc>
+                  <a:txBody>
+                    <a:bodyPr/>
+                    <a:lstStyle/>
+                    <a:p>
+                      <a:pPr algn="l"/>
+                      <a:r>
+                        <a:rPr lang="en-US" sz="2000" b="1" dirty="0">
+                          <a:latin typeface="Noto Sans" panose="020B0502040504020204" pitchFamily="34" charset="0"/>
+                          <a:ea typeface="Noto Sans" panose="020B0502040504020204" pitchFamily="34" charset="0"/>
+                          <a:cs typeface="Noto Sans" panose="020B0502040504020204" pitchFamily="34" charset="0"/>
+                        </a:rPr>
+                        <a:t>Installing Necessary Modules</a:t>
+                      </a:r>
+                      <a:endParaRPr lang="en-AE" sz="2000" b="1" dirty="0">
+                        <a:latin typeface="Noto Sans" panose="020B0502040504020204" pitchFamily="34" charset="0"/>
+                        <a:ea typeface="Noto Sans" panose="020B0502040504020204" pitchFamily="34" charset="0"/>
+                        <a:cs typeface="Noto Sans" panose="020B0502040504020204" pitchFamily="34" charset="0"/>
+                      </a:endParaRPr>
+                    </a:p>
+                  </a:txBody>
+                  <a:tcPr anchor="ctr"/>
+                </a:tc>
+                <a:tc>
+                  <a:txBody>
+                    <a:bodyPr/>
+                    <a:lstStyle/>
+                    <a:p>
+                      <a:pPr marL="0" marR="0" lvl="0" indent="0" algn="ctr" defTabSz="685800" rtl="0" eaLnBrk="1" fontAlgn="auto" latinLnBrk="0" hangingPunct="1">
+                        <a:lnSpc>
+                          <a:spcPct val="100000"/>
+                        </a:lnSpc>
+                        <a:spcBef>
+                          <a:spcPts val="0"/>
+                        </a:spcBef>
+                        <a:spcAft>
+                          <a:spcPts val="0"/>
+                        </a:spcAft>
+                        <a:buClrTx/>
+                        <a:buSzTx/>
+                        <a:buFontTx/>
+                        <a:buNone/>
+                        <a:tabLst/>
+                        <a:defRPr/>
+                      </a:pPr>
+                      <a:r>
+                        <a:rPr lang="en-US" sz="2000" b="1" dirty="0">
+                          <a:latin typeface="Noto Sans" panose="020B0502040504020204" pitchFamily="34" charset="0"/>
+                          <a:ea typeface="Noto Sans" panose="020B0502040504020204" pitchFamily="34" charset="0"/>
+                          <a:cs typeface="Noto Sans" panose="020B0502040504020204" pitchFamily="34" charset="0"/>
+                          <a:hlinkClick r:id="rId2" action="ppaction://hlinksldjump"/>
+                        </a:rPr>
+                        <a:t>1</a:t>
+                      </a:r>
+                      <a:endParaRPr lang="en-AE" sz="2000" b="1" dirty="0">
+                        <a:latin typeface="Noto Sans" panose="020B0502040504020204" pitchFamily="34" charset="0"/>
+                        <a:ea typeface="Noto Sans" panose="020B0502040504020204" pitchFamily="34" charset="0"/>
+                        <a:cs typeface="Noto Sans" panose="020B0502040504020204" pitchFamily="34" charset="0"/>
+                      </a:endParaRPr>
+                    </a:p>
+                  </a:txBody>
+                  <a:tcPr anchor="ctr"/>
+                </a:tc>
+                <a:extLst>
+                  <a:ext uri="{0D108BD9-81ED-4DB2-BD59-A6C34878D82A}">
+                    <a16:rowId xmlns:a16="http://schemas.microsoft.com/office/drawing/2014/main" val="2527223921"/>
+                  </a:ext>
+                </a:extLst>
+              </a:tr>
+              <a:tr h="1054857">
+                <a:tc>
+                  <a:txBody>
+                    <a:bodyPr/>
+                    <a:lstStyle/>
+                    <a:p>
+                      <a:pPr algn="ctr"/>
+                      <a:r>
+                        <a:rPr lang="en-US" sz="2000" b="1" dirty="0">
+                          <a:latin typeface="Noto Sans" panose="020B0502040504020204" pitchFamily="34" charset="0"/>
+                          <a:ea typeface="Noto Sans" panose="020B0502040504020204" pitchFamily="34" charset="0"/>
+                          <a:cs typeface="Noto Sans" panose="020B0502040504020204" pitchFamily="34" charset="0"/>
+                        </a:rPr>
+                        <a:t>4</a:t>
+                      </a:r>
+                      <a:endParaRPr lang="en-AE" sz="2000" b="1" dirty="0">
+                        <a:latin typeface="Noto Sans" panose="020B0502040504020204" pitchFamily="34" charset="0"/>
+                        <a:ea typeface="Noto Sans" panose="020B0502040504020204" pitchFamily="34" charset="0"/>
+                        <a:cs typeface="Noto Sans" panose="020B0502040504020204" pitchFamily="34" charset="0"/>
+                      </a:endParaRPr>
+                    </a:p>
+                  </a:txBody>
+                  <a:tcPr anchor="ctr"/>
+                </a:tc>
+                <a:tc>
+                  <a:txBody>
+                    <a:bodyPr/>
+                    <a:lstStyle/>
+                    <a:p>
+                      <a:pPr algn="l"/>
+                      <a:r>
+                        <a:rPr lang="en-US" sz="2000" b="1" dirty="0">
+                          <a:latin typeface="Noto Sans" panose="020B0502040504020204" pitchFamily="34" charset="0"/>
+                          <a:ea typeface="Noto Sans" panose="020B0502040504020204" pitchFamily="34" charset="0"/>
+                          <a:cs typeface="Noto Sans" panose="020B0502040504020204" pitchFamily="34" charset="0"/>
+                        </a:rPr>
+                        <a:t>Creating the domain</a:t>
+                      </a:r>
+                      <a:endParaRPr lang="en-AE" sz="2000" b="1" dirty="0">
+                        <a:latin typeface="Noto Sans" panose="020B0502040504020204" pitchFamily="34" charset="0"/>
+                        <a:ea typeface="Noto Sans" panose="020B0502040504020204" pitchFamily="34" charset="0"/>
+                        <a:cs typeface="Noto Sans" panose="020B0502040504020204" pitchFamily="34" charset="0"/>
+                      </a:endParaRPr>
+                    </a:p>
+                  </a:txBody>
+                  <a:tcPr anchor="ctr"/>
+                </a:tc>
+                <a:tc>
+                  <a:txBody>
+                    <a:bodyPr/>
+                    <a:lstStyle/>
+                    <a:p>
+                      <a:pPr marL="0" marR="0" lvl="0" indent="0" algn="ctr" defTabSz="685800" rtl="0" eaLnBrk="1" fontAlgn="auto" latinLnBrk="0" hangingPunct="1">
+                        <a:lnSpc>
+                          <a:spcPct val="100000"/>
+                        </a:lnSpc>
+                        <a:spcBef>
+                          <a:spcPts val="0"/>
+                        </a:spcBef>
+                        <a:spcAft>
+                          <a:spcPts val="0"/>
+                        </a:spcAft>
+                        <a:buClrTx/>
+                        <a:buSzTx/>
+                        <a:buFontTx/>
+                        <a:buNone/>
+                        <a:tabLst/>
+                        <a:defRPr/>
+                      </a:pPr>
+                      <a:r>
+                        <a:rPr lang="en-US" sz="2000" b="1" dirty="0">
+                          <a:latin typeface="Noto Sans" panose="020B0502040504020204" pitchFamily="34" charset="0"/>
+                          <a:ea typeface="Noto Sans" panose="020B0502040504020204" pitchFamily="34" charset="0"/>
+                          <a:cs typeface="Noto Sans" panose="020B0502040504020204" pitchFamily="34" charset="0"/>
+                          <a:hlinkClick r:id="rId3" action="ppaction://hlinksldjump"/>
+                        </a:rPr>
+                        <a:t>2</a:t>
+                      </a:r>
+                      <a:endParaRPr lang="en-AE" sz="2000" b="1" dirty="0">
+                        <a:latin typeface="Noto Sans" panose="020B0502040504020204" pitchFamily="34" charset="0"/>
+                        <a:ea typeface="Noto Sans" panose="020B0502040504020204" pitchFamily="34" charset="0"/>
+                        <a:cs typeface="Noto Sans" panose="020B0502040504020204" pitchFamily="34" charset="0"/>
+                      </a:endParaRPr>
+                    </a:p>
+                  </a:txBody>
+                  <a:tcPr anchor="ctr"/>
+                </a:tc>
+                <a:extLst>
+                  <a:ext uri="{0D108BD9-81ED-4DB2-BD59-A6C34878D82A}">
+                    <a16:rowId xmlns:a16="http://schemas.microsoft.com/office/drawing/2014/main" val="1643798899"/>
+                  </a:ext>
+                </a:extLst>
+              </a:tr>
+              <a:tr h="1054857">
+                <a:tc>
+                  <a:txBody>
+                    <a:bodyPr/>
+                    <a:lstStyle/>
+                    <a:p>
+                      <a:pPr algn="ctr"/>
+                      <a:r>
+                        <a:rPr lang="en-US" sz="2000" b="1" dirty="0">
+                          <a:latin typeface="Noto Sans" panose="020B0502040504020204" pitchFamily="34" charset="0"/>
+                          <a:ea typeface="Noto Sans" panose="020B0502040504020204" pitchFamily="34" charset="0"/>
+                          <a:cs typeface="Noto Sans" panose="020B0502040504020204" pitchFamily="34" charset="0"/>
+                        </a:rPr>
+                        <a:t>5</a:t>
+                      </a:r>
+                      <a:endParaRPr lang="en-AE" sz="2000" b="1" dirty="0">
+                        <a:latin typeface="Noto Sans" panose="020B0502040504020204" pitchFamily="34" charset="0"/>
+                        <a:ea typeface="Noto Sans" panose="020B0502040504020204" pitchFamily="34" charset="0"/>
+                        <a:cs typeface="Noto Sans" panose="020B0502040504020204" pitchFamily="34" charset="0"/>
+                      </a:endParaRPr>
+                    </a:p>
+                  </a:txBody>
+                  <a:tcPr anchor="ctr"/>
+                </a:tc>
+                <a:tc>
+                  <a:txBody>
+                    <a:bodyPr/>
+                    <a:lstStyle/>
+                    <a:p>
+                      <a:pPr algn="l"/>
+                      <a:r>
+                        <a:rPr lang="en-US" sz="2000" b="1" dirty="0">
+                          <a:latin typeface="Noto Sans" panose="020B0502040504020204" pitchFamily="34" charset="0"/>
+                          <a:ea typeface="Noto Sans" panose="020B0502040504020204" pitchFamily="34" charset="0"/>
+                          <a:cs typeface="Noto Sans" panose="020B0502040504020204" pitchFamily="34" charset="0"/>
+                        </a:rPr>
+                        <a:t>Configuring SSL</a:t>
+                      </a:r>
+                      <a:endParaRPr lang="en-AE" sz="2000" b="1" dirty="0">
+                        <a:latin typeface="Noto Sans" panose="020B0502040504020204" pitchFamily="34" charset="0"/>
+                        <a:ea typeface="Noto Sans" panose="020B0502040504020204" pitchFamily="34" charset="0"/>
+                        <a:cs typeface="Noto Sans" panose="020B0502040504020204" pitchFamily="34" charset="0"/>
+                      </a:endParaRPr>
+                    </a:p>
+                  </a:txBody>
+                  <a:tcPr anchor="ctr"/>
+                </a:tc>
+                <a:tc>
+                  <a:txBody>
+                    <a:bodyPr/>
+                    <a:lstStyle/>
+                    <a:p>
+                      <a:pPr algn="ctr"/>
+                      <a:r>
+                        <a:rPr lang="en-US" sz="2000" b="1" dirty="0">
+                          <a:latin typeface="Noto Sans" panose="020B0502040504020204" pitchFamily="34" charset="0"/>
+                          <a:ea typeface="Noto Sans" panose="020B0502040504020204" pitchFamily="34" charset="0"/>
+                          <a:cs typeface="Noto Sans" panose="020B0502040504020204" pitchFamily="34" charset="0"/>
+                          <a:hlinkClick r:id="rId4" action="ppaction://hlinksldjump"/>
+                        </a:rPr>
+                        <a:t>3</a:t>
+                      </a:r>
+                      <a:endParaRPr lang="en-AE" sz="2000" b="1" dirty="0">
+                        <a:latin typeface="Noto Sans" panose="020B0502040504020204" pitchFamily="34" charset="0"/>
+                        <a:ea typeface="Noto Sans" panose="020B0502040504020204" pitchFamily="34" charset="0"/>
+                        <a:cs typeface="Noto Sans" panose="020B0502040504020204" pitchFamily="34" charset="0"/>
+                      </a:endParaRPr>
+                    </a:p>
+                  </a:txBody>
+                  <a:tcPr anchor="ctr"/>
+                </a:tc>
+                <a:extLst>
+                  <a:ext uri="{0D108BD9-81ED-4DB2-BD59-A6C34878D82A}">
+                    <a16:rowId xmlns:a16="http://schemas.microsoft.com/office/drawing/2014/main" val="3243961421"/>
+                  </a:ext>
+                </a:extLst>
+              </a:tr>
+              <a:tr h="1054857">
+                <a:tc>
+                  <a:txBody>
+                    <a:bodyPr/>
+                    <a:lstStyle/>
+                    <a:p>
+                      <a:pPr algn="ctr"/>
+                      <a:r>
+                        <a:rPr lang="en-US" sz="2000" b="1" dirty="0">
+                          <a:latin typeface="Noto Sans" panose="020B0502040504020204" pitchFamily="34" charset="0"/>
+                          <a:ea typeface="Noto Sans" panose="020B0502040504020204" pitchFamily="34" charset="0"/>
+                          <a:cs typeface="Noto Sans" panose="020B0502040504020204" pitchFamily="34" charset="0"/>
+                        </a:rPr>
+                        <a:t>6</a:t>
+                      </a:r>
+                      <a:endParaRPr lang="en-AE" sz="2000" b="1" dirty="0">
+                        <a:latin typeface="Noto Sans" panose="020B0502040504020204" pitchFamily="34" charset="0"/>
+                        <a:ea typeface="Noto Sans" panose="020B0502040504020204" pitchFamily="34" charset="0"/>
+                        <a:cs typeface="Noto Sans" panose="020B0502040504020204" pitchFamily="34" charset="0"/>
+                      </a:endParaRPr>
+                    </a:p>
+                  </a:txBody>
+                  <a:tcPr anchor="ctr"/>
+                </a:tc>
+                <a:tc>
+                  <a:txBody>
+                    <a:bodyPr/>
+                    <a:lstStyle/>
+                    <a:p>
+                      <a:pPr algn="l"/>
+                      <a:r>
+                        <a:rPr lang="en-US" sz="2000" b="1" dirty="0">
+                          <a:latin typeface="Noto Sans" panose="020B0502040504020204" pitchFamily="34" charset="0"/>
+                          <a:ea typeface="Noto Sans" panose="020B0502040504020204" pitchFamily="34" charset="0"/>
+                          <a:cs typeface="Noto Sans" panose="020B0502040504020204" pitchFamily="34" charset="0"/>
+                        </a:rPr>
+                        <a:t>Setting up the Database</a:t>
+                      </a:r>
+                      <a:endParaRPr lang="en-AE" sz="2000" b="1" dirty="0">
+                        <a:latin typeface="Noto Sans" panose="020B0502040504020204" pitchFamily="34" charset="0"/>
+                        <a:ea typeface="Noto Sans" panose="020B0502040504020204" pitchFamily="34" charset="0"/>
+                        <a:cs typeface="Noto Sans" panose="020B0502040504020204" pitchFamily="34" charset="0"/>
+                      </a:endParaRPr>
+                    </a:p>
+                  </a:txBody>
+                  <a:tcPr anchor="ctr"/>
+                </a:tc>
+                <a:tc>
+                  <a:txBody>
+                    <a:bodyPr/>
+                    <a:lstStyle/>
+                    <a:p>
+                      <a:pPr algn="ctr"/>
+                      <a:r>
+                        <a:rPr lang="en-US" sz="2000" b="1" dirty="0">
+                          <a:latin typeface="Noto Sans" panose="020B0502040504020204" pitchFamily="34" charset="0"/>
+                          <a:ea typeface="Noto Sans" panose="020B0502040504020204" pitchFamily="34" charset="0"/>
+                          <a:cs typeface="Noto Sans" panose="020B0502040504020204" pitchFamily="34" charset="0"/>
+                          <a:hlinkClick r:id="rId5" action="ppaction://hlinksldjump"/>
+                        </a:rPr>
+                        <a:t>5</a:t>
+                      </a:r>
+                      <a:endParaRPr lang="en-AE" sz="2000" b="1" dirty="0">
+                        <a:latin typeface="Noto Sans" panose="020B0502040504020204" pitchFamily="34" charset="0"/>
+                        <a:ea typeface="Noto Sans" panose="020B0502040504020204" pitchFamily="34" charset="0"/>
+                        <a:cs typeface="Noto Sans" panose="020B0502040504020204" pitchFamily="34" charset="0"/>
+                      </a:endParaRPr>
+                    </a:p>
+                  </a:txBody>
+                  <a:tcPr anchor="ctr"/>
+                </a:tc>
+                <a:extLst>
+                  <a:ext uri="{0D108BD9-81ED-4DB2-BD59-A6C34878D82A}">
+                    <a16:rowId xmlns:a16="http://schemas.microsoft.com/office/drawing/2014/main" val="1876552385"/>
+                  </a:ext>
+                </a:extLst>
+              </a:tr>
+              <a:tr h="1054857">
+                <a:tc>
+                  <a:txBody>
+                    <a:bodyPr/>
+                    <a:lstStyle/>
+                    <a:p>
+                      <a:pPr algn="ctr"/>
+                      <a:r>
+                        <a:rPr lang="en-US" sz="2000" b="1" dirty="0">
+                          <a:latin typeface="Noto Sans" panose="020B0502040504020204" pitchFamily="34" charset="0"/>
+                          <a:ea typeface="Noto Sans" panose="020B0502040504020204" pitchFamily="34" charset="0"/>
+                          <a:cs typeface="Noto Sans" panose="020B0502040504020204" pitchFamily="34" charset="0"/>
+                        </a:rPr>
+                        <a:t>7</a:t>
+                      </a:r>
+                      <a:endParaRPr lang="en-AE" sz="2000" b="1" dirty="0">
+                        <a:latin typeface="Noto Sans" panose="020B0502040504020204" pitchFamily="34" charset="0"/>
+                        <a:ea typeface="Noto Sans" panose="020B0502040504020204" pitchFamily="34" charset="0"/>
+                        <a:cs typeface="Noto Sans" panose="020B0502040504020204" pitchFamily="34" charset="0"/>
+                      </a:endParaRPr>
+                    </a:p>
+                  </a:txBody>
+                  <a:tcPr anchor="ctr"/>
+                </a:tc>
+                <a:tc>
+                  <a:txBody>
+                    <a:bodyPr/>
+                    <a:lstStyle/>
+                    <a:p>
+                      <a:pPr algn="l"/>
+                      <a:r>
+                        <a:rPr lang="en-US" sz="2000" b="1" dirty="0">
+                          <a:latin typeface="Noto Sans" panose="020B0502040504020204" pitchFamily="34" charset="0"/>
+                          <a:ea typeface="Noto Sans" panose="020B0502040504020204" pitchFamily="34" charset="0"/>
+                          <a:cs typeface="Noto Sans" panose="020B0502040504020204" pitchFamily="34" charset="0"/>
+                        </a:rPr>
+                        <a:t>Configuring the main server</a:t>
+                      </a:r>
+                      <a:endParaRPr lang="en-AE" sz="2000" b="1" dirty="0">
+                        <a:latin typeface="Noto Sans" panose="020B0502040504020204" pitchFamily="34" charset="0"/>
+                        <a:ea typeface="Noto Sans" panose="020B0502040504020204" pitchFamily="34" charset="0"/>
+                        <a:cs typeface="Noto Sans" panose="020B0502040504020204" pitchFamily="34" charset="0"/>
+                      </a:endParaRPr>
+                    </a:p>
+                  </a:txBody>
+                  <a:tcPr anchor="ctr"/>
+                </a:tc>
+                <a:tc>
+                  <a:txBody>
+                    <a:bodyPr/>
+                    <a:lstStyle/>
+                    <a:p>
+                      <a:pPr algn="ctr"/>
+                      <a:r>
+                        <a:rPr lang="en-US" sz="2000" b="1" dirty="0">
+                          <a:latin typeface="Noto Sans" panose="020B0502040504020204" pitchFamily="34" charset="0"/>
+                          <a:ea typeface="Noto Sans" panose="020B0502040504020204" pitchFamily="34" charset="0"/>
+                          <a:cs typeface="Noto Sans" panose="020B0502040504020204" pitchFamily="34" charset="0"/>
+                          <a:hlinkClick r:id="rId6" action="ppaction://hlinksldjump"/>
+                        </a:rPr>
+                        <a:t>8</a:t>
+                      </a:r>
+                      <a:endParaRPr lang="en-AE" sz="2000" b="1" dirty="0">
+                        <a:latin typeface="Noto Sans" panose="020B0502040504020204" pitchFamily="34" charset="0"/>
+                        <a:ea typeface="Noto Sans" panose="020B0502040504020204" pitchFamily="34" charset="0"/>
+                        <a:cs typeface="Noto Sans" panose="020B0502040504020204" pitchFamily="34" charset="0"/>
+                      </a:endParaRPr>
+                    </a:p>
+                  </a:txBody>
+                  <a:tcPr anchor="ctr"/>
+                </a:tc>
+                <a:extLst>
+                  <a:ext uri="{0D108BD9-81ED-4DB2-BD59-A6C34878D82A}">
+                    <a16:rowId xmlns:a16="http://schemas.microsoft.com/office/drawing/2014/main" val="3106431341"/>
+                  </a:ext>
+                </a:extLst>
+              </a:tr>
+            </a:tbl>
+          </a:graphicData>
+        </a:graphic>
+      </p:graphicFrame>
+      <p:sp>
+        <p:nvSpPr>
+          <p:cNvPr id="3" name="Slide Number Placeholder 2">
+            <a:extLst>
+              <a:ext uri="{FF2B5EF4-FFF2-40B4-BE49-F238E27FC236}">
+                <a16:creationId xmlns:a16="http://schemas.microsoft.com/office/drawing/2014/main" id="{B53FFEDE-2396-91A8-1EFD-574CB8FC7AB8}"/>
+              </a:ext>
+            </a:extLst>
+          </p:cNvPr>
+          <p:cNvSpPr>
+            <a:spLocks noGrp="1"/>
+          </p:cNvSpPr>
+          <p:nvPr>
+            <p:ph type="sldNum" sz="quarter" idx="12"/>
+          </p:nvPr>
+        </p:nvSpPr>
+        <p:spPr/>
+        <p:txBody>
+          <a:bodyPr/>
+          <a:lstStyle/>
+          <a:p>
+            <a:fld id="{A0CFAC0B-51A4-4980-BC72-DC67A99FFD20}" type="slidenum">
+              <a:rPr lang="en-AE" smtClean="0"/>
+              <a:t>2</a:t>
+            </a:fld>
+            <a:endParaRPr lang="en-AE"/>
+          </a:p>
+        </p:txBody>
+      </p:sp>
+    </p:spTree>
+    <p:extLst>
+      <p:ext uri="{BB962C8B-B14F-4D97-AF65-F5344CB8AC3E}">
+        <p14:creationId xmlns:p14="http://schemas.microsoft.com/office/powerpoint/2010/main" val="671964460"/>
+      </p:ext>
+    </p:extLst>
+  </p:cSld>
+  <p:clrMapOvr>
+    <a:masterClrMapping/>
+  </p:clrMapOvr>
+</p:sld>
+</file>
+
+<file path=ppt/slides/slide3.xml><?xml version="1.0" encoding="utf-8"?>
+<p:sld xmlns:a="http://schemas.openxmlformats.org/drawingml/2006/main" xmlns:r="http://schemas.openxmlformats.org/officeDocument/2006/relationships" xmlns:p="http://schemas.openxmlformats.org/presentationml/2006/main">
+  <p:cSld>
+    <p:spTree>
+      <p:nvGrpSpPr>
+        <p:cNvPr id="1" name=""/>
+        <p:cNvGrpSpPr/>
+        <p:nvPr/>
+      </p:nvGrpSpPr>
+      <p:grpSpPr>
+        <a:xfrm>
+          <a:off x="0" y="0"/>
+          <a:ext cx="0" cy="0"/>
+          <a:chOff x="0" y="0"/>
+          <a:chExt cx="0" cy="0"/>
+        </a:xfrm>
+      </p:grpSpPr>
+      <p:sp>
+        <p:nvSpPr>
+          <p:cNvPr id="2" name="TextBox 1">
+            <a:extLst>
+              <a:ext uri="{FF2B5EF4-FFF2-40B4-BE49-F238E27FC236}">
+                <a16:creationId xmlns:a16="http://schemas.microsoft.com/office/drawing/2014/main" id="{63A20924-FA2B-3EA5-7150-886A7F095C02}"/>
+              </a:ext>
+            </a:extLst>
+          </p:cNvPr>
+          <p:cNvSpPr txBox="1"/>
+          <p:nvPr/>
+        </p:nvSpPr>
+        <p:spPr>
+          <a:xfrm>
+            <a:off x="132399" y="178452"/>
+            <a:ext cx="6593205" cy="8525411"/>
+          </a:xfrm>
+          <a:prstGeom prst="rect">
+            <a:avLst/>
+          </a:prstGeom>
+          <a:noFill/>
+        </p:spPr>
+        <p:txBody>
+          <a:bodyPr wrap="square" rtlCol="0">
+            <a:spAutoFit/>
+          </a:bodyPr>
+          <a:lstStyle/>
+          <a:p>
+            <a:pPr marL="342900" indent="-342900">
               <a:buFont typeface="+mj-lt"/>
               <a:buAutoNum type="arabicParenR"/>
             </a:pPr>
             <a:r>
-              <a:rPr lang="en-US" sz="1400">
+              <a:rPr lang="en-US" sz="1400" dirty="0">
                 <a:solidFill>
                   <a:schemeClr val="accent1"/>
                 </a:solidFill>
@@ -3744,313 +5112,119 @@
                 <a:ea typeface="Noto Sans" panose="020B0502040504020204" pitchFamily="34" charset="0"/>
                 <a:cs typeface="Noto Sans" panose="020B0502040504020204" pitchFamily="34" charset="0"/>
               </a:rPr>
-              <a:t>Installing Necessary modules</a:t>
-            </a:r>
-          </a:p>
-          <a:p>
-            <a:pPr marL="800100" lvl="1" indent="-342900" algn="just">
-              <a:buFont typeface="Arial" panose="020B0604020202020204" pitchFamily="34" charset="0"/>
-              <a:buChar char="•"/>
-            </a:pPr>
-            <a:endParaRPr lang="en-US" sz="1200">
-              <a:latin typeface="Noto Sans" panose="020B0502040504020204" pitchFamily="34" charset="0"/>
-              <a:ea typeface="Noto Sans" panose="020B0502040504020204" pitchFamily="34" charset="0"/>
-              <a:cs typeface="Noto Sans" panose="020B0502040504020204" pitchFamily="34" charset="0"/>
-            </a:endParaRPr>
-          </a:p>
-          <a:p>
-            <a:pPr marL="800100" lvl="1" indent="-342900" algn="just">
-              <a:buFont typeface="Arial" panose="020B0604020202020204" pitchFamily="34" charset="0"/>
-              <a:buChar char="•"/>
-            </a:pPr>
-            <a:r>
-              <a:rPr lang="en-US" sz="1200">
+              <a:t>Creating the Server</a:t>
+            </a:r>
+            <a:endParaRPr lang="en-US" sz="1200" dirty="0">
+              <a:latin typeface="Noto Sans" panose="020B0502040504020204" pitchFamily="34" charset="0"/>
+              <a:ea typeface="Noto Sans" panose="020B0502040504020204" pitchFamily="34" charset="0"/>
+              <a:cs typeface="Noto Sans" panose="020B0502040504020204" pitchFamily="34" charset="0"/>
+            </a:endParaRPr>
+          </a:p>
+          <a:p>
+            <a:pPr marL="800100" lvl="1" indent="-342900" algn="just">
+              <a:buFont typeface="Arial" panose="020B0604020202020204" pitchFamily="34" charset="0"/>
+              <a:buChar char="•"/>
+            </a:pPr>
+            <a:endParaRPr lang="en-US" sz="1200" dirty="0">
+              <a:latin typeface="Noto Sans" panose="020B0502040504020204" pitchFamily="34" charset="0"/>
+              <a:ea typeface="Noto Sans" panose="020B0502040504020204" pitchFamily="34" charset="0"/>
+              <a:cs typeface="Noto Sans" panose="020B0502040504020204" pitchFamily="34" charset="0"/>
+            </a:endParaRPr>
+          </a:p>
+          <a:p>
+            <a:pPr marL="800100" lvl="1" indent="-342900" algn="just">
+              <a:buFont typeface="Arial" panose="020B0604020202020204" pitchFamily="34" charset="0"/>
+              <a:buChar char="•"/>
+            </a:pPr>
+            <a:r>
+              <a:rPr lang="en-US" sz="1200" dirty="0">
                 <a:latin typeface="Noto Sans" panose="020B0502040504020204" pitchFamily="34" charset="0"/>
                 <a:ea typeface="Noto Sans" panose="020B0502040504020204" pitchFamily="34" charset="0"/>
                 <a:cs typeface="Noto Sans" panose="020B0502040504020204" pitchFamily="34" charset="0"/>
               </a:rPr>
-              <a:t>Our Server uses nginx to route traffic to our local server with SSL , NodeJS runtime to host our Express.js Server</a:t>
-            </a:r>
-          </a:p>
-          <a:p>
-            <a:pPr marL="800100" lvl="1" indent="-342900" algn="just">
-              <a:buFont typeface="Arial" panose="020B0604020202020204" pitchFamily="34" charset="0"/>
-              <a:buChar char="•"/>
-            </a:pPr>
-            <a:endParaRPr lang="en-US" sz="1200">
-              <a:latin typeface="Noto Sans" panose="020B0502040504020204" pitchFamily="34" charset="0"/>
-              <a:ea typeface="Noto Sans" panose="020B0502040504020204" pitchFamily="34" charset="0"/>
-              <a:cs typeface="Noto Sans" panose="020B0502040504020204" pitchFamily="34" charset="0"/>
-            </a:endParaRPr>
-          </a:p>
-          <a:p>
-            <a:pPr marL="800100" lvl="1" indent="-342900" algn="just">
-              <a:buFont typeface="Arial" panose="020B0604020202020204" pitchFamily="34" charset="0"/>
-              <a:buChar char="•"/>
-            </a:pPr>
-            <a:endParaRPr lang="en-US" sz="1200">
-              <a:latin typeface="Noto Sans" panose="020B0502040504020204" pitchFamily="34" charset="0"/>
-              <a:ea typeface="Noto Sans" panose="020B0502040504020204" pitchFamily="34" charset="0"/>
-              <a:cs typeface="Noto Sans" panose="020B0502040504020204" pitchFamily="34" charset="0"/>
-            </a:endParaRPr>
-          </a:p>
-          <a:p>
-            <a:pPr marL="800100" lvl="1" indent="-342900" algn="just">
-              <a:buFont typeface="Arial" panose="020B0604020202020204" pitchFamily="34" charset="0"/>
-              <a:buChar char="•"/>
-            </a:pPr>
-            <a:endParaRPr lang="en-US" sz="1200">
-              <a:latin typeface="Noto Sans" panose="020B0502040504020204" pitchFamily="34" charset="0"/>
-              <a:ea typeface="Noto Sans" panose="020B0502040504020204" pitchFamily="34" charset="0"/>
-              <a:cs typeface="Noto Sans" panose="020B0502040504020204" pitchFamily="34" charset="0"/>
-            </a:endParaRPr>
-          </a:p>
-          <a:p>
-            <a:pPr marL="800100" lvl="1" indent="-342900" algn="just">
-              <a:buFont typeface="Arial" panose="020B0604020202020204" pitchFamily="34" charset="0"/>
-              <a:buChar char="•"/>
-            </a:pPr>
-            <a:endParaRPr lang="en-US" sz="1200">
-              <a:latin typeface="Noto Sans" panose="020B0502040504020204" pitchFamily="34" charset="0"/>
-              <a:ea typeface="Noto Sans" panose="020B0502040504020204" pitchFamily="34" charset="0"/>
-              <a:cs typeface="Noto Sans" panose="020B0502040504020204" pitchFamily="34" charset="0"/>
-            </a:endParaRPr>
-          </a:p>
-          <a:p>
-            <a:pPr marL="800100" lvl="1" indent="-342900" algn="just">
-              <a:buFont typeface="Arial" panose="020B0604020202020204" pitchFamily="34" charset="0"/>
-              <a:buChar char="•"/>
-            </a:pPr>
-            <a:endParaRPr lang="en-US" sz="1200">
-              <a:latin typeface="Noto Sans" panose="020B0502040504020204" pitchFamily="34" charset="0"/>
-              <a:ea typeface="Noto Sans" panose="020B0502040504020204" pitchFamily="34" charset="0"/>
-              <a:cs typeface="Noto Sans" panose="020B0502040504020204" pitchFamily="34" charset="0"/>
-            </a:endParaRPr>
-          </a:p>
-          <a:p>
-            <a:pPr marL="800100" lvl="1" indent="-342900" algn="just">
-              <a:buFont typeface="Arial" panose="020B0604020202020204" pitchFamily="34" charset="0"/>
-              <a:buChar char="•"/>
-            </a:pPr>
-            <a:r>
-              <a:rPr lang="en-US" sz="1200">
+              <a:t>Create an Ubuntu Instance on AWS, Azure, </a:t>
+            </a:r>
+            <a:r>
+              <a:rPr lang="en-US" sz="1200" dirty="0" err="1">
                 <a:latin typeface="Noto Sans" panose="020B0502040504020204" pitchFamily="34" charset="0"/>
                 <a:ea typeface="Noto Sans" panose="020B0502040504020204" pitchFamily="34" charset="0"/>
                 <a:cs typeface="Noto Sans" panose="020B0502040504020204" pitchFamily="34" charset="0"/>
               </a:rPr>
-              <a:t>To confirm the installation, the following commands should return the version of the package installed</a:t>
-            </a:r>
-          </a:p>
-          <a:p>
-            <a:pPr marL="800100" lvl="1" indent="-342900" algn="just">
-              <a:buFont typeface="Arial" panose="020B0604020202020204" pitchFamily="34" charset="0"/>
-              <a:buChar char="•"/>
-            </a:pPr>
-            <a:endParaRPr lang="en-US" sz="1200">
-              <a:latin typeface="Noto Sans" panose="020B0502040504020204" pitchFamily="34" charset="0"/>
-              <a:ea typeface="Noto Sans" panose="020B0502040504020204" pitchFamily="34" charset="0"/>
-              <a:cs typeface="Noto Sans" panose="020B0502040504020204" pitchFamily="34" charset="0"/>
-            </a:endParaRPr>
-          </a:p>
-          <a:p>
-            <a:pPr marL="800100" lvl="1" indent="-342900" algn="just">
-              <a:buFont typeface="Arial" panose="020B0604020202020204" pitchFamily="34" charset="0"/>
-              <a:buChar char="•"/>
-            </a:pPr>
-            <a:endParaRPr lang="en-US" sz="1200">
-              <a:latin typeface="Noto Sans" panose="020B0502040504020204" pitchFamily="34" charset="0"/>
-              <a:ea typeface="Noto Sans" panose="020B0502040504020204" pitchFamily="34" charset="0"/>
-              <a:cs typeface="Noto Sans" panose="020B0502040504020204" pitchFamily="34" charset="0"/>
-            </a:endParaRPr>
-          </a:p>
-          <a:p>
-            <a:pPr marL="800100" lvl="1" indent="-342900" algn="just">
-              <a:buFont typeface="Arial" panose="020B0604020202020204" pitchFamily="34" charset="0"/>
-              <a:buChar char="•"/>
-            </a:pPr>
-            <a:endParaRPr lang="en-US" sz="1200">
-              <a:latin typeface="Noto Sans" panose="020B0502040504020204" pitchFamily="34" charset="0"/>
-              <a:ea typeface="Noto Sans" panose="020B0502040504020204" pitchFamily="34" charset="0"/>
-              <a:cs typeface="Noto Sans" panose="020B0502040504020204" pitchFamily="34" charset="0"/>
-            </a:endParaRPr>
-          </a:p>
-          <a:p>
-            <a:pPr marL="800100" lvl="1" indent="-342900" algn="just">
-              <a:buFont typeface="Arial" panose="020B0604020202020204" pitchFamily="34" charset="0"/>
-              <a:buChar char="•"/>
-            </a:pPr>
-            <a:endParaRPr lang="en-US" sz="1200">
-              <a:latin typeface="Noto Sans" panose="020B0502040504020204" pitchFamily="34" charset="0"/>
-              <a:ea typeface="Noto Sans" panose="020B0502040504020204" pitchFamily="34" charset="0"/>
-              <a:cs typeface="Noto Sans" panose="020B0502040504020204" pitchFamily="34" charset="0"/>
-            </a:endParaRPr>
-          </a:p>
-          <a:p>
-            <a:pPr marL="800100" lvl="1" indent="-342900" algn="just">
-              <a:buFont typeface="Arial" panose="020B0604020202020204" pitchFamily="34" charset="0"/>
-              <a:buChar char="•"/>
-            </a:pPr>
-            <a:r>
-              <a:rPr lang="en-US" sz="1200">
+              <a:t>etc</a:t>
+            </a:r>
+            <a:r>
+              <a:rPr lang="en-US" sz="1200" dirty="0">
                 <a:latin typeface="Noto Sans" panose="020B0502040504020204" pitchFamily="34" charset="0"/>
                 <a:ea typeface="Noto Sans" panose="020B0502040504020204" pitchFamily="34" charset="0"/>
                 <a:cs typeface="Noto Sans" panose="020B0502040504020204" pitchFamily="34" charset="0"/>
               </a:rPr>
-              <a:t>To download our project code, we use git to clone our Github repository. After navigating into the folder, we use npm to install our project dependencies (express.js, supabase.js)</a:t>
-            </a:r>
-          </a:p>
-          <a:p>
-            <a:pPr marL="800100" lvl="1" indent="-342900" algn="just">
-              <a:buFont typeface="Arial" panose="020B0604020202020204" pitchFamily="34" charset="0"/>
-              <a:buChar char="•"/>
-            </a:pPr>
-            <a:r>
-              <a:rPr lang="en-US" sz="1200">
+              <a:t> .with a minimum of 1 CPU and 1 GB RAM</a:t>
+            </a:r>
+          </a:p>
+          <a:p>
+            <a:pPr marL="800100" lvl="1" indent="-342900" algn="just">
+              <a:buFont typeface="Arial" panose="020B0604020202020204" pitchFamily="34" charset="0"/>
+              <a:buChar char="•"/>
+            </a:pPr>
+            <a:r>
+              <a:rPr lang="en-US" sz="1200" dirty="0">
                 <a:latin typeface="Noto Sans" panose="020B0502040504020204" pitchFamily="34" charset="0"/>
                 <a:ea typeface="Noto Sans" panose="020B0502040504020204" pitchFamily="34" charset="0"/>
                 <a:cs typeface="Noto Sans" panose="020B0502040504020204" pitchFamily="34" charset="0"/>
               </a:rPr>
-              <a:t>We also use pm2, which is a process manager for Node.JS to ensure our server is running and logs any errors</a:t>
-            </a:r>
-          </a:p>
-          <a:p>
-            <a:pPr marL="800100" lvl="1" indent="-342900" algn="just">
-              <a:buFont typeface="Arial" panose="020B0604020202020204" pitchFamily="34" charset="0"/>
-              <a:buChar char="•"/>
-            </a:pPr>
-            <a:endParaRPr lang="en-US" sz="1200">
-              <a:latin typeface="Noto Sans" panose="020B0502040504020204" pitchFamily="34" charset="0"/>
-              <a:ea typeface="Noto Sans" panose="020B0502040504020204" pitchFamily="34" charset="0"/>
-              <a:cs typeface="Noto Sans" panose="020B0502040504020204" pitchFamily="34" charset="0"/>
-            </a:endParaRPr>
-          </a:p>
-          <a:p>
-            <a:pPr marL="800100" lvl="1" indent="-342900" algn="just">
-              <a:buFont typeface="Arial" panose="020B0604020202020204" pitchFamily="34" charset="0"/>
-              <a:buChar char="•"/>
-            </a:pPr>
-            <a:endParaRPr lang="en-US" sz="1200">
-              <a:latin typeface="Noto Sans" panose="020B0502040504020204" pitchFamily="34" charset="0"/>
-              <a:ea typeface="Noto Sans" panose="020B0502040504020204" pitchFamily="34" charset="0"/>
-              <a:cs typeface="Noto Sans" panose="020B0502040504020204" pitchFamily="34" charset="0"/>
-            </a:endParaRPr>
-          </a:p>
-          <a:p>
-            <a:pPr marL="800100" lvl="1" indent="-342900" algn="just">
-              <a:buFont typeface="Arial" panose="020B0604020202020204" pitchFamily="34" charset="0"/>
-              <a:buChar char="•"/>
-            </a:pPr>
-            <a:endParaRPr lang="en-US" sz="1200">
-              <a:latin typeface="Noto Sans" panose="020B0502040504020204" pitchFamily="34" charset="0"/>
-              <a:ea typeface="Noto Sans" panose="020B0502040504020204" pitchFamily="34" charset="0"/>
-              <a:cs typeface="Noto Sans" panose="020B0502040504020204" pitchFamily="34" charset="0"/>
-            </a:endParaRPr>
-          </a:p>
-          <a:p>
-            <a:pPr marL="800100" lvl="1" indent="-342900" algn="just">
-              <a:buFont typeface="Arial" panose="020B0604020202020204" pitchFamily="34" charset="0"/>
-              <a:buChar char="•"/>
-            </a:pPr>
-            <a:endParaRPr lang="en-US" sz="1200">
-              <a:latin typeface="Noto Sans" panose="020B0502040504020204" pitchFamily="34" charset="0"/>
-              <a:ea typeface="Noto Sans" panose="020B0502040504020204" pitchFamily="34" charset="0"/>
-              <a:cs typeface="Noto Sans" panose="020B0502040504020204" pitchFamily="34" charset="0"/>
-            </a:endParaRPr>
-          </a:p>
-          <a:p>
-            <a:pPr marL="800100" lvl="1" indent="-342900" algn="just">
-              <a:buFont typeface="Arial" panose="020B0604020202020204" pitchFamily="34" charset="0"/>
-              <a:buChar char="•"/>
-            </a:pPr>
-            <a:endParaRPr lang="en-US" sz="1200">
-              <a:latin typeface="Noto Sans" panose="020B0502040504020204" pitchFamily="34" charset="0"/>
-              <a:ea typeface="Noto Sans" panose="020B0502040504020204" pitchFamily="34" charset="0"/>
-              <a:cs typeface="Noto Sans" panose="020B0502040504020204" pitchFamily="34" charset="0"/>
-            </a:endParaRPr>
-          </a:p>
-          <a:p>
-            <a:pPr marL="800100" lvl="1" indent="-342900" algn="just">
-              <a:buFont typeface="Arial" panose="020B0604020202020204" pitchFamily="34" charset="0"/>
-              <a:buChar char="•"/>
-            </a:pPr>
-            <a:endParaRPr lang="en-US" sz="1200">
-              <a:latin typeface="Noto Sans" panose="020B0502040504020204" pitchFamily="34" charset="0"/>
-              <a:ea typeface="Noto Sans" panose="020B0502040504020204" pitchFamily="34" charset="0"/>
-              <a:cs typeface="Noto Sans" panose="020B0502040504020204" pitchFamily="34" charset="0"/>
-            </a:endParaRPr>
-          </a:p>
-          <a:p>
-            <a:pPr marL="800100" lvl="1" indent="-342900" algn="just">
-              <a:buFont typeface="Arial" panose="020B0604020202020204" pitchFamily="34" charset="0"/>
-              <a:buChar char="•"/>
-            </a:pPr>
-            <a:endParaRPr lang="en-US" sz="1200">
-              <a:latin typeface="Noto Sans" panose="020B0502040504020204" pitchFamily="34" charset="0"/>
-              <a:ea typeface="Noto Sans" panose="020B0502040504020204" pitchFamily="34" charset="0"/>
-              <a:cs typeface="Noto Sans" panose="020B0502040504020204" pitchFamily="34" charset="0"/>
-            </a:endParaRPr>
-          </a:p>
-          <a:p>
-            <a:pPr marL="800100" lvl="1" indent="-342900" algn="just">
-              <a:buFont typeface="Arial" panose="020B0604020202020204" pitchFamily="34" charset="0"/>
-              <a:buChar char="•"/>
-            </a:pPr>
-            <a:endParaRPr lang="en-US" sz="1200">
-              <a:latin typeface="Noto Sans" panose="020B0502040504020204" pitchFamily="34" charset="0"/>
-              <a:ea typeface="Noto Sans" panose="020B0502040504020204" pitchFamily="34" charset="0"/>
-              <a:cs typeface="Noto Sans" panose="020B0502040504020204" pitchFamily="34" charset="0"/>
-            </a:endParaRPr>
-          </a:p>
-          <a:p>
-            <a:pPr marL="342900" indent="-342900" algn="just">
-              <a:buFont typeface="Arial" panose="020B0604020202020204" pitchFamily="34" charset="0"/>
-              <a:buChar char="•"/>
-            </a:pPr>
-            <a:endParaRPr lang="en-US" sz="1200">
-              <a:latin typeface="Noto Sans" panose="020B0502040504020204" pitchFamily="34" charset="0"/>
-              <a:ea typeface="Noto Sans" panose="020B0502040504020204" pitchFamily="34" charset="0"/>
-              <a:cs typeface="Noto Sans" panose="020B0502040504020204" pitchFamily="34" charset="0"/>
-            </a:endParaRPr>
-          </a:p>
-          <a:p>
-            <a:pPr marL="800100" lvl="1" indent="-342900" algn="just">
-              <a:buFont typeface="Arial" panose="020B0604020202020204" pitchFamily="34" charset="0"/>
-              <a:buChar char="•"/>
-            </a:pPr>
-            <a:endParaRPr lang="en-US" sz="1200">
-              <a:latin typeface="Noto Sans" panose="020B0502040504020204" pitchFamily="34" charset="0"/>
-              <a:ea typeface="Noto Sans" panose="020B0502040504020204" pitchFamily="34" charset="0"/>
-              <a:cs typeface="Noto Sans" panose="020B0502040504020204" pitchFamily="34" charset="0"/>
-            </a:endParaRPr>
-          </a:p>
-          <a:p>
-            <a:pPr marL="800100" lvl="1" indent="-342900" algn="just">
-              <a:buFont typeface="Arial" panose="020B0604020202020204" pitchFamily="34" charset="0"/>
-              <a:buChar char="•"/>
-            </a:pPr>
-            <a:endParaRPr lang="en-US" sz="1200">
-              <a:latin typeface="Noto Sans" panose="020B0502040504020204" pitchFamily="34" charset="0"/>
-              <a:ea typeface="Noto Sans" panose="020B0502040504020204" pitchFamily="34" charset="0"/>
-              <a:cs typeface="Noto Sans" panose="020B0502040504020204" pitchFamily="34" charset="0"/>
-            </a:endParaRPr>
-          </a:p>
-          <a:p>
-            <a:pPr marL="800100" lvl="1" indent="-342900" algn="just">
-              <a:buFont typeface="Arial" panose="020B0604020202020204" pitchFamily="34" charset="0"/>
-              <a:buChar char="•"/>
-            </a:pPr>
-            <a:endParaRPr lang="en-US" sz="1200">
-              <a:latin typeface="Noto Sans" panose="020B0502040504020204" pitchFamily="34" charset="0"/>
-              <a:ea typeface="Noto Sans" panose="020B0502040504020204" pitchFamily="34" charset="0"/>
-              <a:cs typeface="Noto Sans" panose="020B0502040504020204" pitchFamily="34" charset="0"/>
-            </a:endParaRPr>
-          </a:p>
-          <a:p>
-            <a:pPr marL="800100" lvl="1" indent="-342900" algn="just">
-              <a:buFont typeface="Arial" panose="020B0604020202020204" pitchFamily="34" charset="0"/>
-              <a:buChar char="•"/>
-            </a:pPr>
-            <a:endParaRPr lang="en-US" sz="1200">
+              <a:t>Open ports 22,80,443 to allow SSH HTTP(S) traffic to your server. </a:t>
+            </a:r>
+          </a:p>
+          <a:p>
+            <a:pPr marL="800100" lvl="1" indent="-342900" algn="just">
+              <a:buFont typeface="Arial" panose="020B0604020202020204" pitchFamily="34" charset="0"/>
+              <a:buChar char="•"/>
+            </a:pPr>
+            <a:r>
+              <a:rPr lang="en-US" sz="1200" dirty="0">
+                <a:latin typeface="Noto Sans" panose="020B0502040504020204" pitchFamily="34" charset="0"/>
+                <a:ea typeface="Noto Sans" panose="020B0502040504020204" pitchFamily="34" charset="0"/>
+                <a:cs typeface="Noto Sans" panose="020B0502040504020204" pitchFamily="34" charset="0"/>
+              </a:rPr>
+              <a:t>Note the public IP address</a:t>
+            </a:r>
+          </a:p>
+          <a:p>
+            <a:pPr marL="800100" lvl="1" indent="-342900" algn="just">
+              <a:buFont typeface="Arial" panose="020B0604020202020204" pitchFamily="34" charset="0"/>
+              <a:buChar char="•"/>
+            </a:pPr>
+            <a:r>
+              <a:rPr lang="en-US" sz="1200" dirty="0">
+                <a:latin typeface="Noto Sans" panose="020B0502040504020204" pitchFamily="34" charset="0"/>
+                <a:ea typeface="Noto Sans" panose="020B0502040504020204" pitchFamily="34" charset="0"/>
+                <a:cs typeface="Noto Sans" panose="020B0502040504020204" pitchFamily="34" charset="0"/>
+              </a:rPr>
+              <a:t>Download the </a:t>
+            </a:r>
+            <a:r>
+              <a:rPr lang="en-US" sz="1200" dirty="0" err="1">
+                <a:latin typeface="Noto Sans" panose="020B0502040504020204" pitchFamily="34" charset="0"/>
+                <a:ea typeface="Noto Sans" panose="020B0502040504020204" pitchFamily="34" charset="0"/>
+                <a:cs typeface="Noto Sans" panose="020B0502040504020204" pitchFamily="34" charset="0"/>
+              </a:rPr>
+              <a:t>ssh</a:t>
+            </a:r>
+            <a:r>
+              <a:rPr lang="en-US" sz="1200" dirty="0">
+                <a:latin typeface="Noto Sans" panose="020B0502040504020204" pitchFamily="34" charset="0"/>
+                <a:ea typeface="Noto Sans" panose="020B0502040504020204" pitchFamily="34" charset="0"/>
+                <a:cs typeface="Noto Sans" panose="020B0502040504020204" pitchFamily="34" charset="0"/>
+              </a:rPr>
+              <a:t>-key pair file on your system</a:t>
+            </a:r>
+          </a:p>
+          <a:p>
+            <a:pPr marL="800100" lvl="1" indent="-342900" algn="just">
+              <a:buFont typeface="Arial" panose="020B0604020202020204" pitchFamily="34" charset="0"/>
+              <a:buChar char="•"/>
+            </a:pPr>
+            <a:endParaRPr lang="en-US" sz="1200" dirty="0">
               <a:latin typeface="Noto Sans" panose="020B0502040504020204" pitchFamily="34" charset="0"/>
               <a:ea typeface="Noto Sans" panose="020B0502040504020204" pitchFamily="34" charset="0"/>
               <a:cs typeface="Noto Sans" panose="020B0502040504020204" pitchFamily="34" charset="0"/>
@@ -4061,7 +5235,393 @@
               <a:buFont typeface="+mj-lt"/>
               <a:buAutoNum type="arabicParenR"/>
             </a:pPr>
-            <a:endParaRPr lang="en-US" sz="1200">
+            <a:r>
+              <a:rPr lang="en-US" sz="1400" dirty="0">
+                <a:solidFill>
+                  <a:schemeClr val="accent1"/>
+                </a:solidFill>
+                <a:latin typeface="Noto Sans" panose="020B0502040504020204" pitchFamily="34" charset="0"/>
+                <a:ea typeface="Noto Sans" panose="020B0502040504020204" pitchFamily="34" charset="0"/>
+                <a:cs typeface="Noto Sans" panose="020B0502040504020204" pitchFamily="34" charset="0"/>
+              </a:rPr>
+              <a:t>Connecting to the Server</a:t>
+            </a:r>
+          </a:p>
+          <a:p>
+            <a:pPr marL="800100" lvl="1" indent="-342900" algn="just">
+              <a:buFont typeface="Arial" panose="020B0604020202020204" pitchFamily="34" charset="0"/>
+              <a:buChar char="•"/>
+            </a:pPr>
+            <a:endParaRPr lang="en-US" sz="1200" dirty="0">
+              <a:latin typeface="Noto Sans" panose="020B0502040504020204" pitchFamily="34" charset="0"/>
+              <a:ea typeface="Noto Sans" panose="020B0502040504020204" pitchFamily="34" charset="0"/>
+              <a:cs typeface="Noto Sans" panose="020B0502040504020204" pitchFamily="34" charset="0"/>
+            </a:endParaRPr>
+          </a:p>
+          <a:p>
+            <a:pPr marL="800100" lvl="1" indent="-342900" algn="just">
+              <a:buFont typeface="Arial" panose="020B0604020202020204" pitchFamily="34" charset="0"/>
+              <a:buChar char="•"/>
+            </a:pPr>
+            <a:r>
+              <a:rPr lang="en-US" sz="1200" dirty="0">
+                <a:latin typeface="Noto Sans" panose="020B0502040504020204" pitchFamily="34" charset="0"/>
+                <a:ea typeface="Noto Sans" panose="020B0502040504020204" pitchFamily="34" charset="0"/>
+                <a:cs typeface="Noto Sans" panose="020B0502040504020204" pitchFamily="34" charset="0"/>
+              </a:rPr>
+              <a:t> To connect to our server we'll be using OpenSSH which is available in most Windows System. The command is :</a:t>
+            </a:r>
+          </a:p>
+          <a:p>
+            <a:pPr marL="800100" lvl="1" indent="-342900" algn="just">
+              <a:buFont typeface="Arial" panose="020B0604020202020204" pitchFamily="34" charset="0"/>
+              <a:buChar char="•"/>
+            </a:pPr>
+            <a:endParaRPr lang="en-US" sz="1200" dirty="0">
+              <a:latin typeface="Noto Sans" panose="020B0502040504020204" pitchFamily="34" charset="0"/>
+              <a:ea typeface="Noto Sans" panose="020B0502040504020204" pitchFamily="34" charset="0"/>
+              <a:cs typeface="Noto Sans" panose="020B0502040504020204" pitchFamily="34" charset="0"/>
+            </a:endParaRPr>
+          </a:p>
+          <a:p>
+            <a:pPr marL="800100" lvl="1" indent="-342900" algn="just">
+              <a:buFont typeface="Arial" panose="020B0604020202020204" pitchFamily="34" charset="0"/>
+              <a:buChar char="•"/>
+            </a:pPr>
+            <a:endParaRPr lang="en-US" sz="1200" dirty="0">
+              <a:latin typeface="Noto Sans" panose="020B0502040504020204" pitchFamily="34" charset="0"/>
+              <a:ea typeface="Noto Sans" panose="020B0502040504020204" pitchFamily="34" charset="0"/>
+              <a:cs typeface="Noto Sans" panose="020B0502040504020204" pitchFamily="34" charset="0"/>
+            </a:endParaRPr>
+          </a:p>
+          <a:p>
+            <a:pPr marL="800100" lvl="1" indent="-342900" algn="just">
+              <a:buFont typeface="Arial" panose="020B0604020202020204" pitchFamily="34" charset="0"/>
+              <a:buChar char="•"/>
+            </a:pPr>
+            <a:endParaRPr lang="en-AE" sz="1400" dirty="0">
+              <a:latin typeface="Noto Sans" panose="020B0502040504020204" pitchFamily="34" charset="0"/>
+              <a:ea typeface="Noto Sans" panose="020B0502040504020204" pitchFamily="34" charset="0"/>
+              <a:cs typeface="Noto Sans" panose="020B0502040504020204" pitchFamily="34" charset="0"/>
+            </a:endParaRPr>
+          </a:p>
+          <a:p>
+            <a:pPr marL="342900" indent="-342900" algn="just">
+              <a:buFont typeface="+mj-lt"/>
+              <a:buAutoNum type="arabicParenR"/>
+            </a:pPr>
+            <a:r>
+              <a:rPr lang="en-US" sz="1400" dirty="0">
+                <a:solidFill>
+                  <a:schemeClr val="accent1"/>
+                </a:solidFill>
+                <a:latin typeface="Noto Sans" panose="020B0502040504020204" pitchFamily="34" charset="0"/>
+                <a:ea typeface="Noto Sans" panose="020B0502040504020204" pitchFamily="34" charset="0"/>
+                <a:cs typeface="Noto Sans" panose="020B0502040504020204" pitchFamily="34" charset="0"/>
+              </a:rPr>
+              <a:t>Installing Necessary modules</a:t>
+            </a:r>
+          </a:p>
+          <a:p>
+            <a:pPr marL="800100" lvl="1" indent="-342900" algn="just">
+              <a:buFont typeface="Arial" panose="020B0604020202020204" pitchFamily="34" charset="0"/>
+              <a:buChar char="•"/>
+            </a:pPr>
+            <a:endParaRPr lang="en-US" sz="1200" dirty="0">
+              <a:latin typeface="Noto Sans" panose="020B0502040504020204" pitchFamily="34" charset="0"/>
+              <a:ea typeface="Noto Sans" panose="020B0502040504020204" pitchFamily="34" charset="0"/>
+              <a:cs typeface="Noto Sans" panose="020B0502040504020204" pitchFamily="34" charset="0"/>
+            </a:endParaRPr>
+          </a:p>
+          <a:p>
+            <a:pPr marL="800100" lvl="1" indent="-342900" algn="just">
+              <a:buFont typeface="Arial" panose="020B0604020202020204" pitchFamily="34" charset="0"/>
+              <a:buChar char="•"/>
+            </a:pPr>
+            <a:r>
+              <a:rPr lang="en-US" sz="1200" dirty="0">
+                <a:latin typeface="Noto Sans" panose="020B0502040504020204" pitchFamily="34" charset="0"/>
+                <a:ea typeface="Noto Sans" panose="020B0502040504020204" pitchFamily="34" charset="0"/>
+                <a:cs typeface="Noto Sans" panose="020B0502040504020204" pitchFamily="34" charset="0"/>
+              </a:rPr>
+              <a:t>Our Server uses nginx to route traffic to our local server with SSL , NodeJS runtime to host our Express.js Server</a:t>
+            </a:r>
+          </a:p>
+          <a:p>
+            <a:pPr marL="800100" lvl="1" indent="-342900" algn="just">
+              <a:buFont typeface="Arial" panose="020B0604020202020204" pitchFamily="34" charset="0"/>
+              <a:buChar char="•"/>
+            </a:pPr>
+            <a:endParaRPr lang="en-US" sz="1200" dirty="0">
+              <a:latin typeface="Noto Sans" panose="020B0502040504020204" pitchFamily="34" charset="0"/>
+              <a:ea typeface="Noto Sans" panose="020B0502040504020204" pitchFamily="34" charset="0"/>
+              <a:cs typeface="Noto Sans" panose="020B0502040504020204" pitchFamily="34" charset="0"/>
+            </a:endParaRPr>
+          </a:p>
+          <a:p>
+            <a:pPr marL="800100" lvl="1" indent="-342900" algn="just">
+              <a:buFont typeface="Arial" panose="020B0604020202020204" pitchFamily="34" charset="0"/>
+              <a:buChar char="•"/>
+            </a:pPr>
+            <a:endParaRPr lang="en-US" sz="1200" dirty="0">
+              <a:latin typeface="Noto Sans" panose="020B0502040504020204" pitchFamily="34" charset="0"/>
+              <a:ea typeface="Noto Sans" panose="020B0502040504020204" pitchFamily="34" charset="0"/>
+              <a:cs typeface="Noto Sans" panose="020B0502040504020204" pitchFamily="34" charset="0"/>
+            </a:endParaRPr>
+          </a:p>
+          <a:p>
+            <a:pPr marL="800100" lvl="1" indent="-342900" algn="just">
+              <a:buFont typeface="Arial" panose="020B0604020202020204" pitchFamily="34" charset="0"/>
+              <a:buChar char="•"/>
+            </a:pPr>
+            <a:endParaRPr lang="en-US" sz="1200" dirty="0">
+              <a:latin typeface="Noto Sans" panose="020B0502040504020204" pitchFamily="34" charset="0"/>
+              <a:ea typeface="Noto Sans" panose="020B0502040504020204" pitchFamily="34" charset="0"/>
+              <a:cs typeface="Noto Sans" panose="020B0502040504020204" pitchFamily="34" charset="0"/>
+            </a:endParaRPr>
+          </a:p>
+          <a:p>
+            <a:pPr marL="800100" lvl="1" indent="-342900" algn="just">
+              <a:buFont typeface="Arial" panose="020B0604020202020204" pitchFamily="34" charset="0"/>
+              <a:buChar char="•"/>
+            </a:pPr>
+            <a:endParaRPr lang="en-US" sz="1200" dirty="0">
+              <a:latin typeface="Noto Sans" panose="020B0502040504020204" pitchFamily="34" charset="0"/>
+              <a:ea typeface="Noto Sans" panose="020B0502040504020204" pitchFamily="34" charset="0"/>
+              <a:cs typeface="Noto Sans" panose="020B0502040504020204" pitchFamily="34" charset="0"/>
+            </a:endParaRPr>
+          </a:p>
+          <a:p>
+            <a:pPr marL="800100" lvl="1" indent="-342900" algn="just">
+              <a:buFont typeface="Arial" panose="020B0604020202020204" pitchFamily="34" charset="0"/>
+              <a:buChar char="•"/>
+            </a:pPr>
+            <a:endParaRPr lang="en-US" sz="1200" dirty="0">
+              <a:latin typeface="Noto Sans" panose="020B0502040504020204" pitchFamily="34" charset="0"/>
+              <a:ea typeface="Noto Sans" panose="020B0502040504020204" pitchFamily="34" charset="0"/>
+              <a:cs typeface="Noto Sans" panose="020B0502040504020204" pitchFamily="34" charset="0"/>
+            </a:endParaRPr>
+          </a:p>
+          <a:p>
+            <a:pPr marL="800100" lvl="1" indent="-342900" algn="just">
+              <a:buFont typeface="Arial" panose="020B0604020202020204" pitchFamily="34" charset="0"/>
+              <a:buChar char="•"/>
+            </a:pPr>
+            <a:r>
+              <a:rPr lang="en-US" sz="1200" dirty="0">
+                <a:latin typeface="Noto Sans" panose="020B0502040504020204" pitchFamily="34" charset="0"/>
+                <a:ea typeface="Noto Sans" panose="020B0502040504020204" pitchFamily="34" charset="0"/>
+                <a:cs typeface="Noto Sans" panose="020B0502040504020204" pitchFamily="34" charset="0"/>
+              </a:rPr>
+              <a:t>To confirm the installation, the following commands should return the version of the package installed</a:t>
+            </a:r>
+          </a:p>
+          <a:p>
+            <a:pPr marL="800100" lvl="1" indent="-342900" algn="just">
+              <a:buFont typeface="Arial" panose="020B0604020202020204" pitchFamily="34" charset="0"/>
+              <a:buChar char="•"/>
+            </a:pPr>
+            <a:endParaRPr lang="en-US" sz="1200" dirty="0">
+              <a:latin typeface="Noto Sans" panose="020B0502040504020204" pitchFamily="34" charset="0"/>
+              <a:ea typeface="Noto Sans" panose="020B0502040504020204" pitchFamily="34" charset="0"/>
+              <a:cs typeface="Noto Sans" panose="020B0502040504020204" pitchFamily="34" charset="0"/>
+            </a:endParaRPr>
+          </a:p>
+          <a:p>
+            <a:pPr marL="800100" lvl="1" indent="-342900" algn="just">
+              <a:buFont typeface="Arial" panose="020B0604020202020204" pitchFamily="34" charset="0"/>
+              <a:buChar char="•"/>
+            </a:pPr>
+            <a:endParaRPr lang="en-US" sz="1200" dirty="0">
+              <a:latin typeface="Noto Sans" panose="020B0502040504020204" pitchFamily="34" charset="0"/>
+              <a:ea typeface="Noto Sans" panose="020B0502040504020204" pitchFamily="34" charset="0"/>
+              <a:cs typeface="Noto Sans" panose="020B0502040504020204" pitchFamily="34" charset="0"/>
+            </a:endParaRPr>
+          </a:p>
+          <a:p>
+            <a:pPr marL="800100" lvl="1" indent="-342900" algn="just">
+              <a:buFont typeface="Arial" panose="020B0604020202020204" pitchFamily="34" charset="0"/>
+              <a:buChar char="•"/>
+            </a:pPr>
+            <a:endParaRPr lang="en-US" sz="1200" dirty="0">
+              <a:latin typeface="Noto Sans" panose="020B0502040504020204" pitchFamily="34" charset="0"/>
+              <a:ea typeface="Noto Sans" panose="020B0502040504020204" pitchFamily="34" charset="0"/>
+              <a:cs typeface="Noto Sans" panose="020B0502040504020204" pitchFamily="34" charset="0"/>
+            </a:endParaRPr>
+          </a:p>
+          <a:p>
+            <a:pPr marL="800100" lvl="1" indent="-342900" algn="just">
+              <a:buFont typeface="Arial" panose="020B0604020202020204" pitchFamily="34" charset="0"/>
+              <a:buChar char="•"/>
+            </a:pPr>
+            <a:endParaRPr lang="en-US" sz="1200" dirty="0">
+              <a:latin typeface="Noto Sans" panose="020B0502040504020204" pitchFamily="34" charset="0"/>
+              <a:ea typeface="Noto Sans" panose="020B0502040504020204" pitchFamily="34" charset="0"/>
+              <a:cs typeface="Noto Sans" panose="020B0502040504020204" pitchFamily="34" charset="0"/>
+            </a:endParaRPr>
+          </a:p>
+          <a:p>
+            <a:pPr marL="800100" lvl="1" indent="-342900" algn="just">
+              <a:buFont typeface="Arial" panose="020B0604020202020204" pitchFamily="34" charset="0"/>
+              <a:buChar char="•"/>
+            </a:pPr>
+            <a:r>
+              <a:rPr lang="en-US" sz="1200" dirty="0">
+                <a:latin typeface="Noto Sans" panose="020B0502040504020204" pitchFamily="34" charset="0"/>
+                <a:ea typeface="Noto Sans" panose="020B0502040504020204" pitchFamily="34" charset="0"/>
+                <a:cs typeface="Noto Sans" panose="020B0502040504020204" pitchFamily="34" charset="0"/>
+              </a:rPr>
+              <a:t>To download our project code, we use git to clone our </a:t>
+            </a:r>
+            <a:r>
+              <a:rPr lang="en-US" sz="1200" dirty="0" err="1">
+                <a:latin typeface="Noto Sans" panose="020B0502040504020204" pitchFamily="34" charset="0"/>
+                <a:ea typeface="Noto Sans" panose="020B0502040504020204" pitchFamily="34" charset="0"/>
+                <a:cs typeface="Noto Sans" panose="020B0502040504020204" pitchFamily="34" charset="0"/>
+              </a:rPr>
+              <a:t>Github</a:t>
+            </a:r>
+            <a:r>
+              <a:rPr lang="en-US" sz="1200" dirty="0">
+                <a:latin typeface="Noto Sans" panose="020B0502040504020204" pitchFamily="34" charset="0"/>
+                <a:ea typeface="Noto Sans" panose="020B0502040504020204" pitchFamily="34" charset="0"/>
+                <a:cs typeface="Noto Sans" panose="020B0502040504020204" pitchFamily="34" charset="0"/>
+              </a:rPr>
+              <a:t> repository. After navigating into the folder, we use </a:t>
+            </a:r>
+            <a:r>
+              <a:rPr lang="en-US" sz="1200" dirty="0" err="1">
+                <a:latin typeface="Noto Sans" panose="020B0502040504020204" pitchFamily="34" charset="0"/>
+                <a:ea typeface="Noto Sans" panose="020B0502040504020204" pitchFamily="34" charset="0"/>
+                <a:cs typeface="Noto Sans" panose="020B0502040504020204" pitchFamily="34" charset="0"/>
+              </a:rPr>
+              <a:t>npm</a:t>
+            </a:r>
+            <a:r>
+              <a:rPr lang="en-US" sz="1200" dirty="0">
+                <a:latin typeface="Noto Sans" panose="020B0502040504020204" pitchFamily="34" charset="0"/>
+                <a:ea typeface="Noto Sans" panose="020B0502040504020204" pitchFamily="34" charset="0"/>
+                <a:cs typeface="Noto Sans" panose="020B0502040504020204" pitchFamily="34" charset="0"/>
+              </a:rPr>
+              <a:t> to install our project dependencies (express.js, supabase.js)</a:t>
+            </a:r>
+          </a:p>
+          <a:p>
+            <a:pPr marL="800100" lvl="1" indent="-342900" algn="just">
+              <a:buFont typeface="Arial" panose="020B0604020202020204" pitchFamily="34" charset="0"/>
+              <a:buChar char="•"/>
+            </a:pPr>
+            <a:r>
+              <a:rPr lang="en-US" sz="1200" dirty="0">
+                <a:latin typeface="Noto Sans" panose="020B0502040504020204" pitchFamily="34" charset="0"/>
+                <a:ea typeface="Noto Sans" panose="020B0502040504020204" pitchFamily="34" charset="0"/>
+                <a:cs typeface="Noto Sans" panose="020B0502040504020204" pitchFamily="34" charset="0"/>
+              </a:rPr>
+              <a:t>We also use pm2, which is a process manager for Node.JS to ensure our server is running and logs any errors</a:t>
+            </a:r>
+          </a:p>
+          <a:p>
+            <a:pPr marL="800100" lvl="1" indent="-342900" algn="just">
+              <a:buFont typeface="Arial" panose="020B0604020202020204" pitchFamily="34" charset="0"/>
+              <a:buChar char="•"/>
+            </a:pPr>
+            <a:endParaRPr lang="en-US" sz="1200" dirty="0">
+              <a:latin typeface="Noto Sans" panose="020B0502040504020204" pitchFamily="34" charset="0"/>
+              <a:ea typeface="Noto Sans" panose="020B0502040504020204" pitchFamily="34" charset="0"/>
+              <a:cs typeface="Noto Sans" panose="020B0502040504020204" pitchFamily="34" charset="0"/>
+            </a:endParaRPr>
+          </a:p>
+          <a:p>
+            <a:pPr marL="800100" lvl="1" indent="-342900" algn="just">
+              <a:buFont typeface="Arial" panose="020B0604020202020204" pitchFamily="34" charset="0"/>
+              <a:buChar char="•"/>
+            </a:pPr>
+            <a:endParaRPr lang="en-US" sz="1200" dirty="0">
+              <a:latin typeface="Noto Sans" panose="020B0502040504020204" pitchFamily="34" charset="0"/>
+              <a:ea typeface="Noto Sans" panose="020B0502040504020204" pitchFamily="34" charset="0"/>
+              <a:cs typeface="Noto Sans" panose="020B0502040504020204" pitchFamily="34" charset="0"/>
+            </a:endParaRPr>
+          </a:p>
+          <a:p>
+            <a:pPr marL="800100" lvl="1" indent="-342900" algn="just">
+              <a:buFont typeface="Arial" panose="020B0604020202020204" pitchFamily="34" charset="0"/>
+              <a:buChar char="•"/>
+            </a:pPr>
+            <a:endParaRPr lang="en-US" sz="1200" dirty="0">
+              <a:latin typeface="Noto Sans" panose="020B0502040504020204" pitchFamily="34" charset="0"/>
+              <a:ea typeface="Noto Sans" panose="020B0502040504020204" pitchFamily="34" charset="0"/>
+              <a:cs typeface="Noto Sans" panose="020B0502040504020204" pitchFamily="34" charset="0"/>
+            </a:endParaRPr>
+          </a:p>
+          <a:p>
+            <a:pPr marL="800100" lvl="1" indent="-342900" algn="just">
+              <a:buFont typeface="Arial" panose="020B0604020202020204" pitchFamily="34" charset="0"/>
+              <a:buChar char="•"/>
+            </a:pPr>
+            <a:endParaRPr lang="en-US" sz="1200" dirty="0">
+              <a:latin typeface="Noto Sans" panose="020B0502040504020204" pitchFamily="34" charset="0"/>
+              <a:ea typeface="Noto Sans" panose="020B0502040504020204" pitchFamily="34" charset="0"/>
+              <a:cs typeface="Noto Sans" panose="020B0502040504020204" pitchFamily="34" charset="0"/>
+            </a:endParaRPr>
+          </a:p>
+          <a:p>
+            <a:pPr marL="800100" lvl="1" indent="-342900" algn="just">
+              <a:buFont typeface="Arial" panose="020B0604020202020204" pitchFamily="34" charset="0"/>
+              <a:buChar char="•"/>
+            </a:pPr>
+            <a:endParaRPr lang="en-US" sz="1200" dirty="0">
+              <a:latin typeface="Noto Sans" panose="020B0502040504020204" pitchFamily="34" charset="0"/>
+              <a:ea typeface="Noto Sans" panose="020B0502040504020204" pitchFamily="34" charset="0"/>
+              <a:cs typeface="Noto Sans" panose="020B0502040504020204" pitchFamily="34" charset="0"/>
+            </a:endParaRPr>
+          </a:p>
+          <a:p>
+            <a:pPr marL="800100" lvl="1" indent="-342900" algn="just">
+              <a:buFont typeface="Arial" panose="020B0604020202020204" pitchFamily="34" charset="0"/>
+              <a:buChar char="•"/>
+            </a:pPr>
+            <a:endParaRPr lang="en-US" sz="1200" dirty="0">
+              <a:latin typeface="Noto Sans" panose="020B0502040504020204" pitchFamily="34" charset="0"/>
+              <a:ea typeface="Noto Sans" panose="020B0502040504020204" pitchFamily="34" charset="0"/>
+              <a:cs typeface="Noto Sans" panose="020B0502040504020204" pitchFamily="34" charset="0"/>
+            </a:endParaRPr>
+          </a:p>
+          <a:p>
+            <a:pPr marL="800100" lvl="1" indent="-342900" algn="just">
+              <a:buFont typeface="Arial" panose="020B0604020202020204" pitchFamily="34" charset="0"/>
+              <a:buChar char="•"/>
+            </a:pPr>
+            <a:endParaRPr lang="en-US" sz="1200" dirty="0">
+              <a:latin typeface="Noto Sans" panose="020B0502040504020204" pitchFamily="34" charset="0"/>
+              <a:ea typeface="Noto Sans" panose="020B0502040504020204" pitchFamily="34" charset="0"/>
+              <a:cs typeface="Noto Sans" panose="020B0502040504020204" pitchFamily="34" charset="0"/>
+            </a:endParaRPr>
+          </a:p>
+          <a:p>
+            <a:pPr marL="800100" lvl="1" indent="-342900" algn="just">
+              <a:buFont typeface="Arial" panose="020B0604020202020204" pitchFamily="34" charset="0"/>
+              <a:buChar char="•"/>
+            </a:pPr>
+            <a:endParaRPr lang="en-US" sz="1200" dirty="0">
+              <a:latin typeface="Noto Sans" panose="020B0502040504020204" pitchFamily="34" charset="0"/>
+              <a:ea typeface="Noto Sans" panose="020B0502040504020204" pitchFamily="34" charset="0"/>
+              <a:cs typeface="Noto Sans" panose="020B0502040504020204" pitchFamily="34" charset="0"/>
+            </a:endParaRPr>
+          </a:p>
+          <a:p>
+            <a:pPr marL="342900" indent="-342900" algn="just">
+              <a:buFont typeface="Arial" panose="020B0604020202020204" pitchFamily="34" charset="0"/>
+              <a:buChar char="•"/>
+            </a:pPr>
+            <a:endParaRPr lang="en-US" sz="1200" dirty="0">
+              <a:latin typeface="Noto Sans" panose="020B0502040504020204" pitchFamily="34" charset="0"/>
+              <a:ea typeface="Noto Sans" panose="020B0502040504020204" pitchFamily="34" charset="0"/>
+              <a:cs typeface="Noto Sans" panose="020B0502040504020204" pitchFamily="34" charset="0"/>
+            </a:endParaRPr>
+          </a:p>
+          <a:p>
+            <a:pPr lvl="1" algn="just"/>
+            <a:endParaRPr lang="en-US" sz="1200" dirty="0">
               <a:latin typeface="Noto Sans" panose="020B0502040504020204" pitchFamily="34" charset="0"/>
               <a:ea typeface="Noto Sans" panose="020B0502040504020204" pitchFamily="34" charset="0"/>
               <a:cs typeface="Noto Sans" panose="020B0502040504020204" pitchFamily="34" charset="0"/>
@@ -4083,7 +5643,7 @@
         </p:nvSpPr>
         <p:spPr>
           <a:xfrm>
-            <a:off x="655320" y="3521400"/>
+            <a:off x="655320" y="2537713"/>
             <a:ext cx="6070282" cy="276999"/>
           </a:xfrm>
           <a:prstGeom prst="rect">
@@ -4141,7 +5701,7 @@
         </p:nvSpPr>
         <p:spPr>
           <a:xfrm>
-            <a:off x="655320" y="4898194"/>
+            <a:off x="655320" y="3914507"/>
             <a:ext cx="6070282" cy="646331"/>
           </a:xfrm>
           <a:prstGeom prst="rect">
@@ -4174,32 +5734,72 @@
           <a:lstStyle/>
           <a:p>
             <a:r>
-              <a:rPr lang="en-US" sz="1200">
-                <a:latin typeface="Consolas" panose="020B0609020204030204" pitchFamily="49" charset="0"/>
-                <a:ea typeface="Noto Sans" panose="020B0502040504020204" pitchFamily="34" charset="0"/>
-                <a:cs typeface="Noto Sans" panose="020B0502040504020204" pitchFamily="34" charset="0"/>
-              </a:rPr>
-              <a:t>sudo apt update </a:t>
-            </a:r>
-          </a:p>
-          <a:p>
-            <a:r>
-              <a:rPr lang="en-US" sz="1200">
-                <a:latin typeface="Consolas" panose="020B0609020204030204" pitchFamily="49" charset="0"/>
-                <a:ea typeface="Noto Sans" panose="020B0502040504020204" pitchFamily="34" charset="0"/>
-                <a:cs typeface="Noto Sans" panose="020B0502040504020204" pitchFamily="34" charset="0"/>
-              </a:rPr>
-              <a:t>sudo apt install nginx snapd git</a:t>
-            </a:r>
-          </a:p>
-          <a:p>
-            <a:r>
-              <a:rPr lang="en-US" sz="1200">
-                <a:latin typeface="Consolas" panose="020B0609020204030204" pitchFamily="49" charset="0"/>
-                <a:ea typeface="Noto Sans" panose="020B0502040504020204" pitchFamily="34" charset="0"/>
-                <a:cs typeface="Noto Sans" panose="020B0502040504020204" pitchFamily="34" charset="0"/>
-              </a:rPr>
-              <a:t>sudo snap install node --classic</a:t>
+              <a:rPr lang="en-US" sz="1200" dirty="0" err="1">
+                <a:latin typeface="Consolas" panose="020B0609020204030204" pitchFamily="49" charset="0"/>
+                <a:ea typeface="Noto Sans" panose="020B0502040504020204" pitchFamily="34" charset="0"/>
+                <a:cs typeface="Noto Sans" panose="020B0502040504020204" pitchFamily="34" charset="0"/>
+              </a:rPr>
+              <a:t>sudo</a:t>
+            </a:r>
+            <a:r>
+              <a:rPr lang="en-US" sz="1200" dirty="0">
+                <a:latin typeface="Consolas" panose="020B0609020204030204" pitchFamily="49" charset="0"/>
+                <a:ea typeface="Noto Sans" panose="020B0502040504020204" pitchFamily="34" charset="0"/>
+                <a:cs typeface="Noto Sans" panose="020B0502040504020204" pitchFamily="34" charset="0"/>
+              </a:rPr>
+              <a:t> apt update </a:t>
+            </a:r>
+          </a:p>
+          <a:p>
+            <a:r>
+              <a:rPr lang="en-US" sz="1200" dirty="0" err="1">
+                <a:latin typeface="Consolas" panose="020B0609020204030204" pitchFamily="49" charset="0"/>
+                <a:ea typeface="Noto Sans" panose="020B0502040504020204" pitchFamily="34" charset="0"/>
+                <a:cs typeface="Noto Sans" panose="020B0502040504020204" pitchFamily="34" charset="0"/>
+              </a:rPr>
+              <a:t>sudo</a:t>
+            </a:r>
+            <a:r>
+              <a:rPr lang="en-US" sz="1200" dirty="0">
+                <a:latin typeface="Consolas" panose="020B0609020204030204" pitchFamily="49" charset="0"/>
+                <a:ea typeface="Noto Sans" panose="020B0502040504020204" pitchFamily="34" charset="0"/>
+                <a:cs typeface="Noto Sans" panose="020B0502040504020204" pitchFamily="34" charset="0"/>
+              </a:rPr>
+              <a:t> apt install nginx </a:t>
+            </a:r>
+            <a:r>
+              <a:rPr lang="en-US" sz="1200" dirty="0" err="1">
+                <a:latin typeface="Consolas" panose="020B0609020204030204" pitchFamily="49" charset="0"/>
+                <a:ea typeface="Noto Sans" panose="020B0502040504020204" pitchFamily="34" charset="0"/>
+                <a:cs typeface="Noto Sans" panose="020B0502040504020204" pitchFamily="34" charset="0"/>
+              </a:rPr>
+              <a:t>snapd</a:t>
+            </a:r>
+            <a:r>
+              <a:rPr lang="en-US" sz="1200" dirty="0">
+                <a:latin typeface="Consolas" panose="020B0609020204030204" pitchFamily="49" charset="0"/>
+                <a:ea typeface="Noto Sans" panose="020B0502040504020204" pitchFamily="34" charset="0"/>
+                <a:cs typeface="Noto Sans" panose="020B0502040504020204" pitchFamily="34" charset="0"/>
+              </a:rPr>
+              <a:t> git</a:t>
+            </a:r>
+          </a:p>
+          <a:p>
+            <a:r>
+              <a:rPr lang="en-US" sz="1200" dirty="0" err="1">
+                <a:latin typeface="Consolas" panose="020B0609020204030204" pitchFamily="49" charset="0"/>
+                <a:ea typeface="Noto Sans" panose="020B0502040504020204" pitchFamily="34" charset="0"/>
+                <a:cs typeface="Noto Sans" panose="020B0502040504020204" pitchFamily="34" charset="0"/>
+              </a:rPr>
+              <a:t>sudo</a:t>
+            </a:r>
+            <a:r>
+              <a:rPr lang="en-US" sz="1200" dirty="0">
+                <a:latin typeface="Consolas" panose="020B0609020204030204" pitchFamily="49" charset="0"/>
+                <a:ea typeface="Noto Sans" panose="020B0502040504020204" pitchFamily="34" charset="0"/>
+                <a:cs typeface="Noto Sans" panose="020B0502040504020204" pitchFamily="34" charset="0"/>
+              </a:rPr>
+              <a:t> snap install node --classic</a:t>
             </a:r>
           </a:p>
         </p:txBody>
@@ -4218,7 +5818,7 @@
         </p:nvSpPr>
         <p:spPr>
           <a:xfrm>
-            <a:off x="655320" y="6185631"/>
+            <a:off x="655320" y="5201944"/>
             <a:ext cx="6070282" cy="461665"/>
           </a:xfrm>
           <a:prstGeom prst="rect">
@@ -4285,7 +5885,7 @@
         </p:nvSpPr>
         <p:spPr>
           <a:xfrm>
-            <a:off x="655320" y="7912864"/>
+            <a:off x="655320" y="6929177"/>
             <a:ext cx="6070282" cy="830997"/>
           </a:xfrm>
           <a:prstGeom prst="rect">
@@ -4372,6 +5972,35 @@
           </a:p>
         </p:txBody>
       </p:sp>
+      <p:sp>
+        <p:nvSpPr>
+          <p:cNvPr id="3" name="Slide Number Placeholder 2">
+            <a:extLst>
+              <a:ext uri="{FF2B5EF4-FFF2-40B4-BE49-F238E27FC236}">
+                <a16:creationId xmlns:a16="http://schemas.microsoft.com/office/drawing/2014/main" id="{60A0B254-4245-F909-1B76-B47BFC171C0B}"/>
+              </a:ext>
+            </a:extLst>
+          </p:cNvPr>
+          <p:cNvSpPr>
+            <a:spLocks noGrp="1"/>
+          </p:cNvSpPr>
+          <p:nvPr>
+            <p:ph type="sldNum" sz="quarter" idx="12"/>
+          </p:nvPr>
+        </p:nvSpPr>
+        <p:spPr/>
+        <p:txBody>
+          <a:bodyPr/>
+          <a:lstStyle/>
+          <a:p>
+            <a:fld id="{A0CFAC0B-51A4-4980-BC72-DC67A99FFD20}" type="slidenum">
+              <a:rPr lang="en-AE" smtClean="0"/>
+              <a:t>3</a:t>
+            </a:fld>
+            <a:endParaRPr lang="en-AE" dirty="0"/>
+          </a:p>
+        </p:txBody>
+      </p:sp>
     </p:spTree>
     <p:extLst>
       <p:ext uri="{BB962C8B-B14F-4D97-AF65-F5344CB8AC3E}">
@@ -4385,7 +6014,7 @@
 </p:sld>
 </file>
 
-<file path=ppt/slides/slide3.xml><?xml version="1.0" encoding="utf-8"?>
+<file path=ppt/slides/slide4.xml><?xml version="1.0" encoding="utf-8"?>
 <p:sld xmlns:a="http://schemas.openxmlformats.org/drawingml/2006/main" xmlns:r="http://schemas.openxmlformats.org/officeDocument/2006/relationships" xmlns:p="http://schemas.openxmlformats.org/presentationml/2006/main">
   <p:cSld>
     <p:spTree>
@@ -5068,6 +6697,35 @@
           </a:prstGeom>
         </p:spPr>
       </p:pic>
+      <p:sp>
+        <p:nvSpPr>
+          <p:cNvPr id="3" name="Slide Number Placeholder 2">
+            <a:extLst>
+              <a:ext uri="{FF2B5EF4-FFF2-40B4-BE49-F238E27FC236}">
+                <a16:creationId xmlns:a16="http://schemas.microsoft.com/office/drawing/2014/main" id="{AD89F442-AD65-8959-3B98-ECE2A1C10B6F}"/>
+              </a:ext>
+            </a:extLst>
+          </p:cNvPr>
+          <p:cNvSpPr>
+            <a:spLocks noGrp="1"/>
+          </p:cNvSpPr>
+          <p:nvPr>
+            <p:ph type="sldNum" sz="quarter" idx="12"/>
+          </p:nvPr>
+        </p:nvSpPr>
+        <p:spPr/>
+        <p:txBody>
+          <a:bodyPr/>
+          <a:lstStyle/>
+          <a:p>
+            <a:fld id="{A0CFAC0B-51A4-4980-BC72-DC67A99FFD20}" type="slidenum">
+              <a:rPr lang="en-AE" smtClean="0"/>
+              <a:t>4</a:t>
+            </a:fld>
+            <a:endParaRPr lang="en-AE"/>
+          </a:p>
+        </p:txBody>
+      </p:sp>
     </p:spTree>
     <p:extLst>
       <p:ext uri="{BB962C8B-B14F-4D97-AF65-F5344CB8AC3E}">
@@ -5081,7 +6739,7 @@
 </p:sld>
 </file>
 
-<file path=ppt/slides/slide4.xml><?xml version="1.0" encoding="utf-8"?>
+<file path=ppt/slides/slide5.xml><?xml version="1.0" encoding="utf-8"?>
 <p:sld xmlns:a="http://schemas.openxmlformats.org/drawingml/2006/main" xmlns:r="http://schemas.openxmlformats.org/officeDocument/2006/relationships" xmlns:p="http://schemas.openxmlformats.org/presentationml/2006/main">
   <p:cSld>
     <p:spTree>
@@ -5878,6 +7536,35 @@
           </a:p>
         </p:txBody>
       </p:sp>
+      <p:sp>
+        <p:nvSpPr>
+          <p:cNvPr id="3" name="Slide Number Placeholder 2">
+            <a:extLst>
+              <a:ext uri="{FF2B5EF4-FFF2-40B4-BE49-F238E27FC236}">
+                <a16:creationId xmlns:a16="http://schemas.microsoft.com/office/drawing/2014/main" id="{0D69B3C9-57FE-4B28-34AC-405FB59F5103}"/>
+              </a:ext>
+            </a:extLst>
+          </p:cNvPr>
+          <p:cNvSpPr>
+            <a:spLocks noGrp="1"/>
+          </p:cNvSpPr>
+          <p:nvPr>
+            <p:ph type="sldNum" sz="quarter" idx="12"/>
+          </p:nvPr>
+        </p:nvSpPr>
+        <p:spPr/>
+        <p:txBody>
+          <a:bodyPr/>
+          <a:lstStyle/>
+          <a:p>
+            <a:fld id="{A0CFAC0B-51A4-4980-BC72-DC67A99FFD20}" type="slidenum">
+              <a:rPr lang="en-AE" smtClean="0"/>
+              <a:t>5</a:t>
+            </a:fld>
+            <a:endParaRPr lang="en-AE"/>
+          </a:p>
+        </p:txBody>
+      </p:sp>
     </p:spTree>
     <p:extLst>
       <p:ext uri="{BB962C8B-B14F-4D97-AF65-F5344CB8AC3E}">
@@ -5891,7 +7578,7 @@
 </p:sld>
 </file>
 
-<file path=ppt/slides/slide5.xml><?xml version="1.0" encoding="utf-8"?>
+<file path=ppt/slides/slide6.xml><?xml version="1.0" encoding="utf-8"?>
 <p:sld xmlns:a="http://schemas.openxmlformats.org/drawingml/2006/main" xmlns:r="http://schemas.openxmlformats.org/officeDocument/2006/relationships" xmlns:p="http://schemas.openxmlformats.org/presentationml/2006/main">
   <p:cSld>
     <p:spTree>
@@ -6412,7 +8099,7 @@
         <p:spPr>
           <a:xfrm>
             <a:off x="393858" y="959201"/>
-            <a:ext cx="6331744" cy="5632311"/>
+            <a:ext cx="6331744" cy="5447645"/>
           </a:xfrm>
           <a:prstGeom prst="rect">
             <a:avLst/>
@@ -6444,36 +8131,88 @@
           <a:lstStyle/>
           <a:p>
             <a:r>
-              <a:rPr lang="fr-FR" sz="1200">
-                <a:latin typeface="Consolas" panose="020B0609020204030204" pitchFamily="49" charset="0"/>
-                <a:ea typeface="Noto Sans" panose="020B0502040504020204" pitchFamily="34" charset="0"/>
-                <a:cs typeface="Noto Sans" panose="020B0502040504020204" pitchFamily="34" charset="0"/>
-              </a:rPr>
-              <a:t>cd /etc/nginx/conf.d/</a:t>
-            </a:r>
-          </a:p>
-          <a:p>
-            <a:r>
-              <a:rPr lang="fr-FR" sz="1200">
-                <a:latin typeface="Consolas" panose="020B0609020204030204" pitchFamily="49" charset="0"/>
-                <a:ea typeface="Noto Sans" panose="020B0502040504020204" pitchFamily="34" charset="0"/>
-                <a:cs typeface="Noto Sans" panose="020B0502040504020204" pitchFamily="34" charset="0"/>
-              </a:rPr>
-              <a:t>sudo nano server.conf</a:t>
-            </a:r>
-          </a:p>
-          <a:p>
-            <a:r>
-              <a:rPr lang="fr-FR" sz="1200">
-                <a:latin typeface="Consolas" panose="020B0609020204030204" pitchFamily="49" charset="0"/>
-                <a:ea typeface="Noto Sans" panose="020B0502040504020204" pitchFamily="34" charset="0"/>
-                <a:cs typeface="Noto Sans" panose="020B0502040504020204" pitchFamily="34" charset="0"/>
-              </a:rPr>
-              <a:t>#Paste the following</a:t>
-            </a:r>
-          </a:p>
-          <a:p>
-            <a:endParaRPr lang="fr-FR" sz="1200">
+              <a:rPr lang="fr-FR" sz="1200" dirty="0">
+                <a:latin typeface="Consolas" panose="020B0609020204030204" pitchFamily="49" charset="0"/>
+                <a:ea typeface="Noto Sans" panose="020B0502040504020204" pitchFamily="34" charset="0"/>
+                <a:cs typeface="Noto Sans" panose="020B0502040504020204" pitchFamily="34" charset="0"/>
+              </a:rPr>
+              <a:t>cd /</a:t>
+            </a:r>
+            <a:r>
+              <a:rPr lang="fr-FR" sz="1200" dirty="0" err="1">
+                <a:latin typeface="Consolas" panose="020B0609020204030204" pitchFamily="49" charset="0"/>
+                <a:ea typeface="Noto Sans" panose="020B0502040504020204" pitchFamily="34" charset="0"/>
+                <a:cs typeface="Noto Sans" panose="020B0502040504020204" pitchFamily="34" charset="0"/>
+              </a:rPr>
+              <a:t>etc</a:t>
+            </a:r>
+            <a:r>
+              <a:rPr lang="fr-FR" sz="1200" dirty="0">
+                <a:latin typeface="Consolas" panose="020B0609020204030204" pitchFamily="49" charset="0"/>
+                <a:ea typeface="Noto Sans" panose="020B0502040504020204" pitchFamily="34" charset="0"/>
+                <a:cs typeface="Noto Sans" panose="020B0502040504020204" pitchFamily="34" charset="0"/>
+              </a:rPr>
+              <a:t>/</a:t>
+            </a:r>
+            <a:r>
+              <a:rPr lang="fr-FR" sz="1200" dirty="0" err="1">
+                <a:latin typeface="Consolas" panose="020B0609020204030204" pitchFamily="49" charset="0"/>
+                <a:ea typeface="Noto Sans" panose="020B0502040504020204" pitchFamily="34" charset="0"/>
+                <a:cs typeface="Noto Sans" panose="020B0502040504020204" pitchFamily="34" charset="0"/>
+              </a:rPr>
+              <a:t>nginx</a:t>
+            </a:r>
+            <a:r>
+              <a:rPr lang="fr-FR" sz="1200" dirty="0">
+                <a:latin typeface="Consolas" panose="020B0609020204030204" pitchFamily="49" charset="0"/>
+                <a:ea typeface="Noto Sans" panose="020B0502040504020204" pitchFamily="34" charset="0"/>
+                <a:cs typeface="Noto Sans" panose="020B0502040504020204" pitchFamily="34" charset="0"/>
+              </a:rPr>
+              <a:t>/</a:t>
+            </a:r>
+            <a:r>
+              <a:rPr lang="fr-FR" sz="1200" dirty="0" err="1">
+                <a:latin typeface="Consolas" panose="020B0609020204030204" pitchFamily="49" charset="0"/>
+                <a:ea typeface="Noto Sans" panose="020B0502040504020204" pitchFamily="34" charset="0"/>
+                <a:cs typeface="Noto Sans" panose="020B0502040504020204" pitchFamily="34" charset="0"/>
+              </a:rPr>
+              <a:t>conf.d</a:t>
+            </a:r>
+            <a:r>
+              <a:rPr lang="fr-FR" sz="1200" dirty="0">
+                <a:latin typeface="Consolas" panose="020B0609020204030204" pitchFamily="49" charset="0"/>
+                <a:ea typeface="Noto Sans" panose="020B0502040504020204" pitchFamily="34" charset="0"/>
+                <a:cs typeface="Noto Sans" panose="020B0502040504020204" pitchFamily="34" charset="0"/>
+              </a:rPr>
+              <a:t>/</a:t>
+            </a:r>
+          </a:p>
+          <a:p>
+            <a:r>
+              <a:rPr lang="fr-FR" sz="1200" dirty="0" err="1">
+                <a:latin typeface="Consolas" panose="020B0609020204030204" pitchFamily="49" charset="0"/>
+                <a:ea typeface="Noto Sans" panose="020B0502040504020204" pitchFamily="34" charset="0"/>
+                <a:cs typeface="Noto Sans" panose="020B0502040504020204" pitchFamily="34" charset="0"/>
+              </a:rPr>
+              <a:t>sudo</a:t>
+            </a:r>
+            <a:r>
+              <a:rPr lang="fr-FR" sz="1200" dirty="0">
+                <a:latin typeface="Consolas" panose="020B0609020204030204" pitchFamily="49" charset="0"/>
+                <a:ea typeface="Noto Sans" panose="020B0502040504020204" pitchFamily="34" charset="0"/>
+                <a:cs typeface="Noto Sans" panose="020B0502040504020204" pitchFamily="34" charset="0"/>
+              </a:rPr>
+              <a:t> nano </a:t>
+            </a:r>
+            <a:r>
+              <a:rPr lang="fr-FR" sz="1200" dirty="0" err="1">
+                <a:latin typeface="Consolas" panose="020B0609020204030204" pitchFamily="49" charset="0"/>
+                <a:ea typeface="Noto Sans" panose="020B0502040504020204" pitchFamily="34" charset="0"/>
+                <a:cs typeface="Noto Sans" panose="020B0502040504020204" pitchFamily="34" charset="0"/>
+              </a:rPr>
+              <a:t>server.conf</a:t>
+            </a:r>
+            <a:endParaRPr lang="fr-FR" sz="1200" dirty="0">
               <a:latin typeface="Consolas" panose="020B0609020204030204" pitchFamily="49" charset="0"/>
               <a:ea typeface="Noto Sans" panose="020B0502040504020204" pitchFamily="34" charset="0"/>
               <a:cs typeface="Noto Sans" panose="020B0502040504020204" pitchFamily="34" charset="0"/>
@@ -6481,7 +8220,37 @@
           </a:p>
           <a:p>
             <a:r>
-              <a:rPr lang="fr-FR" sz="1200">
+              <a:rPr lang="fr-FR" sz="1200" dirty="0">
+                <a:latin typeface="Consolas" panose="020B0609020204030204" pitchFamily="49" charset="0"/>
+                <a:ea typeface="Noto Sans" panose="020B0502040504020204" pitchFamily="34" charset="0"/>
+                <a:cs typeface="Noto Sans" panose="020B0502040504020204" pitchFamily="34" charset="0"/>
+              </a:rPr>
+              <a:t>#Paste the </a:t>
+            </a:r>
+            <a:r>
+              <a:rPr lang="fr-FR" sz="1200" dirty="0" err="1">
+                <a:latin typeface="Consolas" panose="020B0609020204030204" pitchFamily="49" charset="0"/>
+                <a:ea typeface="Noto Sans" panose="020B0502040504020204" pitchFamily="34" charset="0"/>
+                <a:cs typeface="Noto Sans" panose="020B0502040504020204" pitchFamily="34" charset="0"/>
+              </a:rPr>
+              <a:t>following</a:t>
+            </a:r>
+            <a:endParaRPr lang="fr-FR" sz="1200" dirty="0">
+              <a:latin typeface="Consolas" panose="020B0609020204030204" pitchFamily="49" charset="0"/>
+              <a:ea typeface="Noto Sans" panose="020B0502040504020204" pitchFamily="34" charset="0"/>
+              <a:cs typeface="Noto Sans" panose="020B0502040504020204" pitchFamily="34" charset="0"/>
+            </a:endParaRPr>
+          </a:p>
+          <a:p>
+            <a:endParaRPr lang="fr-FR" sz="1200" dirty="0">
+              <a:latin typeface="Consolas" panose="020B0609020204030204" pitchFamily="49" charset="0"/>
+              <a:ea typeface="Noto Sans" panose="020B0502040504020204" pitchFamily="34" charset="0"/>
+              <a:cs typeface="Noto Sans" panose="020B0502040504020204" pitchFamily="34" charset="0"/>
+            </a:endParaRPr>
+          </a:p>
+          <a:p>
+            <a:r>
+              <a:rPr lang="fr-FR" sz="1200" dirty="0">
                 <a:latin typeface="Consolas" panose="020B0609020204030204" pitchFamily="49" charset="0"/>
                 <a:ea typeface="Noto Sans" panose="020B0502040504020204" pitchFamily="34" charset="0"/>
                 <a:cs typeface="Noto Sans" panose="020B0502040504020204" pitchFamily="34" charset="0"/>
@@ -6491,26 +8260,122 @@
           </a:p>
           <a:p>
             <a:r>
-              <a:rPr lang="fr-FR" sz="1200">
-                <a:latin typeface="Consolas" panose="020B0609020204030204" pitchFamily="49" charset="0"/>
-                <a:ea typeface="Noto Sans" panose="020B0502040504020204" pitchFamily="34" charset="0"/>
-                <a:cs typeface="Noto Sans" panose="020B0502040504020204" pitchFamily="34" charset="0"/>
-              </a:rPr>
-              <a:t>    listen 443 ssl;</a:t>
-            </a:r>
-          </a:p>
-          <a:p>
-            <a:r>
-              <a:rPr lang="fr-FR" sz="1200">
-                <a:latin typeface="Consolas" panose="020B0609020204030204" pitchFamily="49" charset="0"/>
-                <a:ea typeface="Noto Sans" panose="020B0502040504020204" pitchFamily="34" charset="0"/>
-                <a:cs typeface="Noto Sans" panose="020B0502040504020204" pitchFamily="34" charset="0"/>
-              </a:rPr>
-              <a:t>    server_name 52.166.192.249; # Public IP of the server</a:t>
-            </a:r>
-          </a:p>
-          <a:p>
-            <a:endParaRPr lang="fr-FR" sz="1200">
+              <a:rPr lang="fr-FR" sz="1200" dirty="0">
+                <a:latin typeface="Consolas" panose="020B0609020204030204" pitchFamily="49" charset="0"/>
+                <a:ea typeface="Noto Sans" panose="020B0502040504020204" pitchFamily="34" charset="0"/>
+                <a:cs typeface="Noto Sans" panose="020B0502040504020204" pitchFamily="34" charset="0"/>
+              </a:rPr>
+              <a:t>    </a:t>
+            </a:r>
+            <a:r>
+              <a:rPr lang="fr-FR" sz="1200" dirty="0" err="1">
+                <a:latin typeface="Consolas" panose="020B0609020204030204" pitchFamily="49" charset="0"/>
+                <a:ea typeface="Noto Sans" panose="020B0502040504020204" pitchFamily="34" charset="0"/>
+                <a:cs typeface="Noto Sans" panose="020B0502040504020204" pitchFamily="34" charset="0"/>
+              </a:rPr>
+              <a:t>listen</a:t>
+            </a:r>
+            <a:r>
+              <a:rPr lang="fr-FR" sz="1200" dirty="0">
+                <a:latin typeface="Consolas" panose="020B0609020204030204" pitchFamily="49" charset="0"/>
+                <a:ea typeface="Noto Sans" panose="020B0502040504020204" pitchFamily="34" charset="0"/>
+                <a:cs typeface="Noto Sans" panose="020B0502040504020204" pitchFamily="34" charset="0"/>
+              </a:rPr>
+              <a:t> 443 </a:t>
+            </a:r>
+            <a:r>
+              <a:rPr lang="fr-FR" sz="1200" dirty="0" err="1">
+                <a:latin typeface="Consolas" panose="020B0609020204030204" pitchFamily="49" charset="0"/>
+                <a:ea typeface="Noto Sans" panose="020B0502040504020204" pitchFamily="34" charset="0"/>
+                <a:cs typeface="Noto Sans" panose="020B0502040504020204" pitchFamily="34" charset="0"/>
+              </a:rPr>
+              <a:t>ssl</a:t>
+            </a:r>
+            <a:r>
+              <a:rPr lang="fr-FR" sz="1200" dirty="0">
+                <a:latin typeface="Consolas" panose="020B0609020204030204" pitchFamily="49" charset="0"/>
+                <a:ea typeface="Noto Sans" panose="020B0502040504020204" pitchFamily="34" charset="0"/>
+                <a:cs typeface="Noto Sans" panose="020B0502040504020204" pitchFamily="34" charset="0"/>
+              </a:rPr>
+              <a:t>;</a:t>
+            </a:r>
+          </a:p>
+          <a:p>
+            <a:r>
+              <a:rPr lang="fr-FR" sz="1200" dirty="0">
+                <a:latin typeface="Consolas" panose="020B0609020204030204" pitchFamily="49" charset="0"/>
+                <a:ea typeface="Noto Sans" panose="020B0502040504020204" pitchFamily="34" charset="0"/>
+                <a:cs typeface="Noto Sans" panose="020B0502040504020204" pitchFamily="34" charset="0"/>
+              </a:rPr>
+              <a:t>    </a:t>
+            </a:r>
+            <a:r>
+              <a:rPr lang="fr-FR" sz="1200" dirty="0" err="1">
+                <a:latin typeface="Consolas" panose="020B0609020204030204" pitchFamily="49" charset="0"/>
+                <a:ea typeface="Noto Sans" panose="020B0502040504020204" pitchFamily="34" charset="0"/>
+                <a:cs typeface="Noto Sans" panose="020B0502040504020204" pitchFamily="34" charset="0"/>
+              </a:rPr>
+              <a:t>server_name</a:t>
+            </a:r>
+            <a:r>
+              <a:rPr lang="fr-FR" sz="1200" dirty="0">
+                <a:latin typeface="Consolas" panose="020B0609020204030204" pitchFamily="49" charset="0"/>
+                <a:ea typeface="Noto Sans" panose="020B0502040504020204" pitchFamily="34" charset="0"/>
+                <a:cs typeface="Noto Sans" panose="020B0502040504020204" pitchFamily="34" charset="0"/>
+              </a:rPr>
+              <a:t> </a:t>
+            </a:r>
+            <a:r>
+              <a:rPr lang="fr-FR" sz="1200" dirty="0" err="1">
+                <a:latin typeface="Consolas" panose="020B0609020204030204" pitchFamily="49" charset="0"/>
+                <a:ea typeface="Noto Sans" panose="020B0502040504020204" pitchFamily="34" charset="0"/>
+                <a:cs typeface="Noto Sans" panose="020B0502040504020204" pitchFamily="34" charset="0"/>
+              </a:rPr>
+              <a:t>gilfoodiehub.live</a:t>
+            </a:r>
+            <a:r>
+              <a:rPr lang="fr-FR" sz="1200" dirty="0">
+                <a:latin typeface="Consolas" panose="020B0609020204030204" pitchFamily="49" charset="0"/>
+                <a:ea typeface="Noto Sans" panose="020B0502040504020204" pitchFamily="34" charset="0"/>
+                <a:cs typeface="Noto Sans" panose="020B0502040504020204" pitchFamily="34" charset="0"/>
+              </a:rPr>
+              <a:t>; </a:t>
+            </a:r>
+          </a:p>
+          <a:p>
+            <a:r>
+              <a:rPr lang="fr-FR" sz="1200" dirty="0">
+                <a:latin typeface="Consolas" panose="020B0609020204030204" pitchFamily="49" charset="0"/>
+                <a:ea typeface="Noto Sans" panose="020B0502040504020204" pitchFamily="34" charset="0"/>
+                <a:cs typeface="Noto Sans" panose="020B0502040504020204" pitchFamily="34" charset="0"/>
+              </a:rPr>
+              <a:t>    # Path </a:t>
+            </a:r>
+            <a:r>
+              <a:rPr lang="fr-FR" sz="1200" dirty="0" err="1">
+                <a:latin typeface="Consolas" panose="020B0609020204030204" pitchFamily="49" charset="0"/>
+                <a:ea typeface="Noto Sans" panose="020B0502040504020204" pitchFamily="34" charset="0"/>
+                <a:cs typeface="Noto Sans" panose="020B0502040504020204" pitchFamily="34" charset="0"/>
+              </a:rPr>
+              <a:t>may</a:t>
+            </a:r>
+            <a:r>
+              <a:rPr lang="fr-FR" sz="1200" dirty="0">
+                <a:latin typeface="Consolas" panose="020B0609020204030204" pitchFamily="49" charset="0"/>
+                <a:ea typeface="Noto Sans" panose="020B0502040504020204" pitchFamily="34" charset="0"/>
+                <a:cs typeface="Noto Sans" panose="020B0502040504020204" pitchFamily="34" charset="0"/>
+              </a:rPr>
+              <a:t> </a:t>
+            </a:r>
+            <a:r>
+              <a:rPr lang="fr-FR" sz="1200" dirty="0" err="1">
+                <a:latin typeface="Consolas" panose="020B0609020204030204" pitchFamily="49" charset="0"/>
+                <a:ea typeface="Noto Sans" panose="020B0502040504020204" pitchFamily="34" charset="0"/>
+                <a:cs typeface="Noto Sans" panose="020B0502040504020204" pitchFamily="34" charset="0"/>
+              </a:rPr>
+              <a:t>vary</a:t>
+            </a:r>
+            <a:endParaRPr lang="fr-FR" sz="1200" dirty="0">
               <a:latin typeface="Consolas" panose="020B0609020204030204" pitchFamily="49" charset="0"/>
               <a:ea typeface="Noto Sans" panose="020B0502040504020204" pitchFamily="34" charset="0"/>
               <a:cs typeface="Noto Sans" panose="020B0502040504020204" pitchFamily="34" charset="0"/>
@@ -6518,36 +8383,138 @@
           </a:p>
           <a:p>
             <a:r>
-              <a:rPr lang="fr-FR" sz="1200">
-                <a:latin typeface="Consolas" panose="020B0609020204030204" pitchFamily="49" charset="0"/>
-                <a:ea typeface="Noto Sans" panose="020B0502040504020204" pitchFamily="34" charset="0"/>
-                <a:cs typeface="Noto Sans" panose="020B0502040504020204" pitchFamily="34" charset="0"/>
-              </a:rPr>
-              <a:t>    # Path may vary</a:t>
-            </a:r>
-          </a:p>
-          <a:p>
-            <a:r>
-              <a:rPr lang="fr-FR" sz="1200">
-                <a:latin typeface="Consolas" panose="020B0609020204030204" pitchFamily="49" charset="0"/>
-                <a:ea typeface="Noto Sans" panose="020B0502040504020204" pitchFamily="34" charset="0"/>
-                <a:cs typeface="Noto Sans" panose="020B0502040504020204" pitchFamily="34" charset="0"/>
-              </a:rPr>
-              <a:t>    ssl_certificate /home/gilchrist/ICT-171/ssl/domain.crt;</a:t>
-            </a:r>
-          </a:p>
-          <a:p>
-            <a:r>
-              <a:rPr lang="fr-FR" sz="1200">
-                <a:latin typeface="Consolas" panose="020B0609020204030204" pitchFamily="49" charset="0"/>
-                <a:ea typeface="Noto Sans" panose="020B0502040504020204" pitchFamily="34" charset="0"/>
-                <a:cs typeface="Noto Sans" panose="020B0502040504020204" pitchFamily="34" charset="0"/>
-              </a:rPr>
-              <a:t>    ssl_certificate_key  /home/gilchrist/ICT-171/ssl/privkey.key;</a:t>
-            </a:r>
-          </a:p>
-          <a:p>
-            <a:endParaRPr lang="fr-FR" sz="1200">
+              <a:rPr lang="fr-FR" sz="1200" dirty="0">
+                <a:latin typeface="Consolas" panose="020B0609020204030204" pitchFamily="49" charset="0"/>
+                <a:ea typeface="Noto Sans" panose="020B0502040504020204" pitchFamily="34" charset="0"/>
+                <a:cs typeface="Noto Sans" panose="020B0502040504020204" pitchFamily="34" charset="0"/>
+              </a:rPr>
+              <a:t>    </a:t>
+            </a:r>
+            <a:r>
+              <a:rPr lang="fr-FR" sz="1200" dirty="0" err="1">
+                <a:latin typeface="Consolas" panose="020B0609020204030204" pitchFamily="49" charset="0"/>
+                <a:ea typeface="Noto Sans" panose="020B0502040504020204" pitchFamily="34" charset="0"/>
+                <a:cs typeface="Noto Sans" panose="020B0502040504020204" pitchFamily="34" charset="0"/>
+              </a:rPr>
+              <a:t>ssl_certificate</a:t>
+            </a:r>
+            <a:r>
+              <a:rPr lang="fr-FR" sz="1200" dirty="0">
+                <a:latin typeface="Consolas" panose="020B0609020204030204" pitchFamily="49" charset="0"/>
+                <a:ea typeface="Noto Sans" panose="020B0502040504020204" pitchFamily="34" charset="0"/>
+                <a:cs typeface="Noto Sans" panose="020B0502040504020204" pitchFamily="34" charset="0"/>
+              </a:rPr>
+              <a:t> /home/</a:t>
+            </a:r>
+            <a:r>
+              <a:rPr lang="fr-FR" sz="1200" dirty="0" err="1">
+                <a:latin typeface="Consolas" panose="020B0609020204030204" pitchFamily="49" charset="0"/>
+                <a:ea typeface="Noto Sans" panose="020B0502040504020204" pitchFamily="34" charset="0"/>
+                <a:cs typeface="Noto Sans" panose="020B0502040504020204" pitchFamily="34" charset="0"/>
+              </a:rPr>
+              <a:t>gilchrist</a:t>
+            </a:r>
+            <a:r>
+              <a:rPr lang="fr-FR" sz="1200" dirty="0">
+                <a:latin typeface="Consolas" panose="020B0609020204030204" pitchFamily="49" charset="0"/>
+                <a:ea typeface="Noto Sans" panose="020B0502040504020204" pitchFamily="34" charset="0"/>
+                <a:cs typeface="Noto Sans" panose="020B0502040504020204" pitchFamily="34" charset="0"/>
+              </a:rPr>
+              <a:t>/Project/</a:t>
+            </a:r>
+            <a:r>
+              <a:rPr lang="fr-FR" sz="1200" dirty="0" err="1">
+                <a:latin typeface="Consolas" panose="020B0609020204030204" pitchFamily="49" charset="0"/>
+                <a:ea typeface="Noto Sans" panose="020B0502040504020204" pitchFamily="34" charset="0"/>
+                <a:cs typeface="Noto Sans" panose="020B0502040504020204" pitchFamily="34" charset="0"/>
+              </a:rPr>
+              <a:t>ssl</a:t>
+            </a:r>
+            <a:r>
+              <a:rPr lang="fr-FR" sz="1200" dirty="0">
+                <a:latin typeface="Consolas" panose="020B0609020204030204" pitchFamily="49" charset="0"/>
+                <a:ea typeface="Noto Sans" panose="020B0502040504020204" pitchFamily="34" charset="0"/>
+                <a:cs typeface="Noto Sans" panose="020B0502040504020204" pitchFamily="34" charset="0"/>
+              </a:rPr>
+              <a:t>/domain.crt;</a:t>
+            </a:r>
+          </a:p>
+          <a:p>
+            <a:r>
+              <a:rPr lang="fr-FR" sz="1200" dirty="0">
+                <a:latin typeface="Consolas" panose="020B0609020204030204" pitchFamily="49" charset="0"/>
+                <a:ea typeface="Noto Sans" panose="020B0502040504020204" pitchFamily="34" charset="0"/>
+                <a:cs typeface="Noto Sans" panose="020B0502040504020204" pitchFamily="34" charset="0"/>
+              </a:rPr>
+              <a:t>    </a:t>
+            </a:r>
+            <a:r>
+              <a:rPr lang="fr-FR" sz="1200" dirty="0" err="1">
+                <a:latin typeface="Consolas" panose="020B0609020204030204" pitchFamily="49" charset="0"/>
+                <a:ea typeface="Noto Sans" panose="020B0502040504020204" pitchFamily="34" charset="0"/>
+                <a:cs typeface="Noto Sans" panose="020B0502040504020204" pitchFamily="34" charset="0"/>
+              </a:rPr>
+              <a:t>ssl_certificate_key</a:t>
+            </a:r>
+            <a:r>
+              <a:rPr lang="fr-FR" sz="1200" dirty="0">
+                <a:latin typeface="Consolas" panose="020B0609020204030204" pitchFamily="49" charset="0"/>
+                <a:ea typeface="Noto Sans" panose="020B0502040504020204" pitchFamily="34" charset="0"/>
+                <a:cs typeface="Noto Sans" panose="020B0502040504020204" pitchFamily="34" charset="0"/>
+              </a:rPr>
+              <a:t> /home/</a:t>
+            </a:r>
+            <a:r>
+              <a:rPr lang="fr-FR" sz="1200" dirty="0" err="1">
+                <a:latin typeface="Consolas" panose="020B0609020204030204" pitchFamily="49" charset="0"/>
+                <a:ea typeface="Noto Sans" panose="020B0502040504020204" pitchFamily="34" charset="0"/>
+                <a:cs typeface="Noto Sans" panose="020B0502040504020204" pitchFamily="34" charset="0"/>
+              </a:rPr>
+              <a:t>gilchrist</a:t>
+            </a:r>
+            <a:r>
+              <a:rPr lang="fr-FR" sz="1200" dirty="0">
+                <a:latin typeface="Consolas" panose="020B0609020204030204" pitchFamily="49" charset="0"/>
+                <a:ea typeface="Noto Sans" panose="020B0502040504020204" pitchFamily="34" charset="0"/>
+                <a:cs typeface="Noto Sans" panose="020B0502040504020204" pitchFamily="34" charset="0"/>
+              </a:rPr>
+              <a:t>/Project/</a:t>
+            </a:r>
+            <a:r>
+              <a:rPr lang="fr-FR" sz="1200" dirty="0" err="1">
+                <a:latin typeface="Consolas" panose="020B0609020204030204" pitchFamily="49" charset="0"/>
+                <a:ea typeface="Noto Sans" panose="020B0502040504020204" pitchFamily="34" charset="0"/>
+                <a:cs typeface="Noto Sans" panose="020B0502040504020204" pitchFamily="34" charset="0"/>
+              </a:rPr>
+              <a:t>ssl</a:t>
+            </a:r>
+            <a:r>
+              <a:rPr lang="fr-FR" sz="1200" dirty="0">
+                <a:latin typeface="Consolas" panose="020B0609020204030204" pitchFamily="49" charset="0"/>
+                <a:ea typeface="Noto Sans" panose="020B0502040504020204" pitchFamily="34" charset="0"/>
+                <a:cs typeface="Noto Sans" panose="020B0502040504020204" pitchFamily="34" charset="0"/>
+              </a:rPr>
+              <a:t>/</a:t>
+            </a:r>
+            <a:r>
+              <a:rPr lang="fr-FR" sz="1200" dirty="0" err="1">
+                <a:latin typeface="Consolas" panose="020B0609020204030204" pitchFamily="49" charset="0"/>
+                <a:ea typeface="Noto Sans" panose="020B0502040504020204" pitchFamily="34" charset="0"/>
+                <a:cs typeface="Noto Sans" panose="020B0502040504020204" pitchFamily="34" charset="0"/>
+              </a:rPr>
+              <a:t>privkey.key</a:t>
+            </a:r>
+            <a:r>
+              <a:rPr lang="fr-FR" sz="1200" dirty="0">
+                <a:latin typeface="Consolas" panose="020B0609020204030204" pitchFamily="49" charset="0"/>
+                <a:ea typeface="Noto Sans" panose="020B0502040504020204" pitchFamily="34" charset="0"/>
+                <a:cs typeface="Noto Sans" panose="020B0502040504020204" pitchFamily="34" charset="0"/>
+              </a:rPr>
+              <a:t>;</a:t>
+            </a:r>
+          </a:p>
+          <a:p>
+            <a:endParaRPr lang="fr-FR" sz="1200" dirty="0">
               <a:latin typeface="Consolas" panose="020B0609020204030204" pitchFamily="49" charset="0"/>
               <a:ea typeface="Noto Sans" panose="020B0502040504020204" pitchFamily="34" charset="0"/>
               <a:cs typeface="Noto Sans" panose="020B0502040504020204" pitchFamily="34" charset="0"/>
@@ -6555,36 +8522,132 @@
           </a:p>
           <a:p>
             <a:r>
-              <a:rPr lang="fr-FR" sz="1200">
-                <a:latin typeface="Consolas" panose="020B0609020204030204" pitchFamily="49" charset="0"/>
-                <a:ea typeface="Noto Sans" panose="020B0502040504020204" pitchFamily="34" charset="0"/>
-                <a:cs typeface="Noto Sans" panose="020B0502040504020204" pitchFamily="34" charset="0"/>
-              </a:rPr>
-              <a:t>    # Our Express server is running on port 3000</a:t>
-            </a:r>
-          </a:p>
-          <a:p>
-            <a:r>
-              <a:rPr lang="fr-FR" sz="1200">
-                <a:latin typeface="Consolas" panose="020B0609020204030204" pitchFamily="49" charset="0"/>
-                <a:ea typeface="Noto Sans" panose="020B0502040504020204" pitchFamily="34" charset="0"/>
-                <a:cs typeface="Noto Sans" panose="020B0502040504020204" pitchFamily="34" charset="0"/>
-              </a:rPr>
-              <a:t>    # so we use nginx reverse proxy feature to route </a:t>
-            </a:r>
-          </a:p>
-          <a:p>
-            <a:r>
-              <a:rPr lang="fr-FR" sz="1200">
-                <a:latin typeface="Consolas" panose="020B0609020204030204" pitchFamily="49" charset="0"/>
-                <a:ea typeface="Noto Sans" panose="020B0502040504020204" pitchFamily="34" charset="0"/>
-                <a:cs typeface="Noto Sans" panose="020B0502040504020204" pitchFamily="34" charset="0"/>
-              </a:rPr>
-              <a:t>    # connections from port 443 to 3000</a:t>
-            </a:r>
-          </a:p>
-          <a:p>
-            <a:endParaRPr lang="fr-FR" sz="1200">
+              <a:rPr lang="fr-FR" sz="1200" dirty="0">
+                <a:latin typeface="Consolas" panose="020B0609020204030204" pitchFamily="49" charset="0"/>
+                <a:ea typeface="Noto Sans" panose="020B0502040504020204" pitchFamily="34" charset="0"/>
+                <a:cs typeface="Noto Sans" panose="020B0502040504020204" pitchFamily="34" charset="0"/>
+              </a:rPr>
+              <a:t>    # Our Express server </a:t>
+            </a:r>
+            <a:r>
+              <a:rPr lang="fr-FR" sz="1200" dirty="0" err="1">
+                <a:latin typeface="Consolas" panose="020B0609020204030204" pitchFamily="49" charset="0"/>
+                <a:ea typeface="Noto Sans" panose="020B0502040504020204" pitchFamily="34" charset="0"/>
+                <a:cs typeface="Noto Sans" panose="020B0502040504020204" pitchFamily="34" charset="0"/>
+              </a:rPr>
+              <a:t>is</a:t>
+            </a:r>
+            <a:r>
+              <a:rPr lang="fr-FR" sz="1200" dirty="0">
+                <a:latin typeface="Consolas" panose="020B0609020204030204" pitchFamily="49" charset="0"/>
+                <a:ea typeface="Noto Sans" panose="020B0502040504020204" pitchFamily="34" charset="0"/>
+                <a:cs typeface="Noto Sans" panose="020B0502040504020204" pitchFamily="34" charset="0"/>
+              </a:rPr>
+              <a:t> running on port 3000</a:t>
+            </a:r>
+          </a:p>
+          <a:p>
+            <a:r>
+              <a:rPr lang="fr-FR" sz="1200" dirty="0">
+                <a:latin typeface="Consolas" panose="020B0609020204030204" pitchFamily="49" charset="0"/>
+                <a:ea typeface="Noto Sans" panose="020B0502040504020204" pitchFamily="34" charset="0"/>
+                <a:cs typeface="Noto Sans" panose="020B0502040504020204" pitchFamily="34" charset="0"/>
+              </a:rPr>
+              <a:t>    # </a:t>
+            </a:r>
+            <a:r>
+              <a:rPr lang="fr-FR" sz="1200" dirty="0" err="1">
+                <a:latin typeface="Consolas" panose="020B0609020204030204" pitchFamily="49" charset="0"/>
+                <a:ea typeface="Noto Sans" panose="020B0502040504020204" pitchFamily="34" charset="0"/>
+                <a:cs typeface="Noto Sans" panose="020B0502040504020204" pitchFamily="34" charset="0"/>
+              </a:rPr>
+              <a:t>so</a:t>
+            </a:r>
+            <a:r>
+              <a:rPr lang="fr-FR" sz="1200" dirty="0">
+                <a:latin typeface="Consolas" panose="020B0609020204030204" pitchFamily="49" charset="0"/>
+                <a:ea typeface="Noto Sans" panose="020B0502040504020204" pitchFamily="34" charset="0"/>
+                <a:cs typeface="Noto Sans" panose="020B0502040504020204" pitchFamily="34" charset="0"/>
+              </a:rPr>
+              <a:t> </a:t>
+            </a:r>
+            <a:r>
+              <a:rPr lang="fr-FR" sz="1200" dirty="0" err="1">
+                <a:latin typeface="Consolas" panose="020B0609020204030204" pitchFamily="49" charset="0"/>
+                <a:ea typeface="Noto Sans" panose="020B0502040504020204" pitchFamily="34" charset="0"/>
+                <a:cs typeface="Noto Sans" panose="020B0502040504020204" pitchFamily="34" charset="0"/>
+              </a:rPr>
+              <a:t>we</a:t>
+            </a:r>
+            <a:r>
+              <a:rPr lang="fr-FR" sz="1200" dirty="0">
+                <a:latin typeface="Consolas" panose="020B0609020204030204" pitchFamily="49" charset="0"/>
+                <a:ea typeface="Noto Sans" panose="020B0502040504020204" pitchFamily="34" charset="0"/>
+                <a:cs typeface="Noto Sans" panose="020B0502040504020204" pitchFamily="34" charset="0"/>
+              </a:rPr>
+              <a:t> use </a:t>
+            </a:r>
+            <a:r>
+              <a:rPr lang="fr-FR" sz="1200" dirty="0" err="1">
+                <a:latin typeface="Consolas" panose="020B0609020204030204" pitchFamily="49" charset="0"/>
+                <a:ea typeface="Noto Sans" panose="020B0502040504020204" pitchFamily="34" charset="0"/>
+                <a:cs typeface="Noto Sans" panose="020B0502040504020204" pitchFamily="34" charset="0"/>
+              </a:rPr>
+              <a:t>nginx</a:t>
+            </a:r>
+            <a:r>
+              <a:rPr lang="fr-FR" sz="1200" dirty="0">
+                <a:latin typeface="Consolas" panose="020B0609020204030204" pitchFamily="49" charset="0"/>
+                <a:ea typeface="Noto Sans" panose="020B0502040504020204" pitchFamily="34" charset="0"/>
+                <a:cs typeface="Noto Sans" panose="020B0502040504020204" pitchFamily="34" charset="0"/>
+              </a:rPr>
+              <a:t> reverse proxy </a:t>
+            </a:r>
+            <a:r>
+              <a:rPr lang="fr-FR" sz="1200" dirty="0" err="1">
+                <a:latin typeface="Consolas" panose="020B0609020204030204" pitchFamily="49" charset="0"/>
+                <a:ea typeface="Noto Sans" panose="020B0502040504020204" pitchFamily="34" charset="0"/>
+                <a:cs typeface="Noto Sans" panose="020B0502040504020204" pitchFamily="34" charset="0"/>
+              </a:rPr>
+              <a:t>feature</a:t>
+            </a:r>
+            <a:r>
+              <a:rPr lang="fr-FR" sz="1200" dirty="0">
+                <a:latin typeface="Consolas" panose="020B0609020204030204" pitchFamily="49" charset="0"/>
+                <a:ea typeface="Noto Sans" panose="020B0502040504020204" pitchFamily="34" charset="0"/>
+                <a:cs typeface="Noto Sans" panose="020B0502040504020204" pitchFamily="34" charset="0"/>
+              </a:rPr>
+              <a:t> to route </a:t>
+            </a:r>
+          </a:p>
+          <a:p>
+            <a:r>
+              <a:rPr lang="fr-FR" sz="1200" dirty="0">
+                <a:latin typeface="Consolas" panose="020B0609020204030204" pitchFamily="49" charset="0"/>
+                <a:ea typeface="Noto Sans" panose="020B0502040504020204" pitchFamily="34" charset="0"/>
+                <a:cs typeface="Noto Sans" panose="020B0502040504020204" pitchFamily="34" charset="0"/>
+              </a:rPr>
+              <a:t>    # connections </a:t>
+            </a:r>
+            <a:r>
+              <a:rPr lang="fr-FR" sz="1200" dirty="0" err="1">
+                <a:latin typeface="Consolas" panose="020B0609020204030204" pitchFamily="49" charset="0"/>
+                <a:ea typeface="Noto Sans" panose="020B0502040504020204" pitchFamily="34" charset="0"/>
+                <a:cs typeface="Noto Sans" panose="020B0502040504020204" pitchFamily="34" charset="0"/>
+              </a:rPr>
+              <a:t>from</a:t>
+            </a:r>
+            <a:r>
+              <a:rPr lang="fr-FR" sz="1200" dirty="0">
+                <a:latin typeface="Consolas" panose="020B0609020204030204" pitchFamily="49" charset="0"/>
+                <a:ea typeface="Noto Sans" panose="020B0502040504020204" pitchFamily="34" charset="0"/>
+                <a:cs typeface="Noto Sans" panose="020B0502040504020204" pitchFamily="34" charset="0"/>
+              </a:rPr>
+              <a:t> port 443 to 3000</a:t>
+            </a:r>
+          </a:p>
+          <a:p>
+            <a:endParaRPr lang="fr-FR" sz="1200" dirty="0">
               <a:latin typeface="Consolas" panose="020B0609020204030204" pitchFamily="49" charset="0"/>
               <a:ea typeface="Noto Sans" panose="020B0502040504020204" pitchFamily="34" charset="0"/>
               <a:cs typeface="Noto Sans" panose="020B0502040504020204" pitchFamily="34" charset="0"/>
@@ -6592,7 +8655,7 @@
           </a:p>
           <a:p>
             <a:r>
-              <a:rPr lang="fr-FR" sz="1200">
+              <a:rPr lang="fr-FR" sz="1200" dirty="0">
                 <a:latin typeface="Consolas" panose="020B0609020204030204" pitchFamily="49" charset="0"/>
                 <a:ea typeface="Noto Sans" panose="020B0502040504020204" pitchFamily="34" charset="0"/>
                 <a:cs typeface="Noto Sans" panose="020B0502040504020204" pitchFamily="34" charset="0"/>
@@ -6602,17 +8665,33 @@
           </a:p>
           <a:p>
             <a:r>
-              <a:rPr lang="fr-FR" sz="1200">
-                <a:latin typeface="Consolas" panose="020B0609020204030204" pitchFamily="49" charset="0"/>
-                <a:ea typeface="Noto Sans" panose="020B0502040504020204" pitchFamily="34" charset="0"/>
-                <a:cs typeface="Noto Sans" panose="020B0502040504020204" pitchFamily="34" charset="0"/>
-              </a:rPr>
-              <a:t>        proxy_pass http://127.0.0.1:3000;</a:t>
-            </a:r>
-          </a:p>
-          <a:p>
-            <a:r>
-              <a:rPr lang="fr-FR" sz="1200">
+              <a:rPr lang="fr-FR" sz="1200" dirty="0">
+                <a:latin typeface="Consolas" panose="020B0609020204030204" pitchFamily="49" charset="0"/>
+                <a:ea typeface="Noto Sans" panose="020B0502040504020204" pitchFamily="34" charset="0"/>
+                <a:cs typeface="Noto Sans" panose="020B0502040504020204" pitchFamily="34" charset="0"/>
+              </a:rPr>
+              <a:t>        </a:t>
+            </a:r>
+            <a:r>
+              <a:rPr lang="fr-FR" sz="1200" dirty="0" err="1">
+                <a:latin typeface="Consolas" panose="020B0609020204030204" pitchFamily="49" charset="0"/>
+                <a:ea typeface="Noto Sans" panose="020B0502040504020204" pitchFamily="34" charset="0"/>
+                <a:cs typeface="Noto Sans" panose="020B0502040504020204" pitchFamily="34" charset="0"/>
+              </a:rPr>
+              <a:t>proxy_pass</a:t>
+            </a:r>
+            <a:r>
+              <a:rPr lang="fr-FR" sz="1200" dirty="0">
+                <a:latin typeface="Consolas" panose="020B0609020204030204" pitchFamily="49" charset="0"/>
+                <a:ea typeface="Noto Sans" panose="020B0502040504020204" pitchFamily="34" charset="0"/>
+                <a:cs typeface="Noto Sans" panose="020B0502040504020204" pitchFamily="34" charset="0"/>
+              </a:rPr>
+              <a:t> http://127.0.0.1:3000;</a:t>
+            </a:r>
+          </a:p>
+          <a:p>
+            <a:r>
+              <a:rPr lang="fr-FR" sz="1200" dirty="0">
                 <a:latin typeface="Consolas" panose="020B0609020204030204" pitchFamily="49" charset="0"/>
                 <a:ea typeface="Noto Sans" panose="020B0502040504020204" pitchFamily="34" charset="0"/>
                 <a:cs typeface="Noto Sans" panose="020B0502040504020204" pitchFamily="34" charset="0"/>
@@ -6621,7 +8700,7 @@
             </a:r>
           </a:p>
           <a:p>
-            <a:endParaRPr lang="fr-FR" sz="1200">
+            <a:endParaRPr lang="fr-FR" sz="1200" dirty="0">
               <a:latin typeface="Consolas" panose="020B0609020204030204" pitchFamily="49" charset="0"/>
               <a:ea typeface="Noto Sans" panose="020B0502040504020204" pitchFamily="34" charset="0"/>
               <a:cs typeface="Noto Sans" panose="020B0502040504020204" pitchFamily="34" charset="0"/>
@@ -6629,7 +8708,7 @@
           </a:p>
           <a:p>
             <a:r>
-              <a:rPr lang="fr-FR" sz="1200">
+              <a:rPr lang="fr-FR" sz="1200" dirty="0">
                 <a:latin typeface="Consolas" panose="020B0609020204030204" pitchFamily="49" charset="0"/>
                 <a:ea typeface="Noto Sans" panose="020B0502040504020204" pitchFamily="34" charset="0"/>
                 <a:cs typeface="Noto Sans" panose="020B0502040504020204" pitchFamily="34" charset="0"/>
@@ -6639,17 +8718,33 @@
           </a:p>
           <a:p>
             <a:r>
-              <a:rPr lang="fr-FR" sz="1200">
-                <a:latin typeface="Consolas" panose="020B0609020204030204" pitchFamily="49" charset="0"/>
-                <a:ea typeface="Noto Sans" panose="020B0502040504020204" pitchFamily="34" charset="0"/>
-                <a:cs typeface="Noto Sans" panose="020B0502040504020204" pitchFamily="34" charset="0"/>
-              </a:rPr>
-              <a:t># The Following block redirects http to https</a:t>
-            </a:r>
-          </a:p>
-          <a:p>
-            <a:r>
-              <a:rPr lang="fr-FR" sz="1200">
+              <a:rPr lang="fr-FR" sz="1200" dirty="0">
+                <a:latin typeface="Consolas" panose="020B0609020204030204" pitchFamily="49" charset="0"/>
+                <a:ea typeface="Noto Sans" panose="020B0502040504020204" pitchFamily="34" charset="0"/>
+                <a:cs typeface="Noto Sans" panose="020B0502040504020204" pitchFamily="34" charset="0"/>
+              </a:rPr>
+              <a:t># The Following block </a:t>
+            </a:r>
+            <a:r>
+              <a:rPr lang="fr-FR" sz="1200" dirty="0" err="1">
+                <a:latin typeface="Consolas" panose="020B0609020204030204" pitchFamily="49" charset="0"/>
+                <a:ea typeface="Noto Sans" panose="020B0502040504020204" pitchFamily="34" charset="0"/>
+                <a:cs typeface="Noto Sans" panose="020B0502040504020204" pitchFamily="34" charset="0"/>
+              </a:rPr>
+              <a:t>redirects</a:t>
+            </a:r>
+            <a:r>
+              <a:rPr lang="fr-FR" sz="1200" dirty="0">
+                <a:latin typeface="Consolas" panose="020B0609020204030204" pitchFamily="49" charset="0"/>
+                <a:ea typeface="Noto Sans" panose="020B0502040504020204" pitchFamily="34" charset="0"/>
+                <a:cs typeface="Noto Sans" panose="020B0502040504020204" pitchFamily="34" charset="0"/>
+              </a:rPr>
+              <a:t> http to https</a:t>
+            </a:r>
+          </a:p>
+          <a:p>
+            <a:r>
+              <a:rPr lang="fr-FR" sz="1200" dirty="0">
                 <a:latin typeface="Consolas" panose="020B0609020204030204" pitchFamily="49" charset="0"/>
                 <a:ea typeface="Noto Sans" panose="020B0502040504020204" pitchFamily="34" charset="0"/>
                 <a:cs typeface="Noto Sans" panose="020B0502040504020204" pitchFamily="34" charset="0"/>
@@ -6659,27 +8754,75 @@
           </a:p>
           <a:p>
             <a:r>
-              <a:rPr lang="fr-FR" sz="1200">
-                <a:latin typeface="Consolas" panose="020B0609020204030204" pitchFamily="49" charset="0"/>
-                <a:ea typeface="Noto Sans" panose="020B0502040504020204" pitchFamily="34" charset="0"/>
-                <a:cs typeface="Noto Sans" panose="020B0502040504020204" pitchFamily="34" charset="0"/>
-              </a:rPr>
-              <a:t>    listen 80;</a:t>
-            </a:r>
-          </a:p>
-          <a:p>
-            <a:r>
-              <a:rPr lang="fr-FR" sz="1200">
-                <a:latin typeface="Consolas" panose="020B0609020204030204" pitchFamily="49" charset="0"/>
-                <a:ea typeface="Noto Sans" panose="020B0502040504020204" pitchFamily="34" charset="0"/>
-                <a:cs typeface="Noto Sans" panose="020B0502040504020204" pitchFamily="34" charset="0"/>
-              </a:rPr>
-              <a:t>    server_name 52.166.192.249;  </a:t>
-            </a:r>
-          </a:p>
-          <a:p>
-            <a:r>
-              <a:rPr lang="fr-FR" sz="1200">
+              <a:rPr lang="fr-FR" sz="1200" dirty="0">
+                <a:latin typeface="Consolas" panose="020B0609020204030204" pitchFamily="49" charset="0"/>
+                <a:ea typeface="Noto Sans" panose="020B0502040504020204" pitchFamily="34" charset="0"/>
+                <a:cs typeface="Noto Sans" panose="020B0502040504020204" pitchFamily="34" charset="0"/>
+              </a:rPr>
+              <a:t>    </a:t>
+            </a:r>
+            <a:r>
+              <a:rPr lang="fr-FR" sz="1200" dirty="0" err="1">
+                <a:latin typeface="Consolas" panose="020B0609020204030204" pitchFamily="49" charset="0"/>
+                <a:ea typeface="Noto Sans" panose="020B0502040504020204" pitchFamily="34" charset="0"/>
+                <a:cs typeface="Noto Sans" panose="020B0502040504020204" pitchFamily="34" charset="0"/>
+              </a:rPr>
+              <a:t>listen</a:t>
+            </a:r>
+            <a:r>
+              <a:rPr lang="fr-FR" sz="1200" dirty="0">
+                <a:latin typeface="Consolas" panose="020B0609020204030204" pitchFamily="49" charset="0"/>
+                <a:ea typeface="Noto Sans" panose="020B0502040504020204" pitchFamily="34" charset="0"/>
+                <a:cs typeface="Noto Sans" panose="020B0502040504020204" pitchFamily="34" charset="0"/>
+              </a:rPr>
+              <a:t> 80;</a:t>
+            </a:r>
+          </a:p>
+          <a:p>
+            <a:r>
+              <a:rPr lang="fr-FR" sz="1200" dirty="0">
+                <a:latin typeface="Consolas" panose="020B0609020204030204" pitchFamily="49" charset="0"/>
+                <a:ea typeface="Noto Sans" panose="020B0502040504020204" pitchFamily="34" charset="0"/>
+                <a:cs typeface="Noto Sans" panose="020B0502040504020204" pitchFamily="34" charset="0"/>
+              </a:rPr>
+              <a:t>    </a:t>
+            </a:r>
+            <a:r>
+              <a:rPr lang="fr-FR" sz="1200" dirty="0" err="1">
+                <a:latin typeface="Consolas" panose="020B0609020204030204" pitchFamily="49" charset="0"/>
+                <a:ea typeface="Noto Sans" panose="020B0502040504020204" pitchFamily="34" charset="0"/>
+                <a:cs typeface="Noto Sans" panose="020B0502040504020204" pitchFamily="34" charset="0"/>
+              </a:rPr>
+              <a:t>server_name</a:t>
+            </a:r>
+            <a:r>
+              <a:rPr lang="fr-FR" sz="1200" dirty="0">
+                <a:latin typeface="Consolas" panose="020B0609020204030204" pitchFamily="49" charset="0"/>
+                <a:ea typeface="Noto Sans" panose="020B0502040504020204" pitchFamily="34" charset="0"/>
+                <a:cs typeface="Noto Sans" panose="020B0502040504020204" pitchFamily="34" charset="0"/>
+              </a:rPr>
+              <a:t> </a:t>
+            </a:r>
+            <a:r>
+              <a:rPr lang="fr-FR" sz="1200" dirty="0" err="1">
+                <a:latin typeface="Consolas" panose="020B0609020204030204" pitchFamily="49" charset="0"/>
+                <a:ea typeface="Noto Sans" panose="020B0502040504020204" pitchFamily="34" charset="0"/>
+                <a:cs typeface="Noto Sans" panose="020B0502040504020204" pitchFamily="34" charset="0"/>
+              </a:rPr>
+              <a:t>gilfoodiehub.live</a:t>
+            </a:r>
+            <a:r>
+              <a:rPr lang="fr-FR" sz="1200" dirty="0">
+                <a:latin typeface="Consolas" panose="020B0609020204030204" pitchFamily="49" charset="0"/>
+                <a:ea typeface="Noto Sans" panose="020B0502040504020204" pitchFamily="34" charset="0"/>
+                <a:cs typeface="Noto Sans" panose="020B0502040504020204" pitchFamily="34" charset="0"/>
+              </a:rPr>
+              <a:t>;  </a:t>
+            </a:r>
+          </a:p>
+          <a:p>
+            <a:r>
+              <a:rPr lang="fr-FR" sz="1200" dirty="0">
                 <a:latin typeface="Consolas" panose="020B0609020204030204" pitchFamily="49" charset="0"/>
                 <a:ea typeface="Noto Sans" panose="020B0502040504020204" pitchFamily="34" charset="0"/>
                 <a:cs typeface="Noto Sans" panose="020B0502040504020204" pitchFamily="34" charset="0"/>
@@ -6689,7 +8832,7 @@
           </a:p>
           <a:p>
             <a:r>
-              <a:rPr lang="fr-FR" sz="1200">
+              <a:rPr lang="fr-FR" sz="1200" dirty="0">
                 <a:latin typeface="Consolas" panose="020B0609020204030204" pitchFamily="49" charset="0"/>
                 <a:ea typeface="Noto Sans" panose="020B0502040504020204" pitchFamily="34" charset="0"/>
                 <a:cs typeface="Noto Sans" panose="020B0502040504020204" pitchFamily="34" charset="0"/>
@@ -6699,7 +8842,7 @@
           </a:p>
           <a:p>
             <a:r>
-              <a:rPr lang="fr-FR" sz="1200">
+              <a:rPr lang="fr-FR" sz="1200" dirty="0">
                 <a:latin typeface="Consolas" panose="020B0609020204030204" pitchFamily="49" charset="0"/>
                 <a:ea typeface="Noto Sans" panose="020B0502040504020204" pitchFamily="34" charset="0"/>
                 <a:cs typeface="Noto Sans" panose="020B0502040504020204" pitchFamily="34" charset="0"/>
@@ -6709,14 +8852,14 @@
           </a:p>
           <a:p>
             <a:r>
-              <a:rPr lang="fr-FR" sz="1200">
+              <a:rPr lang="fr-FR" sz="1200" dirty="0">
                 <a:latin typeface="Consolas" panose="020B0609020204030204" pitchFamily="49" charset="0"/>
                 <a:ea typeface="Noto Sans" panose="020B0502040504020204" pitchFamily="34" charset="0"/>
                 <a:cs typeface="Noto Sans" panose="020B0502040504020204" pitchFamily="34" charset="0"/>
               </a:rPr>
               <a:t>}</a:t>
             </a:r>
-            <a:endParaRPr lang="en-US" sz="1200">
+            <a:endParaRPr lang="en-US" sz="1200" dirty="0">
               <a:latin typeface="Consolas" panose="020B0609020204030204" pitchFamily="49" charset="0"/>
               <a:ea typeface="Noto Sans" panose="020B0502040504020204" pitchFamily="34" charset="0"/>
               <a:cs typeface="Noto Sans" panose="020B0502040504020204" pitchFamily="34" charset="0"/>
@@ -6791,6 +8934,35 @@
           </a:p>
         </p:txBody>
       </p:sp>
+      <p:sp>
+        <p:nvSpPr>
+          <p:cNvPr id="4" name="Slide Number Placeholder 3">
+            <a:extLst>
+              <a:ext uri="{FF2B5EF4-FFF2-40B4-BE49-F238E27FC236}">
+                <a16:creationId xmlns:a16="http://schemas.microsoft.com/office/drawing/2014/main" id="{E51A7F14-4A9D-9AFC-DD9F-E70C46DB1C2A}"/>
+              </a:ext>
+            </a:extLst>
+          </p:cNvPr>
+          <p:cNvSpPr>
+            <a:spLocks noGrp="1"/>
+          </p:cNvSpPr>
+          <p:nvPr>
+            <p:ph type="sldNum" sz="quarter" idx="12"/>
+          </p:nvPr>
+        </p:nvSpPr>
+        <p:spPr/>
+        <p:txBody>
+          <a:bodyPr/>
+          <a:lstStyle/>
+          <a:p>
+            <a:fld id="{A0CFAC0B-51A4-4980-BC72-DC67A99FFD20}" type="slidenum">
+              <a:rPr lang="en-AE" smtClean="0"/>
+              <a:t>6</a:t>
+            </a:fld>
+            <a:endParaRPr lang="en-AE"/>
+          </a:p>
+        </p:txBody>
+      </p:sp>
     </p:spTree>
     <p:extLst>
       <p:ext uri="{BB962C8B-B14F-4D97-AF65-F5344CB8AC3E}">
@@ -6804,7 +8976,7 @@
 </p:sld>
 </file>
 
-<file path=ppt/slides/slide6.xml><?xml version="1.0" encoding="utf-8"?>
+<file path=ppt/slides/slide7.xml><?xml version="1.0" encoding="utf-8"?>
 <p:sld xmlns:a="http://schemas.openxmlformats.org/drawingml/2006/main" xmlns:r="http://schemas.openxmlformats.org/officeDocument/2006/relationships" xmlns:p="http://schemas.openxmlformats.org/presentationml/2006/main">
   <p:cSld>
     <p:spTree>
@@ -7441,6 +9613,35 @@
           </a:prstGeom>
         </p:spPr>
       </p:pic>
+      <p:sp>
+        <p:nvSpPr>
+          <p:cNvPr id="3" name="Slide Number Placeholder 2">
+            <a:extLst>
+              <a:ext uri="{FF2B5EF4-FFF2-40B4-BE49-F238E27FC236}">
+                <a16:creationId xmlns:a16="http://schemas.microsoft.com/office/drawing/2014/main" id="{0A591EC1-167E-59BA-2D76-1240B4BA4525}"/>
+              </a:ext>
+            </a:extLst>
+          </p:cNvPr>
+          <p:cNvSpPr>
+            <a:spLocks noGrp="1"/>
+          </p:cNvSpPr>
+          <p:nvPr>
+            <p:ph type="sldNum" sz="quarter" idx="12"/>
+          </p:nvPr>
+        </p:nvSpPr>
+        <p:spPr/>
+        <p:txBody>
+          <a:bodyPr/>
+          <a:lstStyle/>
+          <a:p>
+            <a:fld id="{A0CFAC0B-51A4-4980-BC72-DC67A99FFD20}" type="slidenum">
+              <a:rPr lang="en-AE" smtClean="0"/>
+              <a:t>7</a:t>
+            </a:fld>
+            <a:endParaRPr lang="en-AE"/>
+          </a:p>
+        </p:txBody>
+      </p:sp>
     </p:spTree>
     <p:extLst>
       <p:ext uri="{BB962C8B-B14F-4D97-AF65-F5344CB8AC3E}">
@@ -7454,7 +9655,7 @@
 </p:sld>
 </file>
 
-<file path=ppt/slides/slide7.xml><?xml version="1.0" encoding="utf-8"?>
+<file path=ppt/slides/slide8.xml><?xml version="1.0" encoding="utf-8"?>
 <p:sld xmlns:a="http://schemas.openxmlformats.org/drawingml/2006/main" xmlns:r="http://schemas.openxmlformats.org/officeDocument/2006/relationships" xmlns:p="http://schemas.openxmlformats.org/presentationml/2006/main">
   <p:cSld>
     <p:spTree>
@@ -7707,7 +9908,544 @@
           <a:lstStyle/>
           <a:p>
             <a:r>
-              <a:rPr lang="fr-FR" sz="1200">
+              <a:rPr lang="fr-FR" sz="1200" dirty="0" err="1">
+                <a:latin typeface="Consolas" panose="020B0609020204030204" pitchFamily="49" charset="0"/>
+                <a:ea typeface="Noto Sans" panose="020B0502040504020204" pitchFamily="34" charset="0"/>
+                <a:cs typeface="Noto Sans" panose="020B0502040504020204" pitchFamily="34" charset="0"/>
+              </a:rPr>
+              <a:t>create</a:t>
+            </a:r>
+            <a:r>
+              <a:rPr lang="fr-FR" sz="1200" dirty="0">
+                <a:latin typeface="Consolas" panose="020B0609020204030204" pitchFamily="49" charset="0"/>
+                <a:ea typeface="Noto Sans" panose="020B0502040504020204" pitchFamily="34" charset="0"/>
+                <a:cs typeface="Noto Sans" panose="020B0502040504020204" pitchFamily="34" charset="0"/>
+              </a:rPr>
+              <a:t> table</a:t>
+            </a:r>
+          </a:p>
+          <a:p>
+            <a:r>
+              <a:rPr lang="fr-FR" sz="1200" dirty="0">
+                <a:latin typeface="Consolas" panose="020B0609020204030204" pitchFamily="49" charset="0"/>
+                <a:ea typeface="Noto Sans" panose="020B0502040504020204" pitchFamily="34" charset="0"/>
+                <a:cs typeface="Noto Sans" panose="020B0502040504020204" pitchFamily="34" charset="0"/>
+              </a:rPr>
+              <a:t>  </a:t>
+            </a:r>
+            <a:r>
+              <a:rPr lang="fr-FR" sz="1200" dirty="0" err="1">
+                <a:latin typeface="Consolas" panose="020B0609020204030204" pitchFamily="49" charset="0"/>
+                <a:ea typeface="Noto Sans" panose="020B0502040504020204" pitchFamily="34" charset="0"/>
+                <a:cs typeface="Noto Sans" panose="020B0502040504020204" pitchFamily="34" charset="0"/>
+              </a:rPr>
+              <a:t>public.users</a:t>
+            </a:r>
+            <a:r>
+              <a:rPr lang="fr-FR" sz="1200" dirty="0">
+                <a:latin typeface="Consolas" panose="020B0609020204030204" pitchFamily="49" charset="0"/>
+                <a:ea typeface="Noto Sans" panose="020B0502040504020204" pitchFamily="34" charset="0"/>
+                <a:cs typeface="Noto Sans" panose="020B0502040504020204" pitchFamily="34" charset="0"/>
+              </a:rPr>
+              <a:t> (</a:t>
+            </a:r>
+          </a:p>
+          <a:p>
+            <a:r>
+              <a:rPr lang="fr-FR" sz="1200" dirty="0">
+                <a:latin typeface="Consolas" panose="020B0609020204030204" pitchFamily="49" charset="0"/>
+                <a:ea typeface="Noto Sans" panose="020B0502040504020204" pitchFamily="34" charset="0"/>
+                <a:cs typeface="Noto Sans" panose="020B0502040504020204" pitchFamily="34" charset="0"/>
+              </a:rPr>
+              <a:t>    </a:t>
+            </a:r>
+            <a:r>
+              <a:rPr lang="fr-FR" sz="1200" dirty="0" err="1">
+                <a:latin typeface="Consolas" panose="020B0609020204030204" pitchFamily="49" charset="0"/>
+                <a:ea typeface="Noto Sans" panose="020B0502040504020204" pitchFamily="34" charset="0"/>
+                <a:cs typeface="Noto Sans" panose="020B0502040504020204" pitchFamily="34" charset="0"/>
+              </a:rPr>
+              <a:t>uid</a:t>
+            </a:r>
+            <a:r>
+              <a:rPr lang="fr-FR" sz="1200" dirty="0">
+                <a:latin typeface="Consolas" panose="020B0609020204030204" pitchFamily="49" charset="0"/>
+                <a:ea typeface="Noto Sans" panose="020B0502040504020204" pitchFamily="34" charset="0"/>
+                <a:cs typeface="Noto Sans" panose="020B0502040504020204" pitchFamily="34" charset="0"/>
+              </a:rPr>
+              <a:t> </a:t>
+            </a:r>
+            <a:r>
+              <a:rPr lang="fr-FR" sz="1200" dirty="0" err="1">
+                <a:latin typeface="Consolas" panose="020B0609020204030204" pitchFamily="49" charset="0"/>
+                <a:ea typeface="Noto Sans" panose="020B0502040504020204" pitchFamily="34" charset="0"/>
+                <a:cs typeface="Noto Sans" panose="020B0502040504020204" pitchFamily="34" charset="0"/>
+              </a:rPr>
+              <a:t>uuid</a:t>
+            </a:r>
+            <a:r>
+              <a:rPr lang="fr-FR" sz="1200" dirty="0">
+                <a:latin typeface="Consolas" panose="020B0609020204030204" pitchFamily="49" charset="0"/>
+                <a:ea typeface="Noto Sans" panose="020B0502040504020204" pitchFamily="34" charset="0"/>
+                <a:cs typeface="Noto Sans" panose="020B0502040504020204" pitchFamily="34" charset="0"/>
+              </a:rPr>
+              <a:t> not </a:t>
+            </a:r>
+            <a:r>
+              <a:rPr lang="fr-FR" sz="1200" dirty="0" err="1">
+                <a:latin typeface="Consolas" panose="020B0609020204030204" pitchFamily="49" charset="0"/>
+                <a:ea typeface="Noto Sans" panose="020B0502040504020204" pitchFamily="34" charset="0"/>
+                <a:cs typeface="Noto Sans" panose="020B0502040504020204" pitchFamily="34" charset="0"/>
+              </a:rPr>
+              <a:t>null</a:t>
+            </a:r>
+            <a:r>
+              <a:rPr lang="fr-FR" sz="1200" dirty="0">
+                <a:latin typeface="Consolas" panose="020B0609020204030204" pitchFamily="49" charset="0"/>
+                <a:ea typeface="Noto Sans" panose="020B0502040504020204" pitchFamily="34" charset="0"/>
+                <a:cs typeface="Noto Sans" panose="020B0502040504020204" pitchFamily="34" charset="0"/>
+              </a:rPr>
+              <a:t>,</a:t>
+            </a:r>
+          </a:p>
+          <a:p>
+            <a:r>
+              <a:rPr lang="fr-FR" sz="1200" dirty="0">
+                <a:latin typeface="Consolas" panose="020B0609020204030204" pitchFamily="49" charset="0"/>
+                <a:ea typeface="Noto Sans" panose="020B0502040504020204" pitchFamily="34" charset="0"/>
+                <a:cs typeface="Noto Sans" panose="020B0502040504020204" pitchFamily="34" charset="0"/>
+              </a:rPr>
+              <a:t>    email </a:t>
+            </a:r>
+            <a:r>
+              <a:rPr lang="fr-FR" sz="1200" dirty="0" err="1">
+                <a:latin typeface="Consolas" panose="020B0609020204030204" pitchFamily="49" charset="0"/>
+                <a:ea typeface="Noto Sans" panose="020B0502040504020204" pitchFamily="34" charset="0"/>
+                <a:cs typeface="Noto Sans" panose="020B0502040504020204" pitchFamily="34" charset="0"/>
+              </a:rPr>
+              <a:t>character</a:t>
+            </a:r>
+            <a:r>
+              <a:rPr lang="fr-FR" sz="1200" dirty="0">
+                <a:latin typeface="Consolas" panose="020B0609020204030204" pitchFamily="49" charset="0"/>
+                <a:ea typeface="Noto Sans" panose="020B0502040504020204" pitchFamily="34" charset="0"/>
+                <a:cs typeface="Noto Sans" panose="020B0502040504020204" pitchFamily="34" charset="0"/>
+              </a:rPr>
+              <a:t> </a:t>
+            </a:r>
+            <a:r>
+              <a:rPr lang="fr-FR" sz="1200" dirty="0" err="1">
+                <a:latin typeface="Consolas" panose="020B0609020204030204" pitchFamily="49" charset="0"/>
+                <a:ea typeface="Noto Sans" panose="020B0502040504020204" pitchFamily="34" charset="0"/>
+                <a:cs typeface="Noto Sans" panose="020B0502040504020204" pitchFamily="34" charset="0"/>
+              </a:rPr>
+              <a:t>varying</a:t>
+            </a:r>
+            <a:r>
+              <a:rPr lang="fr-FR" sz="1200" dirty="0">
+                <a:latin typeface="Consolas" panose="020B0609020204030204" pitchFamily="49" charset="0"/>
+                <a:ea typeface="Noto Sans" panose="020B0502040504020204" pitchFamily="34" charset="0"/>
+                <a:cs typeface="Noto Sans" panose="020B0502040504020204" pitchFamily="34" charset="0"/>
+              </a:rPr>
+              <a:t> not </a:t>
+            </a:r>
+            <a:r>
+              <a:rPr lang="fr-FR" sz="1200" dirty="0" err="1">
+                <a:latin typeface="Consolas" panose="020B0609020204030204" pitchFamily="49" charset="0"/>
+                <a:ea typeface="Noto Sans" panose="020B0502040504020204" pitchFamily="34" charset="0"/>
+                <a:cs typeface="Noto Sans" panose="020B0502040504020204" pitchFamily="34" charset="0"/>
+              </a:rPr>
+              <a:t>null</a:t>
+            </a:r>
+            <a:r>
+              <a:rPr lang="fr-FR" sz="1200" dirty="0">
+                <a:latin typeface="Consolas" panose="020B0609020204030204" pitchFamily="49" charset="0"/>
+                <a:ea typeface="Noto Sans" panose="020B0502040504020204" pitchFamily="34" charset="0"/>
+                <a:cs typeface="Noto Sans" panose="020B0502040504020204" pitchFamily="34" charset="0"/>
+              </a:rPr>
+              <a:t>,</a:t>
+            </a:r>
+          </a:p>
+          <a:p>
+            <a:r>
+              <a:rPr lang="fr-FR" sz="1200" dirty="0">
+                <a:latin typeface="Consolas" panose="020B0609020204030204" pitchFamily="49" charset="0"/>
+                <a:ea typeface="Noto Sans" panose="020B0502040504020204" pitchFamily="34" charset="0"/>
+                <a:cs typeface="Noto Sans" panose="020B0502040504020204" pitchFamily="34" charset="0"/>
+              </a:rPr>
+              <a:t>    </a:t>
+            </a:r>
+            <a:r>
+              <a:rPr lang="fr-FR" sz="1200" dirty="0" err="1">
+                <a:latin typeface="Consolas" panose="020B0609020204030204" pitchFamily="49" charset="0"/>
+                <a:ea typeface="Noto Sans" panose="020B0502040504020204" pitchFamily="34" charset="0"/>
+                <a:cs typeface="Noto Sans" panose="020B0502040504020204" pitchFamily="34" charset="0"/>
+              </a:rPr>
+              <a:t>full_name</a:t>
+            </a:r>
+            <a:r>
+              <a:rPr lang="fr-FR" sz="1200" dirty="0">
+                <a:latin typeface="Consolas" panose="020B0609020204030204" pitchFamily="49" charset="0"/>
+                <a:ea typeface="Noto Sans" panose="020B0502040504020204" pitchFamily="34" charset="0"/>
+                <a:cs typeface="Noto Sans" panose="020B0502040504020204" pitchFamily="34" charset="0"/>
+              </a:rPr>
+              <a:t> </a:t>
+            </a:r>
+            <a:r>
+              <a:rPr lang="fr-FR" sz="1200" dirty="0" err="1">
+                <a:latin typeface="Consolas" panose="020B0609020204030204" pitchFamily="49" charset="0"/>
+                <a:ea typeface="Noto Sans" panose="020B0502040504020204" pitchFamily="34" charset="0"/>
+                <a:cs typeface="Noto Sans" panose="020B0502040504020204" pitchFamily="34" charset="0"/>
+              </a:rPr>
+              <a:t>character</a:t>
+            </a:r>
+            <a:r>
+              <a:rPr lang="fr-FR" sz="1200" dirty="0">
+                <a:latin typeface="Consolas" panose="020B0609020204030204" pitchFamily="49" charset="0"/>
+                <a:ea typeface="Noto Sans" panose="020B0502040504020204" pitchFamily="34" charset="0"/>
+                <a:cs typeface="Noto Sans" panose="020B0502040504020204" pitchFamily="34" charset="0"/>
+              </a:rPr>
+              <a:t> </a:t>
+            </a:r>
+            <a:r>
+              <a:rPr lang="fr-FR" sz="1200" dirty="0" err="1">
+                <a:latin typeface="Consolas" panose="020B0609020204030204" pitchFamily="49" charset="0"/>
+                <a:ea typeface="Noto Sans" panose="020B0502040504020204" pitchFamily="34" charset="0"/>
+                <a:cs typeface="Noto Sans" panose="020B0502040504020204" pitchFamily="34" charset="0"/>
+              </a:rPr>
+              <a:t>varying</a:t>
+            </a:r>
+            <a:r>
+              <a:rPr lang="fr-FR" sz="1200" dirty="0">
+                <a:latin typeface="Consolas" panose="020B0609020204030204" pitchFamily="49" charset="0"/>
+                <a:ea typeface="Noto Sans" panose="020B0502040504020204" pitchFamily="34" charset="0"/>
+                <a:cs typeface="Noto Sans" panose="020B0502040504020204" pitchFamily="34" charset="0"/>
+              </a:rPr>
+              <a:t> not </a:t>
+            </a:r>
+            <a:r>
+              <a:rPr lang="fr-FR" sz="1200" dirty="0" err="1">
+                <a:latin typeface="Consolas" panose="020B0609020204030204" pitchFamily="49" charset="0"/>
+                <a:ea typeface="Noto Sans" panose="020B0502040504020204" pitchFamily="34" charset="0"/>
+                <a:cs typeface="Noto Sans" panose="020B0502040504020204" pitchFamily="34" charset="0"/>
+              </a:rPr>
+              <a:t>null</a:t>
+            </a:r>
+            <a:r>
+              <a:rPr lang="fr-FR" sz="1200" dirty="0">
+                <a:latin typeface="Consolas" panose="020B0609020204030204" pitchFamily="49" charset="0"/>
+                <a:ea typeface="Noto Sans" panose="020B0502040504020204" pitchFamily="34" charset="0"/>
+                <a:cs typeface="Noto Sans" panose="020B0502040504020204" pitchFamily="34" charset="0"/>
+              </a:rPr>
+              <a:t>,</a:t>
+            </a:r>
+          </a:p>
+          <a:p>
+            <a:r>
+              <a:rPr lang="fr-FR" sz="1200" dirty="0">
+                <a:latin typeface="Consolas" panose="020B0609020204030204" pitchFamily="49" charset="0"/>
+                <a:ea typeface="Noto Sans" panose="020B0502040504020204" pitchFamily="34" charset="0"/>
+                <a:cs typeface="Noto Sans" panose="020B0502040504020204" pitchFamily="34" charset="0"/>
+              </a:rPr>
+              <a:t>    </a:t>
+            </a:r>
+            <a:r>
+              <a:rPr lang="fr-FR" sz="1200" dirty="0" err="1">
+                <a:latin typeface="Consolas" panose="020B0609020204030204" pitchFamily="49" charset="0"/>
+                <a:ea typeface="Noto Sans" panose="020B0502040504020204" pitchFamily="34" charset="0"/>
+                <a:cs typeface="Noto Sans" panose="020B0502040504020204" pitchFamily="34" charset="0"/>
+              </a:rPr>
+              <a:t>phone_num</a:t>
+            </a:r>
+            <a:r>
+              <a:rPr lang="fr-FR" sz="1200" dirty="0">
+                <a:latin typeface="Consolas" panose="020B0609020204030204" pitchFamily="49" charset="0"/>
+                <a:ea typeface="Noto Sans" panose="020B0502040504020204" pitchFamily="34" charset="0"/>
+                <a:cs typeface="Noto Sans" panose="020B0502040504020204" pitchFamily="34" charset="0"/>
+              </a:rPr>
+              <a:t> </a:t>
+            </a:r>
+            <a:r>
+              <a:rPr lang="fr-FR" sz="1200" dirty="0" err="1">
+                <a:latin typeface="Consolas" panose="020B0609020204030204" pitchFamily="49" charset="0"/>
+                <a:ea typeface="Noto Sans" panose="020B0502040504020204" pitchFamily="34" charset="0"/>
+                <a:cs typeface="Noto Sans" panose="020B0502040504020204" pitchFamily="34" charset="0"/>
+              </a:rPr>
+              <a:t>character</a:t>
+            </a:r>
+            <a:r>
+              <a:rPr lang="fr-FR" sz="1200" dirty="0">
+                <a:latin typeface="Consolas" panose="020B0609020204030204" pitchFamily="49" charset="0"/>
+                <a:ea typeface="Noto Sans" panose="020B0502040504020204" pitchFamily="34" charset="0"/>
+                <a:cs typeface="Noto Sans" panose="020B0502040504020204" pitchFamily="34" charset="0"/>
+              </a:rPr>
+              <a:t> </a:t>
+            </a:r>
+            <a:r>
+              <a:rPr lang="fr-FR" sz="1200" dirty="0" err="1">
+                <a:latin typeface="Consolas" panose="020B0609020204030204" pitchFamily="49" charset="0"/>
+                <a:ea typeface="Noto Sans" panose="020B0502040504020204" pitchFamily="34" charset="0"/>
+                <a:cs typeface="Noto Sans" panose="020B0502040504020204" pitchFamily="34" charset="0"/>
+              </a:rPr>
+              <a:t>varying</a:t>
+            </a:r>
+            <a:r>
+              <a:rPr lang="fr-FR" sz="1200" dirty="0">
+                <a:latin typeface="Consolas" panose="020B0609020204030204" pitchFamily="49" charset="0"/>
+                <a:ea typeface="Noto Sans" panose="020B0502040504020204" pitchFamily="34" charset="0"/>
+                <a:cs typeface="Noto Sans" panose="020B0502040504020204" pitchFamily="34" charset="0"/>
+              </a:rPr>
+              <a:t> not </a:t>
+            </a:r>
+            <a:r>
+              <a:rPr lang="fr-FR" sz="1200" dirty="0" err="1">
+                <a:latin typeface="Consolas" panose="020B0609020204030204" pitchFamily="49" charset="0"/>
+                <a:ea typeface="Noto Sans" panose="020B0502040504020204" pitchFamily="34" charset="0"/>
+                <a:cs typeface="Noto Sans" panose="020B0502040504020204" pitchFamily="34" charset="0"/>
+              </a:rPr>
+              <a:t>null</a:t>
+            </a:r>
+            <a:r>
+              <a:rPr lang="fr-FR" sz="1200" dirty="0">
+                <a:latin typeface="Consolas" panose="020B0609020204030204" pitchFamily="49" charset="0"/>
+                <a:ea typeface="Noto Sans" panose="020B0502040504020204" pitchFamily="34" charset="0"/>
+                <a:cs typeface="Noto Sans" panose="020B0502040504020204" pitchFamily="34" charset="0"/>
+              </a:rPr>
+              <a:t>,</a:t>
+            </a:r>
+          </a:p>
+          <a:p>
+            <a:r>
+              <a:rPr lang="fr-FR" sz="1200" dirty="0">
+                <a:latin typeface="Consolas" panose="020B0609020204030204" pitchFamily="49" charset="0"/>
+                <a:ea typeface="Noto Sans" panose="020B0502040504020204" pitchFamily="34" charset="0"/>
+                <a:cs typeface="Noto Sans" panose="020B0502040504020204" pitchFamily="34" charset="0"/>
+              </a:rPr>
+              <a:t>    </a:t>
+            </a:r>
+            <a:r>
+              <a:rPr lang="fr-FR" sz="1200" dirty="0" err="1">
+                <a:latin typeface="Consolas" panose="020B0609020204030204" pitchFamily="49" charset="0"/>
+                <a:ea typeface="Noto Sans" panose="020B0502040504020204" pitchFamily="34" charset="0"/>
+                <a:cs typeface="Noto Sans" panose="020B0502040504020204" pitchFamily="34" charset="0"/>
+              </a:rPr>
+              <a:t>constraint</a:t>
+            </a:r>
+            <a:r>
+              <a:rPr lang="fr-FR" sz="1200" dirty="0">
+                <a:latin typeface="Consolas" panose="020B0609020204030204" pitchFamily="49" charset="0"/>
+                <a:ea typeface="Noto Sans" panose="020B0502040504020204" pitchFamily="34" charset="0"/>
+                <a:cs typeface="Noto Sans" panose="020B0502040504020204" pitchFamily="34" charset="0"/>
+              </a:rPr>
+              <a:t> </a:t>
+            </a:r>
+            <a:r>
+              <a:rPr lang="fr-FR" sz="1200" dirty="0" err="1">
+                <a:latin typeface="Consolas" panose="020B0609020204030204" pitchFamily="49" charset="0"/>
+                <a:ea typeface="Noto Sans" panose="020B0502040504020204" pitchFamily="34" charset="0"/>
+                <a:cs typeface="Noto Sans" panose="020B0502040504020204" pitchFamily="34" charset="0"/>
+              </a:rPr>
+              <a:t>users_pkey</a:t>
+            </a:r>
+            <a:r>
+              <a:rPr lang="fr-FR" sz="1200" dirty="0">
+                <a:latin typeface="Consolas" panose="020B0609020204030204" pitchFamily="49" charset="0"/>
+                <a:ea typeface="Noto Sans" panose="020B0502040504020204" pitchFamily="34" charset="0"/>
+                <a:cs typeface="Noto Sans" panose="020B0502040504020204" pitchFamily="34" charset="0"/>
+              </a:rPr>
+              <a:t> </a:t>
+            </a:r>
+            <a:r>
+              <a:rPr lang="fr-FR" sz="1200" dirty="0" err="1">
+                <a:latin typeface="Consolas" panose="020B0609020204030204" pitchFamily="49" charset="0"/>
+                <a:ea typeface="Noto Sans" panose="020B0502040504020204" pitchFamily="34" charset="0"/>
+                <a:cs typeface="Noto Sans" panose="020B0502040504020204" pitchFamily="34" charset="0"/>
+              </a:rPr>
+              <a:t>primary</a:t>
+            </a:r>
+            <a:r>
+              <a:rPr lang="fr-FR" sz="1200" dirty="0">
+                <a:latin typeface="Consolas" panose="020B0609020204030204" pitchFamily="49" charset="0"/>
+                <a:ea typeface="Noto Sans" panose="020B0502040504020204" pitchFamily="34" charset="0"/>
+                <a:cs typeface="Noto Sans" panose="020B0502040504020204" pitchFamily="34" charset="0"/>
+              </a:rPr>
+              <a:t> key (</a:t>
+            </a:r>
+            <a:r>
+              <a:rPr lang="fr-FR" sz="1200" dirty="0" err="1">
+                <a:latin typeface="Consolas" panose="020B0609020204030204" pitchFamily="49" charset="0"/>
+                <a:ea typeface="Noto Sans" panose="020B0502040504020204" pitchFamily="34" charset="0"/>
+                <a:cs typeface="Noto Sans" panose="020B0502040504020204" pitchFamily="34" charset="0"/>
+              </a:rPr>
+              <a:t>uid</a:t>
+            </a:r>
+            <a:r>
+              <a:rPr lang="fr-FR" sz="1200" dirty="0">
+                <a:latin typeface="Consolas" panose="020B0609020204030204" pitchFamily="49" charset="0"/>
+                <a:ea typeface="Noto Sans" panose="020B0502040504020204" pitchFamily="34" charset="0"/>
+                <a:cs typeface="Noto Sans" panose="020B0502040504020204" pitchFamily="34" charset="0"/>
+              </a:rPr>
+              <a:t>),</a:t>
+            </a:r>
+          </a:p>
+          <a:p>
+            <a:r>
+              <a:rPr lang="fr-FR" sz="1200" dirty="0">
+                <a:latin typeface="Consolas" panose="020B0609020204030204" pitchFamily="49" charset="0"/>
+                <a:ea typeface="Noto Sans" panose="020B0502040504020204" pitchFamily="34" charset="0"/>
+                <a:cs typeface="Noto Sans" panose="020B0502040504020204" pitchFamily="34" charset="0"/>
+              </a:rPr>
+              <a:t>    </a:t>
+            </a:r>
+            <a:r>
+              <a:rPr lang="fr-FR" sz="1200" dirty="0" err="1">
+                <a:latin typeface="Consolas" panose="020B0609020204030204" pitchFamily="49" charset="0"/>
+                <a:ea typeface="Noto Sans" panose="020B0502040504020204" pitchFamily="34" charset="0"/>
+                <a:cs typeface="Noto Sans" panose="020B0502040504020204" pitchFamily="34" charset="0"/>
+              </a:rPr>
+              <a:t>constraint</a:t>
+            </a:r>
+            <a:r>
+              <a:rPr lang="fr-FR" sz="1200" dirty="0">
+                <a:latin typeface="Consolas" panose="020B0609020204030204" pitchFamily="49" charset="0"/>
+                <a:ea typeface="Noto Sans" panose="020B0502040504020204" pitchFamily="34" charset="0"/>
+                <a:cs typeface="Noto Sans" panose="020B0502040504020204" pitchFamily="34" charset="0"/>
+              </a:rPr>
+              <a:t> </a:t>
+            </a:r>
+            <a:r>
+              <a:rPr lang="fr-FR" sz="1200" dirty="0" err="1">
+                <a:latin typeface="Consolas" panose="020B0609020204030204" pitchFamily="49" charset="0"/>
+                <a:ea typeface="Noto Sans" panose="020B0502040504020204" pitchFamily="34" charset="0"/>
+                <a:cs typeface="Noto Sans" panose="020B0502040504020204" pitchFamily="34" charset="0"/>
+              </a:rPr>
+              <a:t>users_uid_fkey</a:t>
+            </a:r>
+            <a:r>
+              <a:rPr lang="fr-FR" sz="1200" dirty="0">
+                <a:latin typeface="Consolas" panose="020B0609020204030204" pitchFamily="49" charset="0"/>
+                <a:ea typeface="Noto Sans" panose="020B0502040504020204" pitchFamily="34" charset="0"/>
+                <a:cs typeface="Noto Sans" panose="020B0502040504020204" pitchFamily="34" charset="0"/>
+              </a:rPr>
+              <a:t> </a:t>
+            </a:r>
+            <a:r>
+              <a:rPr lang="fr-FR" sz="1200" dirty="0" err="1">
+                <a:latin typeface="Consolas" panose="020B0609020204030204" pitchFamily="49" charset="0"/>
+                <a:ea typeface="Noto Sans" panose="020B0502040504020204" pitchFamily="34" charset="0"/>
+                <a:cs typeface="Noto Sans" panose="020B0502040504020204" pitchFamily="34" charset="0"/>
+              </a:rPr>
+              <a:t>foreign</a:t>
+            </a:r>
+            <a:r>
+              <a:rPr lang="fr-FR" sz="1200" dirty="0">
+                <a:latin typeface="Consolas" panose="020B0609020204030204" pitchFamily="49" charset="0"/>
+                <a:ea typeface="Noto Sans" panose="020B0502040504020204" pitchFamily="34" charset="0"/>
+                <a:cs typeface="Noto Sans" panose="020B0502040504020204" pitchFamily="34" charset="0"/>
+              </a:rPr>
+              <a:t> key (</a:t>
+            </a:r>
+            <a:r>
+              <a:rPr lang="fr-FR" sz="1200" dirty="0" err="1">
+                <a:latin typeface="Consolas" panose="020B0609020204030204" pitchFamily="49" charset="0"/>
+                <a:ea typeface="Noto Sans" panose="020B0502040504020204" pitchFamily="34" charset="0"/>
+                <a:cs typeface="Noto Sans" panose="020B0502040504020204" pitchFamily="34" charset="0"/>
+              </a:rPr>
+              <a:t>uid</a:t>
+            </a:r>
+            <a:r>
+              <a:rPr lang="fr-FR" sz="1200" dirty="0">
+                <a:latin typeface="Consolas" panose="020B0609020204030204" pitchFamily="49" charset="0"/>
+                <a:ea typeface="Noto Sans" panose="020B0502040504020204" pitchFamily="34" charset="0"/>
+                <a:cs typeface="Noto Sans" panose="020B0502040504020204" pitchFamily="34" charset="0"/>
+              </a:rPr>
+              <a:t>) </a:t>
+            </a:r>
+            <a:r>
+              <a:rPr lang="fr-FR" sz="1200" dirty="0" err="1">
+                <a:latin typeface="Consolas" panose="020B0609020204030204" pitchFamily="49" charset="0"/>
+                <a:ea typeface="Noto Sans" panose="020B0502040504020204" pitchFamily="34" charset="0"/>
+                <a:cs typeface="Noto Sans" panose="020B0502040504020204" pitchFamily="34" charset="0"/>
+              </a:rPr>
+              <a:t>references</a:t>
+            </a:r>
+            <a:r>
+              <a:rPr lang="fr-FR" sz="1200" dirty="0">
+                <a:latin typeface="Consolas" panose="020B0609020204030204" pitchFamily="49" charset="0"/>
+                <a:ea typeface="Noto Sans" panose="020B0502040504020204" pitchFamily="34" charset="0"/>
+                <a:cs typeface="Noto Sans" panose="020B0502040504020204" pitchFamily="34" charset="0"/>
+              </a:rPr>
+              <a:t> </a:t>
+            </a:r>
+            <a:r>
+              <a:rPr lang="fr-FR" sz="1200" dirty="0" err="1">
+                <a:latin typeface="Consolas" panose="020B0609020204030204" pitchFamily="49" charset="0"/>
+                <a:ea typeface="Noto Sans" panose="020B0502040504020204" pitchFamily="34" charset="0"/>
+                <a:cs typeface="Noto Sans" panose="020B0502040504020204" pitchFamily="34" charset="0"/>
+              </a:rPr>
+              <a:t>auth.users</a:t>
+            </a:r>
+            <a:r>
+              <a:rPr lang="fr-FR" sz="1200" dirty="0">
+                <a:latin typeface="Consolas" panose="020B0609020204030204" pitchFamily="49" charset="0"/>
+                <a:ea typeface="Noto Sans" panose="020B0502040504020204" pitchFamily="34" charset="0"/>
+                <a:cs typeface="Noto Sans" panose="020B0502040504020204" pitchFamily="34" charset="0"/>
+              </a:rPr>
+              <a:t> (id) on update cascade on </a:t>
+            </a:r>
+            <a:r>
+              <a:rPr lang="fr-FR" sz="1200" dirty="0" err="1">
+                <a:latin typeface="Consolas" panose="020B0609020204030204" pitchFamily="49" charset="0"/>
+                <a:ea typeface="Noto Sans" panose="020B0502040504020204" pitchFamily="34" charset="0"/>
+                <a:cs typeface="Noto Sans" panose="020B0502040504020204" pitchFamily="34" charset="0"/>
+              </a:rPr>
+              <a:t>delete</a:t>
+            </a:r>
+            <a:r>
+              <a:rPr lang="fr-FR" sz="1200" dirty="0">
+                <a:latin typeface="Consolas" panose="020B0609020204030204" pitchFamily="49" charset="0"/>
+                <a:ea typeface="Noto Sans" panose="020B0502040504020204" pitchFamily="34" charset="0"/>
+                <a:cs typeface="Noto Sans" panose="020B0502040504020204" pitchFamily="34" charset="0"/>
+              </a:rPr>
+              <a:t> cascade</a:t>
+            </a:r>
+          </a:p>
+          <a:p>
+            <a:r>
+              <a:rPr lang="fr-FR" sz="1200" dirty="0">
+                <a:latin typeface="Consolas" panose="020B0609020204030204" pitchFamily="49" charset="0"/>
+                <a:ea typeface="Noto Sans" panose="020B0502040504020204" pitchFamily="34" charset="0"/>
+                <a:cs typeface="Noto Sans" panose="020B0502040504020204" pitchFamily="34" charset="0"/>
+              </a:rPr>
+              <a:t>  ) tablespace </a:t>
+            </a:r>
+            <a:r>
+              <a:rPr lang="fr-FR" sz="1200" dirty="0" err="1">
+                <a:latin typeface="Consolas" panose="020B0609020204030204" pitchFamily="49" charset="0"/>
+                <a:ea typeface="Noto Sans" panose="020B0502040504020204" pitchFamily="34" charset="0"/>
+                <a:cs typeface="Noto Sans" panose="020B0502040504020204" pitchFamily="34" charset="0"/>
+              </a:rPr>
+              <a:t>pg_default</a:t>
+            </a:r>
+            <a:r>
+              <a:rPr lang="fr-FR" sz="1200" dirty="0">
+                <a:latin typeface="Consolas" panose="020B0609020204030204" pitchFamily="49" charset="0"/>
+                <a:ea typeface="Noto Sans" panose="020B0502040504020204" pitchFamily="34" charset="0"/>
+                <a:cs typeface="Noto Sans" panose="020B0502040504020204" pitchFamily="34" charset="0"/>
+              </a:rPr>
+              <a:t>;</a:t>
+            </a:r>
+          </a:p>
+          <a:p>
+            <a:endParaRPr lang="fr-FR" sz="1200" dirty="0">
+              <a:latin typeface="Consolas" panose="020B0609020204030204" pitchFamily="49" charset="0"/>
+              <a:ea typeface="Noto Sans" panose="020B0502040504020204" pitchFamily="34" charset="0"/>
+              <a:cs typeface="Noto Sans" panose="020B0502040504020204" pitchFamily="34" charset="0"/>
+            </a:endParaRPr>
+          </a:p>
+          <a:p>
+            <a:r>
+              <a:rPr lang="en-US" sz="1200" dirty="0">
                 <a:latin typeface="Consolas" panose="020B0609020204030204" pitchFamily="49" charset="0"/>
                 <a:ea typeface="Noto Sans" panose="020B0502040504020204" pitchFamily="34" charset="0"/>
                 <a:cs typeface="Noto Sans" panose="020B0502040504020204" pitchFamily="34" charset="0"/>
@@ -7717,94 +10455,205 @@
           </a:p>
           <a:p>
             <a:r>
-              <a:rPr lang="fr-FR" sz="1200">
-                <a:latin typeface="Consolas" panose="020B0609020204030204" pitchFamily="49" charset="0"/>
-                <a:ea typeface="Noto Sans" panose="020B0502040504020204" pitchFamily="34" charset="0"/>
-                <a:cs typeface="Noto Sans" panose="020B0502040504020204" pitchFamily="34" charset="0"/>
-              </a:rPr>
-              <a:t>  public.users (</a:t>
-            </a:r>
-          </a:p>
-          <a:p>
-            <a:r>
-              <a:rPr lang="fr-FR" sz="1200">
-                <a:latin typeface="Consolas" panose="020B0609020204030204" pitchFamily="49" charset="0"/>
-                <a:ea typeface="Noto Sans" panose="020B0502040504020204" pitchFamily="34" charset="0"/>
-                <a:cs typeface="Noto Sans" panose="020B0502040504020204" pitchFamily="34" charset="0"/>
-              </a:rPr>
-              <a:t>    uid uuid not null,</a:t>
-            </a:r>
-          </a:p>
-          <a:p>
-            <a:r>
-              <a:rPr lang="fr-FR" sz="1200">
-                <a:latin typeface="Consolas" panose="020B0609020204030204" pitchFamily="49" charset="0"/>
-                <a:ea typeface="Noto Sans" panose="020B0502040504020204" pitchFamily="34" charset="0"/>
-                <a:cs typeface="Noto Sans" panose="020B0502040504020204" pitchFamily="34" charset="0"/>
-              </a:rPr>
-              <a:t>    email character varying not null,</a:t>
-            </a:r>
-          </a:p>
-          <a:p>
-            <a:r>
-              <a:rPr lang="fr-FR" sz="1200">
-                <a:latin typeface="Consolas" panose="020B0609020204030204" pitchFamily="49" charset="0"/>
-                <a:ea typeface="Noto Sans" panose="020B0502040504020204" pitchFamily="34" charset="0"/>
-                <a:cs typeface="Noto Sans" panose="020B0502040504020204" pitchFamily="34" charset="0"/>
-              </a:rPr>
-              <a:t>    full_name character varying not null,</a:t>
-            </a:r>
-          </a:p>
-          <a:p>
-            <a:r>
-              <a:rPr lang="fr-FR" sz="1200">
-                <a:latin typeface="Consolas" panose="020B0609020204030204" pitchFamily="49" charset="0"/>
-                <a:ea typeface="Noto Sans" panose="020B0502040504020204" pitchFamily="34" charset="0"/>
-                <a:cs typeface="Noto Sans" panose="020B0502040504020204" pitchFamily="34" charset="0"/>
-              </a:rPr>
-              <a:t>    phone_num character varying not null,</a:t>
-            </a:r>
-          </a:p>
-          <a:p>
-            <a:r>
-              <a:rPr lang="fr-FR" sz="1200">
-                <a:latin typeface="Consolas" panose="020B0609020204030204" pitchFamily="49" charset="0"/>
-                <a:ea typeface="Noto Sans" panose="020B0502040504020204" pitchFamily="34" charset="0"/>
-                <a:cs typeface="Noto Sans" panose="020B0502040504020204" pitchFamily="34" charset="0"/>
-              </a:rPr>
-              <a:t>    constraint users_pkey primary key (uid),</a:t>
-            </a:r>
-          </a:p>
-          <a:p>
-            <a:r>
-              <a:rPr lang="fr-FR" sz="1200">
-                <a:latin typeface="Consolas" panose="020B0609020204030204" pitchFamily="49" charset="0"/>
-                <a:ea typeface="Noto Sans" panose="020B0502040504020204" pitchFamily="34" charset="0"/>
-                <a:cs typeface="Noto Sans" panose="020B0502040504020204" pitchFamily="34" charset="0"/>
-              </a:rPr>
-              <a:t>    constraint users_uid_fkey foreign key (uid) references auth.users (id) on update cascade on delete cascade</a:t>
-            </a:r>
-          </a:p>
-          <a:p>
-            <a:r>
-              <a:rPr lang="fr-FR" sz="1200">
-                <a:latin typeface="Consolas" panose="020B0609020204030204" pitchFamily="49" charset="0"/>
-                <a:ea typeface="Noto Sans" panose="020B0502040504020204" pitchFamily="34" charset="0"/>
-                <a:cs typeface="Noto Sans" panose="020B0502040504020204" pitchFamily="34" charset="0"/>
-              </a:rPr>
-              <a:t>  ) tablespace pg_default;</a:t>
-            </a:r>
-          </a:p>
-          <a:p>
-            <a:endParaRPr lang="fr-FR" sz="1200">
+              <a:rPr lang="en-US" sz="1200" dirty="0">
+                <a:latin typeface="Consolas" panose="020B0609020204030204" pitchFamily="49" charset="0"/>
+                <a:ea typeface="Noto Sans" panose="020B0502040504020204" pitchFamily="34" charset="0"/>
+                <a:cs typeface="Noto Sans" panose="020B0502040504020204" pitchFamily="34" charset="0"/>
+              </a:rPr>
+              <a:t>  </a:t>
+            </a:r>
+            <a:r>
+              <a:rPr lang="en-US" sz="1200" dirty="0" err="1">
+                <a:latin typeface="Consolas" panose="020B0609020204030204" pitchFamily="49" charset="0"/>
+                <a:ea typeface="Noto Sans" panose="020B0502040504020204" pitchFamily="34" charset="0"/>
+                <a:cs typeface="Noto Sans" panose="020B0502040504020204" pitchFamily="34" charset="0"/>
+              </a:rPr>
+              <a:t>public.menu</a:t>
+            </a:r>
+            <a:r>
+              <a:rPr lang="en-US" sz="1200" dirty="0">
+                <a:latin typeface="Consolas" panose="020B0609020204030204" pitchFamily="49" charset="0"/>
+                <a:ea typeface="Noto Sans" panose="020B0502040504020204" pitchFamily="34" charset="0"/>
+                <a:cs typeface="Noto Sans" panose="020B0502040504020204" pitchFamily="34" charset="0"/>
+              </a:rPr>
+              <a:t> (</a:t>
+            </a:r>
+          </a:p>
+          <a:p>
+            <a:r>
+              <a:rPr lang="en-US" sz="1200" dirty="0">
+                <a:latin typeface="Consolas" panose="020B0609020204030204" pitchFamily="49" charset="0"/>
+                <a:ea typeface="Noto Sans" panose="020B0502040504020204" pitchFamily="34" charset="0"/>
+                <a:cs typeface="Noto Sans" panose="020B0502040504020204" pitchFamily="34" charset="0"/>
+              </a:rPr>
+              <a:t>    </a:t>
+            </a:r>
+            <a:r>
+              <a:rPr lang="en-US" sz="1200" dirty="0" err="1">
+                <a:latin typeface="Consolas" panose="020B0609020204030204" pitchFamily="49" charset="0"/>
+                <a:ea typeface="Noto Sans" panose="020B0502040504020204" pitchFamily="34" charset="0"/>
+                <a:cs typeface="Noto Sans" panose="020B0502040504020204" pitchFamily="34" charset="0"/>
+              </a:rPr>
+              <a:t>item_id</a:t>
+            </a:r>
+            <a:r>
+              <a:rPr lang="en-US" sz="1200" dirty="0">
+                <a:latin typeface="Consolas" panose="020B0609020204030204" pitchFamily="49" charset="0"/>
+                <a:ea typeface="Noto Sans" panose="020B0502040504020204" pitchFamily="34" charset="0"/>
+                <a:cs typeface="Noto Sans" panose="020B0502040504020204" pitchFamily="34" charset="0"/>
+              </a:rPr>
+              <a:t> text not null,</a:t>
+            </a:r>
+          </a:p>
+          <a:p>
+            <a:r>
+              <a:rPr lang="en-US" sz="1200" dirty="0">
+                <a:latin typeface="Consolas" panose="020B0609020204030204" pitchFamily="49" charset="0"/>
+                <a:ea typeface="Noto Sans" panose="020B0502040504020204" pitchFamily="34" charset="0"/>
+                <a:cs typeface="Noto Sans" panose="020B0502040504020204" pitchFamily="34" charset="0"/>
+              </a:rPr>
+              <a:t>    </a:t>
+            </a:r>
+            <a:r>
+              <a:rPr lang="en-US" sz="1200" dirty="0" err="1">
+                <a:latin typeface="Consolas" panose="020B0609020204030204" pitchFamily="49" charset="0"/>
+                <a:ea typeface="Noto Sans" panose="020B0502040504020204" pitchFamily="34" charset="0"/>
+                <a:cs typeface="Noto Sans" panose="020B0502040504020204" pitchFamily="34" charset="0"/>
+              </a:rPr>
+              <a:t>item_name</a:t>
+            </a:r>
+            <a:r>
+              <a:rPr lang="en-US" sz="1200" dirty="0">
+                <a:latin typeface="Consolas" panose="020B0609020204030204" pitchFamily="49" charset="0"/>
+                <a:ea typeface="Noto Sans" panose="020B0502040504020204" pitchFamily="34" charset="0"/>
+                <a:cs typeface="Noto Sans" panose="020B0502040504020204" pitchFamily="34" charset="0"/>
+              </a:rPr>
+              <a:t> character varying not null,</a:t>
+            </a:r>
+          </a:p>
+          <a:p>
+            <a:r>
+              <a:rPr lang="en-US" sz="1200" dirty="0">
+                <a:latin typeface="Consolas" panose="020B0609020204030204" pitchFamily="49" charset="0"/>
+                <a:ea typeface="Noto Sans" panose="020B0502040504020204" pitchFamily="34" charset="0"/>
+                <a:cs typeface="Noto Sans" panose="020B0502040504020204" pitchFamily="34" charset="0"/>
+              </a:rPr>
+              <a:t>    type character varying not null,</a:t>
+            </a:r>
+          </a:p>
+          <a:p>
+            <a:r>
+              <a:rPr lang="en-US" sz="1200" dirty="0">
+                <a:latin typeface="Consolas" panose="020B0609020204030204" pitchFamily="49" charset="0"/>
+                <a:ea typeface="Noto Sans" panose="020B0502040504020204" pitchFamily="34" charset="0"/>
+                <a:cs typeface="Noto Sans" panose="020B0502040504020204" pitchFamily="34" charset="0"/>
+              </a:rPr>
+              <a:t>    description character varying not null,</a:t>
+            </a:r>
+          </a:p>
+          <a:p>
+            <a:r>
+              <a:rPr lang="en-US" sz="1200" dirty="0">
+                <a:latin typeface="Consolas" panose="020B0609020204030204" pitchFamily="49" charset="0"/>
+                <a:ea typeface="Noto Sans" panose="020B0502040504020204" pitchFamily="34" charset="0"/>
+                <a:cs typeface="Noto Sans" panose="020B0502040504020204" pitchFamily="34" charset="0"/>
+              </a:rPr>
+              <a:t>    price numeric not null,</a:t>
+            </a:r>
+          </a:p>
+          <a:p>
+            <a:r>
+              <a:rPr lang="en-US" sz="1200" dirty="0">
+                <a:latin typeface="Consolas" panose="020B0609020204030204" pitchFamily="49" charset="0"/>
+                <a:ea typeface="Noto Sans" panose="020B0502040504020204" pitchFamily="34" charset="0"/>
+                <a:cs typeface="Noto Sans" panose="020B0502040504020204" pitchFamily="34" charset="0"/>
+              </a:rPr>
+              <a:t>    image character varying null,</a:t>
+            </a:r>
+          </a:p>
+          <a:p>
+            <a:r>
+              <a:rPr lang="en-US" sz="1200" dirty="0">
+                <a:latin typeface="Consolas" panose="020B0609020204030204" pitchFamily="49" charset="0"/>
+                <a:ea typeface="Noto Sans" panose="020B0502040504020204" pitchFamily="34" charset="0"/>
+                <a:cs typeface="Noto Sans" panose="020B0502040504020204" pitchFamily="34" charset="0"/>
+              </a:rPr>
+              <a:t>    constraint </a:t>
+            </a:r>
+            <a:r>
+              <a:rPr lang="en-US" sz="1200" dirty="0" err="1">
+                <a:latin typeface="Consolas" panose="020B0609020204030204" pitchFamily="49" charset="0"/>
+                <a:ea typeface="Noto Sans" panose="020B0502040504020204" pitchFamily="34" charset="0"/>
+                <a:cs typeface="Noto Sans" panose="020B0502040504020204" pitchFamily="34" charset="0"/>
+              </a:rPr>
+              <a:t>menu_pkey</a:t>
+            </a:r>
+            <a:r>
+              <a:rPr lang="en-US" sz="1200" dirty="0">
+                <a:latin typeface="Consolas" panose="020B0609020204030204" pitchFamily="49" charset="0"/>
+                <a:ea typeface="Noto Sans" panose="020B0502040504020204" pitchFamily="34" charset="0"/>
+                <a:cs typeface="Noto Sans" panose="020B0502040504020204" pitchFamily="34" charset="0"/>
+              </a:rPr>
+              <a:t> primary key (</a:t>
+            </a:r>
+            <a:r>
+              <a:rPr lang="en-US" sz="1200" dirty="0" err="1">
+                <a:latin typeface="Consolas" panose="020B0609020204030204" pitchFamily="49" charset="0"/>
+                <a:ea typeface="Noto Sans" panose="020B0502040504020204" pitchFamily="34" charset="0"/>
+                <a:cs typeface="Noto Sans" panose="020B0502040504020204" pitchFamily="34" charset="0"/>
+              </a:rPr>
+              <a:t>item_id</a:t>
+            </a:r>
+            <a:r>
+              <a:rPr lang="en-US" sz="1200" dirty="0">
+                <a:latin typeface="Consolas" panose="020B0609020204030204" pitchFamily="49" charset="0"/>
+                <a:ea typeface="Noto Sans" panose="020B0502040504020204" pitchFamily="34" charset="0"/>
+                <a:cs typeface="Noto Sans" panose="020B0502040504020204" pitchFamily="34" charset="0"/>
+              </a:rPr>
+              <a:t>)</a:t>
+            </a:r>
+          </a:p>
+          <a:p>
+            <a:r>
+              <a:rPr lang="en-US" sz="1200" dirty="0">
+                <a:latin typeface="Consolas" panose="020B0609020204030204" pitchFamily="49" charset="0"/>
+                <a:ea typeface="Noto Sans" panose="020B0502040504020204" pitchFamily="34" charset="0"/>
+                <a:cs typeface="Noto Sans" panose="020B0502040504020204" pitchFamily="34" charset="0"/>
+              </a:rPr>
+              <a:t>  ) tablespace </a:t>
+            </a:r>
+            <a:r>
+              <a:rPr lang="en-US" sz="1200" dirty="0" err="1">
+                <a:latin typeface="Consolas" panose="020B0609020204030204" pitchFamily="49" charset="0"/>
+                <a:ea typeface="Noto Sans" panose="020B0502040504020204" pitchFamily="34" charset="0"/>
+                <a:cs typeface="Noto Sans" panose="020B0502040504020204" pitchFamily="34" charset="0"/>
+              </a:rPr>
+              <a:t>pg_default</a:t>
+            </a:r>
+            <a:r>
+              <a:rPr lang="en-US" sz="1200" dirty="0">
+                <a:latin typeface="Consolas" panose="020B0609020204030204" pitchFamily="49" charset="0"/>
+                <a:ea typeface="Noto Sans" panose="020B0502040504020204" pitchFamily="34" charset="0"/>
+                <a:cs typeface="Noto Sans" panose="020B0502040504020204" pitchFamily="34" charset="0"/>
+              </a:rPr>
+              <a:t>;</a:t>
+            </a:r>
+            <a:endParaRPr lang="fr-FR" sz="1200" dirty="0">
               <a:latin typeface="Consolas" panose="020B0609020204030204" pitchFamily="49" charset="0"/>
               <a:ea typeface="Noto Sans" panose="020B0502040504020204" pitchFamily="34" charset="0"/>
               <a:cs typeface="Noto Sans" panose="020B0502040504020204" pitchFamily="34" charset="0"/>
             </a:endParaRPr>
           </a:p>
           <a:p>
-            <a:r>
-              <a:rPr lang="en-US" sz="1200">
+            <a:endParaRPr lang="fr-FR" sz="1200" dirty="0">
+              <a:latin typeface="Consolas" panose="020B0609020204030204" pitchFamily="49" charset="0"/>
+              <a:ea typeface="Noto Sans" panose="020B0502040504020204" pitchFamily="34" charset="0"/>
+              <a:cs typeface="Noto Sans" panose="020B0502040504020204" pitchFamily="34" charset="0"/>
+            </a:endParaRPr>
+          </a:p>
+          <a:p>
+            <a:r>
+              <a:rPr lang="en-US" sz="1200" dirty="0">
                 <a:latin typeface="Consolas" panose="020B0609020204030204" pitchFamily="49" charset="0"/>
                 <a:ea typeface="Noto Sans" panose="020B0502040504020204" pitchFamily="34" charset="0"/>
                 <a:cs typeface="Noto Sans" panose="020B0502040504020204" pitchFamily="34" charset="0"/>
@@ -7814,169 +10663,169 @@
           </a:p>
           <a:p>
             <a:r>
-              <a:rPr lang="en-US" sz="1200">
-                <a:latin typeface="Consolas" panose="020B0609020204030204" pitchFamily="49" charset="0"/>
-                <a:ea typeface="Noto Sans" panose="020B0502040504020204" pitchFamily="34" charset="0"/>
-                <a:cs typeface="Noto Sans" panose="020B0502040504020204" pitchFamily="34" charset="0"/>
-              </a:rPr>
-              <a:t>  public.menu (</a:t>
-            </a:r>
-          </a:p>
-          <a:p>
-            <a:r>
-              <a:rPr lang="en-US" sz="1200">
-                <a:latin typeface="Consolas" panose="020B0609020204030204" pitchFamily="49" charset="0"/>
-                <a:ea typeface="Noto Sans" panose="020B0502040504020204" pitchFamily="34" charset="0"/>
-                <a:cs typeface="Noto Sans" panose="020B0502040504020204" pitchFamily="34" charset="0"/>
-              </a:rPr>
-              <a:t>    item_id text not null,</a:t>
-            </a:r>
-          </a:p>
-          <a:p>
-            <a:r>
-              <a:rPr lang="en-US" sz="1200">
-                <a:latin typeface="Consolas" panose="020B0609020204030204" pitchFamily="49" charset="0"/>
-                <a:ea typeface="Noto Sans" panose="020B0502040504020204" pitchFamily="34" charset="0"/>
-                <a:cs typeface="Noto Sans" panose="020B0502040504020204" pitchFamily="34" charset="0"/>
-              </a:rPr>
-              <a:t>    item_name character varying not null,</a:t>
-            </a:r>
-          </a:p>
-          <a:p>
-            <a:r>
-              <a:rPr lang="en-US" sz="1200">
-                <a:latin typeface="Consolas" panose="020B0609020204030204" pitchFamily="49" charset="0"/>
-                <a:ea typeface="Noto Sans" panose="020B0502040504020204" pitchFamily="34" charset="0"/>
-                <a:cs typeface="Noto Sans" panose="020B0502040504020204" pitchFamily="34" charset="0"/>
-              </a:rPr>
-              <a:t>    type character varying not null,</a:t>
-            </a:r>
-          </a:p>
-          <a:p>
-            <a:r>
-              <a:rPr lang="en-US" sz="1200">
-                <a:latin typeface="Consolas" panose="020B0609020204030204" pitchFamily="49" charset="0"/>
-                <a:ea typeface="Noto Sans" panose="020B0502040504020204" pitchFamily="34" charset="0"/>
-                <a:cs typeface="Noto Sans" panose="020B0502040504020204" pitchFamily="34" charset="0"/>
-              </a:rPr>
-              <a:t>    description character varying not null,</a:t>
-            </a:r>
-          </a:p>
-          <a:p>
-            <a:r>
-              <a:rPr lang="en-US" sz="1200">
-                <a:latin typeface="Consolas" panose="020B0609020204030204" pitchFamily="49" charset="0"/>
-                <a:ea typeface="Noto Sans" panose="020B0502040504020204" pitchFamily="34" charset="0"/>
-                <a:cs typeface="Noto Sans" panose="020B0502040504020204" pitchFamily="34" charset="0"/>
-              </a:rPr>
-              <a:t>    price numeric not null,</a:t>
-            </a:r>
-          </a:p>
-          <a:p>
-            <a:r>
-              <a:rPr lang="en-US" sz="1200">
-                <a:latin typeface="Consolas" panose="020B0609020204030204" pitchFamily="49" charset="0"/>
-                <a:ea typeface="Noto Sans" panose="020B0502040504020204" pitchFamily="34" charset="0"/>
-                <a:cs typeface="Noto Sans" panose="020B0502040504020204" pitchFamily="34" charset="0"/>
-              </a:rPr>
-              <a:t>    image character varying null,</a:t>
-            </a:r>
-          </a:p>
-          <a:p>
-            <a:r>
-              <a:rPr lang="en-US" sz="1200">
-                <a:latin typeface="Consolas" panose="020B0609020204030204" pitchFamily="49" charset="0"/>
-                <a:ea typeface="Noto Sans" panose="020B0502040504020204" pitchFamily="34" charset="0"/>
-                <a:cs typeface="Noto Sans" panose="020B0502040504020204" pitchFamily="34" charset="0"/>
-              </a:rPr>
-              <a:t>    constraint menu_pkey primary key (item_id)</a:t>
-            </a:r>
-          </a:p>
-          <a:p>
-            <a:r>
-              <a:rPr lang="en-US" sz="1200">
-                <a:latin typeface="Consolas" panose="020B0609020204030204" pitchFamily="49" charset="0"/>
-                <a:ea typeface="Noto Sans" panose="020B0502040504020204" pitchFamily="34" charset="0"/>
-                <a:cs typeface="Noto Sans" panose="020B0502040504020204" pitchFamily="34" charset="0"/>
-              </a:rPr>
-              <a:t>  ) tablespace pg_default;</a:t>
-            </a:r>
-            <a:endParaRPr lang="fr-FR" sz="1200">
-              <a:latin typeface="Consolas" panose="020B0609020204030204" pitchFamily="49" charset="0"/>
-              <a:ea typeface="Noto Sans" panose="020B0502040504020204" pitchFamily="34" charset="0"/>
-              <a:cs typeface="Noto Sans" panose="020B0502040504020204" pitchFamily="34" charset="0"/>
-            </a:endParaRPr>
-          </a:p>
-          <a:p>
-            <a:endParaRPr lang="fr-FR" sz="1200">
-              <a:latin typeface="Consolas" panose="020B0609020204030204" pitchFamily="49" charset="0"/>
-              <a:ea typeface="Noto Sans" panose="020B0502040504020204" pitchFamily="34" charset="0"/>
-              <a:cs typeface="Noto Sans" panose="020B0502040504020204" pitchFamily="34" charset="0"/>
-            </a:endParaRPr>
-          </a:p>
-          <a:p>
-            <a:r>
-              <a:rPr lang="en-US" sz="1200">
-                <a:latin typeface="Consolas" panose="020B0609020204030204" pitchFamily="49" charset="0"/>
-                <a:ea typeface="Noto Sans" panose="020B0502040504020204" pitchFamily="34" charset="0"/>
-                <a:cs typeface="Noto Sans" panose="020B0502040504020204" pitchFamily="34" charset="0"/>
-              </a:rPr>
-              <a:t>create table</a:t>
-            </a:r>
-          </a:p>
-          <a:p>
-            <a:r>
-              <a:rPr lang="en-US" sz="1200">
-                <a:latin typeface="Consolas" panose="020B0609020204030204" pitchFamily="49" charset="0"/>
-                <a:ea typeface="Noto Sans" panose="020B0502040504020204" pitchFamily="34" charset="0"/>
-                <a:cs typeface="Noto Sans" panose="020B0502040504020204" pitchFamily="34" charset="0"/>
-              </a:rPr>
-              <a:t>  public.orders (</a:t>
-            </a:r>
-          </a:p>
-          <a:p>
-            <a:r>
-              <a:rPr lang="en-US" sz="1200">
-                <a:latin typeface="Consolas" panose="020B0609020204030204" pitchFamily="49" charset="0"/>
-                <a:ea typeface="Noto Sans" panose="020B0502040504020204" pitchFamily="34" charset="0"/>
-                <a:cs typeface="Noto Sans" panose="020B0502040504020204" pitchFamily="34" charset="0"/>
-              </a:rPr>
-              <a:t>    order_id bigint generated by default as identity,</a:t>
-            </a:r>
-          </a:p>
-          <a:p>
-            <a:r>
-              <a:rPr lang="en-US" sz="1200">
-                <a:latin typeface="Consolas" panose="020B0609020204030204" pitchFamily="49" charset="0"/>
-                <a:ea typeface="Noto Sans" panose="020B0502040504020204" pitchFamily="34" charset="0"/>
-                <a:cs typeface="Noto Sans" panose="020B0502040504020204" pitchFamily="34" charset="0"/>
-              </a:rPr>
-              <a:t>    uid uuid not null,</a:t>
-            </a:r>
-          </a:p>
-          <a:p>
-            <a:r>
-              <a:rPr lang="en-US" sz="1200">
-                <a:latin typeface="Consolas" panose="020B0609020204030204" pitchFamily="49" charset="0"/>
-                <a:ea typeface="Noto Sans" panose="020B0502040504020204" pitchFamily="34" charset="0"/>
-                <a:cs typeface="Noto Sans" panose="020B0502040504020204" pitchFamily="34" charset="0"/>
-              </a:rPr>
-              <a:t>    "placedAt" timestamp with time zone not null default now(),</a:t>
-            </a:r>
-          </a:p>
-          <a:p>
-            <a:r>
-              <a:rPr lang="en-US" sz="1200">
-                <a:latin typeface="Consolas" panose="020B0609020204030204" pitchFamily="49" charset="0"/>
-                <a:ea typeface="Noto Sans" panose="020B0502040504020204" pitchFamily="34" charset="0"/>
-                <a:cs typeface="Noto Sans" panose="020B0502040504020204" pitchFamily="34" charset="0"/>
-              </a:rPr>
-              <a:t>    cart json not null,</a:t>
-            </a:r>
-          </a:p>
-          <a:p>
-            <a:r>
-              <a:rPr lang="en-US" sz="1200">
+              <a:rPr lang="en-US" sz="1200" dirty="0">
+                <a:latin typeface="Consolas" panose="020B0609020204030204" pitchFamily="49" charset="0"/>
+                <a:ea typeface="Noto Sans" panose="020B0502040504020204" pitchFamily="34" charset="0"/>
+                <a:cs typeface="Noto Sans" panose="020B0502040504020204" pitchFamily="34" charset="0"/>
+              </a:rPr>
+              <a:t>  </a:t>
+            </a:r>
+            <a:r>
+              <a:rPr lang="en-US" sz="1200" dirty="0" err="1">
+                <a:latin typeface="Consolas" panose="020B0609020204030204" pitchFamily="49" charset="0"/>
+                <a:ea typeface="Noto Sans" panose="020B0502040504020204" pitchFamily="34" charset="0"/>
+                <a:cs typeface="Noto Sans" panose="020B0502040504020204" pitchFamily="34" charset="0"/>
+              </a:rPr>
+              <a:t>public.orders</a:t>
+            </a:r>
+            <a:r>
+              <a:rPr lang="en-US" sz="1200" dirty="0">
+                <a:latin typeface="Consolas" panose="020B0609020204030204" pitchFamily="49" charset="0"/>
+                <a:ea typeface="Noto Sans" panose="020B0502040504020204" pitchFamily="34" charset="0"/>
+                <a:cs typeface="Noto Sans" panose="020B0502040504020204" pitchFamily="34" charset="0"/>
+              </a:rPr>
+              <a:t> (</a:t>
+            </a:r>
+          </a:p>
+          <a:p>
+            <a:r>
+              <a:rPr lang="en-US" sz="1200" dirty="0">
+                <a:latin typeface="Consolas" panose="020B0609020204030204" pitchFamily="49" charset="0"/>
+                <a:ea typeface="Noto Sans" panose="020B0502040504020204" pitchFamily="34" charset="0"/>
+                <a:cs typeface="Noto Sans" panose="020B0502040504020204" pitchFamily="34" charset="0"/>
+              </a:rPr>
+              <a:t>    </a:t>
+            </a:r>
+            <a:r>
+              <a:rPr lang="en-US" sz="1200" dirty="0" err="1">
+                <a:latin typeface="Consolas" panose="020B0609020204030204" pitchFamily="49" charset="0"/>
+                <a:ea typeface="Noto Sans" panose="020B0502040504020204" pitchFamily="34" charset="0"/>
+                <a:cs typeface="Noto Sans" panose="020B0502040504020204" pitchFamily="34" charset="0"/>
+              </a:rPr>
+              <a:t>order_id</a:t>
+            </a:r>
+            <a:r>
+              <a:rPr lang="en-US" sz="1200" dirty="0">
+                <a:latin typeface="Consolas" panose="020B0609020204030204" pitchFamily="49" charset="0"/>
+                <a:ea typeface="Noto Sans" panose="020B0502040504020204" pitchFamily="34" charset="0"/>
+                <a:cs typeface="Noto Sans" panose="020B0502040504020204" pitchFamily="34" charset="0"/>
+              </a:rPr>
+              <a:t> </a:t>
+            </a:r>
+            <a:r>
+              <a:rPr lang="en-US" sz="1200" dirty="0" err="1">
+                <a:latin typeface="Consolas" panose="020B0609020204030204" pitchFamily="49" charset="0"/>
+                <a:ea typeface="Noto Sans" panose="020B0502040504020204" pitchFamily="34" charset="0"/>
+                <a:cs typeface="Noto Sans" panose="020B0502040504020204" pitchFamily="34" charset="0"/>
+              </a:rPr>
+              <a:t>bigint</a:t>
+            </a:r>
+            <a:r>
+              <a:rPr lang="en-US" sz="1200" dirty="0">
+                <a:latin typeface="Consolas" panose="020B0609020204030204" pitchFamily="49" charset="0"/>
+                <a:ea typeface="Noto Sans" panose="020B0502040504020204" pitchFamily="34" charset="0"/>
+                <a:cs typeface="Noto Sans" panose="020B0502040504020204" pitchFamily="34" charset="0"/>
+              </a:rPr>
+              <a:t> generated by default as identity,</a:t>
+            </a:r>
+          </a:p>
+          <a:p>
+            <a:r>
+              <a:rPr lang="en-US" sz="1200" dirty="0">
+                <a:latin typeface="Consolas" panose="020B0609020204030204" pitchFamily="49" charset="0"/>
+                <a:ea typeface="Noto Sans" panose="020B0502040504020204" pitchFamily="34" charset="0"/>
+                <a:cs typeface="Noto Sans" panose="020B0502040504020204" pitchFamily="34" charset="0"/>
+              </a:rPr>
+              <a:t>    </a:t>
+            </a:r>
+            <a:r>
+              <a:rPr lang="en-US" sz="1200" dirty="0" err="1">
+                <a:latin typeface="Consolas" panose="020B0609020204030204" pitchFamily="49" charset="0"/>
+                <a:ea typeface="Noto Sans" panose="020B0502040504020204" pitchFamily="34" charset="0"/>
+                <a:cs typeface="Noto Sans" panose="020B0502040504020204" pitchFamily="34" charset="0"/>
+              </a:rPr>
+              <a:t>uid</a:t>
+            </a:r>
+            <a:r>
+              <a:rPr lang="en-US" sz="1200" dirty="0">
+                <a:latin typeface="Consolas" panose="020B0609020204030204" pitchFamily="49" charset="0"/>
+                <a:ea typeface="Noto Sans" panose="020B0502040504020204" pitchFamily="34" charset="0"/>
+                <a:cs typeface="Noto Sans" panose="020B0502040504020204" pitchFamily="34" charset="0"/>
+              </a:rPr>
+              <a:t> </a:t>
+            </a:r>
+            <a:r>
+              <a:rPr lang="en-US" sz="1200" dirty="0" err="1">
+                <a:latin typeface="Consolas" panose="020B0609020204030204" pitchFamily="49" charset="0"/>
+                <a:ea typeface="Noto Sans" panose="020B0502040504020204" pitchFamily="34" charset="0"/>
+                <a:cs typeface="Noto Sans" panose="020B0502040504020204" pitchFamily="34" charset="0"/>
+              </a:rPr>
+              <a:t>uuid</a:t>
+            </a:r>
+            <a:r>
+              <a:rPr lang="en-US" sz="1200" dirty="0">
+                <a:latin typeface="Consolas" panose="020B0609020204030204" pitchFamily="49" charset="0"/>
+                <a:ea typeface="Noto Sans" panose="020B0502040504020204" pitchFamily="34" charset="0"/>
+                <a:cs typeface="Noto Sans" panose="020B0502040504020204" pitchFamily="34" charset="0"/>
+              </a:rPr>
+              <a:t> not null,</a:t>
+            </a:r>
+          </a:p>
+          <a:p>
+            <a:r>
+              <a:rPr lang="en-US" sz="1200" dirty="0">
+                <a:latin typeface="Consolas" panose="020B0609020204030204" pitchFamily="49" charset="0"/>
+                <a:ea typeface="Noto Sans" panose="020B0502040504020204" pitchFamily="34" charset="0"/>
+                <a:cs typeface="Noto Sans" panose="020B0502040504020204" pitchFamily="34" charset="0"/>
+              </a:rPr>
+              <a:t>    "</a:t>
+            </a:r>
+            <a:r>
+              <a:rPr lang="en-US" sz="1200" dirty="0" err="1">
+                <a:latin typeface="Consolas" panose="020B0609020204030204" pitchFamily="49" charset="0"/>
+                <a:ea typeface="Noto Sans" panose="020B0502040504020204" pitchFamily="34" charset="0"/>
+                <a:cs typeface="Noto Sans" panose="020B0502040504020204" pitchFamily="34" charset="0"/>
+              </a:rPr>
+              <a:t>placedAt</a:t>
+            </a:r>
+            <a:r>
+              <a:rPr lang="en-US" sz="1200" dirty="0">
+                <a:latin typeface="Consolas" panose="020B0609020204030204" pitchFamily="49" charset="0"/>
+                <a:ea typeface="Noto Sans" panose="020B0502040504020204" pitchFamily="34" charset="0"/>
+                <a:cs typeface="Noto Sans" panose="020B0502040504020204" pitchFamily="34" charset="0"/>
+              </a:rPr>
+              <a:t>" timestamp with time zone not null default now(),</a:t>
+            </a:r>
+          </a:p>
+          <a:p>
+            <a:r>
+              <a:rPr lang="en-US" sz="1200" dirty="0">
+                <a:latin typeface="Consolas" panose="020B0609020204030204" pitchFamily="49" charset="0"/>
+                <a:ea typeface="Noto Sans" panose="020B0502040504020204" pitchFamily="34" charset="0"/>
+                <a:cs typeface="Noto Sans" panose="020B0502040504020204" pitchFamily="34" charset="0"/>
+              </a:rPr>
+              <a:t>    cart </a:t>
+            </a:r>
+            <a:r>
+              <a:rPr lang="en-US" sz="1200" dirty="0" err="1">
+                <a:latin typeface="Consolas" panose="020B0609020204030204" pitchFamily="49" charset="0"/>
+                <a:ea typeface="Noto Sans" panose="020B0502040504020204" pitchFamily="34" charset="0"/>
+                <a:cs typeface="Noto Sans" panose="020B0502040504020204" pitchFamily="34" charset="0"/>
+              </a:rPr>
+              <a:t>json</a:t>
+            </a:r>
+            <a:r>
+              <a:rPr lang="en-US" sz="1200" dirty="0">
+                <a:latin typeface="Consolas" panose="020B0609020204030204" pitchFamily="49" charset="0"/>
+                <a:ea typeface="Noto Sans" panose="020B0502040504020204" pitchFamily="34" charset="0"/>
+                <a:cs typeface="Noto Sans" panose="020B0502040504020204" pitchFamily="34" charset="0"/>
+              </a:rPr>
+              <a:t> not null,</a:t>
+            </a:r>
+          </a:p>
+          <a:p>
+            <a:r>
+              <a:rPr lang="en-US" sz="1200" dirty="0">
                 <a:latin typeface="Consolas" panose="020B0609020204030204" pitchFamily="49" charset="0"/>
                 <a:ea typeface="Noto Sans" panose="020B0502040504020204" pitchFamily="34" charset="0"/>
                 <a:cs typeface="Noto Sans" panose="020B0502040504020204" pitchFamily="34" charset="0"/>
@@ -7986,7 +10835,7 @@
           </a:p>
           <a:p>
             <a:r>
-              <a:rPr lang="en-US" sz="1200">
+              <a:rPr lang="en-US" sz="1200" dirty="0">
                 <a:latin typeface="Consolas" panose="020B0609020204030204" pitchFamily="49" charset="0"/>
                 <a:ea typeface="Noto Sans" panose="020B0502040504020204" pitchFamily="34" charset="0"/>
                 <a:cs typeface="Noto Sans" panose="020B0502040504020204" pitchFamily="34" charset="0"/>
@@ -7996,32 +10845,128 @@
           </a:p>
           <a:p>
             <a:r>
-              <a:rPr lang="en-US" sz="1200">
-                <a:latin typeface="Consolas" panose="020B0609020204030204" pitchFamily="49" charset="0"/>
-                <a:ea typeface="Noto Sans" panose="020B0502040504020204" pitchFamily="34" charset="0"/>
-                <a:cs typeface="Noto Sans" panose="020B0502040504020204" pitchFamily="34" charset="0"/>
-              </a:rPr>
-              <a:t>    constraint orders_pkey primary key (order_id),</a:t>
-            </a:r>
-          </a:p>
-          <a:p>
-            <a:r>
-              <a:rPr lang="en-US" sz="1200">
-                <a:latin typeface="Consolas" panose="020B0609020204030204" pitchFamily="49" charset="0"/>
-                <a:ea typeface="Noto Sans" panose="020B0502040504020204" pitchFamily="34" charset="0"/>
-                <a:cs typeface="Noto Sans" panose="020B0502040504020204" pitchFamily="34" charset="0"/>
-              </a:rPr>
-              <a:t>    constraint orders_uid_fkey foreign key (uid) references users (uid) on update cascade on delete cascade</a:t>
-            </a:r>
-          </a:p>
-          <a:p>
-            <a:r>
-              <a:rPr lang="en-US" sz="1200">
-                <a:latin typeface="Consolas" panose="020B0609020204030204" pitchFamily="49" charset="0"/>
-                <a:ea typeface="Noto Sans" panose="020B0502040504020204" pitchFamily="34" charset="0"/>
-                <a:cs typeface="Noto Sans" panose="020B0502040504020204" pitchFamily="34" charset="0"/>
-              </a:rPr>
-              <a:t>  ) tablespace pg_default;</a:t>
+              <a:rPr lang="en-US" sz="1200" dirty="0">
+                <a:latin typeface="Consolas" panose="020B0609020204030204" pitchFamily="49" charset="0"/>
+                <a:ea typeface="Noto Sans" panose="020B0502040504020204" pitchFamily="34" charset="0"/>
+                <a:cs typeface="Noto Sans" panose="020B0502040504020204" pitchFamily="34" charset="0"/>
+              </a:rPr>
+              <a:t>    constraint </a:t>
+            </a:r>
+            <a:r>
+              <a:rPr lang="en-US" sz="1200" dirty="0" err="1">
+                <a:latin typeface="Consolas" panose="020B0609020204030204" pitchFamily="49" charset="0"/>
+                <a:ea typeface="Noto Sans" panose="020B0502040504020204" pitchFamily="34" charset="0"/>
+                <a:cs typeface="Noto Sans" panose="020B0502040504020204" pitchFamily="34" charset="0"/>
+              </a:rPr>
+              <a:t>orders_pkey</a:t>
+            </a:r>
+            <a:r>
+              <a:rPr lang="en-US" sz="1200" dirty="0">
+                <a:latin typeface="Consolas" panose="020B0609020204030204" pitchFamily="49" charset="0"/>
+                <a:ea typeface="Noto Sans" panose="020B0502040504020204" pitchFamily="34" charset="0"/>
+                <a:cs typeface="Noto Sans" panose="020B0502040504020204" pitchFamily="34" charset="0"/>
+              </a:rPr>
+              <a:t> primary key (</a:t>
+            </a:r>
+            <a:r>
+              <a:rPr lang="en-US" sz="1200" dirty="0" err="1">
+                <a:latin typeface="Consolas" panose="020B0609020204030204" pitchFamily="49" charset="0"/>
+                <a:ea typeface="Noto Sans" panose="020B0502040504020204" pitchFamily="34" charset="0"/>
+                <a:cs typeface="Noto Sans" panose="020B0502040504020204" pitchFamily="34" charset="0"/>
+              </a:rPr>
+              <a:t>order_id</a:t>
+            </a:r>
+            <a:r>
+              <a:rPr lang="en-US" sz="1200" dirty="0">
+                <a:latin typeface="Consolas" panose="020B0609020204030204" pitchFamily="49" charset="0"/>
+                <a:ea typeface="Noto Sans" panose="020B0502040504020204" pitchFamily="34" charset="0"/>
+                <a:cs typeface="Noto Sans" panose="020B0502040504020204" pitchFamily="34" charset="0"/>
+              </a:rPr>
+              <a:t>),</a:t>
+            </a:r>
+          </a:p>
+          <a:p>
+            <a:r>
+              <a:rPr lang="en-US" sz="1200" dirty="0">
+                <a:latin typeface="Consolas" panose="020B0609020204030204" pitchFamily="49" charset="0"/>
+                <a:ea typeface="Noto Sans" panose="020B0502040504020204" pitchFamily="34" charset="0"/>
+                <a:cs typeface="Noto Sans" panose="020B0502040504020204" pitchFamily="34" charset="0"/>
+              </a:rPr>
+              <a:t>    constraint </a:t>
+            </a:r>
+            <a:r>
+              <a:rPr lang="en-US" sz="1200" dirty="0" err="1">
+                <a:latin typeface="Consolas" panose="020B0609020204030204" pitchFamily="49" charset="0"/>
+                <a:ea typeface="Noto Sans" panose="020B0502040504020204" pitchFamily="34" charset="0"/>
+                <a:cs typeface="Noto Sans" panose="020B0502040504020204" pitchFamily="34" charset="0"/>
+              </a:rPr>
+              <a:t>orders_uid_fkey</a:t>
+            </a:r>
+            <a:r>
+              <a:rPr lang="en-US" sz="1200" dirty="0">
+                <a:latin typeface="Consolas" panose="020B0609020204030204" pitchFamily="49" charset="0"/>
+                <a:ea typeface="Noto Sans" panose="020B0502040504020204" pitchFamily="34" charset="0"/>
+                <a:cs typeface="Noto Sans" panose="020B0502040504020204" pitchFamily="34" charset="0"/>
+              </a:rPr>
+              <a:t> foreign key (</a:t>
+            </a:r>
+            <a:r>
+              <a:rPr lang="en-US" sz="1200" dirty="0" err="1">
+                <a:latin typeface="Consolas" panose="020B0609020204030204" pitchFamily="49" charset="0"/>
+                <a:ea typeface="Noto Sans" panose="020B0502040504020204" pitchFamily="34" charset="0"/>
+                <a:cs typeface="Noto Sans" panose="020B0502040504020204" pitchFamily="34" charset="0"/>
+              </a:rPr>
+              <a:t>uid</a:t>
+            </a:r>
+            <a:r>
+              <a:rPr lang="en-US" sz="1200" dirty="0">
+                <a:latin typeface="Consolas" panose="020B0609020204030204" pitchFamily="49" charset="0"/>
+                <a:ea typeface="Noto Sans" panose="020B0502040504020204" pitchFamily="34" charset="0"/>
+                <a:cs typeface="Noto Sans" panose="020B0502040504020204" pitchFamily="34" charset="0"/>
+              </a:rPr>
+              <a:t>) references users (</a:t>
+            </a:r>
+            <a:r>
+              <a:rPr lang="en-US" sz="1200" dirty="0" err="1">
+                <a:latin typeface="Consolas" panose="020B0609020204030204" pitchFamily="49" charset="0"/>
+                <a:ea typeface="Noto Sans" panose="020B0502040504020204" pitchFamily="34" charset="0"/>
+                <a:cs typeface="Noto Sans" panose="020B0502040504020204" pitchFamily="34" charset="0"/>
+              </a:rPr>
+              <a:t>uid</a:t>
+            </a:r>
+            <a:r>
+              <a:rPr lang="en-US" sz="1200" dirty="0">
+                <a:latin typeface="Consolas" panose="020B0609020204030204" pitchFamily="49" charset="0"/>
+                <a:ea typeface="Noto Sans" panose="020B0502040504020204" pitchFamily="34" charset="0"/>
+                <a:cs typeface="Noto Sans" panose="020B0502040504020204" pitchFamily="34" charset="0"/>
+              </a:rPr>
+              <a:t>) on update cascade on delete cascade</a:t>
+            </a:r>
+          </a:p>
+          <a:p>
+            <a:r>
+              <a:rPr lang="en-US" sz="1200" dirty="0">
+                <a:latin typeface="Consolas" panose="020B0609020204030204" pitchFamily="49" charset="0"/>
+                <a:ea typeface="Noto Sans" panose="020B0502040504020204" pitchFamily="34" charset="0"/>
+                <a:cs typeface="Noto Sans" panose="020B0502040504020204" pitchFamily="34" charset="0"/>
+              </a:rPr>
+              <a:t>  ) tablespace </a:t>
+            </a:r>
+            <a:r>
+              <a:rPr lang="en-US" sz="1200" dirty="0" err="1">
+                <a:latin typeface="Consolas" panose="020B0609020204030204" pitchFamily="49" charset="0"/>
+                <a:ea typeface="Noto Sans" panose="020B0502040504020204" pitchFamily="34" charset="0"/>
+                <a:cs typeface="Noto Sans" panose="020B0502040504020204" pitchFamily="34" charset="0"/>
+              </a:rPr>
+              <a:t>pg_default</a:t>
+            </a:r>
+            <a:r>
+              <a:rPr lang="en-US" sz="1200" dirty="0">
+                <a:latin typeface="Consolas" panose="020B0609020204030204" pitchFamily="49" charset="0"/>
+                <a:ea typeface="Noto Sans" panose="020B0502040504020204" pitchFamily="34" charset="0"/>
+                <a:cs typeface="Noto Sans" panose="020B0502040504020204" pitchFamily="34" charset="0"/>
+              </a:rPr>
+              <a:t>;</a:t>
             </a:r>
           </a:p>
         </p:txBody>
@@ -8056,6 +11001,35 @@
           </a:prstGeom>
         </p:spPr>
       </p:pic>
+      <p:sp>
+        <p:nvSpPr>
+          <p:cNvPr id="4" name="Slide Number Placeholder 3">
+            <a:extLst>
+              <a:ext uri="{FF2B5EF4-FFF2-40B4-BE49-F238E27FC236}">
+                <a16:creationId xmlns:a16="http://schemas.microsoft.com/office/drawing/2014/main" id="{D3699F3D-E23B-D07D-8C81-1A1ED4138006}"/>
+              </a:ext>
+            </a:extLst>
+          </p:cNvPr>
+          <p:cNvSpPr>
+            <a:spLocks noGrp="1"/>
+          </p:cNvSpPr>
+          <p:nvPr>
+            <p:ph type="sldNum" sz="quarter" idx="12"/>
+          </p:nvPr>
+        </p:nvSpPr>
+        <p:spPr/>
+        <p:txBody>
+          <a:bodyPr/>
+          <a:lstStyle/>
+          <a:p>
+            <a:fld id="{A0CFAC0B-51A4-4980-BC72-DC67A99FFD20}" type="slidenum">
+              <a:rPr lang="en-AE" smtClean="0"/>
+              <a:t>8</a:t>
+            </a:fld>
+            <a:endParaRPr lang="en-AE" dirty="0"/>
+          </a:p>
+        </p:txBody>
+      </p:sp>
     </p:spTree>
     <p:extLst>
       <p:ext uri="{BB962C8B-B14F-4D97-AF65-F5344CB8AC3E}">
@@ -8069,7 +11043,7 @@
 </p:sld>
 </file>
 
-<file path=ppt/slides/slide8.xml><?xml version="1.0" encoding="utf-8"?>
+<file path=ppt/slides/slide9.xml><?xml version="1.0" encoding="utf-8"?>
 <p:sld xmlns:a="http://schemas.openxmlformats.org/drawingml/2006/main" xmlns:r="http://schemas.openxmlformats.org/officeDocument/2006/relationships" xmlns:p="http://schemas.openxmlformats.org/presentationml/2006/main">
   <p:cSld>
     <p:spTree>
@@ -8560,594 +11534,39 @@
           </a:prstGeom>
         </p:spPr>
       </p:pic>
+      <p:sp>
+        <p:nvSpPr>
+          <p:cNvPr id="3" name="Slide Number Placeholder 2">
+            <a:extLst>
+              <a:ext uri="{FF2B5EF4-FFF2-40B4-BE49-F238E27FC236}">
+                <a16:creationId xmlns:a16="http://schemas.microsoft.com/office/drawing/2014/main" id="{AEEB15E8-603B-C30D-6EC6-8AAC53C7EF0B}"/>
+              </a:ext>
+            </a:extLst>
+          </p:cNvPr>
+          <p:cNvSpPr>
+            <a:spLocks noGrp="1"/>
+          </p:cNvSpPr>
+          <p:nvPr>
+            <p:ph type="sldNum" sz="quarter" idx="12"/>
+          </p:nvPr>
+        </p:nvSpPr>
+        <p:spPr/>
+        <p:txBody>
+          <a:bodyPr/>
+          <a:lstStyle/>
+          <a:p>
+            <a:fld id="{A0CFAC0B-51A4-4980-BC72-DC67A99FFD20}" type="slidenum">
+              <a:rPr lang="en-AE" smtClean="0"/>
+              <a:t>9</a:t>
+            </a:fld>
+            <a:endParaRPr lang="en-AE"/>
+          </a:p>
+        </p:txBody>
+      </p:sp>
     </p:spTree>
     <p:extLst>
       <p:ext uri="{BB962C8B-B14F-4D97-AF65-F5344CB8AC3E}">
         <p14:creationId xmlns:p14="http://schemas.microsoft.com/office/powerpoint/2010/main" val="3836178798"/>
-      </p:ext>
-    </p:extLst>
-  </p:cSld>
-  <p:clrMapOvr>
-    <a:masterClrMapping/>
-  </p:clrMapOvr>
-</p:sld>
-</file>
-
-<file path=ppt/slides/slide9.xml><?xml version="1.0" encoding="utf-8"?>
-<p:sld xmlns:a="http://schemas.openxmlformats.org/drawingml/2006/main" xmlns:r="http://schemas.openxmlformats.org/officeDocument/2006/relationships" xmlns:p="http://schemas.openxmlformats.org/presentationml/2006/main">
-  <p:cSld>
-    <p:spTree>
-      <p:nvGrpSpPr>
-        <p:cNvPr id="1" name=""/>
-        <p:cNvGrpSpPr/>
-        <p:nvPr/>
-      </p:nvGrpSpPr>
-      <p:grpSpPr>
-        <a:xfrm>
-          <a:off x="0" y="0"/>
-          <a:ext cx="0" cy="0"/>
-          <a:chOff x="0" y="0"/>
-          <a:chExt cx="0" cy="0"/>
-        </a:xfrm>
-      </p:grpSpPr>
-      <p:sp>
-        <p:nvSpPr>
-          <p:cNvPr id="2" name="TextBox 1">
-            <a:extLst>
-              <a:ext uri="{FF2B5EF4-FFF2-40B4-BE49-F238E27FC236}">
-                <a16:creationId xmlns:a16="http://schemas.microsoft.com/office/drawing/2014/main" id="{63A20924-FA2B-3EA5-7150-886A7F095C02}"/>
-              </a:ext>
-            </a:extLst>
-          </p:cNvPr>
-          <p:cNvSpPr txBox="1"/>
-          <p:nvPr/>
-        </p:nvSpPr>
-        <p:spPr>
-          <a:xfrm>
-            <a:off x="132399" y="184239"/>
-            <a:ext cx="6593205" cy="5847755"/>
-          </a:xfrm>
-          <a:prstGeom prst="rect">
-            <a:avLst/>
-          </a:prstGeom>
-          <a:noFill/>
-        </p:spPr>
-        <p:txBody>
-          <a:bodyPr wrap="square" rtlCol="0">
-            <a:spAutoFit/>
-          </a:bodyPr>
-          <a:lstStyle/>
-          <a:p>
-            <a:pPr marL="342900" indent="-342900">
-              <a:buFont typeface="+mj-lt"/>
-              <a:buAutoNum type="arabicParenR" startAt="7"/>
-            </a:pPr>
-            <a:r>
-              <a:rPr lang="en-US" sz="1400" dirty="0">
-                <a:solidFill>
-                  <a:schemeClr val="accent1"/>
-                </a:solidFill>
-                <a:latin typeface="Noto Sans" panose="020B0502040504020204" pitchFamily="34" charset="0"/>
-                <a:ea typeface="Noto Sans" panose="020B0502040504020204" pitchFamily="34" charset="0"/>
-                <a:cs typeface="Noto Sans" panose="020B0502040504020204" pitchFamily="34" charset="0"/>
-              </a:rPr>
-              <a:t>Configuring the main server</a:t>
-            </a:r>
-          </a:p>
-          <a:p>
-            <a:pPr marL="342900" indent="-342900">
-              <a:buFont typeface="+mj-lt"/>
-              <a:buAutoNum type="arabicParenR" startAt="7"/>
-            </a:pPr>
-            <a:endParaRPr lang="en-US" sz="1200" dirty="0">
-              <a:latin typeface="Noto Sans" panose="020B0502040504020204" pitchFamily="34" charset="0"/>
-              <a:ea typeface="Noto Sans" panose="020B0502040504020204" pitchFamily="34" charset="0"/>
-              <a:cs typeface="Noto Sans" panose="020B0502040504020204" pitchFamily="34" charset="0"/>
-            </a:endParaRPr>
-          </a:p>
-          <a:p>
-            <a:pPr marL="800100" lvl="1" indent="-342900" algn="just">
-              <a:buFont typeface="Arial" panose="020B0604020202020204" pitchFamily="34" charset="0"/>
-              <a:buChar char="•"/>
-            </a:pPr>
-            <a:r>
-              <a:rPr lang="en-US" sz="1200" dirty="0">
-                <a:latin typeface="Noto Sans" panose="020B0502040504020204" pitchFamily="34" charset="0"/>
-                <a:ea typeface="Noto Sans" panose="020B0502040504020204" pitchFamily="34" charset="0"/>
-                <a:cs typeface="Noto Sans" panose="020B0502040504020204" pitchFamily="34" charset="0"/>
-              </a:rPr>
-              <a:t>I have used a </a:t>
-            </a:r>
-            <a:r>
-              <a:rPr lang="en-US" sz="1200" dirty="0" err="1">
-                <a:latin typeface="Noto Sans" panose="020B0502040504020204" pitchFamily="34" charset="0"/>
-                <a:ea typeface="Noto Sans" panose="020B0502040504020204" pitchFamily="34" charset="0"/>
-                <a:cs typeface="Noto Sans" panose="020B0502040504020204" pitchFamily="34" charset="0"/>
-              </a:rPr>
-              <a:t>config.json</a:t>
-            </a:r>
-            <a:r>
-              <a:rPr lang="en-US" sz="1200" dirty="0">
-                <a:latin typeface="Noto Sans" panose="020B0502040504020204" pitchFamily="34" charset="0"/>
-                <a:ea typeface="Noto Sans" panose="020B0502040504020204" pitchFamily="34" charset="0"/>
-                <a:cs typeface="Noto Sans" panose="020B0502040504020204" pitchFamily="34" charset="0"/>
-              </a:rPr>
-              <a:t>, supabase.js file to store my project URL, public key, service role, and port, as it is easier to update a config file rather than the code</a:t>
-            </a:r>
-          </a:p>
-          <a:p>
-            <a:pPr marL="800100" lvl="1" indent="-342900" algn="just">
-              <a:buFont typeface="Arial" panose="020B0604020202020204" pitchFamily="34" charset="0"/>
-              <a:buChar char="•"/>
-            </a:pPr>
-            <a:endParaRPr lang="en-US" sz="1200" dirty="0">
-              <a:latin typeface="Noto Sans" panose="020B0502040504020204" pitchFamily="34" charset="0"/>
-              <a:ea typeface="Noto Sans" panose="020B0502040504020204" pitchFamily="34" charset="0"/>
-              <a:cs typeface="Noto Sans" panose="020B0502040504020204" pitchFamily="34" charset="0"/>
-            </a:endParaRPr>
-          </a:p>
-          <a:p>
-            <a:pPr marL="800100" lvl="1" indent="-342900" algn="just">
-              <a:buFont typeface="Arial" panose="020B0604020202020204" pitchFamily="34" charset="0"/>
-              <a:buChar char="•"/>
-            </a:pPr>
-            <a:r>
-              <a:rPr lang="en-US" sz="1200" dirty="0">
-                <a:latin typeface="Noto Sans" panose="020B0502040504020204" pitchFamily="34" charset="0"/>
-                <a:ea typeface="Noto Sans" panose="020B0502040504020204" pitchFamily="34" charset="0"/>
-                <a:cs typeface="Noto Sans" panose="020B0502040504020204" pitchFamily="34" charset="0"/>
-              </a:rPr>
-              <a:t>In the directory of the project, run the following commands to edit the config files and paste the project URL, public key, service role, and JWT secret in the "" </a:t>
-            </a:r>
-          </a:p>
-          <a:p>
-            <a:pPr marL="800100" lvl="1" indent="-342900" algn="just">
-              <a:buFont typeface="Arial" panose="020B0604020202020204" pitchFamily="34" charset="0"/>
-              <a:buChar char="•"/>
-            </a:pPr>
-            <a:endParaRPr lang="en-US" sz="1200" dirty="0">
-              <a:latin typeface="Noto Sans" panose="020B0502040504020204" pitchFamily="34" charset="0"/>
-              <a:ea typeface="Noto Sans" panose="020B0502040504020204" pitchFamily="34" charset="0"/>
-              <a:cs typeface="Noto Sans" panose="020B0502040504020204" pitchFamily="34" charset="0"/>
-            </a:endParaRPr>
-          </a:p>
-          <a:p>
-            <a:pPr marL="800100" lvl="1" indent="-342900" algn="just">
-              <a:buFont typeface="Arial" panose="020B0604020202020204" pitchFamily="34" charset="0"/>
-              <a:buChar char="•"/>
-            </a:pPr>
-            <a:endParaRPr lang="en-US" sz="1200" dirty="0">
-              <a:latin typeface="Noto Sans" panose="020B0502040504020204" pitchFamily="34" charset="0"/>
-              <a:ea typeface="Noto Sans" panose="020B0502040504020204" pitchFamily="34" charset="0"/>
-              <a:cs typeface="Noto Sans" panose="020B0502040504020204" pitchFamily="34" charset="0"/>
-            </a:endParaRPr>
-          </a:p>
-          <a:p>
-            <a:pPr marL="800100" lvl="1" indent="-342900" algn="just">
-              <a:buFont typeface="Arial" panose="020B0604020202020204" pitchFamily="34" charset="0"/>
-              <a:buChar char="•"/>
-            </a:pPr>
-            <a:endParaRPr lang="en-US" sz="1200" dirty="0">
-              <a:latin typeface="Noto Sans" panose="020B0502040504020204" pitchFamily="34" charset="0"/>
-              <a:ea typeface="Noto Sans" panose="020B0502040504020204" pitchFamily="34" charset="0"/>
-              <a:cs typeface="Noto Sans" panose="020B0502040504020204" pitchFamily="34" charset="0"/>
-            </a:endParaRPr>
-          </a:p>
-          <a:p>
-            <a:pPr marL="800100" lvl="1" indent="-342900" algn="just">
-              <a:buFont typeface="Arial" panose="020B0604020202020204" pitchFamily="34" charset="0"/>
-              <a:buChar char="•"/>
-            </a:pPr>
-            <a:endParaRPr lang="en-US" sz="1200" dirty="0">
-              <a:latin typeface="Noto Sans" panose="020B0502040504020204" pitchFamily="34" charset="0"/>
-              <a:ea typeface="Noto Sans" panose="020B0502040504020204" pitchFamily="34" charset="0"/>
-              <a:cs typeface="Noto Sans" panose="020B0502040504020204" pitchFamily="34" charset="0"/>
-            </a:endParaRPr>
-          </a:p>
-          <a:p>
-            <a:pPr marL="800100" lvl="1" indent="-342900" algn="just">
-              <a:buFont typeface="Arial" panose="020B0604020202020204" pitchFamily="34" charset="0"/>
-              <a:buChar char="•"/>
-            </a:pPr>
-            <a:endParaRPr lang="en-US" sz="1200" dirty="0">
-              <a:latin typeface="Noto Sans" panose="020B0502040504020204" pitchFamily="34" charset="0"/>
-              <a:ea typeface="Noto Sans" panose="020B0502040504020204" pitchFamily="34" charset="0"/>
-              <a:cs typeface="Noto Sans" panose="020B0502040504020204" pitchFamily="34" charset="0"/>
-            </a:endParaRPr>
-          </a:p>
-          <a:p>
-            <a:pPr marL="800100" lvl="1" indent="-342900" algn="just">
-              <a:buFont typeface="Arial" panose="020B0604020202020204" pitchFamily="34" charset="0"/>
-              <a:buChar char="•"/>
-            </a:pPr>
-            <a:r>
-              <a:rPr lang="en-US" sz="1200" dirty="0">
-                <a:latin typeface="Noto Sans" panose="020B0502040504020204" pitchFamily="34" charset="0"/>
-                <a:ea typeface="Noto Sans" panose="020B0502040504020204" pitchFamily="34" charset="0"/>
-                <a:cs typeface="Noto Sans" panose="020B0502040504020204" pitchFamily="34" charset="0"/>
-              </a:rPr>
-              <a:t>To initiate the server, use the following command </a:t>
-            </a:r>
-          </a:p>
-          <a:p>
-            <a:pPr marL="800100" lvl="1" indent="-342900" algn="just">
-              <a:buFont typeface="Arial" panose="020B0604020202020204" pitchFamily="34" charset="0"/>
-              <a:buChar char="•"/>
-            </a:pPr>
-            <a:endParaRPr lang="en-US" sz="1200" dirty="0">
-              <a:latin typeface="Noto Sans" panose="020B0502040504020204" pitchFamily="34" charset="0"/>
-              <a:ea typeface="Noto Sans" panose="020B0502040504020204" pitchFamily="34" charset="0"/>
-              <a:cs typeface="Noto Sans" panose="020B0502040504020204" pitchFamily="34" charset="0"/>
-            </a:endParaRPr>
-          </a:p>
-          <a:p>
-            <a:pPr marL="800100" lvl="1" indent="-342900" algn="just">
-              <a:buFont typeface="Arial" panose="020B0604020202020204" pitchFamily="34" charset="0"/>
-              <a:buChar char="•"/>
-            </a:pPr>
-            <a:endParaRPr lang="en-US" sz="1200" dirty="0">
-              <a:latin typeface="Noto Sans" panose="020B0502040504020204" pitchFamily="34" charset="0"/>
-              <a:ea typeface="Noto Sans" panose="020B0502040504020204" pitchFamily="34" charset="0"/>
-              <a:cs typeface="Noto Sans" panose="020B0502040504020204" pitchFamily="34" charset="0"/>
-            </a:endParaRPr>
-          </a:p>
-          <a:p>
-            <a:pPr marL="800100" lvl="1" indent="-342900" algn="just">
-              <a:buFont typeface="Arial" panose="020B0604020202020204" pitchFamily="34" charset="0"/>
-              <a:buChar char="•"/>
-            </a:pPr>
-            <a:endParaRPr lang="en-US" sz="1200" dirty="0">
-              <a:latin typeface="Noto Sans" panose="020B0502040504020204" pitchFamily="34" charset="0"/>
-              <a:ea typeface="Noto Sans" panose="020B0502040504020204" pitchFamily="34" charset="0"/>
-              <a:cs typeface="Noto Sans" panose="020B0502040504020204" pitchFamily="34" charset="0"/>
-            </a:endParaRPr>
-          </a:p>
-          <a:p>
-            <a:pPr marL="800100" lvl="1" indent="-342900" algn="just">
-              <a:buFont typeface="Arial" panose="020B0604020202020204" pitchFamily="34" charset="0"/>
-              <a:buChar char="•"/>
-            </a:pPr>
-            <a:endParaRPr lang="en-US" sz="1200" dirty="0">
-              <a:latin typeface="Noto Sans" panose="020B0502040504020204" pitchFamily="34" charset="0"/>
-              <a:ea typeface="Noto Sans" panose="020B0502040504020204" pitchFamily="34" charset="0"/>
-              <a:cs typeface="Noto Sans" panose="020B0502040504020204" pitchFamily="34" charset="0"/>
-            </a:endParaRPr>
-          </a:p>
-          <a:p>
-            <a:pPr marL="800100" lvl="1" indent="-342900" algn="just">
-              <a:buFont typeface="Arial" panose="020B0604020202020204" pitchFamily="34" charset="0"/>
-              <a:buChar char="•"/>
-            </a:pPr>
-            <a:r>
-              <a:rPr lang="en-US" sz="1200" dirty="0">
-                <a:latin typeface="Noto Sans" panose="020B0502040504020204" pitchFamily="34" charset="0"/>
-                <a:ea typeface="Noto Sans" panose="020B0502040504020204" pitchFamily="34" charset="0"/>
-                <a:cs typeface="Noto Sans" panose="020B0502040504020204" pitchFamily="34" charset="0"/>
-              </a:rPr>
-              <a:t>PM2 should respond with a success message, the logs of the application can be monitored using </a:t>
-            </a:r>
-          </a:p>
-          <a:p>
-            <a:pPr marL="800100" lvl="1" indent="-342900" algn="just">
-              <a:buFont typeface="Arial" panose="020B0604020202020204" pitchFamily="34" charset="0"/>
-              <a:buChar char="•"/>
-            </a:pPr>
-            <a:endParaRPr lang="en-US" sz="1200" dirty="0">
-              <a:latin typeface="Noto Sans" panose="020B0502040504020204" pitchFamily="34" charset="0"/>
-              <a:ea typeface="Noto Sans" panose="020B0502040504020204" pitchFamily="34" charset="0"/>
-              <a:cs typeface="Noto Sans" panose="020B0502040504020204" pitchFamily="34" charset="0"/>
-            </a:endParaRPr>
-          </a:p>
-          <a:p>
-            <a:pPr marL="800100" lvl="1" indent="-342900" algn="just">
-              <a:buFont typeface="Arial" panose="020B0604020202020204" pitchFamily="34" charset="0"/>
-              <a:buChar char="•"/>
-            </a:pPr>
-            <a:endParaRPr lang="en-US" sz="1200" dirty="0">
-              <a:latin typeface="Noto Sans" panose="020B0502040504020204" pitchFamily="34" charset="0"/>
-              <a:ea typeface="Noto Sans" panose="020B0502040504020204" pitchFamily="34" charset="0"/>
-              <a:cs typeface="Noto Sans" panose="020B0502040504020204" pitchFamily="34" charset="0"/>
-            </a:endParaRPr>
-          </a:p>
-          <a:p>
-            <a:pPr marL="800100" lvl="1" indent="-342900" algn="just">
-              <a:buFont typeface="Arial" panose="020B0604020202020204" pitchFamily="34" charset="0"/>
-              <a:buChar char="•"/>
-            </a:pPr>
-            <a:endParaRPr lang="en-US" sz="1200" dirty="0">
-              <a:latin typeface="Noto Sans" panose="020B0502040504020204" pitchFamily="34" charset="0"/>
-              <a:ea typeface="Noto Sans" panose="020B0502040504020204" pitchFamily="34" charset="0"/>
-              <a:cs typeface="Noto Sans" panose="020B0502040504020204" pitchFamily="34" charset="0"/>
-            </a:endParaRPr>
-          </a:p>
-          <a:p>
-            <a:pPr marL="800100" lvl="1" indent="-342900" algn="just">
-              <a:buFont typeface="Arial" panose="020B0604020202020204" pitchFamily="34" charset="0"/>
-              <a:buChar char="•"/>
-            </a:pPr>
-            <a:endParaRPr lang="en-US" sz="1200" dirty="0">
-              <a:latin typeface="Noto Sans" panose="020B0502040504020204" pitchFamily="34" charset="0"/>
-              <a:ea typeface="Noto Sans" panose="020B0502040504020204" pitchFamily="34" charset="0"/>
-              <a:cs typeface="Noto Sans" panose="020B0502040504020204" pitchFamily="34" charset="0"/>
-            </a:endParaRPr>
-          </a:p>
-          <a:p>
-            <a:pPr marL="800100" lvl="1" indent="-342900" algn="just">
-              <a:buFont typeface="Arial" panose="020B0604020202020204" pitchFamily="34" charset="0"/>
-              <a:buChar char="•"/>
-            </a:pPr>
-            <a:r>
-              <a:rPr lang="en-US" sz="1200" dirty="0">
-                <a:latin typeface="Noto Sans" panose="020B0502040504020204" pitchFamily="34" charset="0"/>
-                <a:ea typeface="Noto Sans" panose="020B0502040504020204" pitchFamily="34" charset="0"/>
-                <a:cs typeface="Noto Sans" panose="020B0502040504020204" pitchFamily="34" charset="0"/>
-              </a:rPr>
-              <a:t>If the server is running, this should be your output</a:t>
-            </a:r>
-          </a:p>
-          <a:p>
-            <a:pPr marL="800100" lvl="1" indent="-342900" algn="just">
-              <a:buFont typeface="Arial" panose="020B0604020202020204" pitchFamily="34" charset="0"/>
-              <a:buChar char="•"/>
-            </a:pPr>
-            <a:endParaRPr lang="en-US" sz="1200" dirty="0">
-              <a:latin typeface="Noto Sans" panose="020B0502040504020204" pitchFamily="34" charset="0"/>
-              <a:ea typeface="Noto Sans" panose="020B0502040504020204" pitchFamily="34" charset="0"/>
-              <a:cs typeface="Noto Sans" panose="020B0502040504020204" pitchFamily="34" charset="0"/>
-            </a:endParaRPr>
-          </a:p>
-          <a:p>
-            <a:pPr marL="800100" lvl="1" indent="-342900" algn="just">
-              <a:buFont typeface="Arial" panose="020B0604020202020204" pitchFamily="34" charset="0"/>
-              <a:buChar char="•"/>
-            </a:pPr>
-            <a:endParaRPr lang="en-US" sz="1200" dirty="0">
-              <a:latin typeface="Noto Sans" panose="020B0502040504020204" pitchFamily="34" charset="0"/>
-              <a:ea typeface="Noto Sans" panose="020B0502040504020204" pitchFamily="34" charset="0"/>
-              <a:cs typeface="Noto Sans" panose="020B0502040504020204" pitchFamily="34" charset="0"/>
-            </a:endParaRPr>
-          </a:p>
-          <a:p>
-            <a:pPr marL="800100" lvl="1" indent="-342900" algn="just">
-              <a:buFont typeface="Arial" panose="020B0604020202020204" pitchFamily="34" charset="0"/>
-              <a:buChar char="•"/>
-            </a:pPr>
-            <a:endParaRPr lang="en-US" sz="1200" dirty="0">
-              <a:latin typeface="Noto Sans" panose="020B0502040504020204" pitchFamily="34" charset="0"/>
-              <a:ea typeface="Noto Sans" panose="020B0502040504020204" pitchFamily="34" charset="0"/>
-              <a:cs typeface="Noto Sans" panose="020B0502040504020204" pitchFamily="34" charset="0"/>
-            </a:endParaRPr>
-          </a:p>
-          <a:p>
-            <a:pPr marL="800100" lvl="1" indent="-342900" algn="just">
-              <a:buFont typeface="Arial" panose="020B0604020202020204" pitchFamily="34" charset="0"/>
-              <a:buChar char="•"/>
-            </a:pPr>
-            <a:r>
-              <a:rPr lang="en-US" sz="1200" dirty="0">
-                <a:latin typeface="Noto Sans" panose="020B0502040504020204" pitchFamily="34" charset="0"/>
-                <a:ea typeface="Noto Sans" panose="020B0502040504020204" pitchFamily="34" charset="0"/>
-                <a:cs typeface="Noto Sans" panose="020B0502040504020204" pitchFamily="34" charset="0"/>
-              </a:rPr>
-              <a:t>The server also logs actions like account order creations.</a:t>
-            </a:r>
-          </a:p>
-        </p:txBody>
-      </p:sp>
-      <p:sp>
-        <p:nvSpPr>
-          <p:cNvPr id="3" name="TextBox 2">
-            <a:extLst>
-              <a:ext uri="{FF2B5EF4-FFF2-40B4-BE49-F238E27FC236}">
-                <a16:creationId xmlns:a16="http://schemas.microsoft.com/office/drawing/2014/main" id="{A2573020-672F-3169-77F9-EE26453463A5}"/>
-              </a:ext>
-            </a:extLst>
-          </p:cNvPr>
-          <p:cNvSpPr txBox="1"/>
-          <p:nvPr/>
-        </p:nvSpPr>
-        <p:spPr>
-          <a:xfrm>
-            <a:off x="393857" y="2107842"/>
-            <a:ext cx="6331744" cy="461665"/>
-          </a:xfrm>
-          <a:prstGeom prst="rect">
-            <a:avLst/>
-          </a:prstGeom>
-          <a:solidFill>
-            <a:schemeClr val="bg1">
-              <a:lumMod val="85000"/>
-            </a:schemeClr>
-          </a:solidFill>
-        </p:spPr>
-        <p:style>
-          <a:lnRef idx="2">
-            <a:schemeClr val="dk1"/>
-          </a:lnRef>
-          <a:fillRef idx="1">
-            <a:schemeClr val="lt1"/>
-          </a:fillRef>
-          <a:effectRef idx="0">
-            <a:schemeClr val="dk1"/>
-          </a:effectRef>
-          <a:fontRef idx="minor">
-            <a:schemeClr val="dk1"/>
-          </a:fontRef>
-        </p:style>
-        <p:txBody>
-          <a:bodyPr wrap="square" rtlCol="0">
-            <a:spAutoFit/>
-          </a:bodyPr>
-          <a:lstStyle/>
-          <a:p>
-            <a:r>
-              <a:rPr lang="en-US" sz="1200">
-                <a:latin typeface="Consolas" panose="020B0609020204030204" pitchFamily="49" charset="0"/>
-                <a:ea typeface="Noto Sans" panose="020B0502040504020204" pitchFamily="34" charset="0"/>
-                <a:cs typeface="Noto Sans" panose="020B0502040504020204" pitchFamily="34" charset="0"/>
-              </a:rPr>
-              <a:t>nano config.json </a:t>
-            </a:r>
-          </a:p>
-          <a:p>
-            <a:r>
-              <a:rPr lang="en-US" sz="1200">
-                <a:latin typeface="Consolas" panose="020B0609020204030204" pitchFamily="49" charset="0"/>
-                <a:ea typeface="Noto Sans" panose="020B0502040504020204" pitchFamily="34" charset="0"/>
-                <a:cs typeface="Noto Sans" panose="020B0502040504020204" pitchFamily="34" charset="0"/>
-              </a:rPr>
-              <a:t>nano supabase.js</a:t>
-            </a:r>
-          </a:p>
-        </p:txBody>
-      </p:sp>
-      <p:sp>
-        <p:nvSpPr>
-          <p:cNvPr id="5" name="TextBox 4">
-            <a:extLst>
-              <a:ext uri="{FF2B5EF4-FFF2-40B4-BE49-F238E27FC236}">
-                <a16:creationId xmlns:a16="http://schemas.microsoft.com/office/drawing/2014/main" id="{CD21D1B6-1929-6674-CF89-50456D3A1A29}"/>
-              </a:ext>
-            </a:extLst>
-          </p:cNvPr>
-          <p:cNvSpPr txBox="1"/>
-          <p:nvPr/>
-        </p:nvSpPr>
-        <p:spPr>
-          <a:xfrm>
-            <a:off x="393857" y="3215838"/>
-            <a:ext cx="6331744" cy="276999"/>
-          </a:xfrm>
-          <a:prstGeom prst="rect">
-            <a:avLst/>
-          </a:prstGeom>
-          <a:solidFill>
-            <a:schemeClr val="bg1">
-              <a:lumMod val="85000"/>
-            </a:schemeClr>
-          </a:solidFill>
-        </p:spPr>
-        <p:style>
-          <a:lnRef idx="2">
-            <a:schemeClr val="dk1"/>
-          </a:lnRef>
-          <a:fillRef idx="1">
-            <a:schemeClr val="lt1"/>
-          </a:fillRef>
-          <a:effectRef idx="0">
-            <a:schemeClr val="dk1"/>
-          </a:effectRef>
-          <a:fontRef idx="minor">
-            <a:schemeClr val="dk1"/>
-          </a:fontRef>
-        </p:style>
-        <p:txBody>
-          <a:bodyPr wrap="square" rtlCol="0">
-            <a:spAutoFit/>
-          </a:bodyPr>
-          <a:lstStyle/>
-          <a:p>
-            <a:r>
-              <a:rPr lang="en-US" sz="1200">
-                <a:latin typeface="Consolas" panose="020B0609020204030204" pitchFamily="49" charset="0"/>
-                <a:ea typeface="Noto Sans" panose="020B0502040504020204" pitchFamily="34" charset="0"/>
-                <a:cs typeface="Noto Sans" panose="020B0502040504020204" pitchFamily="34" charset="0"/>
-              </a:rPr>
-              <a:t>pm2 start app.js</a:t>
-            </a:r>
-          </a:p>
-        </p:txBody>
-      </p:sp>
-      <p:sp>
-        <p:nvSpPr>
-          <p:cNvPr id="7" name="TextBox 6">
-            <a:extLst>
-              <a:ext uri="{FF2B5EF4-FFF2-40B4-BE49-F238E27FC236}">
-                <a16:creationId xmlns:a16="http://schemas.microsoft.com/office/drawing/2014/main" id="{4C92BC5A-DB02-4B13-0E54-9BFECCA2C919}"/>
-              </a:ext>
-            </a:extLst>
-          </p:cNvPr>
-          <p:cNvSpPr txBox="1"/>
-          <p:nvPr/>
-        </p:nvSpPr>
-        <p:spPr>
-          <a:xfrm>
-            <a:off x="393857" y="4262277"/>
-            <a:ext cx="6331744" cy="276999"/>
-          </a:xfrm>
-          <a:prstGeom prst="rect">
-            <a:avLst/>
-          </a:prstGeom>
-          <a:solidFill>
-            <a:schemeClr val="bg1">
-              <a:lumMod val="85000"/>
-            </a:schemeClr>
-          </a:solidFill>
-        </p:spPr>
-        <p:style>
-          <a:lnRef idx="2">
-            <a:schemeClr val="dk1"/>
-          </a:lnRef>
-          <a:fillRef idx="1">
-            <a:schemeClr val="lt1"/>
-          </a:fillRef>
-          <a:effectRef idx="0">
-            <a:schemeClr val="dk1"/>
-          </a:effectRef>
-          <a:fontRef idx="minor">
-            <a:schemeClr val="dk1"/>
-          </a:fontRef>
-        </p:style>
-        <p:txBody>
-          <a:bodyPr wrap="square" rtlCol="0">
-            <a:spAutoFit/>
-          </a:bodyPr>
-          <a:lstStyle/>
-          <a:p>
-            <a:r>
-              <a:rPr lang="en-US" sz="1200">
-                <a:latin typeface="Consolas" panose="020B0609020204030204" pitchFamily="49" charset="0"/>
-                <a:ea typeface="Noto Sans" panose="020B0502040504020204" pitchFamily="34" charset="0"/>
-                <a:cs typeface="Noto Sans" panose="020B0502040504020204" pitchFamily="34" charset="0"/>
-              </a:rPr>
-              <a:t>pm2 logs app</a:t>
-            </a:r>
-          </a:p>
-        </p:txBody>
-      </p:sp>
-      <p:pic>
-        <p:nvPicPr>
-          <p:cNvPr id="14" name="Picture 13">
-            <a:extLst>
-              <a:ext uri="{FF2B5EF4-FFF2-40B4-BE49-F238E27FC236}">
-                <a16:creationId xmlns:a16="http://schemas.microsoft.com/office/drawing/2014/main" id="{EC0304DC-263F-FF20-500B-AD96BF72C812}"/>
-              </a:ext>
-            </a:extLst>
-          </p:cNvPr>
-          <p:cNvPicPr>
-            <a:picLocks noChangeAspect="1"/>
-          </p:cNvPicPr>
-          <p:nvPr/>
-        </p:nvPicPr>
-        <p:blipFill rotWithShape="1">
-          <a:blip r:embed="rId2"/>
-          <a:srcRect r="7674"/>
-          <a:stretch/>
-        </p:blipFill>
-        <p:spPr>
-          <a:xfrm>
-            <a:off x="393857" y="5168849"/>
-            <a:ext cx="6331744" cy="279734"/>
-          </a:xfrm>
-          <a:prstGeom prst="rect">
-            <a:avLst/>
-          </a:prstGeom>
-        </p:spPr>
-      </p:pic>
-    </p:spTree>
-    <p:extLst>
-      <p:ext uri="{BB962C8B-B14F-4D97-AF65-F5344CB8AC3E}">
-        <p14:creationId xmlns:p14="http://schemas.microsoft.com/office/powerpoint/2010/main" val="872500211"/>
       </p:ext>
     </p:extLst>
   </p:cSld>
